--- a/서버프로그래밍.pptx
+++ b/서버프로그래밍.pptx
@@ -3479,7 +3479,7 @@
           <a:p>
             <a:fld id="{CE685DD4-E308-46FC-AB72-CC2741248A29}" type="datetimeFigureOut">
               <a:rPr lang="ko-KR" altLang="en-US" smtClean="0"/>
-              <a:t>2024-11-05</a:t>
+              <a:t>2024-11-11</a:t>
             </a:fld>
             <a:endParaRPr lang="ko-KR" altLang="en-US"/>
           </a:p>
@@ -3693,7 +3693,7 @@
           <a:p>
             <a:fld id="{CE685DD4-E308-46FC-AB72-CC2741248A29}" type="datetimeFigureOut">
               <a:rPr lang="ko-KR" altLang="en-US" smtClean="0"/>
-              <a:t>2024-11-05</a:t>
+              <a:t>2024-11-11</a:t>
             </a:fld>
             <a:endParaRPr lang="ko-KR" altLang="en-US"/>
           </a:p>
@@ -3917,7 +3917,7 @@
           <a:p>
             <a:fld id="{CE685DD4-E308-46FC-AB72-CC2741248A29}" type="datetimeFigureOut">
               <a:rPr lang="ko-KR" altLang="en-US" smtClean="0"/>
-              <a:t>2024-11-05</a:t>
+              <a:t>2024-11-11</a:t>
             </a:fld>
             <a:endParaRPr lang="ko-KR" altLang="en-US"/>
           </a:p>
@@ -4145,7 +4145,7 @@
           <a:p>
             <a:fld id="{CE685DD4-E308-46FC-AB72-CC2741248A29}" type="datetimeFigureOut">
               <a:rPr lang="ko-KR" altLang="en-US" smtClean="0"/>
-              <a:t>2024-11-05</a:t>
+              <a:t>2024-11-11</a:t>
             </a:fld>
             <a:endParaRPr lang="ko-KR" altLang="en-US"/>
           </a:p>
@@ -4343,7 +4343,7 @@
           <a:p>
             <a:fld id="{CE685DD4-E308-46FC-AB72-CC2741248A29}" type="datetimeFigureOut">
               <a:rPr lang="ko-KR" altLang="en-US" smtClean="0"/>
-              <a:t>2024-11-05</a:t>
+              <a:t>2024-11-11</a:t>
             </a:fld>
             <a:endParaRPr lang="ko-KR" altLang="en-US"/>
           </a:p>
@@ -4618,7 +4618,7 @@
           <a:p>
             <a:fld id="{CE685DD4-E308-46FC-AB72-CC2741248A29}" type="datetimeFigureOut">
               <a:rPr lang="ko-KR" altLang="en-US" smtClean="0"/>
-              <a:t>2024-11-05</a:t>
+              <a:t>2024-11-11</a:t>
             </a:fld>
             <a:endParaRPr lang="ko-KR" altLang="en-US"/>
           </a:p>
@@ -4883,7 +4883,7 @@
           <a:p>
             <a:fld id="{CE685DD4-E308-46FC-AB72-CC2741248A29}" type="datetimeFigureOut">
               <a:rPr lang="ko-KR" altLang="en-US" smtClean="0"/>
-              <a:t>2024-11-05</a:t>
+              <a:t>2024-11-11</a:t>
             </a:fld>
             <a:endParaRPr lang="ko-KR" altLang="en-US"/>
           </a:p>
@@ -5295,7 +5295,7 @@
           <a:p>
             <a:fld id="{CE685DD4-E308-46FC-AB72-CC2741248A29}" type="datetimeFigureOut">
               <a:rPr lang="ko-KR" altLang="en-US" smtClean="0"/>
-              <a:t>2024-11-05</a:t>
+              <a:t>2024-11-11</a:t>
             </a:fld>
             <a:endParaRPr lang="ko-KR" altLang="en-US"/>
           </a:p>
@@ -5436,7 +5436,7 @@
           <a:p>
             <a:fld id="{CE685DD4-E308-46FC-AB72-CC2741248A29}" type="datetimeFigureOut">
               <a:rPr lang="ko-KR" altLang="en-US" smtClean="0"/>
-              <a:t>2024-11-05</a:t>
+              <a:t>2024-11-11</a:t>
             </a:fld>
             <a:endParaRPr lang="ko-KR" altLang="en-US"/>
           </a:p>
@@ -5549,7 +5549,7 @@
           <a:p>
             <a:fld id="{CE685DD4-E308-46FC-AB72-CC2741248A29}" type="datetimeFigureOut">
               <a:rPr lang="ko-KR" altLang="en-US" smtClean="0"/>
-              <a:t>2024-11-05</a:t>
+              <a:t>2024-11-11</a:t>
             </a:fld>
             <a:endParaRPr lang="ko-KR" altLang="en-US"/>
           </a:p>
@@ -5860,7 +5860,7 @@
           <a:p>
             <a:fld id="{CE685DD4-E308-46FC-AB72-CC2741248A29}" type="datetimeFigureOut">
               <a:rPr lang="ko-KR" altLang="en-US" smtClean="0"/>
-              <a:t>2024-11-05</a:t>
+              <a:t>2024-11-11</a:t>
             </a:fld>
             <a:endParaRPr lang="ko-KR" altLang="en-US"/>
           </a:p>
@@ -6066,7 +6066,7 @@
           <a:p>
             <a:fld id="{CE685DD4-E308-46FC-AB72-CC2741248A29}" type="datetimeFigureOut">
               <a:rPr lang="ko-KR" altLang="en-US" smtClean="0"/>
-              <a:t>2024-11-05</a:t>
+              <a:t>2024-11-11</a:t>
             </a:fld>
             <a:endParaRPr lang="ko-KR" altLang="en-US"/>
           </a:p>
@@ -6362,7 +6362,7 @@
           <a:p>
             <a:fld id="{CE685DD4-E308-46FC-AB72-CC2741248A29}" type="datetimeFigureOut">
               <a:rPr lang="ko-KR" altLang="en-US" smtClean="0"/>
-              <a:t>2024-11-05</a:t>
+              <a:t>2024-11-11</a:t>
             </a:fld>
             <a:endParaRPr lang="ko-KR" altLang="en-US"/>
           </a:p>
@@ -6560,7 +6560,7 @@
           <a:p>
             <a:fld id="{CE685DD4-E308-46FC-AB72-CC2741248A29}" type="datetimeFigureOut">
               <a:rPr lang="ko-KR" altLang="en-US" smtClean="0"/>
-              <a:t>2024-11-05</a:t>
+              <a:t>2024-11-11</a:t>
             </a:fld>
             <a:endParaRPr lang="ko-KR" altLang="en-US"/>
           </a:p>
@@ -6768,7 +6768,7 @@
           <a:p>
             <a:fld id="{CE685DD4-E308-46FC-AB72-CC2741248A29}" type="datetimeFigureOut">
               <a:rPr lang="ko-KR" altLang="en-US" smtClean="0"/>
-              <a:t>2024-11-05</a:t>
+              <a:t>2024-11-11</a:t>
             </a:fld>
             <a:endParaRPr lang="ko-KR" altLang="en-US"/>
           </a:p>
@@ -7051,7 +7051,7 @@
           <a:p>
             <a:fld id="{CE685DD4-E308-46FC-AB72-CC2741248A29}" type="datetimeFigureOut">
               <a:rPr lang="ko-KR" altLang="en-US" smtClean="0"/>
-              <a:t>2024-11-05</a:t>
+              <a:t>2024-11-11</a:t>
             </a:fld>
             <a:endParaRPr lang="ko-KR" altLang="en-US"/>
           </a:p>
@@ -7332,7 +7332,7 @@
           <a:p>
             <a:fld id="{CE685DD4-E308-46FC-AB72-CC2741248A29}" type="datetimeFigureOut">
               <a:rPr lang="ko-KR" altLang="en-US" smtClean="0"/>
-              <a:t>2024-11-05</a:t>
+              <a:t>2024-11-11</a:t>
             </a:fld>
             <a:endParaRPr lang="ko-KR" altLang="en-US"/>
           </a:p>
@@ -7760,7 +7760,7 @@
           <a:p>
             <a:fld id="{CE685DD4-E308-46FC-AB72-CC2741248A29}" type="datetimeFigureOut">
               <a:rPr lang="ko-KR" altLang="en-US" smtClean="0"/>
-              <a:t>2024-11-05</a:t>
+              <a:t>2024-11-11</a:t>
             </a:fld>
             <a:endParaRPr lang="ko-KR" altLang="en-US"/>
           </a:p>
@@ -7917,7 +7917,7 @@
           <a:p>
             <a:fld id="{CE685DD4-E308-46FC-AB72-CC2741248A29}" type="datetimeFigureOut">
               <a:rPr lang="ko-KR" altLang="en-US" smtClean="0"/>
-              <a:t>2024-11-05</a:t>
+              <a:t>2024-11-11</a:t>
             </a:fld>
             <a:endParaRPr lang="ko-KR" altLang="en-US"/>
           </a:p>
@@ -8046,7 +8046,7 @@
           <a:p>
             <a:fld id="{CE685DD4-E308-46FC-AB72-CC2741248A29}" type="datetimeFigureOut">
               <a:rPr lang="ko-KR" altLang="en-US" smtClean="0"/>
-              <a:t>2024-11-05</a:t>
+              <a:t>2024-11-11</a:t>
             </a:fld>
             <a:endParaRPr lang="ko-KR" altLang="en-US"/>
           </a:p>
@@ -8373,7 +8373,7 @@
           <a:p>
             <a:fld id="{CE685DD4-E308-46FC-AB72-CC2741248A29}" type="datetimeFigureOut">
               <a:rPr lang="ko-KR" altLang="en-US" smtClean="0"/>
-              <a:t>2024-11-05</a:t>
+              <a:t>2024-11-11</a:t>
             </a:fld>
             <a:endParaRPr lang="ko-KR" altLang="en-US"/>
           </a:p>
@@ -8677,7 +8677,7 @@
           <a:p>
             <a:fld id="{CE685DD4-E308-46FC-AB72-CC2741248A29}" type="datetimeFigureOut">
               <a:rPr lang="ko-KR" altLang="en-US" smtClean="0"/>
-              <a:t>2024-11-05</a:t>
+              <a:t>2024-11-11</a:t>
             </a:fld>
             <a:endParaRPr lang="ko-KR" altLang="en-US"/>
           </a:p>
@@ -9410,7 +9410,7 @@
           <a:p>
             <a:fld id="{CE685DD4-E308-46FC-AB72-CC2741248A29}" type="datetimeFigureOut">
               <a:rPr lang="ko-KR" altLang="en-US" smtClean="0"/>
-              <a:t>2024-11-05</a:t>
+              <a:t>2024-11-11</a:t>
             </a:fld>
             <a:endParaRPr lang="ko-KR" altLang="en-US"/>
           </a:p>
@@ -9942,8 +9942,8 @@
           <a:lstStyle/>
           <a:p>
             <a:r>
-              <a:rPr lang="en-US" altLang="ko-KR" dirty="0"/>
-              <a:t>Flow Chart</a:t>
+              <a:rPr lang="en-US" altLang="ko-KR" dirty="0" err="1"/>
+              <a:t>Server_main</a:t>
             </a:r>
             <a:endParaRPr lang="ko-KR" altLang="en-US" dirty="0"/>
           </a:p>
@@ -10273,14 +10273,14 @@
           <p:cNvCxnSpPr>
             <a:cxnSpLocks/>
             <a:stCxn id="5" idx="2"/>
-            <a:endCxn id="21" idx="3"/>
+            <a:endCxn id="40" idx="0"/>
           </p:cNvCxnSpPr>
           <p:nvPr/>
         </p:nvCxnSpPr>
         <p:spPr>
           <a:xfrm flipH="1">
-            <a:off x="1839235" y="3248078"/>
-            <a:ext cx="1" cy="268769"/>
+            <a:off x="1839233" y="3248078"/>
+            <a:ext cx="3" cy="268769"/>
           </a:xfrm>
           <a:prstGeom prst="straightConnector1">
             <a:avLst/>
@@ -10321,7 +10321,7 @@
         </p:nvSpPr>
         <p:spPr>
           <a:xfrm>
-            <a:off x="905981" y="3516847"/>
+            <a:off x="905981" y="4381608"/>
             <a:ext cx="1866507" cy="595992"/>
           </a:xfrm>
           <a:prstGeom prst="snip2SameRect">
@@ -10390,15 +10390,15 @@
           </p:cNvPr>
           <p:cNvCxnSpPr>
             <a:cxnSpLocks/>
-            <a:stCxn id="21" idx="1"/>
-            <a:endCxn id="40" idx="0"/>
+            <a:stCxn id="40" idx="2"/>
+            <a:endCxn id="21" idx="3"/>
           </p:cNvCxnSpPr>
           <p:nvPr/>
         </p:nvCxnSpPr>
         <p:spPr>
-          <a:xfrm flipH="1">
-            <a:off x="1839234" y="4112839"/>
-            <a:ext cx="1" cy="268769"/>
+          <a:xfrm>
+            <a:off x="1839233" y="4112839"/>
+            <a:ext cx="2" cy="268769"/>
           </a:xfrm>
           <a:prstGeom prst="straightConnector1">
             <a:avLst/>
@@ -10436,7 +10436,7 @@
           </p:cNvPr>
           <p:cNvCxnSpPr>
             <a:cxnSpLocks/>
-            <a:stCxn id="40" idx="2"/>
+            <a:stCxn id="21" idx="1"/>
             <a:endCxn id="43" idx="0"/>
           </p:cNvCxnSpPr>
           <p:nvPr/>
@@ -10444,7 +10444,7 @@
         <p:spPr>
           <a:xfrm flipH="1">
             <a:off x="1839233" y="4977600"/>
-            <a:ext cx="1" cy="268769"/>
+            <a:ext cx="2" cy="268769"/>
           </a:xfrm>
           <a:prstGeom prst="straightConnector1">
             <a:avLst/>
@@ -10595,7 +10595,7 @@
         </p:nvSpPr>
         <p:spPr>
           <a:xfrm>
-            <a:off x="800099" y="4381608"/>
+            <a:off x="800098" y="3516847"/>
             <a:ext cx="2078269" cy="595992"/>
           </a:xfrm>
           <a:prstGeom prst="roundRect">
@@ -11005,7 +11005,7 @@
         </p:nvSpPr>
         <p:spPr>
           <a:xfrm>
-            <a:off x="252294" y="4466386"/>
+            <a:off x="252293" y="3601625"/>
             <a:ext cx="426436" cy="426436"/>
           </a:xfrm>
           <a:prstGeom prst="ellipse">
@@ -11563,6 +11563,416 @@
           </a:fontRef>
         </p:style>
       </p:cxnSp>
+      <p:sp>
+        <p:nvSpPr>
+          <p:cNvPr id="3" name="직사각형 2">
+            <a:extLst>
+              <a:ext uri="{FF2B5EF4-FFF2-40B4-BE49-F238E27FC236}">
+                <a16:creationId xmlns:a16="http://schemas.microsoft.com/office/drawing/2014/main" id="{CF3198A7-DBDC-732B-4D66-A6A1D20BDD82}"/>
+              </a:ext>
+            </a:extLst>
+          </p:cNvPr>
+          <p:cNvSpPr/>
+          <p:nvPr/>
+        </p:nvSpPr>
+        <p:spPr>
+          <a:xfrm>
+            <a:off x="4905827" y="2714449"/>
+            <a:ext cx="2078272" cy="595992"/>
+          </a:xfrm>
+          <a:prstGeom prst="rect">
+            <a:avLst/>
+          </a:prstGeom>
+          <a:solidFill>
+            <a:schemeClr val="tx2">
+              <a:lumMod val="40000"/>
+              <a:lumOff val="60000"/>
+            </a:schemeClr>
+          </a:solidFill>
+        </p:spPr>
+        <p:style>
+          <a:lnRef idx="2">
+            <a:schemeClr val="accent1">
+              <a:shade val="15000"/>
+            </a:schemeClr>
+          </a:lnRef>
+          <a:fillRef idx="1">
+            <a:schemeClr val="accent1"/>
+          </a:fillRef>
+          <a:effectRef idx="0">
+            <a:schemeClr val="accent1"/>
+          </a:effectRef>
+          <a:fontRef idx="minor">
+            <a:schemeClr val="lt1"/>
+          </a:fontRef>
+        </p:style>
+        <p:txBody>
+          <a:bodyPr rtlCol="0" anchor="ctr"/>
+          <a:lstStyle/>
+          <a:p>
+            <a:pPr algn="ctr"/>
+            <a:r>
+              <a:rPr lang="en-US" altLang="ko-KR" dirty="0" err="1">
+                <a:solidFill>
+                  <a:schemeClr val="tx1"/>
+                </a:solidFill>
+              </a:rPr>
+              <a:t>ServerSocket.Lib</a:t>
+            </a:r>
+            <a:endParaRPr lang="ko-KR" altLang="en-US" dirty="0">
+              <a:solidFill>
+                <a:schemeClr val="tx1"/>
+              </a:solidFill>
+            </a:endParaRPr>
+          </a:p>
+        </p:txBody>
+      </p:sp>
+      <p:sp>
+        <p:nvSpPr>
+          <p:cNvPr id="24" name="사각형: 잘린 위쪽 모서리 23">
+            <a:extLst>
+              <a:ext uri="{FF2B5EF4-FFF2-40B4-BE49-F238E27FC236}">
+                <a16:creationId xmlns:a16="http://schemas.microsoft.com/office/drawing/2014/main" id="{F7D3254D-8685-2D6A-3646-295757DEE00B}"/>
+              </a:ext>
+            </a:extLst>
+          </p:cNvPr>
+          <p:cNvSpPr/>
+          <p:nvPr/>
+        </p:nvSpPr>
+        <p:spPr>
+          <a:xfrm>
+            <a:off x="5011706" y="1820461"/>
+            <a:ext cx="1866507" cy="595992"/>
+          </a:xfrm>
+          <a:prstGeom prst="snip2SameRect">
+            <a:avLst>
+              <a:gd name="adj1" fmla="val 43556"/>
+              <a:gd name="adj2" fmla="val 0"/>
+            </a:avLst>
+          </a:prstGeom>
+          <a:solidFill>
+            <a:schemeClr val="accent4">
+              <a:lumMod val="60000"/>
+              <a:lumOff val="40000"/>
+            </a:schemeClr>
+          </a:solidFill>
+          <a:ln>
+            <a:solidFill>
+              <a:schemeClr val="tx1"/>
+            </a:solidFill>
+          </a:ln>
+        </p:spPr>
+        <p:style>
+          <a:lnRef idx="2">
+            <a:schemeClr val="accent1">
+              <a:shade val="15000"/>
+            </a:schemeClr>
+          </a:lnRef>
+          <a:fillRef idx="1">
+            <a:schemeClr val="accent1"/>
+          </a:fillRef>
+          <a:effectRef idx="0">
+            <a:schemeClr val="accent1"/>
+          </a:effectRef>
+          <a:fontRef idx="minor">
+            <a:schemeClr val="lt1"/>
+          </a:fontRef>
+        </p:style>
+        <p:txBody>
+          <a:bodyPr rtlCol="0" anchor="ctr"/>
+          <a:lstStyle/>
+          <a:p>
+            <a:pPr algn="ctr"/>
+            <a:r>
+              <a:rPr lang="en-US" altLang="ko-KR" dirty="0">
+                <a:solidFill>
+                  <a:sysClr val="windowText" lastClr="000000"/>
+                </a:solidFill>
+              </a:rPr>
+              <a:t>true</a:t>
+            </a:r>
+            <a:endParaRPr lang="ko-KR" altLang="en-US" dirty="0">
+              <a:solidFill>
+                <a:sysClr val="windowText" lastClr="000000"/>
+              </a:solidFill>
+            </a:endParaRPr>
+          </a:p>
+        </p:txBody>
+      </p:sp>
+      <p:sp>
+        <p:nvSpPr>
+          <p:cNvPr id="26" name="사각형: 잘린 위쪽 모서리 25">
+            <a:extLst>
+              <a:ext uri="{FF2B5EF4-FFF2-40B4-BE49-F238E27FC236}">
+                <a16:creationId xmlns:a16="http://schemas.microsoft.com/office/drawing/2014/main" id="{2BE319AF-0BE7-E50F-A504-D1ABBC81796B}"/>
+              </a:ext>
+            </a:extLst>
+          </p:cNvPr>
+          <p:cNvSpPr/>
+          <p:nvPr/>
+        </p:nvSpPr>
+        <p:spPr>
+          <a:xfrm>
+            <a:off x="5011705" y="3608437"/>
+            <a:ext cx="1866507" cy="595992"/>
+          </a:xfrm>
+          <a:prstGeom prst="snip2SameRect">
+            <a:avLst>
+              <a:gd name="adj1" fmla="val 0"/>
+              <a:gd name="adj2" fmla="val 45869"/>
+            </a:avLst>
+          </a:prstGeom>
+          <a:solidFill>
+            <a:schemeClr val="accent4">
+              <a:lumMod val="60000"/>
+              <a:lumOff val="40000"/>
+            </a:schemeClr>
+          </a:solidFill>
+          <a:ln>
+            <a:solidFill>
+              <a:schemeClr val="tx1"/>
+            </a:solidFill>
+          </a:ln>
+        </p:spPr>
+        <p:style>
+          <a:lnRef idx="2">
+            <a:schemeClr val="accent1">
+              <a:shade val="15000"/>
+            </a:schemeClr>
+          </a:lnRef>
+          <a:fillRef idx="1">
+            <a:schemeClr val="accent1"/>
+          </a:fillRef>
+          <a:effectRef idx="0">
+            <a:schemeClr val="accent1"/>
+          </a:effectRef>
+          <a:fontRef idx="minor">
+            <a:schemeClr val="lt1"/>
+          </a:fontRef>
+        </p:style>
+        <p:txBody>
+          <a:bodyPr rtlCol="0" anchor="ctr"/>
+          <a:lstStyle/>
+          <a:p>
+            <a:pPr algn="ctr"/>
+            <a:endParaRPr lang="ko-KR" altLang="en-US" dirty="0">
+              <a:solidFill>
+                <a:sysClr val="windowText" lastClr="000000"/>
+              </a:solidFill>
+            </a:endParaRPr>
+          </a:p>
+        </p:txBody>
+      </p:sp>
+      <p:cxnSp>
+        <p:nvCxnSpPr>
+          <p:cNvPr id="27" name="직선 화살표 연결선 26">
+            <a:extLst>
+              <a:ext uri="{FF2B5EF4-FFF2-40B4-BE49-F238E27FC236}">
+                <a16:creationId xmlns:a16="http://schemas.microsoft.com/office/drawing/2014/main" id="{698D5184-3B57-A7E0-11D3-7FD3E7EE4725}"/>
+              </a:ext>
+            </a:extLst>
+          </p:cNvPr>
+          <p:cNvCxnSpPr>
+            <a:cxnSpLocks/>
+            <a:stCxn id="48" idx="2"/>
+            <a:endCxn id="24" idx="3"/>
+          </p:cNvCxnSpPr>
+          <p:nvPr/>
+        </p:nvCxnSpPr>
+        <p:spPr>
+          <a:xfrm flipH="1">
+            <a:off x="5944960" y="1522465"/>
+            <a:ext cx="2" cy="297996"/>
+          </a:xfrm>
+          <a:prstGeom prst="straightConnector1">
+            <a:avLst/>
+          </a:prstGeom>
+          <a:ln w="28575">
+            <a:solidFill>
+              <a:schemeClr val="tx1"/>
+            </a:solidFill>
+            <a:tailEnd type="triangle"/>
+          </a:ln>
+        </p:spPr>
+        <p:style>
+          <a:lnRef idx="1">
+            <a:schemeClr val="accent1"/>
+          </a:lnRef>
+          <a:fillRef idx="0">
+            <a:schemeClr val="accent1"/>
+          </a:fillRef>
+          <a:effectRef idx="0">
+            <a:schemeClr val="accent1"/>
+          </a:effectRef>
+          <a:fontRef idx="minor">
+            <a:schemeClr val="tx1"/>
+          </a:fontRef>
+        </p:style>
+      </p:cxnSp>
+      <p:cxnSp>
+        <p:nvCxnSpPr>
+          <p:cNvPr id="30" name="직선 화살표 연결선 29">
+            <a:extLst>
+              <a:ext uri="{FF2B5EF4-FFF2-40B4-BE49-F238E27FC236}">
+                <a16:creationId xmlns:a16="http://schemas.microsoft.com/office/drawing/2014/main" id="{9D096D4E-E85E-404F-B8F9-1784C0F345E1}"/>
+              </a:ext>
+            </a:extLst>
+          </p:cNvPr>
+          <p:cNvCxnSpPr>
+            <a:cxnSpLocks/>
+            <a:stCxn id="24" idx="1"/>
+            <a:endCxn id="3" idx="0"/>
+          </p:cNvCxnSpPr>
+          <p:nvPr/>
+        </p:nvCxnSpPr>
+        <p:spPr>
+          <a:xfrm>
+            <a:off x="5944960" y="2416453"/>
+            <a:ext cx="3" cy="297996"/>
+          </a:xfrm>
+          <a:prstGeom prst="straightConnector1">
+            <a:avLst/>
+          </a:prstGeom>
+          <a:ln w="28575">
+            <a:solidFill>
+              <a:schemeClr val="tx1"/>
+            </a:solidFill>
+            <a:tailEnd type="triangle"/>
+          </a:ln>
+        </p:spPr>
+        <p:style>
+          <a:lnRef idx="1">
+            <a:schemeClr val="accent1"/>
+          </a:lnRef>
+          <a:fillRef idx="0">
+            <a:schemeClr val="accent1"/>
+          </a:fillRef>
+          <a:effectRef idx="0">
+            <a:schemeClr val="accent1"/>
+          </a:effectRef>
+          <a:fontRef idx="minor">
+            <a:schemeClr val="tx1"/>
+          </a:fontRef>
+        </p:style>
+      </p:cxnSp>
+      <p:cxnSp>
+        <p:nvCxnSpPr>
+          <p:cNvPr id="37" name="직선 화살표 연결선 36">
+            <a:extLst>
+              <a:ext uri="{FF2B5EF4-FFF2-40B4-BE49-F238E27FC236}">
+                <a16:creationId xmlns:a16="http://schemas.microsoft.com/office/drawing/2014/main" id="{7F6585A4-3B14-E3FC-1D99-363742F2AF81}"/>
+              </a:ext>
+            </a:extLst>
+          </p:cNvPr>
+          <p:cNvCxnSpPr>
+            <a:cxnSpLocks/>
+            <a:stCxn id="3" idx="2"/>
+            <a:endCxn id="26" idx="3"/>
+          </p:cNvCxnSpPr>
+          <p:nvPr/>
+        </p:nvCxnSpPr>
+        <p:spPr>
+          <a:xfrm flipH="1">
+            <a:off x="5944959" y="3310441"/>
+            <a:ext cx="4" cy="297996"/>
+          </a:xfrm>
+          <a:prstGeom prst="straightConnector1">
+            <a:avLst/>
+          </a:prstGeom>
+          <a:ln w="28575">
+            <a:solidFill>
+              <a:schemeClr val="tx1"/>
+            </a:solidFill>
+            <a:tailEnd type="triangle"/>
+          </a:ln>
+        </p:spPr>
+        <p:style>
+          <a:lnRef idx="1">
+            <a:schemeClr val="accent1"/>
+          </a:lnRef>
+          <a:fillRef idx="0">
+            <a:schemeClr val="accent1"/>
+          </a:fillRef>
+          <a:effectRef idx="0">
+            <a:schemeClr val="accent1"/>
+          </a:effectRef>
+          <a:fontRef idx="minor">
+            <a:schemeClr val="tx1"/>
+          </a:fontRef>
+        </p:style>
+      </p:cxnSp>
+      <p:sp>
+        <p:nvSpPr>
+          <p:cNvPr id="41" name="TextBox 40">
+            <a:extLst>
+              <a:ext uri="{FF2B5EF4-FFF2-40B4-BE49-F238E27FC236}">
+                <a16:creationId xmlns:a16="http://schemas.microsoft.com/office/drawing/2014/main" id="{50BB4542-5B3B-CE4F-5A91-873C2CF60CCB}"/>
+              </a:ext>
+            </a:extLst>
+          </p:cNvPr>
+          <p:cNvSpPr txBox="1"/>
+          <p:nvPr/>
+        </p:nvSpPr>
+        <p:spPr>
+          <a:xfrm>
+            <a:off x="2848062" y="2126620"/>
+            <a:ext cx="696024" cy="276999"/>
+          </a:xfrm>
+          <a:prstGeom prst="rect">
+            <a:avLst/>
+          </a:prstGeom>
+          <a:noFill/>
+        </p:spPr>
+        <p:txBody>
+          <a:bodyPr wrap="none" rtlCol="0">
+            <a:spAutoFit/>
+          </a:bodyPr>
+          <a:lstStyle/>
+          <a:p>
+            <a:r>
+              <a:rPr lang="en-US" altLang="ko-KR" sz="1200" dirty="0"/>
+              <a:t>+Bind()</a:t>
+            </a:r>
+            <a:endParaRPr lang="ko-KR" altLang="en-US" sz="1200" dirty="0"/>
+          </a:p>
+        </p:txBody>
+      </p:sp>
+      <p:sp>
+        <p:nvSpPr>
+          <p:cNvPr id="42" name="TextBox 41">
+            <a:extLst>
+              <a:ext uri="{FF2B5EF4-FFF2-40B4-BE49-F238E27FC236}">
+                <a16:creationId xmlns:a16="http://schemas.microsoft.com/office/drawing/2014/main" id="{72F09831-821F-BACF-57AE-04BC4FD43351}"/>
+              </a:ext>
+            </a:extLst>
+          </p:cNvPr>
+          <p:cNvSpPr txBox="1"/>
+          <p:nvPr/>
+        </p:nvSpPr>
+        <p:spPr>
+          <a:xfrm>
+            <a:off x="2863217" y="2987266"/>
+            <a:ext cx="787716" cy="276999"/>
+          </a:xfrm>
+          <a:prstGeom prst="rect">
+            <a:avLst/>
+          </a:prstGeom>
+          <a:noFill/>
+        </p:spPr>
+        <p:txBody>
+          <a:bodyPr wrap="none" rtlCol="0">
+            <a:spAutoFit/>
+          </a:bodyPr>
+          <a:lstStyle/>
+          <a:p>
+            <a:r>
+              <a:rPr lang="en-US" altLang="ko-KR" sz="1200" dirty="0"/>
+              <a:t>+Listen()</a:t>
+            </a:r>
+            <a:endParaRPr lang="ko-KR" altLang="en-US" sz="1200" dirty="0"/>
+          </a:p>
+        </p:txBody>
+      </p:sp>
     </p:spTree>
     <p:extLst>
       <p:ext uri="{BB962C8B-B14F-4D97-AF65-F5344CB8AC3E}">
@@ -11614,31 +12024,1354 @@
           <a:bodyPr/>
           <a:lstStyle/>
           <a:p>
+            <a:r>
+              <a:rPr lang="en-US" altLang="ko-KR" dirty="0" err="1">
+                <a:solidFill>
+                  <a:schemeClr val="tx1"/>
+                </a:solidFill>
+              </a:rPr>
+              <a:t>ServerSocket</a:t>
+            </a:r>
             <a:endParaRPr lang="ko-KR" altLang="en-US" dirty="0"/>
           </a:p>
         </p:txBody>
       </p:sp>
       <p:sp>
         <p:nvSpPr>
-          <p:cNvPr id="3" name="내용 개체 틀 2">
-            <a:extLst>
-              <a:ext uri="{FF2B5EF4-FFF2-40B4-BE49-F238E27FC236}">
-                <a16:creationId xmlns:a16="http://schemas.microsoft.com/office/drawing/2014/main" id="{FD3FEDE7-930F-0F3F-97BA-869A59B8786C}"/>
-              </a:ext>
-            </a:extLst>
-          </p:cNvPr>
-          <p:cNvSpPr>
-            <a:spLocks noGrp="1"/>
-          </p:cNvSpPr>
-          <p:nvPr>
-            <p:ph idx="1"/>
-          </p:nvPr>
-        </p:nvSpPr>
-        <p:spPr/>
-        <p:txBody>
-          <a:bodyPr/>
+          <p:cNvPr id="4" name="타원 3">
+            <a:extLst>
+              <a:ext uri="{FF2B5EF4-FFF2-40B4-BE49-F238E27FC236}">
+                <a16:creationId xmlns:a16="http://schemas.microsoft.com/office/drawing/2014/main" id="{966958D8-0247-962F-70F1-29ADEF08F8FE}"/>
+              </a:ext>
+            </a:extLst>
+          </p:cNvPr>
+          <p:cNvSpPr/>
+          <p:nvPr/>
+        </p:nvSpPr>
+        <p:spPr>
+          <a:xfrm>
+            <a:off x="951139" y="849085"/>
+            <a:ext cx="1776193" cy="669471"/>
+          </a:xfrm>
+          <a:prstGeom prst="ellipse">
+            <a:avLst/>
+          </a:prstGeom>
+          <a:solidFill>
+            <a:schemeClr val="accent4">
+              <a:lumMod val="60000"/>
+              <a:lumOff val="40000"/>
+            </a:schemeClr>
+          </a:solidFill>
+          <a:ln>
+            <a:solidFill>
+              <a:schemeClr val="tx1"/>
+            </a:solidFill>
+          </a:ln>
+        </p:spPr>
+        <p:style>
+          <a:lnRef idx="2">
+            <a:schemeClr val="accent1">
+              <a:shade val="15000"/>
+            </a:schemeClr>
+          </a:lnRef>
+          <a:fillRef idx="1">
+            <a:schemeClr val="accent1"/>
+          </a:fillRef>
+          <a:effectRef idx="0">
+            <a:schemeClr val="accent1"/>
+          </a:effectRef>
+          <a:fontRef idx="minor">
+            <a:schemeClr val="lt1"/>
+          </a:fontRef>
+        </p:style>
+        <p:txBody>
+          <a:bodyPr rtlCol="0" anchor="ctr"/>
           <a:lstStyle/>
           <a:p>
+            <a:pPr algn="ctr"/>
+            <a:r>
+              <a:rPr lang="en-US" altLang="ko-KR" dirty="0">
+                <a:solidFill>
+                  <a:schemeClr val="tx1"/>
+                </a:solidFill>
+              </a:rPr>
+              <a:t>Task</a:t>
+            </a:r>
+            <a:endParaRPr lang="ko-KR" altLang="en-US" dirty="0">
+              <a:solidFill>
+                <a:schemeClr val="tx1"/>
+              </a:solidFill>
+            </a:endParaRPr>
+          </a:p>
+        </p:txBody>
+      </p:sp>
+      <p:sp>
+        <p:nvSpPr>
+          <p:cNvPr id="5" name="직사각형 4">
+            <a:extLst>
+              <a:ext uri="{FF2B5EF4-FFF2-40B4-BE49-F238E27FC236}">
+                <a16:creationId xmlns:a16="http://schemas.microsoft.com/office/drawing/2014/main" id="{6B1BA589-0085-AAC8-A73A-D4CC353F0D80}"/>
+              </a:ext>
+            </a:extLst>
+          </p:cNvPr>
+          <p:cNvSpPr/>
+          <p:nvPr/>
+        </p:nvSpPr>
+        <p:spPr>
+          <a:xfrm>
+            <a:off x="800100" y="1787325"/>
+            <a:ext cx="2078272" cy="595992"/>
+          </a:xfrm>
+          <a:prstGeom prst="rect">
+            <a:avLst/>
+          </a:prstGeom>
+          <a:solidFill>
+            <a:schemeClr val="tx2">
+              <a:lumMod val="40000"/>
+              <a:lumOff val="60000"/>
+            </a:schemeClr>
+          </a:solidFill>
+        </p:spPr>
+        <p:style>
+          <a:lnRef idx="2">
+            <a:schemeClr val="accent1">
+              <a:shade val="15000"/>
+            </a:schemeClr>
+          </a:lnRef>
+          <a:fillRef idx="1">
+            <a:schemeClr val="accent1"/>
+          </a:fillRef>
+          <a:effectRef idx="0">
+            <a:schemeClr val="accent1"/>
+          </a:effectRef>
+          <a:fontRef idx="minor">
+            <a:schemeClr val="lt1"/>
+          </a:fontRef>
+        </p:style>
+        <p:txBody>
+          <a:bodyPr rtlCol="0" anchor="ctr"/>
+          <a:lstStyle/>
+          <a:p>
+            <a:pPr algn="ctr"/>
+            <a:r>
+              <a:rPr lang="en-US" altLang="ko-KR" dirty="0" err="1">
+                <a:solidFill>
+                  <a:schemeClr val="tx1"/>
+                </a:solidFill>
+              </a:rPr>
+              <a:t>AddUser</a:t>
+            </a:r>
+            <a:r>
+              <a:rPr lang="en-US" altLang="ko-KR" dirty="0">
+                <a:solidFill>
+                  <a:schemeClr val="tx1"/>
+                </a:solidFill>
+              </a:rPr>
+              <a:t>()</a:t>
+            </a:r>
+            <a:endParaRPr lang="ko-KR" altLang="en-US" dirty="0">
+              <a:solidFill>
+                <a:schemeClr val="tx1"/>
+              </a:solidFill>
+            </a:endParaRPr>
+          </a:p>
+        </p:txBody>
+      </p:sp>
+      <p:cxnSp>
+        <p:nvCxnSpPr>
+          <p:cNvPr id="6" name="직선 화살표 연결선 5">
+            <a:extLst>
+              <a:ext uri="{FF2B5EF4-FFF2-40B4-BE49-F238E27FC236}">
+                <a16:creationId xmlns:a16="http://schemas.microsoft.com/office/drawing/2014/main" id="{59985D08-56BA-D726-B8C2-12EF96E73347}"/>
+              </a:ext>
+            </a:extLst>
+          </p:cNvPr>
+          <p:cNvCxnSpPr>
+            <a:cxnSpLocks/>
+            <a:stCxn id="4" idx="4"/>
+            <a:endCxn id="5" idx="0"/>
+          </p:cNvCxnSpPr>
+          <p:nvPr/>
+        </p:nvCxnSpPr>
+        <p:spPr>
+          <a:xfrm>
+            <a:off x="1839236" y="1518556"/>
+            <a:ext cx="0" cy="268769"/>
+          </a:xfrm>
+          <a:prstGeom prst="straightConnector1">
+            <a:avLst/>
+          </a:prstGeom>
+          <a:ln w="28575">
+            <a:solidFill>
+              <a:schemeClr val="tx1"/>
+            </a:solidFill>
+            <a:tailEnd type="triangle"/>
+          </a:ln>
+        </p:spPr>
+        <p:style>
+          <a:lnRef idx="1">
+            <a:schemeClr val="accent1"/>
+          </a:lnRef>
+          <a:fillRef idx="0">
+            <a:schemeClr val="accent1"/>
+          </a:fillRef>
+          <a:effectRef idx="0">
+            <a:schemeClr val="accent1"/>
+          </a:effectRef>
+          <a:fontRef idx="minor">
+            <a:schemeClr val="tx1"/>
+          </a:fontRef>
+        </p:style>
+      </p:cxnSp>
+      <p:cxnSp>
+        <p:nvCxnSpPr>
+          <p:cNvPr id="9" name="직선 화살표 연결선 8">
+            <a:extLst>
+              <a:ext uri="{FF2B5EF4-FFF2-40B4-BE49-F238E27FC236}">
+                <a16:creationId xmlns:a16="http://schemas.microsoft.com/office/drawing/2014/main" id="{EBFD5112-0582-7AC9-1C1E-A593420267E3}"/>
+              </a:ext>
+            </a:extLst>
+          </p:cNvPr>
+          <p:cNvCxnSpPr>
+            <a:cxnSpLocks/>
+            <a:stCxn id="10" idx="2"/>
+            <a:endCxn id="22" idx="0"/>
+          </p:cNvCxnSpPr>
+          <p:nvPr/>
+        </p:nvCxnSpPr>
+        <p:spPr>
+          <a:xfrm>
+            <a:off x="1839233" y="4479709"/>
+            <a:ext cx="0" cy="356111"/>
+          </a:xfrm>
+          <a:prstGeom prst="straightConnector1">
+            <a:avLst/>
+          </a:prstGeom>
+          <a:ln w="28575">
+            <a:solidFill>
+              <a:schemeClr val="tx1"/>
+            </a:solidFill>
+            <a:tailEnd type="triangle"/>
+          </a:ln>
+        </p:spPr>
+        <p:style>
+          <a:lnRef idx="1">
+            <a:schemeClr val="accent1"/>
+          </a:lnRef>
+          <a:fillRef idx="0">
+            <a:schemeClr val="accent1"/>
+          </a:fillRef>
+          <a:effectRef idx="0">
+            <a:schemeClr val="accent1"/>
+          </a:effectRef>
+          <a:fontRef idx="minor">
+            <a:schemeClr val="tx1"/>
+          </a:fontRef>
+        </p:style>
+      </p:cxnSp>
+      <p:sp>
+        <p:nvSpPr>
+          <p:cNvPr id="10" name="직사각형 9">
+            <a:extLst>
+              <a:ext uri="{FF2B5EF4-FFF2-40B4-BE49-F238E27FC236}">
+                <a16:creationId xmlns:a16="http://schemas.microsoft.com/office/drawing/2014/main" id="{F7603096-7B29-BD95-FC01-CD43014AAC0C}"/>
+              </a:ext>
+            </a:extLst>
+          </p:cNvPr>
+          <p:cNvSpPr/>
+          <p:nvPr/>
+        </p:nvSpPr>
+        <p:spPr>
+          <a:xfrm>
+            <a:off x="800097" y="3883717"/>
+            <a:ext cx="2078272" cy="595992"/>
+          </a:xfrm>
+          <a:prstGeom prst="rect">
+            <a:avLst/>
+          </a:prstGeom>
+          <a:solidFill>
+            <a:schemeClr val="tx2">
+              <a:lumMod val="40000"/>
+              <a:lumOff val="60000"/>
+            </a:schemeClr>
+          </a:solidFill>
+        </p:spPr>
+        <p:style>
+          <a:lnRef idx="2">
+            <a:schemeClr val="accent1">
+              <a:shade val="15000"/>
+            </a:schemeClr>
+          </a:lnRef>
+          <a:fillRef idx="1">
+            <a:schemeClr val="accent1"/>
+          </a:fillRef>
+          <a:effectRef idx="0">
+            <a:schemeClr val="accent1"/>
+          </a:effectRef>
+          <a:fontRef idx="minor">
+            <a:schemeClr val="lt1"/>
+          </a:fontRef>
+        </p:style>
+        <p:txBody>
+          <a:bodyPr rtlCol="0" anchor="ctr"/>
+          <a:lstStyle/>
+          <a:p>
+            <a:pPr algn="ctr"/>
+            <a:r>
+              <a:rPr lang="en-US" altLang="ko-KR" dirty="0">
+                <a:solidFill>
+                  <a:schemeClr val="tx1"/>
+                </a:solidFill>
+              </a:rPr>
+              <a:t>New </a:t>
+            </a:r>
+            <a:r>
+              <a:rPr lang="en-US" altLang="ko-KR" dirty="0" err="1">
+                <a:solidFill>
+                  <a:schemeClr val="tx1"/>
+                </a:solidFill>
+              </a:rPr>
+              <a:t>ClientHandle</a:t>
+            </a:r>
+            <a:endParaRPr lang="ko-KR" altLang="en-US" dirty="0">
+              <a:solidFill>
+                <a:schemeClr val="tx1"/>
+              </a:solidFill>
+            </a:endParaRPr>
+          </a:p>
+        </p:txBody>
+      </p:sp>
+      <p:cxnSp>
+        <p:nvCxnSpPr>
+          <p:cNvPr id="12" name="직선 화살표 연결선 11">
+            <a:extLst>
+              <a:ext uri="{FF2B5EF4-FFF2-40B4-BE49-F238E27FC236}">
+                <a16:creationId xmlns:a16="http://schemas.microsoft.com/office/drawing/2014/main" id="{D1C0769D-584E-06FB-CD22-F254340CDA64}"/>
+              </a:ext>
+            </a:extLst>
+          </p:cNvPr>
+          <p:cNvCxnSpPr>
+            <a:cxnSpLocks/>
+            <a:stCxn id="5" idx="2"/>
+            <a:endCxn id="16" idx="0"/>
+          </p:cNvCxnSpPr>
+          <p:nvPr/>
+        </p:nvCxnSpPr>
+        <p:spPr>
+          <a:xfrm flipH="1">
+            <a:off x="1839233" y="2383317"/>
+            <a:ext cx="3" cy="356110"/>
+          </a:xfrm>
+          <a:prstGeom prst="straightConnector1">
+            <a:avLst/>
+          </a:prstGeom>
+          <a:ln w="28575">
+            <a:solidFill>
+              <a:schemeClr val="tx1"/>
+            </a:solidFill>
+            <a:tailEnd type="triangle"/>
+          </a:ln>
+        </p:spPr>
+        <p:style>
+          <a:lnRef idx="1">
+            <a:schemeClr val="accent1"/>
+          </a:lnRef>
+          <a:fillRef idx="0">
+            <a:schemeClr val="accent1"/>
+          </a:fillRef>
+          <a:effectRef idx="0">
+            <a:schemeClr val="accent1"/>
+          </a:effectRef>
+          <a:fontRef idx="minor">
+            <a:schemeClr val="tx1"/>
+          </a:fontRef>
+        </p:style>
+      </p:cxnSp>
+      <p:sp>
+        <p:nvSpPr>
+          <p:cNvPr id="16" name="다이아몬드 15">
+            <a:extLst>
+              <a:ext uri="{FF2B5EF4-FFF2-40B4-BE49-F238E27FC236}">
+                <a16:creationId xmlns:a16="http://schemas.microsoft.com/office/drawing/2014/main" id="{68FEB424-91EC-948F-D477-F82AFBF78B69}"/>
+              </a:ext>
+            </a:extLst>
+          </p:cNvPr>
+          <p:cNvSpPr/>
+          <p:nvPr/>
+        </p:nvSpPr>
+        <p:spPr>
+          <a:xfrm>
+            <a:off x="705791" y="2739427"/>
+            <a:ext cx="2266884" cy="788179"/>
+          </a:xfrm>
+          <a:prstGeom prst="diamond">
+            <a:avLst/>
+          </a:prstGeom>
+        </p:spPr>
+        <p:style>
+          <a:lnRef idx="2">
+            <a:schemeClr val="accent2">
+              <a:shade val="15000"/>
+            </a:schemeClr>
+          </a:lnRef>
+          <a:fillRef idx="1">
+            <a:schemeClr val="accent2"/>
+          </a:fillRef>
+          <a:effectRef idx="0">
+            <a:schemeClr val="accent2"/>
+          </a:effectRef>
+          <a:fontRef idx="minor">
+            <a:schemeClr val="lt1"/>
+          </a:fontRef>
+        </p:style>
+        <p:txBody>
+          <a:bodyPr rtlCol="0" anchor="ctr"/>
+          <a:lstStyle/>
+          <a:p>
+            <a:pPr algn="ctr"/>
+            <a:r>
+              <a:rPr lang="en-US" altLang="ko-KR" dirty="0">
+                <a:solidFill>
+                  <a:sysClr val="windowText" lastClr="000000"/>
+                </a:solidFill>
+              </a:rPr>
+              <a:t>OPCODE 100?</a:t>
+            </a:r>
+            <a:endParaRPr lang="ko-KR" altLang="en-US" dirty="0">
+              <a:solidFill>
+                <a:sysClr val="windowText" lastClr="000000"/>
+              </a:solidFill>
+            </a:endParaRPr>
+          </a:p>
+        </p:txBody>
+      </p:sp>
+      <p:cxnSp>
+        <p:nvCxnSpPr>
+          <p:cNvPr id="18" name="직선 화살표 연결선 17">
+            <a:extLst>
+              <a:ext uri="{FF2B5EF4-FFF2-40B4-BE49-F238E27FC236}">
+                <a16:creationId xmlns:a16="http://schemas.microsoft.com/office/drawing/2014/main" id="{1E1D97B1-1470-CCC1-E397-567278883712}"/>
+              </a:ext>
+            </a:extLst>
+          </p:cNvPr>
+          <p:cNvCxnSpPr>
+            <a:cxnSpLocks/>
+            <a:stCxn id="16" idx="2"/>
+            <a:endCxn id="10" idx="0"/>
+          </p:cNvCxnSpPr>
+          <p:nvPr/>
+        </p:nvCxnSpPr>
+        <p:spPr>
+          <a:xfrm>
+            <a:off x="1839233" y="3527606"/>
+            <a:ext cx="0" cy="356111"/>
+          </a:xfrm>
+          <a:prstGeom prst="straightConnector1">
+            <a:avLst/>
+          </a:prstGeom>
+          <a:ln w="28575">
+            <a:solidFill>
+              <a:schemeClr val="tx1"/>
+            </a:solidFill>
+            <a:tailEnd type="triangle"/>
+          </a:ln>
+        </p:spPr>
+        <p:style>
+          <a:lnRef idx="1">
+            <a:schemeClr val="accent1"/>
+          </a:lnRef>
+          <a:fillRef idx="0">
+            <a:schemeClr val="accent1"/>
+          </a:fillRef>
+          <a:effectRef idx="0">
+            <a:schemeClr val="accent1"/>
+          </a:effectRef>
+          <a:fontRef idx="minor">
+            <a:schemeClr val="tx1"/>
+          </a:fontRef>
+        </p:style>
+      </p:cxnSp>
+      <p:sp>
+        <p:nvSpPr>
+          <p:cNvPr id="22" name="직사각형 21">
+            <a:extLst>
+              <a:ext uri="{FF2B5EF4-FFF2-40B4-BE49-F238E27FC236}">
+                <a16:creationId xmlns:a16="http://schemas.microsoft.com/office/drawing/2014/main" id="{D87CFC28-DB7D-BA2B-9356-6354D0CAF56A}"/>
+              </a:ext>
+            </a:extLst>
+          </p:cNvPr>
+          <p:cNvSpPr/>
+          <p:nvPr/>
+        </p:nvSpPr>
+        <p:spPr>
+          <a:xfrm>
+            <a:off x="430892" y="4835820"/>
+            <a:ext cx="2816682" cy="595992"/>
+          </a:xfrm>
+          <a:prstGeom prst="rect">
+            <a:avLst/>
+          </a:prstGeom>
+          <a:solidFill>
+            <a:schemeClr val="tx2">
+              <a:lumMod val="40000"/>
+              <a:lumOff val="60000"/>
+            </a:schemeClr>
+          </a:solidFill>
+        </p:spPr>
+        <p:style>
+          <a:lnRef idx="2">
+            <a:schemeClr val="accent1">
+              <a:shade val="15000"/>
+            </a:schemeClr>
+          </a:lnRef>
+          <a:fillRef idx="1">
+            <a:schemeClr val="accent1"/>
+          </a:fillRef>
+          <a:effectRef idx="0">
+            <a:schemeClr val="accent1"/>
+          </a:effectRef>
+          <a:fontRef idx="minor">
+            <a:schemeClr val="lt1"/>
+          </a:fontRef>
+        </p:style>
+        <p:txBody>
+          <a:bodyPr rtlCol="0" anchor="ctr"/>
+          <a:lstStyle/>
+          <a:p>
+            <a:pPr algn="ctr"/>
+            <a:r>
+              <a:rPr lang="en-US" altLang="ko-KR" dirty="0">
+                <a:solidFill>
+                  <a:schemeClr val="tx1"/>
+                </a:solidFill>
+              </a:rPr>
+              <a:t>+ List&lt;</a:t>
+            </a:r>
+            <a:r>
+              <a:rPr lang="en-US" altLang="ko-KR" dirty="0" err="1">
+                <a:solidFill>
+                  <a:schemeClr val="tx1"/>
+                </a:solidFill>
+              </a:rPr>
+              <a:t>ClientHandle</a:t>
+            </a:r>
+            <a:r>
+              <a:rPr lang="en-US" altLang="ko-KR" dirty="0">
+                <a:solidFill>
+                  <a:schemeClr val="tx1"/>
+                </a:solidFill>
+              </a:rPr>
+              <a:t>&gt;</a:t>
+            </a:r>
+            <a:endParaRPr lang="ko-KR" altLang="en-US" dirty="0">
+              <a:solidFill>
+                <a:schemeClr val="tx1"/>
+              </a:solidFill>
+            </a:endParaRPr>
+          </a:p>
+        </p:txBody>
+      </p:sp>
+      <p:sp>
+        <p:nvSpPr>
+          <p:cNvPr id="27" name="사각형: 둥근 모서리 26">
+            <a:extLst>
+              <a:ext uri="{FF2B5EF4-FFF2-40B4-BE49-F238E27FC236}">
+                <a16:creationId xmlns:a16="http://schemas.microsoft.com/office/drawing/2014/main" id="{4557999E-4A6C-9DDB-A461-CE150F6DF743}"/>
+              </a:ext>
+            </a:extLst>
+          </p:cNvPr>
+          <p:cNvSpPr/>
+          <p:nvPr/>
+        </p:nvSpPr>
+        <p:spPr>
+          <a:xfrm>
+            <a:off x="4905827" y="926473"/>
+            <a:ext cx="2078269" cy="595992"/>
+          </a:xfrm>
+          <a:prstGeom prst="roundRect">
+            <a:avLst>
+              <a:gd name="adj" fmla="val 27739"/>
+            </a:avLst>
+          </a:prstGeom>
+          <a:solidFill>
+            <a:schemeClr val="tx2">
+              <a:lumMod val="40000"/>
+              <a:lumOff val="60000"/>
+            </a:schemeClr>
+          </a:solidFill>
+          <a:ln>
+            <a:solidFill>
+              <a:schemeClr val="tx1"/>
+            </a:solidFill>
+          </a:ln>
+        </p:spPr>
+        <p:style>
+          <a:lnRef idx="2">
+            <a:schemeClr val="accent1">
+              <a:shade val="15000"/>
+            </a:schemeClr>
+          </a:lnRef>
+          <a:fillRef idx="1">
+            <a:schemeClr val="accent1"/>
+          </a:fillRef>
+          <a:effectRef idx="0">
+            <a:schemeClr val="accent1"/>
+          </a:effectRef>
+          <a:fontRef idx="minor">
+            <a:schemeClr val="lt1"/>
+          </a:fontRef>
+        </p:style>
+        <p:txBody>
+          <a:bodyPr rtlCol="0" anchor="ctr"/>
+          <a:lstStyle/>
+          <a:p>
+            <a:pPr algn="ctr"/>
+            <a:r>
+              <a:rPr lang="en-US" altLang="ko-KR" dirty="0" err="1">
+                <a:solidFill>
+                  <a:schemeClr val="tx1"/>
+                </a:solidFill>
+              </a:rPr>
+              <a:t>ClientHandle</a:t>
+            </a:r>
+            <a:r>
+              <a:rPr lang="en-US" altLang="ko-KR" dirty="0">
+                <a:solidFill>
+                  <a:schemeClr val="tx1"/>
+                </a:solidFill>
+              </a:rPr>
+              <a:t>()</a:t>
+            </a:r>
+            <a:endParaRPr lang="ko-KR" altLang="en-US" dirty="0">
+              <a:solidFill>
+                <a:schemeClr val="tx1"/>
+              </a:solidFill>
+            </a:endParaRPr>
+          </a:p>
+        </p:txBody>
+      </p:sp>
+      <p:sp>
+        <p:nvSpPr>
+          <p:cNvPr id="28" name="직사각형 27">
+            <a:extLst>
+              <a:ext uri="{FF2B5EF4-FFF2-40B4-BE49-F238E27FC236}">
+                <a16:creationId xmlns:a16="http://schemas.microsoft.com/office/drawing/2014/main" id="{9A1268F7-5D08-2C18-EAA5-F87CD8EF480D}"/>
+              </a:ext>
+            </a:extLst>
+          </p:cNvPr>
+          <p:cNvSpPr/>
+          <p:nvPr/>
+        </p:nvSpPr>
+        <p:spPr>
+          <a:xfrm>
+            <a:off x="4905824" y="1787325"/>
+            <a:ext cx="2078272" cy="595992"/>
+          </a:xfrm>
+          <a:prstGeom prst="rect">
+            <a:avLst/>
+          </a:prstGeom>
+          <a:solidFill>
+            <a:schemeClr val="tx2">
+              <a:lumMod val="40000"/>
+              <a:lumOff val="60000"/>
+            </a:schemeClr>
+          </a:solidFill>
+        </p:spPr>
+        <p:style>
+          <a:lnRef idx="2">
+            <a:schemeClr val="accent1">
+              <a:shade val="15000"/>
+            </a:schemeClr>
+          </a:lnRef>
+          <a:fillRef idx="1">
+            <a:schemeClr val="accent1"/>
+          </a:fillRef>
+          <a:effectRef idx="0">
+            <a:schemeClr val="accent1"/>
+          </a:effectRef>
+          <a:fontRef idx="minor">
+            <a:schemeClr val="lt1"/>
+          </a:fontRef>
+        </p:style>
+        <p:txBody>
+          <a:bodyPr rtlCol="0" anchor="ctr"/>
+          <a:lstStyle/>
+          <a:p>
+            <a:pPr algn="ctr"/>
+            <a:r>
+              <a:rPr lang="en-US" altLang="ko-KR" dirty="0" err="1">
+                <a:solidFill>
+                  <a:schemeClr val="tx1"/>
+                </a:solidFill>
+              </a:rPr>
+              <a:t>StartListening</a:t>
+            </a:r>
+            <a:r>
+              <a:rPr lang="en-US" altLang="ko-KR" dirty="0">
+                <a:solidFill>
+                  <a:schemeClr val="tx1"/>
+                </a:solidFill>
+              </a:rPr>
+              <a:t>()</a:t>
+            </a:r>
+            <a:endParaRPr lang="ko-KR" altLang="en-US" dirty="0">
+              <a:solidFill>
+                <a:schemeClr val="tx1"/>
+              </a:solidFill>
+            </a:endParaRPr>
+          </a:p>
+        </p:txBody>
+      </p:sp>
+      <p:cxnSp>
+        <p:nvCxnSpPr>
+          <p:cNvPr id="29" name="직선 화살표 연결선 28">
+            <a:extLst>
+              <a:ext uri="{FF2B5EF4-FFF2-40B4-BE49-F238E27FC236}">
+                <a16:creationId xmlns:a16="http://schemas.microsoft.com/office/drawing/2014/main" id="{621B9537-CBF5-BFCD-AD1D-8F667354D39A}"/>
+              </a:ext>
+            </a:extLst>
+          </p:cNvPr>
+          <p:cNvCxnSpPr>
+            <a:cxnSpLocks/>
+            <a:stCxn id="27" idx="2"/>
+            <a:endCxn id="28" idx="0"/>
+          </p:cNvCxnSpPr>
+          <p:nvPr/>
+        </p:nvCxnSpPr>
+        <p:spPr>
+          <a:xfrm flipH="1">
+            <a:off x="5944960" y="1522465"/>
+            <a:ext cx="2" cy="264860"/>
+          </a:xfrm>
+          <a:prstGeom prst="straightConnector1">
+            <a:avLst/>
+          </a:prstGeom>
+          <a:ln w="28575">
+            <a:solidFill>
+              <a:schemeClr val="tx1"/>
+            </a:solidFill>
+            <a:tailEnd type="triangle"/>
+          </a:ln>
+        </p:spPr>
+        <p:style>
+          <a:lnRef idx="1">
+            <a:schemeClr val="accent1"/>
+          </a:lnRef>
+          <a:fillRef idx="0">
+            <a:schemeClr val="accent1"/>
+          </a:fillRef>
+          <a:effectRef idx="0">
+            <a:schemeClr val="accent1"/>
+          </a:effectRef>
+          <a:fontRef idx="minor">
+            <a:schemeClr val="tx1"/>
+          </a:fontRef>
+        </p:style>
+      </p:cxnSp>
+      <p:sp>
+        <p:nvSpPr>
+          <p:cNvPr id="32" name="사각형: 둥근 모서리 31">
+            <a:extLst>
+              <a:ext uri="{FF2B5EF4-FFF2-40B4-BE49-F238E27FC236}">
+                <a16:creationId xmlns:a16="http://schemas.microsoft.com/office/drawing/2014/main" id="{47F8C184-AF6F-C034-AEAB-B267529F6DF1}"/>
+              </a:ext>
+            </a:extLst>
+          </p:cNvPr>
+          <p:cNvSpPr/>
+          <p:nvPr/>
+        </p:nvSpPr>
+        <p:spPr>
+          <a:xfrm>
+            <a:off x="9162591" y="926473"/>
+            <a:ext cx="2078269" cy="595992"/>
+          </a:xfrm>
+          <a:prstGeom prst="roundRect">
+            <a:avLst>
+              <a:gd name="adj" fmla="val 27739"/>
+            </a:avLst>
+          </a:prstGeom>
+          <a:solidFill>
+            <a:schemeClr val="tx2">
+              <a:lumMod val="40000"/>
+              <a:lumOff val="60000"/>
+            </a:schemeClr>
+          </a:solidFill>
+          <a:ln>
+            <a:solidFill>
+              <a:schemeClr val="tx1"/>
+            </a:solidFill>
+          </a:ln>
+        </p:spPr>
+        <p:style>
+          <a:lnRef idx="2">
+            <a:schemeClr val="accent1">
+              <a:shade val="15000"/>
+            </a:schemeClr>
+          </a:lnRef>
+          <a:fillRef idx="1">
+            <a:schemeClr val="accent1"/>
+          </a:fillRef>
+          <a:effectRef idx="0">
+            <a:schemeClr val="accent1"/>
+          </a:effectRef>
+          <a:fontRef idx="minor">
+            <a:schemeClr val="lt1"/>
+          </a:fontRef>
+        </p:style>
+        <p:txBody>
+          <a:bodyPr rtlCol="0" anchor="ctr"/>
+          <a:lstStyle/>
+          <a:p>
+            <a:pPr algn="ctr"/>
+            <a:r>
+              <a:rPr lang="en-US" altLang="ko-KR" dirty="0" err="1">
+                <a:solidFill>
+                  <a:schemeClr val="tx1"/>
+                </a:solidFill>
+              </a:rPr>
+              <a:t>StartListening</a:t>
+            </a:r>
+            <a:r>
+              <a:rPr lang="en-US" altLang="ko-KR" dirty="0">
+                <a:solidFill>
+                  <a:schemeClr val="tx1"/>
+                </a:solidFill>
+              </a:rPr>
+              <a:t>()</a:t>
+            </a:r>
+            <a:endParaRPr lang="ko-KR" altLang="en-US" dirty="0">
+              <a:solidFill>
+                <a:schemeClr val="tx1"/>
+              </a:solidFill>
+            </a:endParaRPr>
+          </a:p>
+        </p:txBody>
+      </p:sp>
+      <p:sp>
+        <p:nvSpPr>
+          <p:cNvPr id="33" name="직사각형 32">
+            <a:extLst>
+              <a:ext uri="{FF2B5EF4-FFF2-40B4-BE49-F238E27FC236}">
+                <a16:creationId xmlns:a16="http://schemas.microsoft.com/office/drawing/2014/main" id="{364CB79F-3D6A-06C0-7005-441F6364009F}"/>
+              </a:ext>
+            </a:extLst>
+          </p:cNvPr>
+          <p:cNvSpPr/>
+          <p:nvPr/>
+        </p:nvSpPr>
+        <p:spPr>
+          <a:xfrm>
+            <a:off x="9162588" y="2714449"/>
+            <a:ext cx="2078272" cy="595992"/>
+          </a:xfrm>
+          <a:prstGeom prst="rect">
+            <a:avLst/>
+          </a:prstGeom>
+          <a:solidFill>
+            <a:schemeClr val="tx2">
+              <a:lumMod val="40000"/>
+              <a:lumOff val="60000"/>
+            </a:schemeClr>
+          </a:solidFill>
+        </p:spPr>
+        <p:style>
+          <a:lnRef idx="2">
+            <a:schemeClr val="accent1">
+              <a:shade val="15000"/>
+            </a:schemeClr>
+          </a:lnRef>
+          <a:fillRef idx="1">
+            <a:schemeClr val="accent1"/>
+          </a:fillRef>
+          <a:effectRef idx="0">
+            <a:schemeClr val="accent1"/>
+          </a:effectRef>
+          <a:fontRef idx="minor">
+            <a:schemeClr val="lt1"/>
+          </a:fontRef>
+        </p:style>
+        <p:txBody>
+          <a:bodyPr rtlCol="0" anchor="ctr"/>
+          <a:lstStyle/>
+          <a:p>
+            <a:pPr algn="ctr"/>
+            <a:r>
+              <a:rPr lang="en-US" altLang="ko-KR" dirty="0">
+                <a:solidFill>
+                  <a:schemeClr val="tx1"/>
+                </a:solidFill>
+              </a:rPr>
+              <a:t>Receive()</a:t>
+            </a:r>
+            <a:endParaRPr lang="ko-KR" altLang="en-US" dirty="0">
+              <a:solidFill>
+                <a:schemeClr val="tx1"/>
+              </a:solidFill>
+            </a:endParaRPr>
+          </a:p>
+        </p:txBody>
+      </p:sp>
+      <p:sp>
+        <p:nvSpPr>
+          <p:cNvPr id="34" name="사각형: 잘린 위쪽 모서리 33">
+            <a:extLst>
+              <a:ext uri="{FF2B5EF4-FFF2-40B4-BE49-F238E27FC236}">
+                <a16:creationId xmlns:a16="http://schemas.microsoft.com/office/drawing/2014/main" id="{E2453D1B-8956-EC20-8A1F-D59D662860ED}"/>
+              </a:ext>
+            </a:extLst>
+          </p:cNvPr>
+          <p:cNvSpPr/>
+          <p:nvPr/>
+        </p:nvSpPr>
+        <p:spPr>
+          <a:xfrm>
+            <a:off x="9011547" y="1820461"/>
+            <a:ext cx="2380354" cy="595992"/>
+          </a:xfrm>
+          <a:prstGeom prst="snip2SameRect">
+            <a:avLst>
+              <a:gd name="adj1" fmla="val 43556"/>
+              <a:gd name="adj2" fmla="val 0"/>
+            </a:avLst>
+          </a:prstGeom>
+          <a:solidFill>
+            <a:schemeClr val="accent4">
+              <a:lumMod val="60000"/>
+              <a:lumOff val="40000"/>
+            </a:schemeClr>
+          </a:solidFill>
+          <a:ln>
+            <a:solidFill>
+              <a:schemeClr val="tx1"/>
+            </a:solidFill>
+          </a:ln>
+        </p:spPr>
+        <p:style>
+          <a:lnRef idx="2">
+            <a:schemeClr val="accent1">
+              <a:shade val="15000"/>
+            </a:schemeClr>
+          </a:lnRef>
+          <a:fillRef idx="1">
+            <a:schemeClr val="accent1"/>
+          </a:fillRef>
+          <a:effectRef idx="0">
+            <a:schemeClr val="accent1"/>
+          </a:effectRef>
+          <a:fontRef idx="minor">
+            <a:schemeClr val="lt1"/>
+          </a:fontRef>
+        </p:style>
+        <p:txBody>
+          <a:bodyPr rtlCol="0" anchor="ctr"/>
+          <a:lstStyle/>
+          <a:p>
+            <a:pPr algn="ctr"/>
+            <a:r>
+              <a:rPr lang="en-US" altLang="ko-KR" dirty="0">
+                <a:solidFill>
+                  <a:sysClr val="windowText" lastClr="000000"/>
+                </a:solidFill>
+              </a:rPr>
+              <a:t>true</a:t>
+            </a:r>
+            <a:endParaRPr lang="ko-KR" altLang="en-US" dirty="0">
+              <a:solidFill>
+                <a:sysClr val="windowText" lastClr="000000"/>
+              </a:solidFill>
+            </a:endParaRPr>
+          </a:p>
+        </p:txBody>
+      </p:sp>
+      <p:sp>
+        <p:nvSpPr>
+          <p:cNvPr id="35" name="사각형: 잘린 위쪽 모서리 34">
+            <a:extLst>
+              <a:ext uri="{FF2B5EF4-FFF2-40B4-BE49-F238E27FC236}">
+                <a16:creationId xmlns:a16="http://schemas.microsoft.com/office/drawing/2014/main" id="{0575A10D-189C-CD5F-7739-6E89945F5E19}"/>
+              </a:ext>
+            </a:extLst>
+          </p:cNvPr>
+          <p:cNvSpPr/>
+          <p:nvPr/>
+        </p:nvSpPr>
+        <p:spPr>
+          <a:xfrm>
+            <a:off x="9011547" y="4502425"/>
+            <a:ext cx="2380352" cy="595992"/>
+          </a:xfrm>
+          <a:prstGeom prst="snip2SameRect">
+            <a:avLst>
+              <a:gd name="adj1" fmla="val 0"/>
+              <a:gd name="adj2" fmla="val 45869"/>
+            </a:avLst>
+          </a:prstGeom>
+          <a:solidFill>
+            <a:schemeClr val="accent4">
+              <a:lumMod val="60000"/>
+              <a:lumOff val="40000"/>
+            </a:schemeClr>
+          </a:solidFill>
+          <a:ln>
+            <a:solidFill>
+              <a:schemeClr val="tx1"/>
+            </a:solidFill>
+          </a:ln>
+        </p:spPr>
+        <p:style>
+          <a:lnRef idx="2">
+            <a:schemeClr val="accent1">
+              <a:shade val="15000"/>
+            </a:schemeClr>
+          </a:lnRef>
+          <a:fillRef idx="1">
+            <a:schemeClr val="accent1"/>
+          </a:fillRef>
+          <a:effectRef idx="0">
+            <a:schemeClr val="accent1"/>
+          </a:effectRef>
+          <a:fontRef idx="minor">
+            <a:schemeClr val="lt1"/>
+          </a:fontRef>
+        </p:style>
+        <p:txBody>
+          <a:bodyPr rtlCol="0" anchor="ctr"/>
+          <a:lstStyle/>
+          <a:p>
+            <a:pPr algn="ctr"/>
+            <a:endParaRPr lang="ko-KR" altLang="en-US" dirty="0">
+              <a:solidFill>
+                <a:sysClr val="windowText" lastClr="000000"/>
+              </a:solidFill>
+            </a:endParaRPr>
+          </a:p>
+        </p:txBody>
+      </p:sp>
+      <p:cxnSp>
+        <p:nvCxnSpPr>
+          <p:cNvPr id="36" name="직선 화살표 연결선 35">
+            <a:extLst>
+              <a:ext uri="{FF2B5EF4-FFF2-40B4-BE49-F238E27FC236}">
+                <a16:creationId xmlns:a16="http://schemas.microsoft.com/office/drawing/2014/main" id="{6E9C6D9D-A6C1-A8BA-EFB5-C231588C1446}"/>
+              </a:ext>
+            </a:extLst>
+          </p:cNvPr>
+          <p:cNvCxnSpPr>
+            <a:cxnSpLocks/>
+            <a:stCxn id="34" idx="1"/>
+            <a:endCxn id="33" idx="0"/>
+          </p:cNvCxnSpPr>
+          <p:nvPr/>
+        </p:nvCxnSpPr>
+        <p:spPr>
+          <a:xfrm>
+            <a:off x="10201724" y="2416453"/>
+            <a:ext cx="0" cy="297996"/>
+          </a:xfrm>
+          <a:prstGeom prst="straightConnector1">
+            <a:avLst/>
+          </a:prstGeom>
+          <a:ln w="28575">
+            <a:solidFill>
+              <a:schemeClr val="tx1"/>
+            </a:solidFill>
+            <a:tailEnd type="triangle"/>
+          </a:ln>
+        </p:spPr>
+        <p:style>
+          <a:lnRef idx="1">
+            <a:schemeClr val="accent1"/>
+          </a:lnRef>
+          <a:fillRef idx="0">
+            <a:schemeClr val="accent1"/>
+          </a:fillRef>
+          <a:effectRef idx="0">
+            <a:schemeClr val="accent1"/>
+          </a:effectRef>
+          <a:fontRef idx="minor">
+            <a:schemeClr val="tx1"/>
+          </a:fontRef>
+        </p:style>
+      </p:cxnSp>
+      <p:cxnSp>
+        <p:nvCxnSpPr>
+          <p:cNvPr id="38" name="직선 화살표 연결선 37">
+            <a:extLst>
+              <a:ext uri="{FF2B5EF4-FFF2-40B4-BE49-F238E27FC236}">
+                <a16:creationId xmlns:a16="http://schemas.microsoft.com/office/drawing/2014/main" id="{5FC98500-AB0A-89CC-4430-2CCDB2759063}"/>
+              </a:ext>
+            </a:extLst>
+          </p:cNvPr>
+          <p:cNvCxnSpPr>
+            <a:cxnSpLocks/>
+            <a:stCxn id="33" idx="2"/>
+            <a:endCxn id="45" idx="0"/>
+          </p:cNvCxnSpPr>
+          <p:nvPr/>
+        </p:nvCxnSpPr>
+        <p:spPr>
+          <a:xfrm flipH="1">
+            <a:off x="10201723" y="3310441"/>
+            <a:ext cx="1" cy="382774"/>
+          </a:xfrm>
+          <a:prstGeom prst="straightConnector1">
+            <a:avLst/>
+          </a:prstGeom>
+          <a:ln w="28575">
+            <a:solidFill>
+              <a:schemeClr val="tx1"/>
+            </a:solidFill>
+            <a:tailEnd type="triangle"/>
+          </a:ln>
+        </p:spPr>
+        <p:style>
+          <a:lnRef idx="1">
+            <a:schemeClr val="accent1"/>
+          </a:lnRef>
+          <a:fillRef idx="0">
+            <a:schemeClr val="accent1"/>
+          </a:fillRef>
+          <a:effectRef idx="0">
+            <a:schemeClr val="accent1"/>
+          </a:effectRef>
+          <a:fontRef idx="minor">
+            <a:schemeClr val="tx1"/>
+          </a:fontRef>
+        </p:style>
+      </p:cxnSp>
+      <p:cxnSp>
+        <p:nvCxnSpPr>
+          <p:cNvPr id="39" name="직선 화살표 연결선 38">
+            <a:extLst>
+              <a:ext uri="{FF2B5EF4-FFF2-40B4-BE49-F238E27FC236}">
+                <a16:creationId xmlns:a16="http://schemas.microsoft.com/office/drawing/2014/main" id="{23F29CD4-DDE7-1568-BE4F-A9426E5891CC}"/>
+              </a:ext>
+            </a:extLst>
+          </p:cNvPr>
+          <p:cNvCxnSpPr>
+            <a:cxnSpLocks/>
+            <a:stCxn id="45" idx="4"/>
+            <a:endCxn id="35" idx="3"/>
+          </p:cNvCxnSpPr>
+          <p:nvPr/>
+        </p:nvCxnSpPr>
+        <p:spPr>
+          <a:xfrm>
+            <a:off x="10201723" y="4119651"/>
+            <a:ext cx="0" cy="382774"/>
+          </a:xfrm>
+          <a:prstGeom prst="straightConnector1">
+            <a:avLst/>
+          </a:prstGeom>
+          <a:ln w="28575">
+            <a:solidFill>
+              <a:schemeClr val="tx1"/>
+            </a:solidFill>
+            <a:tailEnd type="triangle"/>
+          </a:ln>
+        </p:spPr>
+        <p:style>
+          <a:lnRef idx="1">
+            <a:schemeClr val="accent1"/>
+          </a:lnRef>
+          <a:fillRef idx="0">
+            <a:schemeClr val="accent1"/>
+          </a:fillRef>
+          <a:effectRef idx="0">
+            <a:schemeClr val="accent1"/>
+          </a:effectRef>
+          <a:fontRef idx="minor">
+            <a:schemeClr val="tx1"/>
+          </a:fontRef>
+        </p:style>
+      </p:cxnSp>
+      <p:cxnSp>
+        <p:nvCxnSpPr>
+          <p:cNvPr id="40" name="직선 화살표 연결선 39">
+            <a:extLst>
+              <a:ext uri="{FF2B5EF4-FFF2-40B4-BE49-F238E27FC236}">
+                <a16:creationId xmlns:a16="http://schemas.microsoft.com/office/drawing/2014/main" id="{481A7FEC-ACBC-A728-56CB-3EB28B3ABED7}"/>
+              </a:ext>
+            </a:extLst>
+          </p:cNvPr>
+          <p:cNvCxnSpPr>
+            <a:cxnSpLocks/>
+            <a:stCxn id="32" idx="2"/>
+            <a:endCxn id="34" idx="3"/>
+          </p:cNvCxnSpPr>
+          <p:nvPr/>
+        </p:nvCxnSpPr>
+        <p:spPr>
+          <a:xfrm flipH="1">
+            <a:off x="10201724" y="1522465"/>
+            <a:ext cx="2" cy="297996"/>
+          </a:xfrm>
+          <a:prstGeom prst="straightConnector1">
+            <a:avLst/>
+          </a:prstGeom>
+          <a:ln w="28575">
+            <a:solidFill>
+              <a:schemeClr val="tx1"/>
+            </a:solidFill>
+            <a:tailEnd type="triangle"/>
+          </a:ln>
+        </p:spPr>
+        <p:style>
+          <a:lnRef idx="1">
+            <a:schemeClr val="accent1"/>
+          </a:lnRef>
+          <a:fillRef idx="0">
+            <a:schemeClr val="accent1"/>
+          </a:fillRef>
+          <a:effectRef idx="0">
+            <a:schemeClr val="accent1"/>
+          </a:effectRef>
+          <a:fontRef idx="minor">
+            <a:schemeClr val="tx1"/>
+          </a:fontRef>
+        </p:style>
+      </p:cxnSp>
+      <p:sp>
+        <p:nvSpPr>
+          <p:cNvPr id="43" name="TextBox 42">
+            <a:extLst>
+              <a:ext uri="{FF2B5EF4-FFF2-40B4-BE49-F238E27FC236}">
+                <a16:creationId xmlns:a16="http://schemas.microsoft.com/office/drawing/2014/main" id="{283054A1-A2AD-A8D6-E00D-1BE440FF56C0}"/>
+              </a:ext>
+            </a:extLst>
+          </p:cNvPr>
+          <p:cNvSpPr txBox="1"/>
+          <p:nvPr/>
+        </p:nvSpPr>
+        <p:spPr>
+          <a:xfrm>
+            <a:off x="1365706" y="3527654"/>
+            <a:ext cx="473525" cy="276999"/>
+          </a:xfrm>
+          <a:prstGeom prst="rect">
+            <a:avLst/>
+          </a:prstGeom>
+          <a:noFill/>
+        </p:spPr>
+        <p:txBody>
+          <a:bodyPr wrap="square" rtlCol="0">
+            <a:spAutoFit/>
+          </a:bodyPr>
+          <a:lstStyle/>
+          <a:p>
+            <a:r>
+              <a:rPr lang="en-US" altLang="ko-KR" sz="1200" dirty="0"/>
+              <a:t>YES</a:t>
+            </a:r>
+            <a:endParaRPr lang="ko-KR" altLang="en-US" sz="1200" dirty="0"/>
+          </a:p>
+        </p:txBody>
+      </p:sp>
+      <p:sp>
+        <p:nvSpPr>
+          <p:cNvPr id="44" name="타원 43">
+            <a:extLst>
+              <a:ext uri="{FF2B5EF4-FFF2-40B4-BE49-F238E27FC236}">
+                <a16:creationId xmlns:a16="http://schemas.microsoft.com/office/drawing/2014/main" id="{1B97DF96-37FC-E7E9-C62B-6EFF279DCCCC}"/>
+              </a:ext>
+            </a:extLst>
+          </p:cNvPr>
+          <p:cNvSpPr/>
+          <p:nvPr/>
+        </p:nvSpPr>
+        <p:spPr>
+          <a:xfrm>
+            <a:off x="4371940" y="1872103"/>
+            <a:ext cx="426436" cy="426436"/>
+          </a:xfrm>
+          <a:prstGeom prst="ellipse">
+            <a:avLst/>
+          </a:prstGeom>
+          <a:solidFill>
+            <a:srgbClr val="00B0F0"/>
+          </a:solidFill>
+        </p:spPr>
+        <p:style>
+          <a:lnRef idx="2">
+            <a:schemeClr val="accent1">
+              <a:shade val="15000"/>
+            </a:schemeClr>
+          </a:lnRef>
+          <a:fillRef idx="1">
+            <a:schemeClr val="accent1"/>
+          </a:fillRef>
+          <a:effectRef idx="0">
+            <a:schemeClr val="accent1"/>
+          </a:effectRef>
+          <a:fontRef idx="minor">
+            <a:schemeClr val="lt1"/>
+          </a:fontRef>
+        </p:style>
+        <p:txBody>
+          <a:bodyPr rtlCol="0" anchor="ctr"/>
+          <a:lstStyle/>
+          <a:p>
+            <a:pPr algn="ctr"/>
+            <a:r>
+              <a:rPr lang="en-US" altLang="ko-KR" dirty="0"/>
+              <a:t>1</a:t>
+            </a:r>
+            <a:endParaRPr lang="ko-KR" altLang="en-US" dirty="0"/>
+          </a:p>
+        </p:txBody>
+      </p:sp>
+      <p:sp>
+        <p:nvSpPr>
+          <p:cNvPr id="45" name="타원 44">
+            <a:extLst>
+              <a:ext uri="{FF2B5EF4-FFF2-40B4-BE49-F238E27FC236}">
+                <a16:creationId xmlns:a16="http://schemas.microsoft.com/office/drawing/2014/main" id="{51C45D6C-AD3C-42E7-F091-9DA252733D09}"/>
+              </a:ext>
+            </a:extLst>
+          </p:cNvPr>
+          <p:cNvSpPr/>
+          <p:nvPr/>
+        </p:nvSpPr>
+        <p:spPr>
+          <a:xfrm>
+            <a:off x="9988505" y="3693215"/>
+            <a:ext cx="426436" cy="426436"/>
+          </a:xfrm>
+          <a:prstGeom prst="ellipse">
+            <a:avLst/>
+          </a:prstGeom>
+          <a:solidFill>
+            <a:schemeClr val="accent2">
+              <a:lumMod val="60000"/>
+              <a:lumOff val="40000"/>
+            </a:schemeClr>
+          </a:solidFill>
+        </p:spPr>
+        <p:style>
+          <a:lnRef idx="2">
+            <a:schemeClr val="accent1">
+              <a:shade val="15000"/>
+            </a:schemeClr>
+          </a:lnRef>
+          <a:fillRef idx="1">
+            <a:schemeClr val="accent1"/>
+          </a:fillRef>
+          <a:effectRef idx="0">
+            <a:schemeClr val="accent1"/>
+          </a:effectRef>
+          <a:fontRef idx="minor">
+            <a:schemeClr val="lt1"/>
+          </a:fontRef>
+        </p:style>
+        <p:txBody>
+          <a:bodyPr rtlCol="0" anchor="ctr"/>
+          <a:lstStyle/>
+          <a:p>
+            <a:pPr algn="ctr"/>
+            <a:r>
+              <a:rPr lang="en-US" altLang="ko-KR" dirty="0"/>
+              <a:t>2</a:t>
+            </a:r>
             <a:endParaRPr lang="ko-KR" altLang="en-US" dirty="0"/>
           </a:p>
         </p:txBody>
@@ -11695,40 +13428,188 @@
             <p:ph type="title"/>
           </p:nvPr>
         </p:nvSpPr>
-        <p:spPr/>
-        <p:txBody>
-          <a:bodyPr/>
+        <p:spPr>
+          <a:xfrm>
+            <a:off x="-1" y="0"/>
+            <a:ext cx="5845629" cy="516835"/>
+          </a:xfrm>
+        </p:spPr>
+        <p:txBody>
+          <a:bodyPr>
+            <a:normAutofit/>
+          </a:bodyPr>
           <a:lstStyle/>
           <a:p>
+            <a:r>
+              <a:rPr lang="en-US" altLang="ko-KR" dirty="0" err="1">
+                <a:solidFill>
+                  <a:schemeClr val="tx1"/>
+                </a:solidFill>
+              </a:rPr>
+              <a:t>ServerSocket_ClientHandle</a:t>
+            </a:r>
             <a:endParaRPr lang="ko-KR" altLang="en-US" dirty="0"/>
           </a:p>
         </p:txBody>
       </p:sp>
       <p:sp>
         <p:nvSpPr>
-          <p:cNvPr id="3" name="내용 개체 틀 2">
-            <a:extLst>
-              <a:ext uri="{FF2B5EF4-FFF2-40B4-BE49-F238E27FC236}">
-                <a16:creationId xmlns:a16="http://schemas.microsoft.com/office/drawing/2014/main" id="{82A321F1-7F1F-4F5D-6C38-1A286C7C8992}"/>
-              </a:ext>
-            </a:extLst>
-          </p:cNvPr>
-          <p:cNvSpPr>
-            <a:spLocks noGrp="1"/>
-          </p:cNvSpPr>
-          <p:nvPr>
-            <p:ph idx="1"/>
-          </p:nvPr>
-        </p:nvSpPr>
-        <p:spPr/>
-        <p:txBody>
-          <a:bodyPr/>
+          <p:cNvPr id="5" name="타원 4">
+            <a:extLst>
+              <a:ext uri="{FF2B5EF4-FFF2-40B4-BE49-F238E27FC236}">
+                <a16:creationId xmlns:a16="http://schemas.microsoft.com/office/drawing/2014/main" id="{1D31AE84-74CF-88D7-1B3D-360F95C5DE8C}"/>
+              </a:ext>
+            </a:extLst>
+          </p:cNvPr>
+          <p:cNvSpPr/>
+          <p:nvPr/>
+        </p:nvSpPr>
+        <p:spPr>
+          <a:xfrm>
+            <a:off x="1626017" y="970602"/>
+            <a:ext cx="426436" cy="426436"/>
+          </a:xfrm>
+          <a:prstGeom prst="ellipse">
+            <a:avLst/>
+          </a:prstGeom>
+          <a:solidFill>
+            <a:schemeClr val="accent2">
+              <a:lumMod val="60000"/>
+              <a:lumOff val="40000"/>
+            </a:schemeClr>
+          </a:solidFill>
+        </p:spPr>
+        <p:style>
+          <a:lnRef idx="2">
+            <a:schemeClr val="accent1">
+              <a:shade val="15000"/>
+            </a:schemeClr>
+          </a:lnRef>
+          <a:fillRef idx="1">
+            <a:schemeClr val="accent1"/>
+          </a:fillRef>
+          <a:effectRef idx="0">
+            <a:schemeClr val="accent1"/>
+          </a:effectRef>
+          <a:fontRef idx="minor">
+            <a:schemeClr val="lt1"/>
+          </a:fontRef>
+        </p:style>
+        <p:txBody>
+          <a:bodyPr rtlCol="0" anchor="ctr"/>
           <a:lstStyle/>
           <a:p>
+            <a:pPr algn="ctr"/>
+            <a:r>
+              <a:rPr lang="en-US" altLang="ko-KR" dirty="0"/>
+              <a:t>2</a:t>
+            </a:r>
             <a:endParaRPr lang="ko-KR" altLang="en-US" dirty="0"/>
           </a:p>
         </p:txBody>
       </p:sp>
+      <p:sp>
+        <p:nvSpPr>
+          <p:cNvPr id="6" name="직사각형 5">
+            <a:extLst>
+              <a:ext uri="{FF2B5EF4-FFF2-40B4-BE49-F238E27FC236}">
+                <a16:creationId xmlns:a16="http://schemas.microsoft.com/office/drawing/2014/main" id="{46FEF2D9-F08D-3240-8935-CF8F381CC981}"/>
+              </a:ext>
+            </a:extLst>
+          </p:cNvPr>
+          <p:cNvSpPr/>
+          <p:nvPr/>
+        </p:nvSpPr>
+        <p:spPr>
+          <a:xfrm>
+            <a:off x="800100" y="1787325"/>
+            <a:ext cx="2078272" cy="595992"/>
+          </a:xfrm>
+          <a:prstGeom prst="rect">
+            <a:avLst/>
+          </a:prstGeom>
+          <a:solidFill>
+            <a:schemeClr val="tx2">
+              <a:lumMod val="40000"/>
+              <a:lumOff val="60000"/>
+            </a:schemeClr>
+          </a:solidFill>
+        </p:spPr>
+        <p:style>
+          <a:lnRef idx="2">
+            <a:schemeClr val="accent1">
+              <a:shade val="15000"/>
+            </a:schemeClr>
+          </a:lnRef>
+          <a:fillRef idx="1">
+            <a:schemeClr val="accent1"/>
+          </a:fillRef>
+          <a:effectRef idx="0">
+            <a:schemeClr val="accent1"/>
+          </a:effectRef>
+          <a:fontRef idx="minor">
+            <a:schemeClr val="lt1"/>
+          </a:fontRef>
+        </p:style>
+        <p:txBody>
+          <a:bodyPr rtlCol="0" anchor="ctr"/>
+          <a:lstStyle/>
+          <a:p>
+            <a:pPr algn="ctr"/>
+            <a:endParaRPr lang="ko-KR" altLang="en-US" dirty="0">
+              <a:solidFill>
+                <a:schemeClr val="tx1"/>
+              </a:solidFill>
+            </a:endParaRPr>
+          </a:p>
+        </p:txBody>
+      </p:sp>
+      <p:cxnSp>
+        <p:nvCxnSpPr>
+          <p:cNvPr id="7" name="직선 화살표 연결선 6">
+            <a:extLst>
+              <a:ext uri="{FF2B5EF4-FFF2-40B4-BE49-F238E27FC236}">
+                <a16:creationId xmlns:a16="http://schemas.microsoft.com/office/drawing/2014/main" id="{745B21C1-98BB-6FB0-9466-76FC929C3C2D}"/>
+              </a:ext>
+            </a:extLst>
+          </p:cNvPr>
+          <p:cNvCxnSpPr>
+            <a:cxnSpLocks/>
+            <a:stCxn id="5" idx="4"/>
+            <a:endCxn id="6" idx="0"/>
+          </p:cNvCxnSpPr>
+          <p:nvPr/>
+        </p:nvCxnSpPr>
+        <p:spPr>
+          <a:xfrm>
+            <a:off x="1839235" y="1397038"/>
+            <a:ext cx="1" cy="390287"/>
+          </a:xfrm>
+          <a:prstGeom prst="straightConnector1">
+            <a:avLst/>
+          </a:prstGeom>
+          <a:ln w="28575">
+            <a:solidFill>
+              <a:schemeClr val="tx1"/>
+            </a:solidFill>
+            <a:tailEnd type="triangle"/>
+          </a:ln>
+        </p:spPr>
+        <p:style>
+          <a:lnRef idx="1">
+            <a:schemeClr val="accent1"/>
+          </a:lnRef>
+          <a:fillRef idx="0">
+            <a:schemeClr val="accent1"/>
+          </a:fillRef>
+          <a:effectRef idx="0">
+            <a:schemeClr val="accent1"/>
+          </a:effectRef>
+          <a:fontRef idx="minor">
+            <a:schemeClr val="tx1"/>
+          </a:fontRef>
+        </p:style>
+      </p:cxnSp>
     </p:spTree>
     <p:extLst>
       <p:ext uri="{BB962C8B-B14F-4D97-AF65-F5344CB8AC3E}">

--- a/서버프로그래밍.pptx
+++ b/서버프로그래밍.pptx
@@ -7,13 +7,13 @@
   </p:sldMasterIdLst>
   <p:sldIdLst>
     <p:sldId id="256" r:id="rId3"/>
-    <p:sldId id="260" r:id="rId4"/>
-    <p:sldId id="258" r:id="rId5"/>
-    <p:sldId id="262" r:id="rId6"/>
-    <p:sldId id="263" r:id="rId7"/>
-    <p:sldId id="264" r:id="rId8"/>
-    <p:sldId id="261" r:id="rId9"/>
-    <p:sldId id="259" r:id="rId10"/>
+    <p:sldId id="263" r:id="rId4"/>
+    <p:sldId id="265" r:id="rId5"/>
+    <p:sldId id="264" r:id="rId6"/>
+    <p:sldId id="261" r:id="rId7"/>
+    <p:sldId id="260" r:id="rId8"/>
+    <p:sldId id="258" r:id="rId9"/>
+    <p:sldId id="262" r:id="rId10"/>
   </p:sldIdLst>
   <p:sldSz cx="12192000" cy="6858000"/>
   <p:notesSz cx="6858000" cy="9144000"/>
@@ -132,3198 +132,6 @@
 </p:cmAuthorLst>
 </file>
 
-<file path=ppt/diagrams/colors1.xml><?xml version="1.0" encoding="utf-8"?>
-<dgm:colorsDef xmlns:dgm="http://schemas.openxmlformats.org/drawingml/2006/diagram" xmlns:a="http://schemas.openxmlformats.org/drawingml/2006/main" uniqueId="urn:microsoft.com/office/officeart/2005/8/colors/accent1_2">
-  <dgm:title val=""/>
-  <dgm:desc val=""/>
-  <dgm:catLst>
-    <dgm:cat type="accent1" pri="11200"/>
-  </dgm:catLst>
-  <dgm:styleLbl name="node0">
-    <dgm:fillClrLst meth="repeat">
-      <a:schemeClr val="accent1"/>
-    </dgm:fillClrLst>
-    <dgm:linClrLst meth="repeat">
-      <a:schemeClr val="lt1"/>
-    </dgm:linClrLst>
-    <dgm:effectClrLst/>
-    <dgm:txLinClrLst/>
-    <dgm:txFillClrLst/>
-    <dgm:txEffectClrLst/>
-  </dgm:styleLbl>
-  <dgm:styleLbl name="alignNode1">
-    <dgm:fillClrLst meth="repeat">
-      <a:schemeClr val="accent1"/>
-    </dgm:fillClrLst>
-    <dgm:linClrLst meth="repeat">
-      <a:schemeClr val="accent1"/>
-    </dgm:linClrLst>
-    <dgm:effectClrLst/>
-    <dgm:txLinClrLst/>
-    <dgm:txFillClrLst/>
-    <dgm:txEffectClrLst/>
-  </dgm:styleLbl>
-  <dgm:styleLbl name="node1">
-    <dgm:fillClrLst meth="repeat">
-      <a:schemeClr val="accent1"/>
-    </dgm:fillClrLst>
-    <dgm:linClrLst meth="repeat">
-      <a:schemeClr val="lt1"/>
-    </dgm:linClrLst>
-    <dgm:effectClrLst/>
-    <dgm:txLinClrLst/>
-    <dgm:txFillClrLst/>
-    <dgm:txEffectClrLst/>
-  </dgm:styleLbl>
-  <dgm:styleLbl name="lnNode1">
-    <dgm:fillClrLst meth="repeat">
-      <a:schemeClr val="accent1"/>
-    </dgm:fillClrLst>
-    <dgm:linClrLst meth="repeat">
-      <a:schemeClr val="lt1"/>
-    </dgm:linClrLst>
-    <dgm:effectClrLst/>
-    <dgm:txLinClrLst/>
-    <dgm:txFillClrLst/>
-    <dgm:txEffectClrLst/>
-  </dgm:styleLbl>
-  <dgm:styleLbl name="vennNode1">
-    <dgm:fillClrLst meth="repeat">
-      <a:schemeClr val="accent1">
-        <a:alpha val="50000"/>
-      </a:schemeClr>
-    </dgm:fillClrLst>
-    <dgm:linClrLst meth="repeat">
-      <a:schemeClr val="lt1"/>
-    </dgm:linClrLst>
-    <dgm:effectClrLst/>
-    <dgm:txLinClrLst/>
-    <dgm:txFillClrLst/>
-    <dgm:txEffectClrLst/>
-  </dgm:styleLbl>
-  <dgm:styleLbl name="node2">
-    <dgm:fillClrLst meth="repeat">
-      <a:schemeClr val="accent1"/>
-    </dgm:fillClrLst>
-    <dgm:linClrLst meth="repeat">
-      <a:schemeClr val="lt1"/>
-    </dgm:linClrLst>
-    <dgm:effectClrLst/>
-    <dgm:txLinClrLst/>
-    <dgm:txFillClrLst/>
-    <dgm:txEffectClrLst/>
-  </dgm:styleLbl>
-  <dgm:styleLbl name="node3">
-    <dgm:fillClrLst meth="repeat">
-      <a:schemeClr val="accent1"/>
-    </dgm:fillClrLst>
-    <dgm:linClrLst meth="repeat">
-      <a:schemeClr val="lt1"/>
-    </dgm:linClrLst>
-    <dgm:effectClrLst/>
-    <dgm:txLinClrLst/>
-    <dgm:txFillClrLst/>
-    <dgm:txEffectClrLst/>
-  </dgm:styleLbl>
-  <dgm:styleLbl name="node4">
-    <dgm:fillClrLst meth="repeat">
-      <a:schemeClr val="accent1"/>
-    </dgm:fillClrLst>
-    <dgm:linClrLst meth="repeat">
-      <a:schemeClr val="lt1"/>
-    </dgm:linClrLst>
-    <dgm:effectClrLst/>
-    <dgm:txLinClrLst/>
-    <dgm:txFillClrLst/>
-    <dgm:txEffectClrLst/>
-  </dgm:styleLbl>
-  <dgm:styleLbl name="fgImgPlace1">
-    <dgm:fillClrLst meth="repeat">
-      <a:schemeClr val="accent1">
-        <a:tint val="50000"/>
-      </a:schemeClr>
-    </dgm:fillClrLst>
-    <dgm:linClrLst meth="repeat">
-      <a:schemeClr val="lt1"/>
-    </dgm:linClrLst>
-    <dgm:effectClrLst/>
-    <dgm:txLinClrLst/>
-    <dgm:txFillClrLst meth="repeat">
-      <a:schemeClr val="lt1"/>
-    </dgm:txFillClrLst>
-    <dgm:txEffectClrLst/>
-  </dgm:styleLbl>
-  <dgm:styleLbl name="alignImgPlace1">
-    <dgm:fillClrLst meth="repeat">
-      <a:schemeClr val="accent1">
-        <a:tint val="50000"/>
-      </a:schemeClr>
-    </dgm:fillClrLst>
-    <dgm:linClrLst meth="repeat">
-      <a:schemeClr val="lt1"/>
-    </dgm:linClrLst>
-    <dgm:effectClrLst/>
-    <dgm:txLinClrLst/>
-    <dgm:txFillClrLst meth="repeat">
-      <a:schemeClr val="lt1"/>
-    </dgm:txFillClrLst>
-    <dgm:txEffectClrLst/>
-  </dgm:styleLbl>
-  <dgm:styleLbl name="bgImgPlace1">
-    <dgm:fillClrLst meth="repeat">
-      <a:schemeClr val="accent1">
-        <a:tint val="50000"/>
-      </a:schemeClr>
-    </dgm:fillClrLst>
-    <dgm:linClrLst meth="repeat">
-      <a:schemeClr val="lt1"/>
-    </dgm:linClrLst>
-    <dgm:effectClrLst/>
-    <dgm:txLinClrLst/>
-    <dgm:txFillClrLst meth="repeat">
-      <a:schemeClr val="lt1"/>
-    </dgm:txFillClrLst>
-    <dgm:txEffectClrLst/>
-  </dgm:styleLbl>
-  <dgm:styleLbl name="sibTrans2D1">
-    <dgm:fillClrLst meth="repeat">
-      <a:schemeClr val="accent1">
-        <a:tint val="60000"/>
-      </a:schemeClr>
-    </dgm:fillClrLst>
-    <dgm:linClrLst meth="repeat">
-      <a:schemeClr val="accent1">
-        <a:tint val="60000"/>
-      </a:schemeClr>
-    </dgm:linClrLst>
-    <dgm:effectClrLst/>
-    <dgm:txLinClrLst/>
-    <dgm:txFillClrLst/>
-    <dgm:txEffectClrLst/>
-  </dgm:styleLbl>
-  <dgm:styleLbl name="fgSibTrans2D1">
-    <dgm:fillClrLst meth="repeat">
-      <a:schemeClr val="accent1">
-        <a:tint val="60000"/>
-      </a:schemeClr>
-    </dgm:fillClrLst>
-    <dgm:linClrLst meth="repeat">
-      <a:schemeClr val="accent1">
-        <a:tint val="60000"/>
-      </a:schemeClr>
-    </dgm:linClrLst>
-    <dgm:effectClrLst/>
-    <dgm:txLinClrLst/>
-    <dgm:txFillClrLst/>
-    <dgm:txEffectClrLst/>
-  </dgm:styleLbl>
-  <dgm:styleLbl name="bgSibTrans2D1">
-    <dgm:fillClrLst meth="repeat">
-      <a:schemeClr val="accent1">
-        <a:tint val="60000"/>
-      </a:schemeClr>
-    </dgm:fillClrLst>
-    <dgm:linClrLst meth="repeat">
-      <a:schemeClr val="accent1">
-        <a:tint val="60000"/>
-      </a:schemeClr>
-    </dgm:linClrLst>
-    <dgm:effectClrLst/>
-    <dgm:txLinClrLst/>
-    <dgm:txFillClrLst/>
-    <dgm:txEffectClrLst/>
-  </dgm:styleLbl>
-  <dgm:styleLbl name="sibTrans1D1">
-    <dgm:fillClrLst meth="repeat">
-      <a:schemeClr val="accent1"/>
-    </dgm:fillClrLst>
-    <dgm:linClrLst meth="repeat">
-      <a:schemeClr val="accent1"/>
-    </dgm:linClrLst>
-    <dgm:effectClrLst/>
-    <dgm:txLinClrLst/>
-    <dgm:txFillClrLst meth="repeat">
-      <a:schemeClr val="tx1"/>
-    </dgm:txFillClrLst>
-    <dgm:txEffectClrLst/>
-  </dgm:styleLbl>
-  <dgm:styleLbl name="callout">
-    <dgm:fillClrLst meth="repeat">
-      <a:schemeClr val="accent1"/>
-    </dgm:fillClrLst>
-    <dgm:linClrLst meth="repeat">
-      <a:schemeClr val="accent1">
-        <a:tint val="50000"/>
-      </a:schemeClr>
-    </dgm:linClrLst>
-    <dgm:effectClrLst/>
-    <dgm:txLinClrLst/>
-    <dgm:txFillClrLst meth="repeat">
-      <a:schemeClr val="tx1"/>
-    </dgm:txFillClrLst>
-    <dgm:txEffectClrLst/>
-  </dgm:styleLbl>
-  <dgm:styleLbl name="asst0">
-    <dgm:fillClrLst meth="repeat">
-      <a:schemeClr val="accent1"/>
-    </dgm:fillClrLst>
-    <dgm:linClrLst meth="repeat">
-      <a:schemeClr val="lt1"/>
-    </dgm:linClrLst>
-    <dgm:effectClrLst/>
-    <dgm:txLinClrLst/>
-    <dgm:txFillClrLst/>
-    <dgm:txEffectClrLst/>
-  </dgm:styleLbl>
-  <dgm:styleLbl name="asst1">
-    <dgm:fillClrLst meth="repeat">
-      <a:schemeClr val="accent1"/>
-    </dgm:fillClrLst>
-    <dgm:linClrLst meth="repeat">
-      <a:schemeClr val="lt1"/>
-    </dgm:linClrLst>
-    <dgm:effectClrLst/>
-    <dgm:txLinClrLst/>
-    <dgm:txFillClrLst/>
-    <dgm:txEffectClrLst/>
-  </dgm:styleLbl>
-  <dgm:styleLbl name="asst2">
-    <dgm:fillClrLst meth="repeat">
-      <a:schemeClr val="accent1"/>
-    </dgm:fillClrLst>
-    <dgm:linClrLst meth="repeat">
-      <a:schemeClr val="lt1"/>
-    </dgm:linClrLst>
-    <dgm:effectClrLst/>
-    <dgm:txLinClrLst/>
-    <dgm:txFillClrLst/>
-    <dgm:txEffectClrLst/>
-  </dgm:styleLbl>
-  <dgm:styleLbl name="asst3">
-    <dgm:fillClrLst meth="repeat">
-      <a:schemeClr val="accent1"/>
-    </dgm:fillClrLst>
-    <dgm:linClrLst meth="repeat">
-      <a:schemeClr val="lt1"/>
-    </dgm:linClrLst>
-    <dgm:effectClrLst/>
-    <dgm:txLinClrLst/>
-    <dgm:txFillClrLst/>
-    <dgm:txEffectClrLst/>
-  </dgm:styleLbl>
-  <dgm:styleLbl name="asst4">
-    <dgm:fillClrLst meth="repeat">
-      <a:schemeClr val="accent1"/>
-    </dgm:fillClrLst>
-    <dgm:linClrLst meth="repeat">
-      <a:schemeClr val="lt1"/>
-    </dgm:linClrLst>
-    <dgm:effectClrLst/>
-    <dgm:txLinClrLst/>
-    <dgm:txFillClrLst/>
-    <dgm:txEffectClrLst/>
-  </dgm:styleLbl>
-  <dgm:styleLbl name="parChTrans2D1">
-    <dgm:fillClrLst meth="repeat">
-      <a:schemeClr val="accent1">
-        <a:tint val="60000"/>
-      </a:schemeClr>
-    </dgm:fillClrLst>
-    <dgm:linClrLst meth="repeat">
-      <a:schemeClr val="accent1">
-        <a:tint val="60000"/>
-      </a:schemeClr>
-    </dgm:linClrLst>
-    <dgm:effectClrLst/>
-    <dgm:txLinClrLst/>
-    <dgm:txFillClrLst meth="repeat">
-      <a:schemeClr val="lt1"/>
-    </dgm:txFillClrLst>
-    <dgm:txEffectClrLst/>
-  </dgm:styleLbl>
-  <dgm:styleLbl name="parChTrans2D2">
-    <dgm:fillClrLst meth="repeat">
-      <a:schemeClr val="accent1"/>
-    </dgm:fillClrLst>
-    <dgm:linClrLst meth="repeat">
-      <a:schemeClr val="accent1"/>
-    </dgm:linClrLst>
-    <dgm:effectClrLst/>
-    <dgm:txLinClrLst/>
-    <dgm:txFillClrLst meth="repeat">
-      <a:schemeClr val="lt1"/>
-    </dgm:txFillClrLst>
-    <dgm:txEffectClrLst/>
-  </dgm:styleLbl>
-  <dgm:styleLbl name="parChTrans2D3">
-    <dgm:fillClrLst meth="repeat">
-      <a:schemeClr val="accent1"/>
-    </dgm:fillClrLst>
-    <dgm:linClrLst meth="repeat">
-      <a:schemeClr val="accent1"/>
-    </dgm:linClrLst>
-    <dgm:effectClrLst/>
-    <dgm:txLinClrLst/>
-    <dgm:txFillClrLst meth="repeat">
-      <a:schemeClr val="lt1"/>
-    </dgm:txFillClrLst>
-    <dgm:txEffectClrLst/>
-  </dgm:styleLbl>
-  <dgm:styleLbl name="parChTrans2D4">
-    <dgm:fillClrLst meth="repeat">
-      <a:schemeClr val="accent1"/>
-    </dgm:fillClrLst>
-    <dgm:linClrLst meth="repeat">
-      <a:schemeClr val="accent1"/>
-    </dgm:linClrLst>
-    <dgm:effectClrLst/>
-    <dgm:txLinClrLst/>
-    <dgm:txFillClrLst meth="repeat">
-      <a:schemeClr val="lt1"/>
-    </dgm:txFillClrLst>
-    <dgm:txEffectClrLst/>
-  </dgm:styleLbl>
-  <dgm:styleLbl name="parChTrans1D1">
-    <dgm:fillClrLst meth="repeat">
-      <a:schemeClr val="accent1"/>
-    </dgm:fillClrLst>
-    <dgm:linClrLst meth="repeat">
-      <a:schemeClr val="accent1">
-        <a:shade val="60000"/>
-      </a:schemeClr>
-    </dgm:linClrLst>
-    <dgm:effectClrLst/>
-    <dgm:txLinClrLst/>
-    <dgm:txFillClrLst meth="repeat">
-      <a:schemeClr val="tx1"/>
-    </dgm:txFillClrLst>
-    <dgm:txEffectClrLst/>
-  </dgm:styleLbl>
-  <dgm:styleLbl name="parChTrans1D2">
-    <dgm:fillClrLst meth="repeat">
-      <a:schemeClr val="accent1"/>
-    </dgm:fillClrLst>
-    <dgm:linClrLst meth="repeat">
-      <a:schemeClr val="accent1">
-        <a:shade val="60000"/>
-      </a:schemeClr>
-    </dgm:linClrLst>
-    <dgm:effectClrLst/>
-    <dgm:txLinClrLst/>
-    <dgm:txFillClrLst meth="repeat">
-      <a:schemeClr val="tx1"/>
-    </dgm:txFillClrLst>
-    <dgm:txEffectClrLst/>
-  </dgm:styleLbl>
-  <dgm:styleLbl name="parChTrans1D3">
-    <dgm:fillClrLst meth="repeat">
-      <a:schemeClr val="accent1"/>
-    </dgm:fillClrLst>
-    <dgm:linClrLst meth="repeat">
-      <a:schemeClr val="accent1">
-        <a:shade val="80000"/>
-      </a:schemeClr>
-    </dgm:linClrLst>
-    <dgm:effectClrLst/>
-    <dgm:txLinClrLst/>
-    <dgm:txFillClrLst meth="repeat">
-      <a:schemeClr val="tx1"/>
-    </dgm:txFillClrLst>
-    <dgm:txEffectClrLst/>
-  </dgm:styleLbl>
-  <dgm:styleLbl name="parChTrans1D4">
-    <dgm:fillClrLst meth="repeat">
-      <a:schemeClr val="accent1"/>
-    </dgm:fillClrLst>
-    <dgm:linClrLst meth="repeat">
-      <a:schemeClr val="accent1">
-        <a:shade val="80000"/>
-      </a:schemeClr>
-    </dgm:linClrLst>
-    <dgm:effectClrLst/>
-    <dgm:txLinClrLst/>
-    <dgm:txFillClrLst meth="repeat">
-      <a:schemeClr val="tx1"/>
-    </dgm:txFillClrLst>
-    <dgm:txEffectClrLst/>
-  </dgm:styleLbl>
-  <dgm:styleLbl name="fgAcc1">
-    <dgm:fillClrLst meth="repeat">
-      <a:schemeClr val="lt1">
-        <a:alpha val="90000"/>
-      </a:schemeClr>
-    </dgm:fillClrLst>
-    <dgm:linClrLst meth="repeat">
-      <a:schemeClr val="accent1"/>
-    </dgm:linClrLst>
-    <dgm:effectClrLst/>
-    <dgm:txLinClrLst/>
-    <dgm:txFillClrLst meth="repeat">
-      <a:schemeClr val="dk1"/>
-    </dgm:txFillClrLst>
-    <dgm:txEffectClrLst/>
-  </dgm:styleLbl>
-  <dgm:styleLbl name="conFgAcc1">
-    <dgm:fillClrLst meth="repeat">
-      <a:schemeClr val="lt1">
-        <a:alpha val="90000"/>
-      </a:schemeClr>
-    </dgm:fillClrLst>
-    <dgm:linClrLst meth="repeat">
-      <a:schemeClr val="accent1"/>
-    </dgm:linClrLst>
-    <dgm:effectClrLst/>
-    <dgm:txLinClrLst/>
-    <dgm:txFillClrLst meth="repeat">
-      <a:schemeClr val="dk1"/>
-    </dgm:txFillClrLst>
-    <dgm:txEffectClrLst/>
-  </dgm:styleLbl>
-  <dgm:styleLbl name="alignAcc1">
-    <dgm:fillClrLst meth="repeat">
-      <a:schemeClr val="lt1">
-        <a:alpha val="90000"/>
-      </a:schemeClr>
-    </dgm:fillClrLst>
-    <dgm:linClrLst meth="repeat">
-      <a:schemeClr val="accent1"/>
-    </dgm:linClrLst>
-    <dgm:effectClrLst/>
-    <dgm:txLinClrLst/>
-    <dgm:txFillClrLst meth="repeat">
-      <a:schemeClr val="dk1"/>
-    </dgm:txFillClrLst>
-    <dgm:txEffectClrLst/>
-  </dgm:styleLbl>
-  <dgm:styleLbl name="trAlignAcc1">
-    <dgm:fillClrLst meth="repeat">
-      <a:schemeClr val="lt1">
-        <a:alpha val="40000"/>
-      </a:schemeClr>
-    </dgm:fillClrLst>
-    <dgm:linClrLst meth="repeat">
-      <a:schemeClr val="accent1"/>
-    </dgm:linClrLst>
-    <dgm:effectClrLst/>
-    <dgm:txLinClrLst/>
-    <dgm:txFillClrLst meth="repeat">
-      <a:schemeClr val="dk1"/>
-    </dgm:txFillClrLst>
-    <dgm:txEffectClrLst/>
-  </dgm:styleLbl>
-  <dgm:styleLbl name="bgAcc1">
-    <dgm:fillClrLst meth="repeat">
-      <a:schemeClr val="lt1">
-        <a:alpha val="90000"/>
-      </a:schemeClr>
-    </dgm:fillClrLst>
-    <dgm:linClrLst meth="repeat">
-      <a:schemeClr val="accent1"/>
-    </dgm:linClrLst>
-    <dgm:effectClrLst/>
-    <dgm:txLinClrLst/>
-    <dgm:txFillClrLst meth="repeat">
-      <a:schemeClr val="dk1"/>
-    </dgm:txFillClrLst>
-    <dgm:txEffectClrLst/>
-  </dgm:styleLbl>
-  <dgm:styleLbl name="solidFgAcc1">
-    <dgm:fillClrLst meth="repeat">
-      <a:schemeClr val="lt1"/>
-    </dgm:fillClrLst>
-    <dgm:linClrLst meth="repeat">
-      <a:schemeClr val="accent1"/>
-    </dgm:linClrLst>
-    <dgm:effectClrLst/>
-    <dgm:txLinClrLst/>
-    <dgm:txFillClrLst meth="repeat">
-      <a:schemeClr val="dk1"/>
-    </dgm:txFillClrLst>
-    <dgm:txEffectClrLst/>
-  </dgm:styleLbl>
-  <dgm:styleLbl name="solidAlignAcc1">
-    <dgm:fillClrLst meth="repeat">
-      <a:schemeClr val="lt1"/>
-    </dgm:fillClrLst>
-    <dgm:linClrLst meth="repeat">
-      <a:schemeClr val="accent1"/>
-    </dgm:linClrLst>
-    <dgm:effectClrLst/>
-    <dgm:txLinClrLst/>
-    <dgm:txFillClrLst meth="repeat">
-      <a:schemeClr val="dk1"/>
-    </dgm:txFillClrLst>
-    <dgm:txEffectClrLst/>
-  </dgm:styleLbl>
-  <dgm:styleLbl name="solidBgAcc1">
-    <dgm:fillClrLst meth="repeat">
-      <a:schemeClr val="lt1"/>
-    </dgm:fillClrLst>
-    <dgm:linClrLst meth="repeat">
-      <a:schemeClr val="accent1"/>
-    </dgm:linClrLst>
-    <dgm:effectClrLst/>
-    <dgm:txLinClrLst/>
-    <dgm:txFillClrLst meth="repeat">
-      <a:schemeClr val="dk1"/>
-    </dgm:txFillClrLst>
-    <dgm:txEffectClrLst/>
-  </dgm:styleLbl>
-  <dgm:styleLbl name="fgAccFollowNode1">
-    <dgm:fillClrLst meth="repeat">
-      <a:schemeClr val="accent1">
-        <a:alpha val="90000"/>
-        <a:tint val="40000"/>
-      </a:schemeClr>
-    </dgm:fillClrLst>
-    <dgm:linClrLst meth="repeat">
-      <a:schemeClr val="accent1">
-        <a:alpha val="90000"/>
-        <a:tint val="40000"/>
-      </a:schemeClr>
-    </dgm:linClrLst>
-    <dgm:effectClrLst/>
-    <dgm:txLinClrLst/>
-    <dgm:txFillClrLst meth="repeat">
-      <a:schemeClr val="dk1"/>
-    </dgm:txFillClrLst>
-    <dgm:txEffectClrLst/>
-  </dgm:styleLbl>
-  <dgm:styleLbl name="alignAccFollowNode1">
-    <dgm:fillClrLst meth="repeat">
-      <a:schemeClr val="accent1">
-        <a:alpha val="90000"/>
-        <a:tint val="40000"/>
-      </a:schemeClr>
-    </dgm:fillClrLst>
-    <dgm:linClrLst meth="repeat">
-      <a:schemeClr val="accent1">
-        <a:alpha val="90000"/>
-        <a:tint val="40000"/>
-      </a:schemeClr>
-    </dgm:linClrLst>
-    <dgm:effectClrLst/>
-    <dgm:txLinClrLst/>
-    <dgm:txFillClrLst meth="repeat">
-      <a:schemeClr val="dk1"/>
-    </dgm:txFillClrLst>
-    <dgm:txEffectClrLst/>
-  </dgm:styleLbl>
-  <dgm:styleLbl name="bgAccFollowNode1">
-    <dgm:fillClrLst meth="repeat">
-      <a:schemeClr val="accent1">
-        <a:alpha val="90000"/>
-        <a:tint val="40000"/>
-      </a:schemeClr>
-    </dgm:fillClrLst>
-    <dgm:linClrLst meth="repeat">
-      <a:schemeClr val="accent1">
-        <a:alpha val="90000"/>
-        <a:tint val="40000"/>
-      </a:schemeClr>
-    </dgm:linClrLst>
-    <dgm:effectClrLst/>
-    <dgm:txLinClrLst/>
-    <dgm:txFillClrLst meth="repeat">
-      <a:schemeClr val="dk1"/>
-    </dgm:txFillClrLst>
-    <dgm:txEffectClrLst/>
-  </dgm:styleLbl>
-  <dgm:styleLbl name="fgAcc0">
-    <dgm:fillClrLst meth="repeat">
-      <a:schemeClr val="lt1">
-        <a:alpha val="90000"/>
-      </a:schemeClr>
-    </dgm:fillClrLst>
-    <dgm:linClrLst meth="repeat">
-      <a:schemeClr val="accent1"/>
-    </dgm:linClrLst>
-    <dgm:effectClrLst/>
-    <dgm:txLinClrLst/>
-    <dgm:txFillClrLst meth="repeat">
-      <a:schemeClr val="dk1"/>
-    </dgm:txFillClrLst>
-    <dgm:txEffectClrLst/>
-  </dgm:styleLbl>
-  <dgm:styleLbl name="fgAcc2">
-    <dgm:fillClrLst meth="repeat">
-      <a:schemeClr val="lt1">
-        <a:alpha val="90000"/>
-      </a:schemeClr>
-    </dgm:fillClrLst>
-    <dgm:linClrLst meth="repeat">
-      <a:schemeClr val="accent1"/>
-    </dgm:linClrLst>
-    <dgm:effectClrLst/>
-    <dgm:txLinClrLst/>
-    <dgm:txFillClrLst meth="repeat">
-      <a:schemeClr val="dk1"/>
-    </dgm:txFillClrLst>
-    <dgm:txEffectClrLst/>
-  </dgm:styleLbl>
-  <dgm:styleLbl name="fgAcc3">
-    <dgm:fillClrLst meth="repeat">
-      <a:schemeClr val="lt1">
-        <a:alpha val="90000"/>
-      </a:schemeClr>
-    </dgm:fillClrLst>
-    <dgm:linClrLst meth="repeat">
-      <a:schemeClr val="accent1"/>
-    </dgm:linClrLst>
-    <dgm:effectClrLst/>
-    <dgm:txLinClrLst/>
-    <dgm:txFillClrLst meth="repeat">
-      <a:schemeClr val="dk1"/>
-    </dgm:txFillClrLst>
-    <dgm:txEffectClrLst/>
-  </dgm:styleLbl>
-  <dgm:styleLbl name="fgAcc4">
-    <dgm:fillClrLst meth="repeat">
-      <a:schemeClr val="lt1">
-        <a:alpha val="90000"/>
-      </a:schemeClr>
-    </dgm:fillClrLst>
-    <dgm:linClrLst meth="repeat">
-      <a:schemeClr val="accent1"/>
-    </dgm:linClrLst>
-    <dgm:effectClrLst/>
-    <dgm:txLinClrLst/>
-    <dgm:txFillClrLst meth="repeat">
-      <a:schemeClr val="dk1"/>
-    </dgm:txFillClrLst>
-    <dgm:txEffectClrLst/>
-  </dgm:styleLbl>
-  <dgm:styleLbl name="bgShp">
-    <dgm:fillClrLst meth="repeat">
-      <a:schemeClr val="accent1">
-        <a:tint val="40000"/>
-      </a:schemeClr>
-    </dgm:fillClrLst>
-    <dgm:linClrLst meth="repeat">
-      <a:schemeClr val="accent1"/>
-    </dgm:linClrLst>
-    <dgm:effectClrLst/>
-    <dgm:txLinClrLst/>
-    <dgm:txFillClrLst meth="repeat">
-      <a:schemeClr val="dk1"/>
-    </dgm:txFillClrLst>
-    <dgm:txEffectClrLst/>
-  </dgm:styleLbl>
-  <dgm:styleLbl name="dkBgShp">
-    <dgm:fillClrLst meth="repeat">
-      <a:schemeClr val="accent1">
-        <a:shade val="80000"/>
-      </a:schemeClr>
-    </dgm:fillClrLst>
-    <dgm:linClrLst meth="repeat">
-      <a:schemeClr val="accent1"/>
-    </dgm:linClrLst>
-    <dgm:effectClrLst/>
-    <dgm:txLinClrLst/>
-    <dgm:txFillClrLst meth="repeat">
-      <a:schemeClr val="lt1"/>
-    </dgm:txFillClrLst>
-    <dgm:txEffectClrLst/>
-  </dgm:styleLbl>
-  <dgm:styleLbl name="trBgShp">
-    <dgm:fillClrLst meth="repeat">
-      <a:schemeClr val="accent1">
-        <a:tint val="50000"/>
-        <a:alpha val="40000"/>
-      </a:schemeClr>
-    </dgm:fillClrLst>
-    <dgm:linClrLst meth="repeat">
-      <a:schemeClr val="accent1"/>
-    </dgm:linClrLst>
-    <dgm:effectClrLst/>
-    <dgm:txLinClrLst/>
-    <dgm:txFillClrLst meth="repeat">
-      <a:schemeClr val="lt1"/>
-    </dgm:txFillClrLst>
-    <dgm:txEffectClrLst/>
-  </dgm:styleLbl>
-  <dgm:styleLbl name="fgShp">
-    <dgm:fillClrLst meth="repeat">
-      <a:schemeClr val="accent1">
-        <a:tint val="60000"/>
-      </a:schemeClr>
-    </dgm:fillClrLst>
-    <dgm:linClrLst meth="repeat">
-      <a:schemeClr val="lt1"/>
-    </dgm:linClrLst>
-    <dgm:effectClrLst/>
-    <dgm:txLinClrLst/>
-    <dgm:txFillClrLst meth="repeat">
-      <a:schemeClr val="dk1"/>
-    </dgm:txFillClrLst>
-    <dgm:txEffectClrLst/>
-  </dgm:styleLbl>
-  <dgm:styleLbl name="revTx">
-    <dgm:fillClrLst meth="repeat">
-      <a:schemeClr val="lt1">
-        <a:alpha val="0"/>
-      </a:schemeClr>
-    </dgm:fillClrLst>
-    <dgm:linClrLst meth="repeat">
-      <a:schemeClr val="dk1">
-        <a:alpha val="0"/>
-      </a:schemeClr>
-    </dgm:linClrLst>
-    <dgm:effectClrLst/>
-    <dgm:txLinClrLst/>
-    <dgm:txFillClrLst meth="repeat">
-      <a:schemeClr val="tx1"/>
-    </dgm:txFillClrLst>
-    <dgm:txEffectClrLst/>
-  </dgm:styleLbl>
-</dgm:colorsDef>
-</file>
-
-<file path=ppt/diagrams/data1.xml><?xml version="1.0" encoding="utf-8"?>
-<dgm:dataModel xmlns:dgm="http://schemas.openxmlformats.org/drawingml/2006/diagram" xmlns:a="http://schemas.openxmlformats.org/drawingml/2006/main">
-  <dgm:ptLst>
-    <dgm:pt modelId="{EF9CA340-5F1A-48A4-94CB-C1FFC2CA8362}" type="doc">
-      <dgm:prSet loTypeId="urn:microsoft.com/office/officeart/2005/8/layout/StepDownProcess" loCatId="process" qsTypeId="urn:microsoft.com/office/officeart/2005/8/quickstyle/simple1" qsCatId="simple" csTypeId="urn:microsoft.com/office/officeart/2005/8/colors/accent1_2" csCatId="accent1" phldr="1"/>
-      <dgm:spPr/>
-      <dgm:t>
-        <a:bodyPr/>
-        <a:lstStyle/>
-        <a:p>
-          <a:pPr latinLnBrk="1"/>
-          <a:endParaRPr lang="ko-KR" altLang="en-US"/>
-        </a:p>
-      </dgm:t>
-    </dgm:pt>
-    <dgm:pt modelId="{15BC1DCB-D540-4DC4-8DC9-B88C9CE562F1}">
-      <dgm:prSet phldrT="[텍스트]"/>
-      <dgm:spPr/>
-      <dgm:t>
-        <a:bodyPr/>
-        <a:lstStyle/>
-        <a:p>
-          <a:pPr latinLnBrk="1"/>
-          <a:r>
-            <a:rPr lang="en-US" altLang="ko-KR" dirty="0"/>
-            <a:t>Main()</a:t>
-          </a:r>
-          <a:endParaRPr lang="ko-KR" altLang="en-US" dirty="0"/>
-        </a:p>
-      </dgm:t>
-    </dgm:pt>
-    <dgm:pt modelId="{37D5DAEA-4ABE-418F-AE6E-2D6FBF38781E}" type="parTrans" cxnId="{4A91C687-5CF9-4DC9-9BEB-F0C040CF5355}">
-      <dgm:prSet/>
-      <dgm:spPr/>
-      <dgm:t>
-        <a:bodyPr/>
-        <a:lstStyle/>
-        <a:p>
-          <a:pPr latinLnBrk="1"/>
-          <a:endParaRPr lang="ko-KR" altLang="en-US"/>
-        </a:p>
-      </dgm:t>
-    </dgm:pt>
-    <dgm:pt modelId="{DA6A670B-6A8A-4B3E-8F59-1897ED3D0B55}" type="sibTrans" cxnId="{4A91C687-5CF9-4DC9-9BEB-F0C040CF5355}">
-      <dgm:prSet/>
-      <dgm:spPr/>
-      <dgm:t>
-        <a:bodyPr/>
-        <a:lstStyle/>
-        <a:p>
-          <a:pPr latinLnBrk="1"/>
-          <a:endParaRPr lang="ko-KR" altLang="en-US"/>
-        </a:p>
-      </dgm:t>
-    </dgm:pt>
-    <dgm:pt modelId="{8FC02C91-D2C2-4E53-868C-DD743419CFEF}">
-      <dgm:prSet phldrT="[텍스트]" custT="1"/>
-      <dgm:spPr/>
-      <dgm:t>
-        <a:bodyPr/>
-        <a:lstStyle/>
-        <a:p>
-          <a:pPr latinLnBrk="1"/>
-          <a:r>
-            <a:rPr lang="ko-KR" altLang="en-US" sz="1800" dirty="0"/>
-            <a:t>서버 오브젝트 생성</a:t>
-          </a:r>
-        </a:p>
-      </dgm:t>
-    </dgm:pt>
-    <dgm:pt modelId="{6F7238D8-2C98-4397-AB20-3C4E375058B7}" type="parTrans" cxnId="{EB54DEA8-974F-4589-B65B-F5775530A07B}">
-      <dgm:prSet/>
-      <dgm:spPr/>
-      <dgm:t>
-        <a:bodyPr/>
-        <a:lstStyle/>
-        <a:p>
-          <a:pPr latinLnBrk="1"/>
-          <a:endParaRPr lang="ko-KR" altLang="en-US"/>
-        </a:p>
-      </dgm:t>
-    </dgm:pt>
-    <dgm:pt modelId="{DDD21F38-917C-4708-A71F-FCC667F26D15}" type="sibTrans" cxnId="{EB54DEA8-974F-4589-B65B-F5775530A07B}">
-      <dgm:prSet/>
-      <dgm:spPr/>
-      <dgm:t>
-        <a:bodyPr/>
-        <a:lstStyle/>
-        <a:p>
-          <a:pPr latinLnBrk="1"/>
-          <a:endParaRPr lang="ko-KR" altLang="en-US"/>
-        </a:p>
-      </dgm:t>
-    </dgm:pt>
-    <dgm:pt modelId="{70BDDBD8-5292-4F0B-BB94-519078D67214}">
-      <dgm:prSet phldrT="[텍스트]"/>
-      <dgm:spPr/>
-      <dgm:t>
-        <a:bodyPr/>
-        <a:lstStyle/>
-        <a:p>
-          <a:pPr latinLnBrk="1"/>
-          <a:r>
-            <a:rPr lang="ko-KR" altLang="en-US" dirty="0"/>
-            <a:t>서버 시작</a:t>
-          </a:r>
-        </a:p>
-      </dgm:t>
-    </dgm:pt>
-    <dgm:pt modelId="{7D198339-67DE-4960-BC7E-EDF98D280322}" type="parTrans" cxnId="{15188296-AED3-42AE-B1B3-12F6AADB483A}">
-      <dgm:prSet/>
-      <dgm:spPr/>
-      <dgm:t>
-        <a:bodyPr/>
-        <a:lstStyle/>
-        <a:p>
-          <a:pPr latinLnBrk="1"/>
-          <a:endParaRPr lang="ko-KR" altLang="en-US"/>
-        </a:p>
-      </dgm:t>
-    </dgm:pt>
-    <dgm:pt modelId="{64D5454B-C1EF-449A-A816-5CF136C4CBAD}" type="sibTrans" cxnId="{15188296-AED3-42AE-B1B3-12F6AADB483A}">
-      <dgm:prSet/>
-      <dgm:spPr/>
-      <dgm:t>
-        <a:bodyPr/>
-        <a:lstStyle/>
-        <a:p>
-          <a:pPr latinLnBrk="1"/>
-          <a:endParaRPr lang="ko-KR" altLang="en-US"/>
-        </a:p>
-      </dgm:t>
-    </dgm:pt>
-    <dgm:pt modelId="{94FFFA9E-A5C9-43AE-8077-825953D7EDE1}">
-      <dgm:prSet phldrT="[텍스트]" custT="1"/>
-      <dgm:spPr/>
-      <dgm:t>
-        <a:bodyPr/>
-        <a:lstStyle/>
-        <a:p>
-          <a:pPr latinLnBrk="1"/>
-          <a:r>
-            <a:rPr lang="en-US" altLang="ko-KR" sz="1800" dirty="0"/>
-            <a:t>Listen </a:t>
-          </a:r>
-          <a:r>
-            <a:rPr lang="ko-KR" altLang="en-US" sz="1800" dirty="0"/>
-            <a:t>상태</a:t>
-          </a:r>
-        </a:p>
-      </dgm:t>
-    </dgm:pt>
-    <dgm:pt modelId="{67B688D8-8154-4E06-8B2C-1B247A478CD2}" type="parTrans" cxnId="{5AF7E34E-4A24-4B8D-BD46-73DCFE582631}">
-      <dgm:prSet/>
-      <dgm:spPr/>
-      <dgm:t>
-        <a:bodyPr/>
-        <a:lstStyle/>
-        <a:p>
-          <a:pPr latinLnBrk="1"/>
-          <a:endParaRPr lang="ko-KR" altLang="en-US"/>
-        </a:p>
-      </dgm:t>
-    </dgm:pt>
-    <dgm:pt modelId="{8C4D2098-D321-4F5D-B474-7E3721880CE2}" type="sibTrans" cxnId="{5AF7E34E-4A24-4B8D-BD46-73DCFE582631}">
-      <dgm:prSet/>
-      <dgm:spPr/>
-      <dgm:t>
-        <a:bodyPr/>
-        <a:lstStyle/>
-        <a:p>
-          <a:pPr latinLnBrk="1"/>
-          <a:endParaRPr lang="ko-KR" altLang="en-US"/>
-        </a:p>
-      </dgm:t>
-    </dgm:pt>
-    <dgm:pt modelId="{621CEE5C-D6A6-4418-9562-8BC5873D0CBB}">
-      <dgm:prSet phldrT="[텍스트]"/>
-      <dgm:spPr/>
-      <dgm:t>
-        <a:bodyPr/>
-        <a:lstStyle/>
-        <a:p>
-          <a:pPr latinLnBrk="1"/>
-          <a:r>
-            <a:rPr lang="ko-KR" altLang="en-US" dirty="0"/>
-            <a:t>접속 허가</a:t>
-          </a:r>
-        </a:p>
-      </dgm:t>
-    </dgm:pt>
-    <dgm:pt modelId="{688C5D46-566F-4EF2-A5EA-B38A953DA374}" type="parTrans" cxnId="{9738316C-B204-49B0-A1FE-23B5C723A4EC}">
-      <dgm:prSet/>
-      <dgm:spPr/>
-      <dgm:t>
-        <a:bodyPr/>
-        <a:lstStyle/>
-        <a:p>
-          <a:pPr latinLnBrk="1"/>
-          <a:endParaRPr lang="ko-KR" altLang="en-US"/>
-        </a:p>
-      </dgm:t>
-    </dgm:pt>
-    <dgm:pt modelId="{648EC3EC-38ED-4FCB-9CDA-FAF4E54C03DA}" type="sibTrans" cxnId="{9738316C-B204-49B0-A1FE-23B5C723A4EC}">
-      <dgm:prSet/>
-      <dgm:spPr/>
-      <dgm:t>
-        <a:bodyPr/>
-        <a:lstStyle/>
-        <a:p>
-          <a:pPr latinLnBrk="1"/>
-          <a:endParaRPr lang="ko-KR" altLang="en-US"/>
-        </a:p>
-      </dgm:t>
-    </dgm:pt>
-    <dgm:pt modelId="{BBA6AFC6-CA47-4A66-9C47-977FF2F223DF}">
-      <dgm:prSet phldrT="[텍스트]" custT="1"/>
-      <dgm:spPr/>
-      <dgm:t>
-        <a:bodyPr/>
-        <a:lstStyle/>
-        <a:p>
-          <a:pPr latinLnBrk="1"/>
-          <a:r>
-            <a:rPr lang="en-US" altLang="ko-KR" sz="1800" dirty="0"/>
-            <a:t>Accept </a:t>
-          </a:r>
-          <a:r>
-            <a:rPr lang="ko-KR" altLang="en-US" sz="1800" dirty="0"/>
-            <a:t>상태</a:t>
-          </a:r>
-        </a:p>
-      </dgm:t>
-    </dgm:pt>
-    <dgm:pt modelId="{072143D7-45B1-47DB-B2DD-F03A2D27CD95}" type="parTrans" cxnId="{1E650041-9078-4FD8-8FF9-1DA88D6B0CD4}">
-      <dgm:prSet/>
-      <dgm:spPr/>
-      <dgm:t>
-        <a:bodyPr/>
-        <a:lstStyle/>
-        <a:p>
-          <a:pPr latinLnBrk="1"/>
-          <a:endParaRPr lang="ko-KR" altLang="en-US"/>
-        </a:p>
-      </dgm:t>
-    </dgm:pt>
-    <dgm:pt modelId="{3986C373-F81B-4AE9-A169-AD8D9DF72150}" type="sibTrans" cxnId="{1E650041-9078-4FD8-8FF9-1DA88D6B0CD4}">
-      <dgm:prSet/>
-      <dgm:spPr/>
-      <dgm:t>
-        <a:bodyPr/>
-        <a:lstStyle/>
-        <a:p>
-          <a:pPr latinLnBrk="1"/>
-          <a:endParaRPr lang="ko-KR" altLang="en-US"/>
-        </a:p>
-      </dgm:t>
-    </dgm:pt>
-    <dgm:pt modelId="{32A35B2E-F661-47BE-B6FD-04D08F463A89}">
-      <dgm:prSet phldrT="[텍스트]" custT="1"/>
-      <dgm:spPr/>
-      <dgm:t>
-        <a:bodyPr/>
-        <a:lstStyle/>
-        <a:p>
-          <a:pPr latinLnBrk="1"/>
-          <a:r>
-            <a:rPr lang="en-US" altLang="ko-KR" sz="1800" dirty="0"/>
-            <a:t>IP, port </a:t>
-          </a:r>
-          <a:r>
-            <a:rPr lang="ko-KR" altLang="en-US" sz="1800" dirty="0"/>
-            <a:t>번호 </a:t>
-          </a:r>
-          <a:r>
-            <a:rPr lang="ko-KR" altLang="en-US" sz="1800" dirty="0" err="1"/>
-            <a:t>바인드</a:t>
-          </a:r>
-          <a:r>
-            <a:rPr lang="ko-KR" altLang="en-US" sz="1800" dirty="0"/>
-            <a:t> 상태</a:t>
-          </a:r>
-        </a:p>
-      </dgm:t>
-    </dgm:pt>
-    <dgm:pt modelId="{F1D63460-6D98-4210-8257-114978C16283}" type="parTrans" cxnId="{A884C4D6-8035-448A-824A-066C671698F4}">
-      <dgm:prSet/>
-      <dgm:spPr/>
-      <dgm:t>
-        <a:bodyPr/>
-        <a:lstStyle/>
-        <a:p>
-          <a:pPr latinLnBrk="1"/>
-          <a:endParaRPr lang="ko-KR" altLang="en-US"/>
-        </a:p>
-      </dgm:t>
-    </dgm:pt>
-    <dgm:pt modelId="{DF4D8CFD-F062-44ED-ABA2-16E5E0C5D85C}" type="sibTrans" cxnId="{A884C4D6-8035-448A-824A-066C671698F4}">
-      <dgm:prSet/>
-      <dgm:spPr/>
-      <dgm:t>
-        <a:bodyPr/>
-        <a:lstStyle/>
-        <a:p>
-          <a:pPr latinLnBrk="1"/>
-          <a:endParaRPr lang="ko-KR" altLang="en-US"/>
-        </a:p>
-      </dgm:t>
-    </dgm:pt>
-    <dgm:pt modelId="{7B1262BF-4935-45C8-B597-68F28585F3C6}">
-      <dgm:prSet phldrT="[텍스트]" custT="1"/>
-      <dgm:spPr/>
-      <dgm:t>
-        <a:bodyPr/>
-        <a:lstStyle/>
-        <a:p>
-          <a:pPr latinLnBrk="1"/>
-          <a:r>
-            <a:rPr lang="en-US" altLang="ko-KR" sz="1800" dirty="0"/>
-            <a:t>Socket </a:t>
-          </a:r>
-          <a:r>
-            <a:rPr lang="ko-KR" altLang="en-US" sz="1800" dirty="0"/>
-            <a:t>수준에서 접속 대기</a:t>
-          </a:r>
-        </a:p>
-      </dgm:t>
-    </dgm:pt>
-    <dgm:pt modelId="{03EAB52E-B0D4-413A-B86E-5B067F56D1B1}" type="parTrans" cxnId="{04EAB2FC-B912-4548-AA0E-29A126CC12FD}">
-      <dgm:prSet/>
-      <dgm:spPr/>
-      <dgm:t>
-        <a:bodyPr/>
-        <a:lstStyle/>
-        <a:p>
-          <a:pPr latinLnBrk="1"/>
-          <a:endParaRPr lang="ko-KR" altLang="en-US"/>
-        </a:p>
-      </dgm:t>
-    </dgm:pt>
-    <dgm:pt modelId="{70B5B798-6CDE-4921-9AD6-06C30D69858D}" type="sibTrans" cxnId="{04EAB2FC-B912-4548-AA0E-29A126CC12FD}">
-      <dgm:prSet/>
-      <dgm:spPr/>
-      <dgm:t>
-        <a:bodyPr/>
-        <a:lstStyle/>
-        <a:p>
-          <a:pPr latinLnBrk="1"/>
-          <a:endParaRPr lang="ko-KR" altLang="en-US"/>
-        </a:p>
-      </dgm:t>
-    </dgm:pt>
-    <dgm:pt modelId="{11747345-13F4-43EB-AE4D-5CCA747E82BF}" type="pres">
-      <dgm:prSet presAssocID="{EF9CA340-5F1A-48A4-94CB-C1FFC2CA8362}" presName="rootnode" presStyleCnt="0">
-        <dgm:presLayoutVars>
-          <dgm:chMax/>
-          <dgm:chPref/>
-          <dgm:dir/>
-          <dgm:animLvl val="lvl"/>
-        </dgm:presLayoutVars>
-      </dgm:prSet>
-      <dgm:spPr/>
-    </dgm:pt>
-    <dgm:pt modelId="{50B8CDDB-D1D4-412F-A68C-633E09A4EE97}" type="pres">
-      <dgm:prSet presAssocID="{15BC1DCB-D540-4DC4-8DC9-B88C9CE562F1}" presName="composite" presStyleCnt="0"/>
-      <dgm:spPr/>
-    </dgm:pt>
-    <dgm:pt modelId="{2AB4BF58-2985-45BD-AC65-37AA57637783}" type="pres">
-      <dgm:prSet presAssocID="{15BC1DCB-D540-4DC4-8DC9-B88C9CE562F1}" presName="bentUpArrow1" presStyleLbl="alignImgPlace1" presStyleIdx="0" presStyleCnt="2" custLinFactNeighborX="38291" custLinFactNeighborY="-17331"/>
-      <dgm:spPr/>
-    </dgm:pt>
-    <dgm:pt modelId="{B5783192-6D31-4CA5-B15B-9C6AADD23CD1}" type="pres">
-      <dgm:prSet presAssocID="{15BC1DCB-D540-4DC4-8DC9-B88C9CE562F1}" presName="ParentText" presStyleLbl="node1" presStyleIdx="0" presStyleCnt="3" custScaleX="65841" custScaleY="65841">
-        <dgm:presLayoutVars>
-          <dgm:chMax val="1"/>
-          <dgm:chPref val="1"/>
-          <dgm:bulletEnabled val="1"/>
-        </dgm:presLayoutVars>
-      </dgm:prSet>
-      <dgm:spPr/>
-    </dgm:pt>
-    <dgm:pt modelId="{F791A6C3-D104-4ADE-97FF-E0B0900BF68A}" type="pres">
-      <dgm:prSet presAssocID="{15BC1DCB-D540-4DC4-8DC9-B88C9CE562F1}" presName="ChildText" presStyleLbl="revTx" presStyleIdx="0" presStyleCnt="3" custScaleX="244867" custLinFactNeighborX="50814">
-        <dgm:presLayoutVars>
-          <dgm:chMax val="0"/>
-          <dgm:chPref val="0"/>
-          <dgm:bulletEnabled val="1"/>
-        </dgm:presLayoutVars>
-      </dgm:prSet>
-      <dgm:spPr/>
-    </dgm:pt>
-    <dgm:pt modelId="{1F407DB8-BDB1-4B19-8828-CF946DB2C4C6}" type="pres">
-      <dgm:prSet presAssocID="{DA6A670B-6A8A-4B3E-8F59-1897ED3D0B55}" presName="sibTrans" presStyleCnt="0"/>
-      <dgm:spPr/>
-    </dgm:pt>
-    <dgm:pt modelId="{4A02380F-405B-484F-A851-C912F0F97279}" type="pres">
-      <dgm:prSet presAssocID="{70BDDBD8-5292-4F0B-BB94-519078D67214}" presName="composite" presStyleCnt="0"/>
-      <dgm:spPr/>
-    </dgm:pt>
-    <dgm:pt modelId="{E4F36BA1-C546-42D3-A852-5F7835F8FF97}" type="pres">
-      <dgm:prSet presAssocID="{70BDDBD8-5292-4F0B-BB94-519078D67214}" presName="bentUpArrow1" presStyleLbl="alignImgPlace1" presStyleIdx="1" presStyleCnt="2" custLinFactNeighborX="32927" custLinFactNeighborY="-17331"/>
-      <dgm:spPr/>
-    </dgm:pt>
-    <dgm:pt modelId="{BD8B5E59-ED96-4AAD-8B4B-F7AFFC3BDBCA}" type="pres">
-      <dgm:prSet presAssocID="{70BDDBD8-5292-4F0B-BB94-519078D67214}" presName="ParentText" presStyleLbl="node1" presStyleIdx="1" presStyleCnt="3" custScaleX="65841" custScaleY="65841" custLinFactNeighborX="-3624">
-        <dgm:presLayoutVars>
-          <dgm:chMax val="1"/>
-          <dgm:chPref val="1"/>
-          <dgm:bulletEnabled val="1"/>
-        </dgm:presLayoutVars>
-      </dgm:prSet>
-      <dgm:spPr/>
-    </dgm:pt>
-    <dgm:pt modelId="{05A42CBB-CE2E-4F21-8E12-DA66C3352D3A}" type="pres">
-      <dgm:prSet presAssocID="{70BDDBD8-5292-4F0B-BB94-519078D67214}" presName="ChildText" presStyleLbl="revTx" presStyleIdx="1" presStyleCnt="3" custScaleX="178486" custLinFactNeighborX="12648">
-        <dgm:presLayoutVars>
-          <dgm:chMax val="0"/>
-          <dgm:chPref val="0"/>
-          <dgm:bulletEnabled val="1"/>
-        </dgm:presLayoutVars>
-      </dgm:prSet>
-      <dgm:spPr/>
-    </dgm:pt>
-    <dgm:pt modelId="{499F6010-7B73-46F4-9440-867B9A5128E5}" type="pres">
-      <dgm:prSet presAssocID="{64D5454B-C1EF-449A-A816-5CF136C4CBAD}" presName="sibTrans" presStyleCnt="0"/>
-      <dgm:spPr/>
-    </dgm:pt>
-    <dgm:pt modelId="{A1BF9829-2AE9-495D-A246-2337AFE239F3}" type="pres">
-      <dgm:prSet presAssocID="{621CEE5C-D6A6-4418-9562-8BC5873D0CBB}" presName="composite" presStyleCnt="0"/>
-      <dgm:spPr/>
-    </dgm:pt>
-    <dgm:pt modelId="{60910675-ADC8-42D1-93EC-5360AD3FE22C}" type="pres">
-      <dgm:prSet presAssocID="{621CEE5C-D6A6-4418-9562-8BC5873D0CBB}" presName="ParentText" presStyleLbl="node1" presStyleIdx="2" presStyleCnt="3" custScaleX="65841" custScaleY="65841" custLinFactNeighborX="-3624">
-        <dgm:presLayoutVars>
-          <dgm:chMax val="1"/>
-          <dgm:chPref val="1"/>
-          <dgm:bulletEnabled val="1"/>
-        </dgm:presLayoutVars>
-      </dgm:prSet>
-      <dgm:spPr/>
-    </dgm:pt>
-    <dgm:pt modelId="{E5662559-5C95-4023-ADAF-7A0537BC14A9}" type="pres">
-      <dgm:prSet presAssocID="{621CEE5C-D6A6-4418-9562-8BC5873D0CBB}" presName="FinalChildText" presStyleLbl="revTx" presStyleIdx="2" presStyleCnt="3" custScaleX="161728" custLinFactNeighborX="56919">
-        <dgm:presLayoutVars>
-          <dgm:chMax val="0"/>
-          <dgm:chPref val="0"/>
-          <dgm:bulletEnabled val="1"/>
-        </dgm:presLayoutVars>
-      </dgm:prSet>
-      <dgm:spPr/>
-    </dgm:pt>
-  </dgm:ptLst>
-  <dgm:cxnLst>
-    <dgm:cxn modelId="{8A8A4609-1C37-400B-90C5-72C7B1724434}" type="presOf" srcId="{70BDDBD8-5292-4F0B-BB94-519078D67214}" destId="{BD8B5E59-ED96-4AAD-8B4B-F7AFFC3BDBCA}" srcOrd="0" destOrd="0" presId="urn:microsoft.com/office/officeart/2005/8/layout/StepDownProcess"/>
-    <dgm:cxn modelId="{9404BC0C-2497-45D1-823E-CB2BC3096D5F}" type="presOf" srcId="{8FC02C91-D2C2-4E53-868C-DD743419CFEF}" destId="{F791A6C3-D104-4ADE-97FF-E0B0900BF68A}" srcOrd="0" destOrd="0" presId="urn:microsoft.com/office/officeart/2005/8/layout/StepDownProcess"/>
-    <dgm:cxn modelId="{5FB2ED1B-50A1-4883-A89F-5616A51399C1}" type="presOf" srcId="{BBA6AFC6-CA47-4A66-9C47-977FF2F223DF}" destId="{E5662559-5C95-4023-ADAF-7A0537BC14A9}" srcOrd="0" destOrd="0" presId="urn:microsoft.com/office/officeart/2005/8/layout/StepDownProcess"/>
-    <dgm:cxn modelId="{94848522-D4F1-49BF-90DB-78BC483276A1}" type="presOf" srcId="{7B1262BF-4935-45C8-B597-68F28585F3C6}" destId="{E5662559-5C95-4023-ADAF-7A0537BC14A9}" srcOrd="0" destOrd="1" presId="urn:microsoft.com/office/officeart/2005/8/layout/StepDownProcess"/>
-    <dgm:cxn modelId="{1E650041-9078-4FD8-8FF9-1DA88D6B0CD4}" srcId="{621CEE5C-D6A6-4418-9562-8BC5873D0CBB}" destId="{BBA6AFC6-CA47-4A66-9C47-977FF2F223DF}" srcOrd="0" destOrd="0" parTransId="{072143D7-45B1-47DB-B2DD-F03A2D27CD95}" sibTransId="{3986C373-F81B-4AE9-A169-AD8D9DF72150}"/>
-    <dgm:cxn modelId="{F37C8146-0F10-43B3-8534-DC89BCDBBEF2}" type="presOf" srcId="{94FFFA9E-A5C9-43AE-8077-825953D7EDE1}" destId="{05A42CBB-CE2E-4F21-8E12-DA66C3352D3A}" srcOrd="0" destOrd="0" presId="urn:microsoft.com/office/officeart/2005/8/layout/StepDownProcess"/>
-    <dgm:cxn modelId="{9738316C-B204-49B0-A1FE-23B5C723A4EC}" srcId="{EF9CA340-5F1A-48A4-94CB-C1FFC2CA8362}" destId="{621CEE5C-D6A6-4418-9562-8BC5873D0CBB}" srcOrd="2" destOrd="0" parTransId="{688C5D46-566F-4EF2-A5EA-B38A953DA374}" sibTransId="{648EC3EC-38ED-4FCB-9CDA-FAF4E54C03DA}"/>
-    <dgm:cxn modelId="{5AF7E34E-4A24-4B8D-BD46-73DCFE582631}" srcId="{70BDDBD8-5292-4F0B-BB94-519078D67214}" destId="{94FFFA9E-A5C9-43AE-8077-825953D7EDE1}" srcOrd="0" destOrd="0" parTransId="{67B688D8-8154-4E06-8B2C-1B247A478CD2}" sibTransId="{8C4D2098-D321-4F5D-B474-7E3721880CE2}"/>
-    <dgm:cxn modelId="{B8445571-66A9-4CF1-87A5-D2E51A42010D}" type="presOf" srcId="{15BC1DCB-D540-4DC4-8DC9-B88C9CE562F1}" destId="{B5783192-6D31-4CA5-B15B-9C6AADD23CD1}" srcOrd="0" destOrd="0" presId="urn:microsoft.com/office/officeart/2005/8/layout/StepDownProcess"/>
-    <dgm:cxn modelId="{4A91C687-5CF9-4DC9-9BEB-F0C040CF5355}" srcId="{EF9CA340-5F1A-48A4-94CB-C1FFC2CA8362}" destId="{15BC1DCB-D540-4DC4-8DC9-B88C9CE562F1}" srcOrd="0" destOrd="0" parTransId="{37D5DAEA-4ABE-418F-AE6E-2D6FBF38781E}" sibTransId="{DA6A670B-6A8A-4B3E-8F59-1897ED3D0B55}"/>
-    <dgm:cxn modelId="{15188296-AED3-42AE-B1B3-12F6AADB483A}" srcId="{EF9CA340-5F1A-48A4-94CB-C1FFC2CA8362}" destId="{70BDDBD8-5292-4F0B-BB94-519078D67214}" srcOrd="1" destOrd="0" parTransId="{7D198339-67DE-4960-BC7E-EDF98D280322}" sibTransId="{64D5454B-C1EF-449A-A816-5CF136C4CBAD}"/>
-    <dgm:cxn modelId="{EB54DEA8-974F-4589-B65B-F5775530A07B}" srcId="{15BC1DCB-D540-4DC4-8DC9-B88C9CE562F1}" destId="{8FC02C91-D2C2-4E53-868C-DD743419CFEF}" srcOrd="0" destOrd="0" parTransId="{6F7238D8-2C98-4397-AB20-3C4E375058B7}" sibTransId="{DDD21F38-917C-4708-A71F-FCC667F26D15}"/>
-    <dgm:cxn modelId="{A884C4D6-8035-448A-824A-066C671698F4}" srcId="{15BC1DCB-D540-4DC4-8DC9-B88C9CE562F1}" destId="{32A35B2E-F661-47BE-B6FD-04D08F463A89}" srcOrd="1" destOrd="0" parTransId="{F1D63460-6D98-4210-8257-114978C16283}" sibTransId="{DF4D8CFD-F062-44ED-ABA2-16E5E0C5D85C}"/>
-    <dgm:cxn modelId="{A88C8EDB-0EF4-43F0-8B97-1406C55D3AE7}" type="presOf" srcId="{621CEE5C-D6A6-4418-9562-8BC5873D0CBB}" destId="{60910675-ADC8-42D1-93EC-5360AD3FE22C}" srcOrd="0" destOrd="0" presId="urn:microsoft.com/office/officeart/2005/8/layout/StepDownProcess"/>
-    <dgm:cxn modelId="{16A1EEDF-0255-4244-A874-FB5EA17911A2}" type="presOf" srcId="{EF9CA340-5F1A-48A4-94CB-C1FFC2CA8362}" destId="{11747345-13F4-43EB-AE4D-5CCA747E82BF}" srcOrd="0" destOrd="0" presId="urn:microsoft.com/office/officeart/2005/8/layout/StepDownProcess"/>
-    <dgm:cxn modelId="{D50F2DFB-E6F7-4296-9633-7EE4E0FF6007}" type="presOf" srcId="{32A35B2E-F661-47BE-B6FD-04D08F463A89}" destId="{F791A6C3-D104-4ADE-97FF-E0B0900BF68A}" srcOrd="0" destOrd="1" presId="urn:microsoft.com/office/officeart/2005/8/layout/StepDownProcess"/>
-    <dgm:cxn modelId="{04EAB2FC-B912-4548-AA0E-29A126CC12FD}" srcId="{621CEE5C-D6A6-4418-9562-8BC5873D0CBB}" destId="{7B1262BF-4935-45C8-B597-68F28585F3C6}" srcOrd="1" destOrd="0" parTransId="{03EAB52E-B0D4-413A-B86E-5B067F56D1B1}" sibTransId="{70B5B798-6CDE-4921-9AD6-06C30D69858D}"/>
-    <dgm:cxn modelId="{8FE94BFA-8FC6-425A-BD6E-A3B30000E9EA}" type="presParOf" srcId="{11747345-13F4-43EB-AE4D-5CCA747E82BF}" destId="{50B8CDDB-D1D4-412F-A68C-633E09A4EE97}" srcOrd="0" destOrd="0" presId="urn:microsoft.com/office/officeart/2005/8/layout/StepDownProcess"/>
-    <dgm:cxn modelId="{89807EF5-7EF0-4BE8-8572-4D2C0D01F9C2}" type="presParOf" srcId="{50B8CDDB-D1D4-412F-A68C-633E09A4EE97}" destId="{2AB4BF58-2985-45BD-AC65-37AA57637783}" srcOrd="0" destOrd="0" presId="urn:microsoft.com/office/officeart/2005/8/layout/StepDownProcess"/>
-    <dgm:cxn modelId="{4669E277-987D-4E42-B9D5-6ECE2980DBA2}" type="presParOf" srcId="{50B8CDDB-D1D4-412F-A68C-633E09A4EE97}" destId="{B5783192-6D31-4CA5-B15B-9C6AADD23CD1}" srcOrd="1" destOrd="0" presId="urn:microsoft.com/office/officeart/2005/8/layout/StepDownProcess"/>
-    <dgm:cxn modelId="{0CA9CD69-B792-45FC-BC35-46B3565338EC}" type="presParOf" srcId="{50B8CDDB-D1D4-412F-A68C-633E09A4EE97}" destId="{F791A6C3-D104-4ADE-97FF-E0B0900BF68A}" srcOrd="2" destOrd="0" presId="urn:microsoft.com/office/officeart/2005/8/layout/StepDownProcess"/>
-    <dgm:cxn modelId="{DA8D7FDE-861D-4D22-8F1D-ABE246321B91}" type="presParOf" srcId="{11747345-13F4-43EB-AE4D-5CCA747E82BF}" destId="{1F407DB8-BDB1-4B19-8828-CF946DB2C4C6}" srcOrd="1" destOrd="0" presId="urn:microsoft.com/office/officeart/2005/8/layout/StepDownProcess"/>
-    <dgm:cxn modelId="{E63F7904-2B3E-4C44-A23D-B57BFB91BBE5}" type="presParOf" srcId="{11747345-13F4-43EB-AE4D-5CCA747E82BF}" destId="{4A02380F-405B-484F-A851-C912F0F97279}" srcOrd="2" destOrd="0" presId="urn:microsoft.com/office/officeart/2005/8/layout/StepDownProcess"/>
-    <dgm:cxn modelId="{0C237969-F6C1-46AE-B1C9-2EE6C1162C60}" type="presParOf" srcId="{4A02380F-405B-484F-A851-C912F0F97279}" destId="{E4F36BA1-C546-42D3-A852-5F7835F8FF97}" srcOrd="0" destOrd="0" presId="urn:microsoft.com/office/officeart/2005/8/layout/StepDownProcess"/>
-    <dgm:cxn modelId="{9CF8EC14-2591-4C11-8F4F-8BEC1BF3EEC8}" type="presParOf" srcId="{4A02380F-405B-484F-A851-C912F0F97279}" destId="{BD8B5E59-ED96-4AAD-8B4B-F7AFFC3BDBCA}" srcOrd="1" destOrd="0" presId="urn:microsoft.com/office/officeart/2005/8/layout/StepDownProcess"/>
-    <dgm:cxn modelId="{BC6861AB-D084-4187-9CE5-C240E6A1E654}" type="presParOf" srcId="{4A02380F-405B-484F-A851-C912F0F97279}" destId="{05A42CBB-CE2E-4F21-8E12-DA66C3352D3A}" srcOrd="2" destOrd="0" presId="urn:microsoft.com/office/officeart/2005/8/layout/StepDownProcess"/>
-    <dgm:cxn modelId="{289D4379-2BC9-4F7B-AD0E-BBCBF35037B6}" type="presParOf" srcId="{11747345-13F4-43EB-AE4D-5CCA747E82BF}" destId="{499F6010-7B73-46F4-9440-867B9A5128E5}" srcOrd="3" destOrd="0" presId="urn:microsoft.com/office/officeart/2005/8/layout/StepDownProcess"/>
-    <dgm:cxn modelId="{973997E8-2545-44D8-A9B5-3D404A4308CC}" type="presParOf" srcId="{11747345-13F4-43EB-AE4D-5CCA747E82BF}" destId="{A1BF9829-2AE9-495D-A246-2337AFE239F3}" srcOrd="4" destOrd="0" presId="urn:microsoft.com/office/officeart/2005/8/layout/StepDownProcess"/>
-    <dgm:cxn modelId="{3414F709-F833-47C1-A438-CB736B73B0F2}" type="presParOf" srcId="{A1BF9829-2AE9-495D-A246-2337AFE239F3}" destId="{60910675-ADC8-42D1-93EC-5360AD3FE22C}" srcOrd="0" destOrd="0" presId="urn:microsoft.com/office/officeart/2005/8/layout/StepDownProcess"/>
-    <dgm:cxn modelId="{2F973DAC-19C9-461B-8F63-9D8623AEA80B}" type="presParOf" srcId="{A1BF9829-2AE9-495D-A246-2337AFE239F3}" destId="{E5662559-5C95-4023-ADAF-7A0537BC14A9}" srcOrd="1" destOrd="0" presId="urn:microsoft.com/office/officeart/2005/8/layout/StepDownProcess"/>
-  </dgm:cxnLst>
-  <dgm:bg/>
-  <dgm:whole/>
-  <dgm:extLst>
-    <a:ext uri="http://schemas.microsoft.com/office/drawing/2008/diagram">
-      <dsp:dataModelExt xmlns:dsp="http://schemas.microsoft.com/office/drawing/2008/diagram" relId="rId6" minVer="http://schemas.openxmlformats.org/drawingml/2006/diagram"/>
-    </a:ext>
-  </dgm:extLst>
-</dgm:dataModel>
-</file>
-
-<file path=ppt/diagrams/drawing1.xml><?xml version="1.0" encoding="utf-8"?>
-<dsp:drawing xmlns:dgm="http://schemas.openxmlformats.org/drawingml/2006/diagram" xmlns:dsp="http://schemas.microsoft.com/office/drawing/2008/diagram" xmlns:a="http://schemas.openxmlformats.org/drawingml/2006/main">
-  <dsp:spTree>
-    <dsp:nvGrpSpPr>
-      <dsp:cNvPr id="0" name=""/>
-      <dsp:cNvGrpSpPr/>
-    </dsp:nvGrpSpPr>
-    <dsp:grpSpPr/>
-    <dsp:sp modelId="{2AB4BF58-2985-45BD-AC65-37AA57637783}">
-      <dsp:nvSpPr>
-        <dsp:cNvPr id="0" name=""/>
-        <dsp:cNvSpPr/>
-      </dsp:nvSpPr>
-      <dsp:spPr>
-        <a:xfrm rot="5400000">
-          <a:off x="887320" y="1341907"/>
-          <a:ext cx="1605981" cy="1828353"/>
-        </a:xfrm>
-        <a:prstGeom prst="bentUpArrow">
-          <a:avLst>
-            <a:gd name="adj1" fmla="val 32840"/>
-            <a:gd name="adj2" fmla="val 25000"/>
-            <a:gd name="adj3" fmla="val 35780"/>
-          </a:avLst>
-        </a:prstGeom>
-        <a:solidFill>
-          <a:schemeClr val="accent1">
-            <a:tint val="50000"/>
-            <a:hueOff val="0"/>
-            <a:satOff val="0"/>
-            <a:lumOff val="0"/>
-            <a:alphaOff val="0"/>
-          </a:schemeClr>
-        </a:solidFill>
-        <a:ln w="12700" cap="flat" cmpd="sng" algn="ctr">
-          <a:solidFill>
-            <a:schemeClr val="lt1">
-              <a:hueOff val="0"/>
-              <a:satOff val="0"/>
-              <a:lumOff val="0"/>
-              <a:alphaOff val="0"/>
-            </a:schemeClr>
-          </a:solidFill>
-          <a:prstDash val="solid"/>
-          <a:miter lim="800000"/>
-        </a:ln>
-        <a:effectLst/>
-      </dsp:spPr>
-      <dsp:style>
-        <a:lnRef idx="2">
-          <a:scrgbClr r="0" g="0" b="0"/>
-        </a:lnRef>
-        <a:fillRef idx="1">
-          <a:scrgbClr r="0" g="0" b="0"/>
-        </a:fillRef>
-        <a:effectRef idx="0">
-          <a:scrgbClr r="0" g="0" b="0"/>
-        </a:effectRef>
-        <a:fontRef idx="minor"/>
-      </dsp:style>
-    </dsp:sp>
-    <dsp:sp modelId="{B5783192-6D31-4CA5-B15B-9C6AADD23CD1}">
-      <dsp:nvSpPr>
-        <dsp:cNvPr id="0" name=""/>
-        <dsp:cNvSpPr/>
-      </dsp:nvSpPr>
-      <dsp:spPr>
-        <a:xfrm>
-          <a:off x="223487" y="163186"/>
-          <a:ext cx="1780030" cy="1245963"/>
-        </a:xfrm>
-        <a:prstGeom prst="roundRect">
-          <a:avLst>
-            <a:gd name="adj" fmla="val 16670"/>
-          </a:avLst>
-        </a:prstGeom>
-        <a:solidFill>
-          <a:schemeClr val="accent1">
-            <a:hueOff val="0"/>
-            <a:satOff val="0"/>
-            <a:lumOff val="0"/>
-            <a:alphaOff val="0"/>
-          </a:schemeClr>
-        </a:solidFill>
-        <a:ln w="12700" cap="flat" cmpd="sng" algn="ctr">
-          <a:solidFill>
-            <a:schemeClr val="lt1">
-              <a:hueOff val="0"/>
-              <a:satOff val="0"/>
-              <a:lumOff val="0"/>
-              <a:alphaOff val="0"/>
-            </a:schemeClr>
-          </a:solidFill>
-          <a:prstDash val="solid"/>
-          <a:miter lim="800000"/>
-        </a:ln>
-        <a:effectLst/>
-      </dsp:spPr>
-      <dsp:style>
-        <a:lnRef idx="2">
-          <a:scrgbClr r="0" g="0" b="0"/>
-        </a:lnRef>
-        <a:fillRef idx="1">
-          <a:scrgbClr r="0" g="0" b="0"/>
-        </a:fillRef>
-        <a:effectRef idx="0">
-          <a:scrgbClr r="0" g="0" b="0"/>
-        </a:effectRef>
-        <a:fontRef idx="minor">
-          <a:schemeClr val="lt1"/>
-        </a:fontRef>
-      </dsp:style>
-      <dsp:txBody>
-        <a:bodyPr spcFirstLastPara="0" vert="horz" wrap="square" lIns="99060" tIns="99060" rIns="99060" bIns="99060" numCol="1" spcCol="1270" anchor="ctr" anchorCtr="0">
-          <a:noAutofit/>
-        </a:bodyPr>
-        <a:lstStyle/>
-        <a:p>
-          <a:pPr marL="0" lvl="0" indent="0" algn="ctr" defTabSz="1155700" latinLnBrk="1">
-            <a:lnSpc>
-              <a:spcPct val="90000"/>
-            </a:lnSpc>
-            <a:spcBef>
-              <a:spcPct val="0"/>
-            </a:spcBef>
-            <a:spcAft>
-              <a:spcPct val="35000"/>
-            </a:spcAft>
-            <a:buNone/>
-          </a:pPr>
-          <a:r>
-            <a:rPr lang="en-US" altLang="ko-KR" sz="2600" kern="1200" dirty="0"/>
-            <a:t>Main()</a:t>
-          </a:r>
-          <a:endParaRPr lang="ko-KR" altLang="en-US" sz="2600" kern="1200" dirty="0"/>
-        </a:p>
-      </dsp:txBody>
-      <dsp:txXfrm>
-        <a:off x="284321" y="224020"/>
-        <a:ext cx="1658362" cy="1124295"/>
-      </dsp:txXfrm>
-    </dsp:sp>
-    <dsp:sp modelId="{F791A6C3-D104-4ADE-97FF-E0B0900BF68A}">
-      <dsp:nvSpPr>
-        <dsp:cNvPr id="0" name=""/>
-        <dsp:cNvSpPr/>
-      </dsp:nvSpPr>
-      <dsp:spPr>
-        <a:xfrm>
-          <a:off x="2040164" y="20458"/>
-          <a:ext cx="4814792" cy="1529506"/>
-        </a:xfrm>
-        <a:prstGeom prst="rect">
-          <a:avLst/>
-        </a:prstGeom>
-        <a:noFill/>
-        <a:ln>
-          <a:noFill/>
-        </a:ln>
-        <a:effectLst/>
-      </dsp:spPr>
-      <dsp:style>
-        <a:lnRef idx="0">
-          <a:scrgbClr r="0" g="0" b="0"/>
-        </a:lnRef>
-        <a:fillRef idx="0">
-          <a:scrgbClr r="0" g="0" b="0"/>
-        </a:fillRef>
-        <a:effectRef idx="0">
-          <a:scrgbClr r="0" g="0" b="0"/>
-        </a:effectRef>
-        <a:fontRef idx="minor"/>
-      </dsp:style>
-      <dsp:txBody>
-        <a:bodyPr spcFirstLastPara="0" vert="horz" wrap="square" lIns="68580" tIns="68580" rIns="68580" bIns="68580" numCol="1" spcCol="1270" anchor="ctr" anchorCtr="0">
-          <a:noAutofit/>
-        </a:bodyPr>
-        <a:lstStyle/>
-        <a:p>
-          <a:pPr marL="171450" lvl="1" indent="-171450" algn="l" defTabSz="800100" latinLnBrk="1">
-            <a:lnSpc>
-              <a:spcPct val="90000"/>
-            </a:lnSpc>
-            <a:spcBef>
-              <a:spcPct val="0"/>
-            </a:spcBef>
-            <a:spcAft>
-              <a:spcPct val="15000"/>
-            </a:spcAft>
-            <a:buChar char="•"/>
-          </a:pPr>
-          <a:r>
-            <a:rPr lang="ko-KR" altLang="en-US" sz="1800" kern="1200" dirty="0"/>
-            <a:t>서버 오브젝트 생성</a:t>
-          </a:r>
-        </a:p>
-        <a:p>
-          <a:pPr marL="171450" lvl="1" indent="-171450" algn="l" defTabSz="800100" latinLnBrk="1">
-            <a:lnSpc>
-              <a:spcPct val="90000"/>
-            </a:lnSpc>
-            <a:spcBef>
-              <a:spcPct val="0"/>
-            </a:spcBef>
-            <a:spcAft>
-              <a:spcPct val="15000"/>
-            </a:spcAft>
-            <a:buChar char="•"/>
-          </a:pPr>
-          <a:r>
-            <a:rPr lang="en-US" altLang="ko-KR" sz="1800" kern="1200" dirty="0"/>
-            <a:t>IP, port </a:t>
-          </a:r>
-          <a:r>
-            <a:rPr lang="ko-KR" altLang="en-US" sz="1800" kern="1200" dirty="0"/>
-            <a:t>번호 </a:t>
-          </a:r>
-          <a:r>
-            <a:rPr lang="ko-KR" altLang="en-US" sz="1800" kern="1200" dirty="0" err="1"/>
-            <a:t>바인드</a:t>
-          </a:r>
-          <a:r>
-            <a:rPr lang="ko-KR" altLang="en-US" sz="1800" kern="1200" dirty="0"/>
-            <a:t> 상태</a:t>
-          </a:r>
-        </a:p>
-      </dsp:txBody>
-      <dsp:txXfrm>
-        <a:off x="2040164" y="20458"/>
-        <a:ext cx="4814792" cy="1529506"/>
-      </dsp:txXfrm>
-    </dsp:sp>
-    <dsp:sp modelId="{E4F36BA1-C546-42D3-A852-5F7835F8FF97}">
-      <dsp:nvSpPr>
-        <dsp:cNvPr id="0" name=""/>
-        <dsp:cNvSpPr/>
-      </dsp:nvSpPr>
-      <dsp:spPr>
-        <a:xfrm rot="5400000">
-          <a:off x="3563536" y="3287195"/>
-          <a:ext cx="1605981" cy="1828353"/>
-        </a:xfrm>
-        <a:prstGeom prst="bentUpArrow">
-          <a:avLst>
-            <a:gd name="adj1" fmla="val 32840"/>
-            <a:gd name="adj2" fmla="val 25000"/>
-            <a:gd name="adj3" fmla="val 35780"/>
-          </a:avLst>
-        </a:prstGeom>
-        <a:solidFill>
-          <a:schemeClr val="accent1">
-            <a:tint val="50000"/>
-            <a:hueOff val="0"/>
-            <a:satOff val="0"/>
-            <a:lumOff val="0"/>
-            <a:alphaOff val="0"/>
-          </a:schemeClr>
-        </a:solidFill>
-        <a:ln w="12700" cap="flat" cmpd="sng" algn="ctr">
-          <a:solidFill>
-            <a:schemeClr val="lt1">
-              <a:hueOff val="0"/>
-              <a:satOff val="0"/>
-              <a:lumOff val="0"/>
-              <a:alphaOff val="0"/>
-            </a:schemeClr>
-          </a:solidFill>
-          <a:prstDash val="solid"/>
-          <a:miter lim="800000"/>
-        </a:ln>
-        <a:effectLst/>
-      </dsp:spPr>
-      <dsp:style>
-        <a:lnRef idx="2">
-          <a:scrgbClr r="0" g="0" b="0"/>
-        </a:lnRef>
-        <a:fillRef idx="1">
-          <a:scrgbClr r="0" g="0" b="0"/>
-        </a:fillRef>
-        <a:effectRef idx="0">
-          <a:scrgbClr r="0" g="0" b="0"/>
-        </a:effectRef>
-        <a:fontRef idx="minor"/>
-      </dsp:style>
-    </dsp:sp>
-    <dsp:sp modelId="{BD8B5E59-ED96-4AAD-8B4B-F7AFFC3BDBCA}">
-      <dsp:nvSpPr>
-        <dsp:cNvPr id="0" name=""/>
-        <dsp:cNvSpPr/>
-      </dsp:nvSpPr>
-      <dsp:spPr>
-        <a:xfrm>
-          <a:off x="2899799" y="2108474"/>
-          <a:ext cx="1780030" cy="1245963"/>
-        </a:xfrm>
-        <a:prstGeom prst="roundRect">
-          <a:avLst>
-            <a:gd name="adj" fmla="val 16670"/>
-          </a:avLst>
-        </a:prstGeom>
-        <a:solidFill>
-          <a:schemeClr val="accent1">
-            <a:hueOff val="0"/>
-            <a:satOff val="0"/>
-            <a:lumOff val="0"/>
-            <a:alphaOff val="0"/>
-          </a:schemeClr>
-        </a:solidFill>
-        <a:ln w="12700" cap="flat" cmpd="sng" algn="ctr">
-          <a:solidFill>
-            <a:schemeClr val="lt1">
-              <a:hueOff val="0"/>
-              <a:satOff val="0"/>
-              <a:lumOff val="0"/>
-              <a:alphaOff val="0"/>
-            </a:schemeClr>
-          </a:solidFill>
-          <a:prstDash val="solid"/>
-          <a:miter lim="800000"/>
-        </a:ln>
-        <a:effectLst/>
-      </dsp:spPr>
-      <dsp:style>
-        <a:lnRef idx="2">
-          <a:scrgbClr r="0" g="0" b="0"/>
-        </a:lnRef>
-        <a:fillRef idx="1">
-          <a:scrgbClr r="0" g="0" b="0"/>
-        </a:fillRef>
-        <a:effectRef idx="0">
-          <a:scrgbClr r="0" g="0" b="0"/>
-        </a:effectRef>
-        <a:fontRef idx="minor">
-          <a:schemeClr val="lt1"/>
-        </a:fontRef>
-      </dsp:style>
-      <dsp:txBody>
-        <a:bodyPr spcFirstLastPara="0" vert="horz" wrap="square" lIns="99060" tIns="99060" rIns="99060" bIns="99060" numCol="1" spcCol="1270" anchor="ctr" anchorCtr="0">
-          <a:noAutofit/>
-        </a:bodyPr>
-        <a:lstStyle/>
-        <a:p>
-          <a:pPr marL="0" lvl="0" indent="0" algn="ctr" defTabSz="1155700" latinLnBrk="1">
-            <a:lnSpc>
-              <a:spcPct val="90000"/>
-            </a:lnSpc>
-            <a:spcBef>
-              <a:spcPct val="0"/>
-            </a:spcBef>
-            <a:spcAft>
-              <a:spcPct val="35000"/>
-            </a:spcAft>
-            <a:buNone/>
-          </a:pPr>
-          <a:r>
-            <a:rPr lang="ko-KR" altLang="en-US" sz="2600" kern="1200" dirty="0"/>
-            <a:t>서버 시작</a:t>
-          </a:r>
-        </a:p>
-      </dsp:txBody>
-      <dsp:txXfrm>
-        <a:off x="2960633" y="2169308"/>
-        <a:ext cx="1658362" cy="1124295"/>
-      </dsp:txXfrm>
-    </dsp:sp>
-    <dsp:sp modelId="{05A42CBB-CE2E-4F21-8E12-DA66C3352D3A}">
-      <dsp:nvSpPr>
-        <dsp:cNvPr id="0" name=""/>
-        <dsp:cNvSpPr/>
-      </dsp:nvSpPr>
-      <dsp:spPr>
-        <a:xfrm>
-          <a:off x="4716620" y="1965746"/>
-          <a:ext cx="3509550" cy="1529506"/>
-        </a:xfrm>
-        <a:prstGeom prst="rect">
-          <a:avLst/>
-        </a:prstGeom>
-        <a:noFill/>
-        <a:ln>
-          <a:noFill/>
-        </a:ln>
-        <a:effectLst/>
-      </dsp:spPr>
-      <dsp:style>
-        <a:lnRef idx="0">
-          <a:scrgbClr r="0" g="0" b="0"/>
-        </a:lnRef>
-        <a:fillRef idx="0">
-          <a:scrgbClr r="0" g="0" b="0"/>
-        </a:fillRef>
-        <a:effectRef idx="0">
-          <a:scrgbClr r="0" g="0" b="0"/>
-        </a:effectRef>
-        <a:fontRef idx="minor"/>
-      </dsp:style>
-      <dsp:txBody>
-        <a:bodyPr spcFirstLastPara="0" vert="horz" wrap="square" lIns="68580" tIns="68580" rIns="68580" bIns="68580" numCol="1" spcCol="1270" anchor="ctr" anchorCtr="0">
-          <a:noAutofit/>
-        </a:bodyPr>
-        <a:lstStyle/>
-        <a:p>
-          <a:pPr marL="171450" lvl="1" indent="-171450" algn="l" defTabSz="800100" latinLnBrk="1">
-            <a:lnSpc>
-              <a:spcPct val="90000"/>
-            </a:lnSpc>
-            <a:spcBef>
-              <a:spcPct val="0"/>
-            </a:spcBef>
-            <a:spcAft>
-              <a:spcPct val="15000"/>
-            </a:spcAft>
-            <a:buChar char="•"/>
-          </a:pPr>
-          <a:r>
-            <a:rPr lang="en-US" altLang="ko-KR" sz="1800" kern="1200" dirty="0"/>
-            <a:t>Listen </a:t>
-          </a:r>
-          <a:r>
-            <a:rPr lang="ko-KR" altLang="en-US" sz="1800" kern="1200" dirty="0"/>
-            <a:t>상태</a:t>
-          </a:r>
-        </a:p>
-      </dsp:txBody>
-      <dsp:txXfrm>
-        <a:off x="4716620" y="1965746"/>
-        <a:ext cx="3509550" cy="1529506"/>
-      </dsp:txXfrm>
-    </dsp:sp>
-    <dsp:sp modelId="{60910675-ADC8-42D1-93EC-5360AD3FE22C}">
-      <dsp:nvSpPr>
-        <dsp:cNvPr id="0" name=""/>
-        <dsp:cNvSpPr/>
-      </dsp:nvSpPr>
-      <dsp:spPr>
-        <a:xfrm>
-          <a:off x="5526640" y="4053762"/>
-          <a:ext cx="1780030" cy="1245963"/>
-        </a:xfrm>
-        <a:prstGeom prst="roundRect">
-          <a:avLst>
-            <a:gd name="adj" fmla="val 16670"/>
-          </a:avLst>
-        </a:prstGeom>
-        <a:solidFill>
-          <a:schemeClr val="accent1">
-            <a:hueOff val="0"/>
-            <a:satOff val="0"/>
-            <a:lumOff val="0"/>
-            <a:alphaOff val="0"/>
-          </a:schemeClr>
-        </a:solidFill>
-        <a:ln w="12700" cap="flat" cmpd="sng" algn="ctr">
-          <a:solidFill>
-            <a:schemeClr val="lt1">
-              <a:hueOff val="0"/>
-              <a:satOff val="0"/>
-              <a:lumOff val="0"/>
-              <a:alphaOff val="0"/>
-            </a:schemeClr>
-          </a:solidFill>
-          <a:prstDash val="solid"/>
-          <a:miter lim="800000"/>
-        </a:ln>
-        <a:effectLst/>
-      </dsp:spPr>
-      <dsp:style>
-        <a:lnRef idx="2">
-          <a:scrgbClr r="0" g="0" b="0"/>
-        </a:lnRef>
-        <a:fillRef idx="1">
-          <a:scrgbClr r="0" g="0" b="0"/>
-        </a:fillRef>
-        <a:effectRef idx="0">
-          <a:scrgbClr r="0" g="0" b="0"/>
-        </a:effectRef>
-        <a:fontRef idx="minor">
-          <a:schemeClr val="lt1"/>
-        </a:fontRef>
-      </dsp:style>
-      <dsp:txBody>
-        <a:bodyPr spcFirstLastPara="0" vert="horz" wrap="square" lIns="99060" tIns="99060" rIns="99060" bIns="99060" numCol="1" spcCol="1270" anchor="ctr" anchorCtr="0">
-          <a:noAutofit/>
-        </a:bodyPr>
-        <a:lstStyle/>
-        <a:p>
-          <a:pPr marL="0" lvl="0" indent="0" algn="ctr" defTabSz="1155700" latinLnBrk="1">
-            <a:lnSpc>
-              <a:spcPct val="90000"/>
-            </a:lnSpc>
-            <a:spcBef>
-              <a:spcPct val="0"/>
-            </a:spcBef>
-            <a:spcAft>
-              <a:spcPct val="35000"/>
-            </a:spcAft>
-            <a:buNone/>
-          </a:pPr>
-          <a:r>
-            <a:rPr lang="ko-KR" altLang="en-US" sz="2600" kern="1200" dirty="0"/>
-            <a:t>접속 허가</a:t>
-          </a:r>
-        </a:p>
-      </dsp:txBody>
-      <dsp:txXfrm>
-        <a:off x="5587474" y="4114596"/>
-        <a:ext cx="1658362" cy="1124295"/>
-      </dsp:txXfrm>
-    </dsp:sp>
-    <dsp:sp modelId="{E5662559-5C95-4023-ADAF-7A0537BC14A9}">
-      <dsp:nvSpPr>
-        <dsp:cNvPr id="0" name=""/>
-        <dsp:cNvSpPr/>
-      </dsp:nvSpPr>
-      <dsp:spPr>
-        <a:xfrm>
-          <a:off x="7335560" y="3911034"/>
-          <a:ext cx="3180039" cy="1529506"/>
-        </a:xfrm>
-        <a:prstGeom prst="rect">
-          <a:avLst/>
-        </a:prstGeom>
-        <a:noFill/>
-        <a:ln>
-          <a:noFill/>
-        </a:ln>
-        <a:effectLst/>
-      </dsp:spPr>
-      <dsp:style>
-        <a:lnRef idx="0">
-          <a:scrgbClr r="0" g="0" b="0"/>
-        </a:lnRef>
-        <a:fillRef idx="0">
-          <a:scrgbClr r="0" g="0" b="0"/>
-        </a:fillRef>
-        <a:effectRef idx="0">
-          <a:scrgbClr r="0" g="0" b="0"/>
-        </a:effectRef>
-        <a:fontRef idx="minor"/>
-      </dsp:style>
-      <dsp:txBody>
-        <a:bodyPr spcFirstLastPara="0" vert="horz" wrap="square" lIns="68580" tIns="68580" rIns="68580" bIns="68580" numCol="1" spcCol="1270" anchor="ctr" anchorCtr="0">
-          <a:noAutofit/>
-        </a:bodyPr>
-        <a:lstStyle/>
-        <a:p>
-          <a:pPr marL="171450" lvl="1" indent="-171450" algn="l" defTabSz="800100" latinLnBrk="1">
-            <a:lnSpc>
-              <a:spcPct val="90000"/>
-            </a:lnSpc>
-            <a:spcBef>
-              <a:spcPct val="0"/>
-            </a:spcBef>
-            <a:spcAft>
-              <a:spcPct val="15000"/>
-            </a:spcAft>
-            <a:buChar char="•"/>
-          </a:pPr>
-          <a:r>
-            <a:rPr lang="en-US" altLang="ko-KR" sz="1800" kern="1200" dirty="0"/>
-            <a:t>Accept </a:t>
-          </a:r>
-          <a:r>
-            <a:rPr lang="ko-KR" altLang="en-US" sz="1800" kern="1200" dirty="0"/>
-            <a:t>상태</a:t>
-          </a:r>
-        </a:p>
-        <a:p>
-          <a:pPr marL="171450" lvl="1" indent="-171450" algn="l" defTabSz="800100" latinLnBrk="1">
-            <a:lnSpc>
-              <a:spcPct val="90000"/>
-            </a:lnSpc>
-            <a:spcBef>
-              <a:spcPct val="0"/>
-            </a:spcBef>
-            <a:spcAft>
-              <a:spcPct val="15000"/>
-            </a:spcAft>
-            <a:buChar char="•"/>
-          </a:pPr>
-          <a:r>
-            <a:rPr lang="en-US" altLang="ko-KR" sz="1800" kern="1200" dirty="0"/>
-            <a:t>Socket </a:t>
-          </a:r>
-          <a:r>
-            <a:rPr lang="ko-KR" altLang="en-US" sz="1800" kern="1200" dirty="0"/>
-            <a:t>수준에서 접속 대기</a:t>
-          </a:r>
-        </a:p>
-      </dsp:txBody>
-      <dsp:txXfrm>
-        <a:off x="7335560" y="3911034"/>
-        <a:ext cx="3180039" cy="1529506"/>
-      </dsp:txXfrm>
-    </dsp:sp>
-  </dsp:spTree>
-</dsp:drawing>
-</file>
-
-<file path=ppt/diagrams/layout1.xml><?xml version="1.0" encoding="utf-8"?>
-<dgm:layoutDef xmlns:dgm="http://schemas.openxmlformats.org/drawingml/2006/diagram" xmlns:a="http://schemas.openxmlformats.org/drawingml/2006/main" uniqueId="urn:microsoft.com/office/officeart/2005/8/layout/StepDownProcess">
-  <dgm:title val=""/>
-  <dgm:desc val=""/>
-  <dgm:catLst>
-    <dgm:cat type="process" pri="1600"/>
-  </dgm:catLst>
-  <dgm:sampData>
-    <dgm:dataModel>
-      <dgm:ptLst>
-        <dgm:pt modelId="0" type="doc"/>
-        <dgm:pt modelId="10">
-          <dgm:prSet phldr="1"/>
-        </dgm:pt>
-        <dgm:pt modelId="11">
-          <dgm:prSet phldr="1"/>
-        </dgm:pt>
-        <dgm:pt modelId="20">
-          <dgm:prSet phldr="1"/>
-        </dgm:pt>
-        <dgm:pt modelId="21">
-          <dgm:prSet phldr="1"/>
-        </dgm:pt>
-        <dgm:pt modelId="30">
-          <dgm:prSet phldr="1"/>
-        </dgm:pt>
-        <dgm:pt modelId="31">
-          <dgm:prSet phldr="1"/>
-        </dgm:pt>
-      </dgm:ptLst>
-      <dgm:cxnLst>
-        <dgm:cxn modelId="60" srcId="0" destId="10" srcOrd="0" destOrd="0"/>
-        <dgm:cxn modelId="12" srcId="10" destId="11" srcOrd="0" destOrd="0"/>
-        <dgm:cxn modelId="70" srcId="0" destId="20" srcOrd="1" destOrd="0"/>
-        <dgm:cxn modelId="22" srcId="20" destId="21" srcOrd="0" destOrd="0"/>
-        <dgm:cxn modelId="80" srcId="0" destId="30" srcOrd="2" destOrd="0"/>
-        <dgm:cxn modelId="32" srcId="30" destId="31" srcOrd="0" destOrd="0"/>
-      </dgm:cxnLst>
-      <dgm:bg/>
-      <dgm:whole/>
-    </dgm:dataModel>
-  </dgm:sampData>
-  <dgm:styleData>
-    <dgm:dataModel>
-      <dgm:ptLst>
-        <dgm:pt modelId="0" type="doc"/>
-        <dgm:pt modelId="10">
-          <dgm:prSet phldr="1"/>
-        </dgm:pt>
-        <dgm:pt modelId="20">
-          <dgm:prSet phldr="1"/>
-        </dgm:pt>
-      </dgm:ptLst>
-      <dgm:cxnLst>
-        <dgm:cxn modelId="60" srcId="0" destId="10" srcOrd="0" destOrd="0"/>
-        <dgm:cxn modelId="70" srcId="0" destId="20" srcOrd="1" destOrd="0"/>
-      </dgm:cxnLst>
-      <dgm:bg/>
-      <dgm:whole/>
-    </dgm:dataModel>
-  </dgm:styleData>
-  <dgm:clrData>
-    <dgm:dataModel>
-      <dgm:ptLst>
-        <dgm:pt modelId="0" type="doc"/>
-        <dgm:pt modelId="10">
-          <dgm:prSet phldr="1"/>
-        </dgm:pt>
-        <dgm:pt modelId="20">
-          <dgm:prSet phldr="1"/>
-        </dgm:pt>
-        <dgm:pt modelId="30">
-          <dgm:prSet phldr="1"/>
-        </dgm:pt>
-        <dgm:pt modelId="40">
-          <dgm:prSet phldr="1"/>
-        </dgm:pt>
-      </dgm:ptLst>
-      <dgm:cxnLst>
-        <dgm:cxn modelId="60" srcId="0" destId="10" srcOrd="0" destOrd="0"/>
-        <dgm:cxn modelId="70" srcId="0" destId="20" srcOrd="1" destOrd="0"/>
-        <dgm:cxn modelId="80" srcId="0" destId="30" srcOrd="2" destOrd="0"/>
-        <dgm:cxn modelId="90" srcId="0" destId="40" srcOrd="3" destOrd="0"/>
-      </dgm:cxnLst>
-      <dgm:bg/>
-      <dgm:whole/>
-    </dgm:dataModel>
-  </dgm:clrData>
-  <dgm:layoutNode name="rootnode">
-    <dgm:varLst>
-      <dgm:chMax/>
-      <dgm:chPref/>
-      <dgm:dir/>
-      <dgm:animLvl val="lvl"/>
-    </dgm:varLst>
-    <dgm:choose name="Name0">
-      <dgm:if name="Name1" func="var" arg="dir" op="equ" val="norm">
-        <dgm:alg type="snake">
-          <dgm:param type="grDir" val="tL"/>
-          <dgm:param type="flowDir" val="row"/>
-          <dgm:param type="off" val="off"/>
-          <dgm:param type="bkpt" val="fixed"/>
-          <dgm:param type="bkPtFixedVal" val="1"/>
-        </dgm:alg>
-      </dgm:if>
-      <dgm:else name="Name2">
-        <dgm:alg type="snake">
-          <dgm:param type="grDir" val="tR"/>
-          <dgm:param type="flowDir" val="row"/>
-          <dgm:param type="off" val="off"/>
-          <dgm:param type="bkpt" val="fixed"/>
-          <dgm:param type="bkPtFixedVal" val="1"/>
-        </dgm:alg>
-      </dgm:else>
-    </dgm:choose>
-    <dgm:shape xmlns:r="http://schemas.openxmlformats.org/officeDocument/2006/relationships" r:blip="">
-      <dgm:adjLst/>
-    </dgm:shape>
-    <dgm:choose name="Name3">
-      <dgm:if name="Name4" func="var" arg="dir" op="equ" val="norm">
-        <dgm:constrLst>
-          <dgm:constr type="alignOff" forName="rootnode" val="0.48"/>
-          <dgm:constr type="primFontSz" for="des" forName="ParentText" val="65"/>
-          <dgm:constr type="primFontSz" for="des" forName="ChildText" refType="primFontSz" refFor="des" refForName="ParentText" op="lte"/>
-          <dgm:constr type="w" for="ch" forName="composite" refType="w"/>
-          <dgm:constr type="h" for="ch" forName="composite" refType="h"/>
-          <dgm:constr type="sp" refType="h" refFor="ch" refForName="composite" op="equ" fact="-0.38"/>
-        </dgm:constrLst>
-      </dgm:if>
-      <dgm:else name="Name5">
-        <dgm:constrLst>
-          <dgm:constr type="alignOff" forName="rootnode" val="0.48"/>
-          <dgm:constr type="primFontSz" for="des" forName="ParentText" val="65"/>
-          <dgm:constr type="primFontSz" for="des" forName="ChildText" refType="primFontSz" refFor="des" refForName="ParentText" op="lte"/>
-          <dgm:constr type="w" for="ch" forName="composite" refType="w"/>
-          <dgm:constr type="h" for="ch" forName="composite" refType="h"/>
-          <dgm:constr type="sp" refType="h" refFor="ch" refForName="composite" op="equ" fact="-0.38"/>
-        </dgm:constrLst>
-      </dgm:else>
-    </dgm:choose>
-    <dgm:forEach name="nodesForEach" axis="ch" ptType="node">
-      <dgm:layoutNode name="composite">
-        <dgm:alg type="composite">
-          <dgm:param type="ar" val="1.2439"/>
-        </dgm:alg>
-        <dgm:shape xmlns:r="http://schemas.openxmlformats.org/officeDocument/2006/relationships" r:blip="">
-          <dgm:adjLst/>
-        </dgm:shape>
-        <dgm:choose name="Name6">
-          <dgm:if name="Name7" func="var" arg="dir" op="equ" val="norm">
-            <dgm:constrLst>
-              <dgm:constr type="l" for="ch" forName="bentUpArrow1" refType="w" fact="0.07"/>
-              <dgm:constr type="t" for="ch" forName="bentUpArrow1" refType="h" fact="0.524"/>
-              <dgm:constr type="w" for="ch" forName="bentUpArrow1" refType="w" fact="0.3844"/>
-              <dgm:constr type="h" for="ch" forName="bentUpArrow1" refType="h" fact="0.42"/>
-              <dgm:constr type="l" for="ch" forName="ParentText" refType="w" fact="0"/>
-              <dgm:constr type="t" for="ch" forName="ParentText" refType="h" fact="0"/>
-              <dgm:constr type="w" for="ch" forName="ParentText" refType="w" fact="0.5684"/>
-              <dgm:constr type="h" for="ch" forName="ParentText" refType="h" fact="0.4949"/>
-              <dgm:constr type="l" for="ch" forName="ChildText" refType="w" refFor="ch" refForName="ParentText"/>
-              <dgm:constr type="t" for="ch" forName="ChildText" refType="h" fact="0.05"/>
-              <dgm:constr type="w" for="ch" forName="ChildText" refType="w" fact="0.4134"/>
-              <dgm:constr type="h" for="ch" forName="ChildText" refType="h" fact="0.4"/>
-              <dgm:constr type="l" for="ch" forName="FinalChildText" refType="w" refFor="ch" refForName="ParentText"/>
-              <dgm:constr type="t" for="ch" forName="FinalChildText" refType="h" fact="0.05"/>
-              <dgm:constr type="w" for="ch" forName="FinalChildText" refType="w" fact="0.4134"/>
-              <dgm:constr type="h" for="ch" forName="FinalChildText" refType="h" fact="0.4"/>
-            </dgm:constrLst>
-          </dgm:if>
-          <dgm:else name="Name8">
-            <dgm:constrLst>
-              <dgm:constr type="r" for="ch" forName="bentUpArrow1" refType="w" fact="0.97"/>
-              <dgm:constr type="t" for="ch" forName="bentUpArrow1" refType="h" fact="0.524"/>
-              <dgm:constr type="w" for="ch" forName="bentUpArrow1" refType="w" fact="0.3844"/>
-              <dgm:constr type="h" for="ch" forName="bentUpArrow1" refType="h" fact="0.42"/>
-              <dgm:constr type="l" for="ch" forName="ParentText" refType="w" fact="0.4316"/>
-              <dgm:constr type="t" for="ch" forName="ParentText" refType="h" fact="0"/>
-              <dgm:constr type="w" for="ch" forName="ParentText" refType="w" fact="0.5684"/>
-              <dgm:constr type="h" for="ch" forName="ParentText" refType="h" fact="0.4949"/>
-              <dgm:constr type="l" for="ch" forName="ChildText" refType="w" fact="0"/>
-              <dgm:constr type="t" for="ch" forName="ChildText" refType="h" fact="0.05"/>
-              <dgm:constr type="w" for="ch" forName="ChildText" refType="w" fact="0.4134"/>
-              <dgm:constr type="h" for="ch" forName="ChildText" refType="h" fact="0.4"/>
-              <dgm:constr type="l" for="ch" forName="FinalChildText" refType="w" fact="0"/>
-              <dgm:constr type="t" for="ch" forName="FinalChildText" refType="h" fact="0.05"/>
-              <dgm:constr type="w" for="ch" forName="FinalChildText" refType="w" fact="0.4134"/>
-              <dgm:constr type="h" for="ch" forName="FinalChildText" refType="h" fact="0.4"/>
-            </dgm:constrLst>
-          </dgm:else>
-        </dgm:choose>
-        <dgm:choose name="Name9">
-          <dgm:if name="Name10" axis="followSib" ptType="node" func="cnt" op="gte" val="1">
-            <dgm:layoutNode name="bentUpArrow1" styleLbl="alignImgPlace1">
-              <dgm:alg type="sp"/>
-              <dgm:choose name="Name11">
-                <dgm:if name="Name12" func="var" arg="dir" op="equ" val="norm">
-                  <dgm:shape xmlns:r="http://schemas.openxmlformats.org/officeDocument/2006/relationships" rot="90" type="bentUpArrow" r:blip="">
-                    <dgm:adjLst>
-                      <dgm:adj idx="1" val="0.3284"/>
-                      <dgm:adj idx="2" val="0.25"/>
-                      <dgm:adj idx="3" val="0.3578"/>
-                    </dgm:adjLst>
-                  </dgm:shape>
-                </dgm:if>
-                <dgm:else name="Name13">
-                  <dgm:shape xmlns:r="http://schemas.openxmlformats.org/officeDocument/2006/relationships" rot="180" type="bentArrow" r:blip="">
-                    <dgm:adjLst>
-                      <dgm:adj idx="1" val="0.3284"/>
-                      <dgm:adj idx="2" val="0.25"/>
-                      <dgm:adj idx="3" val="0.3578"/>
-                      <dgm:adj idx="4" val="0"/>
-                    </dgm:adjLst>
-                  </dgm:shape>
-                </dgm:else>
-              </dgm:choose>
-              <dgm:presOf/>
-            </dgm:layoutNode>
-          </dgm:if>
-          <dgm:else name="Name14"/>
-        </dgm:choose>
-        <dgm:layoutNode name="ParentText" styleLbl="node1">
-          <dgm:varLst>
-            <dgm:chMax val="1"/>
-            <dgm:chPref val="1"/>
-            <dgm:bulletEnabled val="1"/>
-          </dgm:varLst>
-          <dgm:alg type="tx"/>
-          <dgm:shape xmlns:r="http://schemas.openxmlformats.org/officeDocument/2006/relationships" type="roundRect" r:blip="">
-            <dgm:adjLst>
-              <dgm:adj idx="1" val="0.1667"/>
-            </dgm:adjLst>
-          </dgm:shape>
-          <dgm:presOf axis="self" ptType="node"/>
-          <dgm:constrLst>
-            <dgm:constr type="lMarg" refType="primFontSz" fact="0.3"/>
-            <dgm:constr type="rMarg" refType="primFontSz" fact="0.3"/>
-            <dgm:constr type="tMarg" refType="primFontSz" fact="0.3"/>
-            <dgm:constr type="bMarg" refType="primFontSz" fact="0.3"/>
-          </dgm:constrLst>
-          <dgm:ruleLst>
-            <dgm:rule type="primFontSz" val="5" fact="NaN" max="NaN"/>
-          </dgm:ruleLst>
-        </dgm:layoutNode>
-        <dgm:choose name="Name15">
-          <dgm:if name="Name16" axis="followSib" ptType="node" func="cnt" op="equ" val="0">
-            <dgm:choose name="Name17">
-              <dgm:if name="Name18" axis="ch" ptType="node" func="cnt" op="gte" val="1">
-                <dgm:layoutNode name="FinalChildText" styleLbl="revTx">
-                  <dgm:varLst>
-                    <dgm:chMax val="0"/>
-                    <dgm:chPref val="0"/>
-                    <dgm:bulletEnabled val="1"/>
-                  </dgm:varLst>
-                  <dgm:alg type="tx">
-                    <dgm:param type="stBulletLvl" val="1"/>
-                    <dgm:param type="txAnchorVertCh" val="mid"/>
-                    <dgm:param type="parTxLTRAlign" val="l"/>
-                  </dgm:alg>
-                  <dgm:shape xmlns:r="http://schemas.openxmlformats.org/officeDocument/2006/relationships" type="rect" r:blip="">
-                    <dgm:adjLst/>
-                  </dgm:shape>
-                  <dgm:presOf axis="des" ptType="node"/>
-                  <dgm:constrLst>
-                    <dgm:constr type="lMarg" refType="primFontSz" fact="0.3"/>
-                    <dgm:constr type="rMarg" refType="primFontSz" fact="0.3"/>
-                    <dgm:constr type="tMarg" refType="primFontSz" fact="0.3"/>
-                    <dgm:constr type="bMarg" refType="primFontSz" fact="0.3"/>
-                  </dgm:constrLst>
-                  <dgm:ruleLst>
-                    <dgm:rule type="primFontSz" val="5" fact="NaN" max="NaN"/>
-                  </dgm:ruleLst>
-                </dgm:layoutNode>
-              </dgm:if>
-              <dgm:else name="Name19"/>
-            </dgm:choose>
-          </dgm:if>
-          <dgm:else name="Name20">
-            <dgm:layoutNode name="ChildText" styleLbl="revTx">
-              <dgm:varLst>
-                <dgm:chMax val="0"/>
-                <dgm:chPref val="0"/>
-                <dgm:bulletEnabled val="1"/>
-              </dgm:varLst>
-              <dgm:alg type="tx">
-                <dgm:param type="stBulletLvl" val="1"/>
-                <dgm:param type="txAnchorVertCh" val="mid"/>
-                <dgm:param type="parTxLTRAlign" val="l"/>
-              </dgm:alg>
-              <dgm:shape xmlns:r="http://schemas.openxmlformats.org/officeDocument/2006/relationships" type="rect" r:blip="">
-                <dgm:adjLst/>
-              </dgm:shape>
-              <dgm:presOf axis="des" ptType="node"/>
-              <dgm:constrLst>
-                <dgm:constr type="lMarg" refType="primFontSz" fact="0.3"/>
-                <dgm:constr type="rMarg" refType="primFontSz" fact="0.3"/>
-                <dgm:constr type="tMarg" refType="primFontSz" fact="0.3"/>
-                <dgm:constr type="bMarg" refType="primFontSz" fact="0.3"/>
-              </dgm:constrLst>
-              <dgm:ruleLst>
-                <dgm:rule type="primFontSz" val="5" fact="NaN" max="NaN"/>
-              </dgm:ruleLst>
-            </dgm:layoutNode>
-          </dgm:else>
-        </dgm:choose>
-      </dgm:layoutNode>
-      <dgm:forEach name="sibTransForEach" axis="followSib" ptType="sibTrans" cnt="1">
-        <dgm:layoutNode name="sibTrans">
-          <dgm:alg type="sp"/>
-          <dgm:shape xmlns:r="http://schemas.openxmlformats.org/officeDocument/2006/relationships" r:blip="">
-            <dgm:adjLst/>
-          </dgm:shape>
-        </dgm:layoutNode>
-      </dgm:forEach>
-    </dgm:forEach>
-  </dgm:layoutNode>
-</dgm:layoutDef>
-</file>
-
-<file path=ppt/diagrams/quickStyle1.xml><?xml version="1.0" encoding="utf-8"?>
-<dgm:styleDef xmlns:dgm="http://schemas.openxmlformats.org/drawingml/2006/diagram" xmlns:a="http://schemas.openxmlformats.org/drawingml/2006/main" uniqueId="urn:microsoft.com/office/officeart/2005/8/quickstyle/simple1">
-  <dgm:title val=""/>
-  <dgm:desc val=""/>
-  <dgm:catLst>
-    <dgm:cat type="simple" pri="10100"/>
-  </dgm:catLst>
-  <dgm:scene3d>
-    <a:camera prst="orthographicFront"/>
-    <a:lightRig rig="threePt" dir="t"/>
-  </dgm:scene3d>
-  <dgm:styleLbl name="node0">
-    <dgm:scene3d>
-      <a:camera prst="orthographicFront"/>
-      <a:lightRig rig="threePt" dir="t"/>
-    </dgm:scene3d>
-    <dgm:sp3d/>
-    <dgm:txPr/>
-    <dgm:style>
-      <a:lnRef idx="2">
-        <a:scrgbClr r="0" g="0" b="0"/>
-      </a:lnRef>
-      <a:fillRef idx="1">
-        <a:scrgbClr r="0" g="0" b="0"/>
-      </a:fillRef>
-      <a:effectRef idx="0">
-        <a:scrgbClr r="0" g="0" b="0"/>
-      </a:effectRef>
-      <a:fontRef idx="minor">
-        <a:schemeClr val="lt1"/>
-      </a:fontRef>
-    </dgm:style>
-  </dgm:styleLbl>
-  <dgm:styleLbl name="lnNode1">
-    <dgm:scene3d>
-      <a:camera prst="orthographicFront"/>
-      <a:lightRig rig="threePt" dir="t"/>
-    </dgm:scene3d>
-    <dgm:sp3d/>
-    <dgm:txPr/>
-    <dgm:style>
-      <a:lnRef idx="2">
-        <a:scrgbClr r="0" g="0" b="0"/>
-      </a:lnRef>
-      <a:fillRef idx="1">
-        <a:scrgbClr r="0" g="0" b="0"/>
-      </a:fillRef>
-      <a:effectRef idx="0">
-        <a:scrgbClr r="0" g="0" b="0"/>
-      </a:effectRef>
-      <a:fontRef idx="minor">
-        <a:schemeClr val="lt1"/>
-      </a:fontRef>
-    </dgm:style>
-  </dgm:styleLbl>
-  <dgm:styleLbl name="vennNode1">
-    <dgm:scene3d>
-      <a:camera prst="orthographicFront"/>
-      <a:lightRig rig="threePt" dir="t"/>
-    </dgm:scene3d>
-    <dgm:sp3d/>
-    <dgm:txPr/>
-    <dgm:style>
-      <a:lnRef idx="2">
-        <a:scrgbClr r="0" g="0" b="0"/>
-      </a:lnRef>
-      <a:fillRef idx="1">
-        <a:scrgbClr r="0" g="0" b="0"/>
-      </a:fillRef>
-      <a:effectRef idx="0">
-        <a:scrgbClr r="0" g="0" b="0"/>
-      </a:effectRef>
-      <a:fontRef idx="minor">
-        <a:schemeClr val="tx1"/>
-      </a:fontRef>
-    </dgm:style>
-  </dgm:styleLbl>
-  <dgm:styleLbl name="alignNode1">
-    <dgm:scene3d>
-      <a:camera prst="orthographicFront"/>
-      <a:lightRig rig="threePt" dir="t"/>
-    </dgm:scene3d>
-    <dgm:sp3d/>
-    <dgm:txPr/>
-    <dgm:style>
-      <a:lnRef idx="2">
-        <a:scrgbClr r="0" g="0" b="0"/>
-      </a:lnRef>
-      <a:fillRef idx="1">
-        <a:scrgbClr r="0" g="0" b="0"/>
-      </a:fillRef>
-      <a:effectRef idx="0">
-        <a:scrgbClr r="0" g="0" b="0"/>
-      </a:effectRef>
-      <a:fontRef idx="minor">
-        <a:schemeClr val="lt1"/>
-      </a:fontRef>
-    </dgm:style>
-  </dgm:styleLbl>
-  <dgm:styleLbl name="node1">
-    <dgm:scene3d>
-      <a:camera prst="orthographicFront"/>
-      <a:lightRig rig="threePt" dir="t"/>
-    </dgm:scene3d>
-    <dgm:sp3d/>
-    <dgm:txPr/>
-    <dgm:style>
-      <a:lnRef idx="2">
-        <a:scrgbClr r="0" g="0" b="0"/>
-      </a:lnRef>
-      <a:fillRef idx="1">
-        <a:scrgbClr r="0" g="0" b="0"/>
-      </a:fillRef>
-      <a:effectRef idx="0">
-        <a:scrgbClr r="0" g="0" b="0"/>
-      </a:effectRef>
-      <a:fontRef idx="minor">
-        <a:schemeClr val="lt1"/>
-      </a:fontRef>
-    </dgm:style>
-  </dgm:styleLbl>
-  <dgm:styleLbl name="node2">
-    <dgm:scene3d>
-      <a:camera prst="orthographicFront"/>
-      <a:lightRig rig="threePt" dir="t"/>
-    </dgm:scene3d>
-    <dgm:sp3d/>
-    <dgm:txPr/>
-    <dgm:style>
-      <a:lnRef idx="2">
-        <a:scrgbClr r="0" g="0" b="0"/>
-      </a:lnRef>
-      <a:fillRef idx="1">
-        <a:scrgbClr r="0" g="0" b="0"/>
-      </a:fillRef>
-      <a:effectRef idx="0">
-        <a:scrgbClr r="0" g="0" b="0"/>
-      </a:effectRef>
-      <a:fontRef idx="minor">
-        <a:schemeClr val="lt1"/>
-      </a:fontRef>
-    </dgm:style>
-  </dgm:styleLbl>
-  <dgm:styleLbl name="node3">
-    <dgm:scene3d>
-      <a:camera prst="orthographicFront"/>
-      <a:lightRig rig="threePt" dir="t"/>
-    </dgm:scene3d>
-    <dgm:sp3d/>
-    <dgm:txPr/>
-    <dgm:style>
-      <a:lnRef idx="2">
-        <a:scrgbClr r="0" g="0" b="0"/>
-      </a:lnRef>
-      <a:fillRef idx="1">
-        <a:scrgbClr r="0" g="0" b="0"/>
-      </a:fillRef>
-      <a:effectRef idx="0">
-        <a:scrgbClr r="0" g="0" b="0"/>
-      </a:effectRef>
-      <a:fontRef idx="minor">
-        <a:schemeClr val="lt1"/>
-      </a:fontRef>
-    </dgm:style>
-  </dgm:styleLbl>
-  <dgm:styleLbl name="node4">
-    <dgm:scene3d>
-      <a:camera prst="orthographicFront"/>
-      <a:lightRig rig="threePt" dir="t"/>
-    </dgm:scene3d>
-    <dgm:sp3d/>
-    <dgm:txPr/>
-    <dgm:style>
-      <a:lnRef idx="2">
-        <a:scrgbClr r="0" g="0" b="0"/>
-      </a:lnRef>
-      <a:fillRef idx="1">
-        <a:scrgbClr r="0" g="0" b="0"/>
-      </a:fillRef>
-      <a:effectRef idx="0">
-        <a:scrgbClr r="0" g="0" b="0"/>
-      </a:effectRef>
-      <a:fontRef idx="minor">
-        <a:schemeClr val="lt1"/>
-      </a:fontRef>
-    </dgm:style>
-  </dgm:styleLbl>
-  <dgm:styleLbl name="fgImgPlace1">
-    <dgm:scene3d>
-      <a:camera prst="orthographicFront"/>
-      <a:lightRig rig="threePt" dir="t"/>
-    </dgm:scene3d>
-    <dgm:sp3d/>
-    <dgm:txPr/>
-    <dgm:style>
-      <a:lnRef idx="2">
-        <a:scrgbClr r="0" g="0" b="0"/>
-      </a:lnRef>
-      <a:fillRef idx="1">
-        <a:scrgbClr r="0" g="0" b="0"/>
-      </a:fillRef>
-      <a:effectRef idx="0">
-        <a:scrgbClr r="0" g="0" b="0"/>
-      </a:effectRef>
-      <a:fontRef idx="minor"/>
-    </dgm:style>
-  </dgm:styleLbl>
-  <dgm:styleLbl name="alignImgPlace1">
-    <dgm:scene3d>
-      <a:camera prst="orthographicFront"/>
-      <a:lightRig rig="threePt" dir="t"/>
-    </dgm:scene3d>
-    <dgm:sp3d/>
-    <dgm:txPr/>
-    <dgm:style>
-      <a:lnRef idx="2">
-        <a:scrgbClr r="0" g="0" b="0"/>
-      </a:lnRef>
-      <a:fillRef idx="1">
-        <a:scrgbClr r="0" g="0" b="0"/>
-      </a:fillRef>
-      <a:effectRef idx="0">
-        <a:scrgbClr r="0" g="0" b="0"/>
-      </a:effectRef>
-      <a:fontRef idx="minor"/>
-    </dgm:style>
-  </dgm:styleLbl>
-  <dgm:styleLbl name="bgImgPlace1">
-    <dgm:scene3d>
-      <a:camera prst="orthographicFront"/>
-      <a:lightRig rig="threePt" dir="t"/>
-    </dgm:scene3d>
-    <dgm:sp3d/>
-    <dgm:txPr/>
-    <dgm:style>
-      <a:lnRef idx="2">
-        <a:scrgbClr r="0" g="0" b="0"/>
-      </a:lnRef>
-      <a:fillRef idx="1">
-        <a:scrgbClr r="0" g="0" b="0"/>
-      </a:fillRef>
-      <a:effectRef idx="0">
-        <a:scrgbClr r="0" g="0" b="0"/>
-      </a:effectRef>
-      <a:fontRef idx="minor"/>
-    </dgm:style>
-  </dgm:styleLbl>
-  <dgm:styleLbl name="sibTrans2D1">
-    <dgm:scene3d>
-      <a:camera prst="orthographicFront"/>
-      <a:lightRig rig="threePt" dir="t"/>
-    </dgm:scene3d>
-    <dgm:sp3d/>
-    <dgm:txPr/>
-    <dgm:style>
-      <a:lnRef idx="0">
-        <a:scrgbClr r="0" g="0" b="0"/>
-      </a:lnRef>
-      <a:fillRef idx="1">
-        <a:scrgbClr r="0" g="0" b="0"/>
-      </a:fillRef>
-      <a:effectRef idx="0">
-        <a:scrgbClr r="0" g="0" b="0"/>
-      </a:effectRef>
-      <a:fontRef idx="minor">
-        <a:schemeClr val="lt1"/>
-      </a:fontRef>
-    </dgm:style>
-  </dgm:styleLbl>
-  <dgm:styleLbl name="fgSibTrans2D1">
-    <dgm:scene3d>
-      <a:camera prst="orthographicFront"/>
-      <a:lightRig rig="threePt" dir="t"/>
-    </dgm:scene3d>
-    <dgm:sp3d/>
-    <dgm:txPr/>
-    <dgm:style>
-      <a:lnRef idx="0">
-        <a:scrgbClr r="0" g="0" b="0"/>
-      </a:lnRef>
-      <a:fillRef idx="1">
-        <a:scrgbClr r="0" g="0" b="0"/>
-      </a:fillRef>
-      <a:effectRef idx="0">
-        <a:scrgbClr r="0" g="0" b="0"/>
-      </a:effectRef>
-      <a:fontRef idx="minor">
-        <a:schemeClr val="lt1"/>
-      </a:fontRef>
-    </dgm:style>
-  </dgm:styleLbl>
-  <dgm:styleLbl name="bgSibTrans2D1">
-    <dgm:scene3d>
-      <a:camera prst="orthographicFront"/>
-      <a:lightRig rig="threePt" dir="t"/>
-    </dgm:scene3d>
-    <dgm:sp3d/>
-    <dgm:txPr/>
-    <dgm:style>
-      <a:lnRef idx="0">
-        <a:scrgbClr r="0" g="0" b="0"/>
-      </a:lnRef>
-      <a:fillRef idx="1">
-        <a:scrgbClr r="0" g="0" b="0"/>
-      </a:fillRef>
-      <a:effectRef idx="0">
-        <a:scrgbClr r="0" g="0" b="0"/>
-      </a:effectRef>
-      <a:fontRef idx="minor">
-        <a:schemeClr val="lt1"/>
-      </a:fontRef>
-    </dgm:style>
-  </dgm:styleLbl>
-  <dgm:styleLbl name="sibTrans1D1">
-    <dgm:scene3d>
-      <a:camera prst="orthographicFront"/>
-      <a:lightRig rig="threePt" dir="t"/>
-    </dgm:scene3d>
-    <dgm:sp3d/>
-    <dgm:txPr/>
-    <dgm:style>
-      <a:lnRef idx="1">
-        <a:scrgbClr r="0" g="0" b="0"/>
-      </a:lnRef>
-      <a:fillRef idx="0">
-        <a:scrgbClr r="0" g="0" b="0"/>
-      </a:fillRef>
-      <a:effectRef idx="0">
-        <a:scrgbClr r="0" g="0" b="0"/>
-      </a:effectRef>
-      <a:fontRef idx="minor"/>
-    </dgm:style>
-  </dgm:styleLbl>
-  <dgm:styleLbl name="callout">
-    <dgm:scene3d>
-      <a:camera prst="orthographicFront"/>
-      <a:lightRig rig="threePt" dir="t"/>
-    </dgm:scene3d>
-    <dgm:sp3d/>
-    <dgm:txPr/>
-    <dgm:style>
-      <a:lnRef idx="2">
-        <a:scrgbClr r="0" g="0" b="0"/>
-      </a:lnRef>
-      <a:fillRef idx="1">
-        <a:scrgbClr r="0" g="0" b="0"/>
-      </a:fillRef>
-      <a:effectRef idx="0">
-        <a:scrgbClr r="0" g="0" b="0"/>
-      </a:effectRef>
-      <a:fontRef idx="minor"/>
-    </dgm:style>
-  </dgm:styleLbl>
-  <dgm:styleLbl name="asst0">
-    <dgm:scene3d>
-      <a:camera prst="orthographicFront"/>
-      <a:lightRig rig="threePt" dir="t"/>
-    </dgm:scene3d>
-    <dgm:sp3d/>
-    <dgm:txPr/>
-    <dgm:style>
-      <a:lnRef idx="2">
-        <a:scrgbClr r="0" g="0" b="0"/>
-      </a:lnRef>
-      <a:fillRef idx="1">
-        <a:scrgbClr r="0" g="0" b="0"/>
-      </a:fillRef>
-      <a:effectRef idx="0">
-        <a:scrgbClr r="0" g="0" b="0"/>
-      </a:effectRef>
-      <a:fontRef idx="minor">
-        <a:schemeClr val="lt1"/>
-      </a:fontRef>
-    </dgm:style>
-  </dgm:styleLbl>
-  <dgm:styleLbl name="asst1">
-    <dgm:scene3d>
-      <a:camera prst="orthographicFront"/>
-      <a:lightRig rig="threePt" dir="t"/>
-    </dgm:scene3d>
-    <dgm:sp3d/>
-    <dgm:txPr/>
-    <dgm:style>
-      <a:lnRef idx="2">
-        <a:scrgbClr r="0" g="0" b="0"/>
-      </a:lnRef>
-      <a:fillRef idx="1">
-        <a:scrgbClr r="0" g="0" b="0"/>
-      </a:fillRef>
-      <a:effectRef idx="0">
-        <a:scrgbClr r="0" g="0" b="0"/>
-      </a:effectRef>
-      <a:fontRef idx="minor">
-        <a:schemeClr val="lt1"/>
-      </a:fontRef>
-    </dgm:style>
-  </dgm:styleLbl>
-  <dgm:styleLbl name="asst2">
-    <dgm:scene3d>
-      <a:camera prst="orthographicFront"/>
-      <a:lightRig rig="threePt" dir="t"/>
-    </dgm:scene3d>
-    <dgm:sp3d/>
-    <dgm:txPr/>
-    <dgm:style>
-      <a:lnRef idx="2">
-        <a:scrgbClr r="0" g="0" b="0"/>
-      </a:lnRef>
-      <a:fillRef idx="1">
-        <a:scrgbClr r="0" g="0" b="0"/>
-      </a:fillRef>
-      <a:effectRef idx="0">
-        <a:scrgbClr r="0" g="0" b="0"/>
-      </a:effectRef>
-      <a:fontRef idx="minor">
-        <a:schemeClr val="lt1"/>
-      </a:fontRef>
-    </dgm:style>
-  </dgm:styleLbl>
-  <dgm:styleLbl name="asst3">
-    <dgm:scene3d>
-      <a:camera prst="orthographicFront"/>
-      <a:lightRig rig="threePt" dir="t"/>
-    </dgm:scene3d>
-    <dgm:sp3d/>
-    <dgm:txPr/>
-    <dgm:style>
-      <a:lnRef idx="2">
-        <a:scrgbClr r="0" g="0" b="0"/>
-      </a:lnRef>
-      <a:fillRef idx="1">
-        <a:scrgbClr r="0" g="0" b="0"/>
-      </a:fillRef>
-      <a:effectRef idx="0">
-        <a:scrgbClr r="0" g="0" b="0"/>
-      </a:effectRef>
-      <a:fontRef idx="minor">
-        <a:schemeClr val="lt1"/>
-      </a:fontRef>
-    </dgm:style>
-  </dgm:styleLbl>
-  <dgm:styleLbl name="asst4">
-    <dgm:scene3d>
-      <a:camera prst="orthographicFront"/>
-      <a:lightRig rig="threePt" dir="t"/>
-    </dgm:scene3d>
-    <dgm:sp3d/>
-    <dgm:txPr/>
-    <dgm:style>
-      <a:lnRef idx="2">
-        <a:scrgbClr r="0" g="0" b="0"/>
-      </a:lnRef>
-      <a:fillRef idx="1">
-        <a:scrgbClr r="0" g="0" b="0"/>
-      </a:fillRef>
-      <a:effectRef idx="0">
-        <a:scrgbClr r="0" g="0" b="0"/>
-      </a:effectRef>
-      <a:fontRef idx="minor">
-        <a:schemeClr val="lt1"/>
-      </a:fontRef>
-    </dgm:style>
-  </dgm:styleLbl>
-  <dgm:styleLbl name="parChTrans2D1">
-    <dgm:scene3d>
-      <a:camera prst="orthographicFront"/>
-      <a:lightRig rig="threePt" dir="t"/>
-    </dgm:scene3d>
-    <dgm:sp3d/>
-    <dgm:txPr/>
-    <dgm:style>
-      <a:lnRef idx="2">
-        <a:scrgbClr r="0" g="0" b="0"/>
-      </a:lnRef>
-      <a:fillRef idx="1">
-        <a:scrgbClr r="0" g="0" b="0"/>
-      </a:fillRef>
-      <a:effectRef idx="0">
-        <a:scrgbClr r="0" g="0" b="0"/>
-      </a:effectRef>
-      <a:fontRef idx="minor">
-        <a:schemeClr val="lt1"/>
-      </a:fontRef>
-    </dgm:style>
-  </dgm:styleLbl>
-  <dgm:styleLbl name="parChTrans2D2">
-    <dgm:scene3d>
-      <a:camera prst="orthographicFront"/>
-      <a:lightRig rig="threePt" dir="t"/>
-    </dgm:scene3d>
-    <dgm:sp3d/>
-    <dgm:txPr/>
-    <dgm:style>
-      <a:lnRef idx="2">
-        <a:scrgbClr r="0" g="0" b="0"/>
-      </a:lnRef>
-      <a:fillRef idx="1">
-        <a:scrgbClr r="0" g="0" b="0"/>
-      </a:fillRef>
-      <a:effectRef idx="0">
-        <a:scrgbClr r="0" g="0" b="0"/>
-      </a:effectRef>
-      <a:fontRef idx="minor">
-        <a:schemeClr val="lt1"/>
-      </a:fontRef>
-    </dgm:style>
-  </dgm:styleLbl>
-  <dgm:styleLbl name="parChTrans2D3">
-    <dgm:scene3d>
-      <a:camera prst="orthographicFront"/>
-      <a:lightRig rig="threePt" dir="t"/>
-    </dgm:scene3d>
-    <dgm:sp3d/>
-    <dgm:txPr/>
-    <dgm:style>
-      <a:lnRef idx="2">
-        <a:scrgbClr r="0" g="0" b="0"/>
-      </a:lnRef>
-      <a:fillRef idx="1">
-        <a:scrgbClr r="0" g="0" b="0"/>
-      </a:fillRef>
-      <a:effectRef idx="0">
-        <a:scrgbClr r="0" g="0" b="0"/>
-      </a:effectRef>
-      <a:fontRef idx="minor">
-        <a:schemeClr val="lt1"/>
-      </a:fontRef>
-    </dgm:style>
-  </dgm:styleLbl>
-  <dgm:styleLbl name="parChTrans2D4">
-    <dgm:scene3d>
-      <a:camera prst="orthographicFront"/>
-      <a:lightRig rig="threePt" dir="t"/>
-    </dgm:scene3d>
-    <dgm:sp3d/>
-    <dgm:txPr/>
-    <dgm:style>
-      <a:lnRef idx="2">
-        <a:scrgbClr r="0" g="0" b="0"/>
-      </a:lnRef>
-      <a:fillRef idx="1">
-        <a:scrgbClr r="0" g="0" b="0"/>
-      </a:fillRef>
-      <a:effectRef idx="0">
-        <a:scrgbClr r="0" g="0" b="0"/>
-      </a:effectRef>
-      <a:fontRef idx="minor">
-        <a:schemeClr val="lt1"/>
-      </a:fontRef>
-    </dgm:style>
-  </dgm:styleLbl>
-  <dgm:styleLbl name="parChTrans1D1">
-    <dgm:scene3d>
-      <a:camera prst="orthographicFront"/>
-      <a:lightRig rig="threePt" dir="t"/>
-    </dgm:scene3d>
-    <dgm:sp3d/>
-    <dgm:txPr/>
-    <dgm:style>
-      <a:lnRef idx="2">
-        <a:scrgbClr r="0" g="0" b="0"/>
-      </a:lnRef>
-      <a:fillRef idx="0">
-        <a:scrgbClr r="0" g="0" b="0"/>
-      </a:fillRef>
-      <a:effectRef idx="0">
-        <a:scrgbClr r="0" g="0" b="0"/>
-      </a:effectRef>
-      <a:fontRef idx="minor"/>
-    </dgm:style>
-  </dgm:styleLbl>
-  <dgm:styleLbl name="parChTrans1D2">
-    <dgm:scene3d>
-      <a:camera prst="orthographicFront"/>
-      <a:lightRig rig="threePt" dir="t"/>
-    </dgm:scene3d>
-    <dgm:sp3d/>
-    <dgm:txPr/>
-    <dgm:style>
-      <a:lnRef idx="2">
-        <a:scrgbClr r="0" g="0" b="0"/>
-      </a:lnRef>
-      <a:fillRef idx="0">
-        <a:scrgbClr r="0" g="0" b="0"/>
-      </a:fillRef>
-      <a:effectRef idx="0">
-        <a:scrgbClr r="0" g="0" b="0"/>
-      </a:effectRef>
-      <a:fontRef idx="minor"/>
-    </dgm:style>
-  </dgm:styleLbl>
-  <dgm:styleLbl name="parChTrans1D3">
-    <dgm:scene3d>
-      <a:camera prst="orthographicFront"/>
-      <a:lightRig rig="threePt" dir="t"/>
-    </dgm:scene3d>
-    <dgm:sp3d/>
-    <dgm:txPr/>
-    <dgm:style>
-      <a:lnRef idx="2">
-        <a:scrgbClr r="0" g="0" b="0"/>
-      </a:lnRef>
-      <a:fillRef idx="0">
-        <a:scrgbClr r="0" g="0" b="0"/>
-      </a:fillRef>
-      <a:effectRef idx="0">
-        <a:scrgbClr r="0" g="0" b="0"/>
-      </a:effectRef>
-      <a:fontRef idx="minor"/>
-    </dgm:style>
-  </dgm:styleLbl>
-  <dgm:styleLbl name="parChTrans1D4">
-    <dgm:scene3d>
-      <a:camera prst="orthographicFront"/>
-      <a:lightRig rig="threePt" dir="t"/>
-    </dgm:scene3d>
-    <dgm:sp3d/>
-    <dgm:txPr/>
-    <dgm:style>
-      <a:lnRef idx="2">
-        <a:scrgbClr r="0" g="0" b="0"/>
-      </a:lnRef>
-      <a:fillRef idx="0">
-        <a:scrgbClr r="0" g="0" b="0"/>
-      </a:fillRef>
-      <a:effectRef idx="0">
-        <a:scrgbClr r="0" g="0" b="0"/>
-      </a:effectRef>
-      <a:fontRef idx="minor"/>
-    </dgm:style>
-  </dgm:styleLbl>
-  <dgm:styleLbl name="fgAcc1">
-    <dgm:scene3d>
-      <a:camera prst="orthographicFront"/>
-      <a:lightRig rig="threePt" dir="t"/>
-    </dgm:scene3d>
-    <dgm:sp3d/>
-    <dgm:txPr/>
-    <dgm:style>
-      <a:lnRef idx="2">
-        <a:scrgbClr r="0" g="0" b="0"/>
-      </a:lnRef>
-      <a:fillRef idx="1">
-        <a:scrgbClr r="0" g="0" b="0"/>
-      </a:fillRef>
-      <a:effectRef idx="0">
-        <a:scrgbClr r="0" g="0" b="0"/>
-      </a:effectRef>
-      <a:fontRef idx="minor"/>
-    </dgm:style>
-  </dgm:styleLbl>
-  <dgm:styleLbl name="conFgAcc1">
-    <dgm:scene3d>
-      <a:camera prst="orthographicFront"/>
-      <a:lightRig rig="threePt" dir="t"/>
-    </dgm:scene3d>
-    <dgm:sp3d/>
-    <dgm:txPr/>
-    <dgm:style>
-      <a:lnRef idx="2">
-        <a:scrgbClr r="0" g="0" b="0"/>
-      </a:lnRef>
-      <a:fillRef idx="1">
-        <a:scrgbClr r="0" g="0" b="0"/>
-      </a:fillRef>
-      <a:effectRef idx="0">
-        <a:scrgbClr r="0" g="0" b="0"/>
-      </a:effectRef>
-      <a:fontRef idx="minor"/>
-    </dgm:style>
-  </dgm:styleLbl>
-  <dgm:styleLbl name="alignAcc1">
-    <dgm:scene3d>
-      <a:camera prst="orthographicFront"/>
-      <a:lightRig rig="threePt" dir="t"/>
-    </dgm:scene3d>
-    <dgm:sp3d/>
-    <dgm:txPr/>
-    <dgm:style>
-      <a:lnRef idx="2">
-        <a:scrgbClr r="0" g="0" b="0"/>
-      </a:lnRef>
-      <a:fillRef idx="1">
-        <a:scrgbClr r="0" g="0" b="0"/>
-      </a:fillRef>
-      <a:effectRef idx="0">
-        <a:scrgbClr r="0" g="0" b="0"/>
-      </a:effectRef>
-      <a:fontRef idx="minor"/>
-    </dgm:style>
-  </dgm:styleLbl>
-  <dgm:styleLbl name="trAlignAcc1">
-    <dgm:scene3d>
-      <a:camera prst="orthographicFront"/>
-      <a:lightRig rig="threePt" dir="t"/>
-    </dgm:scene3d>
-    <dgm:sp3d/>
-    <dgm:txPr/>
-    <dgm:style>
-      <a:lnRef idx="1">
-        <a:scrgbClr r="0" g="0" b="0"/>
-      </a:lnRef>
-      <a:fillRef idx="1">
-        <a:scrgbClr r="0" g="0" b="0"/>
-      </a:fillRef>
-      <a:effectRef idx="0">
-        <a:scrgbClr r="0" g="0" b="0"/>
-      </a:effectRef>
-      <a:fontRef idx="minor"/>
-    </dgm:style>
-  </dgm:styleLbl>
-  <dgm:styleLbl name="bgAcc1">
-    <dgm:scene3d>
-      <a:camera prst="orthographicFront"/>
-      <a:lightRig rig="threePt" dir="t"/>
-    </dgm:scene3d>
-    <dgm:sp3d/>
-    <dgm:txPr/>
-    <dgm:style>
-      <a:lnRef idx="2">
-        <a:scrgbClr r="0" g="0" b="0"/>
-      </a:lnRef>
-      <a:fillRef idx="1">
-        <a:scrgbClr r="0" g="0" b="0"/>
-      </a:fillRef>
-      <a:effectRef idx="0">
-        <a:scrgbClr r="0" g="0" b="0"/>
-      </a:effectRef>
-      <a:fontRef idx="minor"/>
-    </dgm:style>
-  </dgm:styleLbl>
-  <dgm:styleLbl name="solidFgAcc1">
-    <dgm:scene3d>
-      <a:camera prst="orthographicFront"/>
-      <a:lightRig rig="threePt" dir="t"/>
-    </dgm:scene3d>
-    <dgm:sp3d/>
-    <dgm:txPr/>
-    <dgm:style>
-      <a:lnRef idx="2">
-        <a:scrgbClr r="0" g="0" b="0"/>
-      </a:lnRef>
-      <a:fillRef idx="1">
-        <a:scrgbClr r="0" g="0" b="0"/>
-      </a:fillRef>
-      <a:effectRef idx="0">
-        <a:scrgbClr r="0" g="0" b="0"/>
-      </a:effectRef>
-      <a:fontRef idx="minor"/>
-    </dgm:style>
-  </dgm:styleLbl>
-  <dgm:styleLbl name="solidAlignAcc1">
-    <dgm:scene3d>
-      <a:camera prst="orthographicFront"/>
-      <a:lightRig rig="threePt" dir="t"/>
-    </dgm:scene3d>
-    <dgm:sp3d/>
-    <dgm:txPr/>
-    <dgm:style>
-      <a:lnRef idx="2">
-        <a:scrgbClr r="0" g="0" b="0"/>
-      </a:lnRef>
-      <a:fillRef idx="1">
-        <a:scrgbClr r="0" g="0" b="0"/>
-      </a:fillRef>
-      <a:effectRef idx="0">
-        <a:scrgbClr r="0" g="0" b="0"/>
-      </a:effectRef>
-      <a:fontRef idx="minor"/>
-    </dgm:style>
-  </dgm:styleLbl>
-  <dgm:styleLbl name="solidBgAcc1">
-    <dgm:scene3d>
-      <a:camera prst="orthographicFront"/>
-      <a:lightRig rig="threePt" dir="t"/>
-    </dgm:scene3d>
-    <dgm:sp3d/>
-    <dgm:txPr/>
-    <dgm:style>
-      <a:lnRef idx="2">
-        <a:scrgbClr r="0" g="0" b="0"/>
-      </a:lnRef>
-      <a:fillRef idx="1">
-        <a:scrgbClr r="0" g="0" b="0"/>
-      </a:fillRef>
-      <a:effectRef idx="0">
-        <a:scrgbClr r="0" g="0" b="0"/>
-      </a:effectRef>
-      <a:fontRef idx="minor"/>
-    </dgm:style>
-  </dgm:styleLbl>
-  <dgm:styleLbl name="fgAccFollowNode1">
-    <dgm:scene3d>
-      <a:camera prst="orthographicFront"/>
-      <a:lightRig rig="threePt" dir="t"/>
-    </dgm:scene3d>
-    <dgm:sp3d/>
-    <dgm:txPr/>
-    <dgm:style>
-      <a:lnRef idx="2">
-        <a:scrgbClr r="0" g="0" b="0"/>
-      </a:lnRef>
-      <a:fillRef idx="1">
-        <a:scrgbClr r="0" g="0" b="0"/>
-      </a:fillRef>
-      <a:effectRef idx="0">
-        <a:scrgbClr r="0" g="0" b="0"/>
-      </a:effectRef>
-      <a:fontRef idx="minor"/>
-    </dgm:style>
-  </dgm:styleLbl>
-  <dgm:styleLbl name="alignAccFollowNode1">
-    <dgm:scene3d>
-      <a:camera prst="orthographicFront"/>
-      <a:lightRig rig="threePt" dir="t"/>
-    </dgm:scene3d>
-    <dgm:sp3d/>
-    <dgm:txPr/>
-    <dgm:style>
-      <a:lnRef idx="2">
-        <a:scrgbClr r="0" g="0" b="0"/>
-      </a:lnRef>
-      <a:fillRef idx="1">
-        <a:scrgbClr r="0" g="0" b="0"/>
-      </a:fillRef>
-      <a:effectRef idx="0">
-        <a:scrgbClr r="0" g="0" b="0"/>
-      </a:effectRef>
-      <a:fontRef idx="minor"/>
-    </dgm:style>
-  </dgm:styleLbl>
-  <dgm:styleLbl name="bgAccFollowNode1">
-    <dgm:scene3d>
-      <a:camera prst="orthographicFront"/>
-      <a:lightRig rig="threePt" dir="t"/>
-    </dgm:scene3d>
-    <dgm:sp3d/>
-    <dgm:txPr/>
-    <dgm:style>
-      <a:lnRef idx="2">
-        <a:scrgbClr r="0" g="0" b="0"/>
-      </a:lnRef>
-      <a:fillRef idx="1">
-        <a:scrgbClr r="0" g="0" b="0"/>
-      </a:fillRef>
-      <a:effectRef idx="0">
-        <a:scrgbClr r="0" g="0" b="0"/>
-      </a:effectRef>
-      <a:fontRef idx="minor"/>
-    </dgm:style>
-  </dgm:styleLbl>
-  <dgm:styleLbl name="fgAcc0">
-    <dgm:scene3d>
-      <a:camera prst="orthographicFront"/>
-      <a:lightRig rig="threePt" dir="t"/>
-    </dgm:scene3d>
-    <dgm:sp3d/>
-    <dgm:txPr/>
-    <dgm:style>
-      <a:lnRef idx="2">
-        <a:scrgbClr r="0" g="0" b="0"/>
-      </a:lnRef>
-      <a:fillRef idx="1">
-        <a:scrgbClr r="0" g="0" b="0"/>
-      </a:fillRef>
-      <a:effectRef idx="0">
-        <a:scrgbClr r="0" g="0" b="0"/>
-      </a:effectRef>
-      <a:fontRef idx="minor"/>
-    </dgm:style>
-  </dgm:styleLbl>
-  <dgm:styleLbl name="fgAcc2">
-    <dgm:scene3d>
-      <a:camera prst="orthographicFront"/>
-      <a:lightRig rig="threePt" dir="t"/>
-    </dgm:scene3d>
-    <dgm:sp3d/>
-    <dgm:txPr/>
-    <dgm:style>
-      <a:lnRef idx="2">
-        <a:scrgbClr r="0" g="0" b="0"/>
-      </a:lnRef>
-      <a:fillRef idx="1">
-        <a:scrgbClr r="0" g="0" b="0"/>
-      </a:fillRef>
-      <a:effectRef idx="0">
-        <a:scrgbClr r="0" g="0" b="0"/>
-      </a:effectRef>
-      <a:fontRef idx="minor"/>
-    </dgm:style>
-  </dgm:styleLbl>
-  <dgm:styleLbl name="fgAcc3">
-    <dgm:scene3d>
-      <a:camera prst="orthographicFront"/>
-      <a:lightRig rig="threePt" dir="t"/>
-    </dgm:scene3d>
-    <dgm:sp3d/>
-    <dgm:txPr/>
-    <dgm:style>
-      <a:lnRef idx="2">
-        <a:scrgbClr r="0" g="0" b="0"/>
-      </a:lnRef>
-      <a:fillRef idx="1">
-        <a:scrgbClr r="0" g="0" b="0"/>
-      </a:fillRef>
-      <a:effectRef idx="0">
-        <a:scrgbClr r="0" g="0" b="0"/>
-      </a:effectRef>
-      <a:fontRef idx="minor"/>
-    </dgm:style>
-  </dgm:styleLbl>
-  <dgm:styleLbl name="fgAcc4">
-    <dgm:scene3d>
-      <a:camera prst="orthographicFront"/>
-      <a:lightRig rig="threePt" dir="t"/>
-    </dgm:scene3d>
-    <dgm:sp3d/>
-    <dgm:txPr/>
-    <dgm:style>
-      <a:lnRef idx="2">
-        <a:scrgbClr r="0" g="0" b="0"/>
-      </a:lnRef>
-      <a:fillRef idx="1">
-        <a:scrgbClr r="0" g="0" b="0"/>
-      </a:fillRef>
-      <a:effectRef idx="0">
-        <a:scrgbClr r="0" g="0" b="0"/>
-      </a:effectRef>
-      <a:fontRef idx="minor"/>
-    </dgm:style>
-  </dgm:styleLbl>
-  <dgm:styleLbl name="bgShp">
-    <dgm:scene3d>
-      <a:camera prst="orthographicFront"/>
-      <a:lightRig rig="threePt" dir="t"/>
-    </dgm:scene3d>
-    <dgm:sp3d/>
-    <dgm:txPr/>
-    <dgm:style>
-      <a:lnRef idx="0">
-        <a:scrgbClr r="0" g="0" b="0"/>
-      </a:lnRef>
-      <a:fillRef idx="1">
-        <a:scrgbClr r="0" g="0" b="0"/>
-      </a:fillRef>
-      <a:effectRef idx="0">
-        <a:scrgbClr r="0" g="0" b="0"/>
-      </a:effectRef>
-      <a:fontRef idx="minor"/>
-    </dgm:style>
-  </dgm:styleLbl>
-  <dgm:styleLbl name="dkBgShp">
-    <dgm:scene3d>
-      <a:camera prst="orthographicFront"/>
-      <a:lightRig rig="threePt" dir="t"/>
-    </dgm:scene3d>
-    <dgm:sp3d/>
-    <dgm:txPr/>
-    <dgm:style>
-      <a:lnRef idx="0">
-        <a:scrgbClr r="0" g="0" b="0"/>
-      </a:lnRef>
-      <a:fillRef idx="1">
-        <a:scrgbClr r="0" g="0" b="0"/>
-      </a:fillRef>
-      <a:effectRef idx="0">
-        <a:scrgbClr r="0" g="0" b="0"/>
-      </a:effectRef>
-      <a:fontRef idx="minor"/>
-    </dgm:style>
-  </dgm:styleLbl>
-  <dgm:styleLbl name="trBgShp">
-    <dgm:scene3d>
-      <a:camera prst="orthographicFront"/>
-      <a:lightRig rig="threePt" dir="t"/>
-    </dgm:scene3d>
-    <dgm:sp3d/>
-    <dgm:txPr/>
-    <dgm:style>
-      <a:lnRef idx="0">
-        <a:scrgbClr r="0" g="0" b="0"/>
-      </a:lnRef>
-      <a:fillRef idx="1">
-        <a:scrgbClr r="0" g="0" b="0"/>
-      </a:fillRef>
-      <a:effectRef idx="0">
-        <a:scrgbClr r="0" g="0" b="0"/>
-      </a:effectRef>
-      <a:fontRef idx="minor"/>
-    </dgm:style>
-  </dgm:styleLbl>
-  <dgm:styleLbl name="fgShp">
-    <dgm:scene3d>
-      <a:camera prst="orthographicFront"/>
-      <a:lightRig rig="threePt" dir="t"/>
-    </dgm:scene3d>
-    <dgm:sp3d/>
-    <dgm:txPr/>
-    <dgm:style>
-      <a:lnRef idx="2">
-        <a:scrgbClr r="0" g="0" b="0"/>
-      </a:lnRef>
-      <a:fillRef idx="1">
-        <a:scrgbClr r="0" g="0" b="0"/>
-      </a:fillRef>
-      <a:effectRef idx="0">
-        <a:scrgbClr r="0" g="0" b="0"/>
-      </a:effectRef>
-      <a:fontRef idx="minor"/>
-    </dgm:style>
-  </dgm:styleLbl>
-  <dgm:styleLbl name="revTx">
-    <dgm:scene3d>
-      <a:camera prst="orthographicFront"/>
-      <a:lightRig rig="threePt" dir="t"/>
-    </dgm:scene3d>
-    <dgm:sp3d/>
-    <dgm:txPr/>
-    <dgm:style>
-      <a:lnRef idx="0">
-        <a:scrgbClr r="0" g="0" b="0"/>
-      </a:lnRef>
-      <a:fillRef idx="0">
-        <a:scrgbClr r="0" g="0" b="0"/>
-      </a:fillRef>
-      <a:effectRef idx="0">
-        <a:scrgbClr r="0" g="0" b="0"/>
-      </a:effectRef>
-      <a:fontRef idx="minor"/>
-    </dgm:style>
-  </dgm:styleLbl>
-</dgm:styleDef>
-</file>
-
 <file path=ppt/slideLayouts/slideLayout1.xml><?xml version="1.0" encoding="utf-8"?>
 <p:sldLayout xmlns:a="http://schemas.openxmlformats.org/drawingml/2006/main" xmlns:r="http://schemas.openxmlformats.org/officeDocument/2006/relationships" xmlns:p="http://schemas.openxmlformats.org/presentationml/2006/main" type="title" preserve="1">
   <p:cSld name="제목 슬라이드">
@@ -3479,7 +287,7 @@
           <a:p>
             <a:fld id="{CE685DD4-E308-46FC-AB72-CC2741248A29}" type="datetimeFigureOut">
               <a:rPr lang="ko-KR" altLang="en-US" smtClean="0"/>
-              <a:t>2024-11-11</a:t>
+              <a:t>2024-11-19</a:t>
             </a:fld>
             <a:endParaRPr lang="ko-KR" altLang="en-US"/>
           </a:p>
@@ -3693,7 +501,7 @@
           <a:p>
             <a:fld id="{CE685DD4-E308-46FC-AB72-CC2741248A29}" type="datetimeFigureOut">
               <a:rPr lang="ko-KR" altLang="en-US" smtClean="0"/>
-              <a:t>2024-11-11</a:t>
+              <a:t>2024-11-19</a:t>
             </a:fld>
             <a:endParaRPr lang="ko-KR" altLang="en-US"/>
           </a:p>
@@ -3917,7 +725,7 @@
           <a:p>
             <a:fld id="{CE685DD4-E308-46FC-AB72-CC2741248A29}" type="datetimeFigureOut">
               <a:rPr lang="ko-KR" altLang="en-US" smtClean="0"/>
-              <a:t>2024-11-11</a:t>
+              <a:t>2024-11-19</a:t>
             </a:fld>
             <a:endParaRPr lang="ko-KR" altLang="en-US"/>
           </a:p>
@@ -4145,7 +953,7 @@
           <a:p>
             <a:fld id="{CE685DD4-E308-46FC-AB72-CC2741248A29}" type="datetimeFigureOut">
               <a:rPr lang="ko-KR" altLang="en-US" smtClean="0"/>
-              <a:t>2024-11-11</a:t>
+              <a:t>2024-11-19</a:t>
             </a:fld>
             <a:endParaRPr lang="ko-KR" altLang="en-US"/>
           </a:p>
@@ -4343,7 +1151,7 @@
           <a:p>
             <a:fld id="{CE685DD4-E308-46FC-AB72-CC2741248A29}" type="datetimeFigureOut">
               <a:rPr lang="ko-KR" altLang="en-US" smtClean="0"/>
-              <a:t>2024-11-11</a:t>
+              <a:t>2024-11-19</a:t>
             </a:fld>
             <a:endParaRPr lang="ko-KR" altLang="en-US"/>
           </a:p>
@@ -4618,7 +1426,7 @@
           <a:p>
             <a:fld id="{CE685DD4-E308-46FC-AB72-CC2741248A29}" type="datetimeFigureOut">
               <a:rPr lang="ko-KR" altLang="en-US" smtClean="0"/>
-              <a:t>2024-11-11</a:t>
+              <a:t>2024-11-19</a:t>
             </a:fld>
             <a:endParaRPr lang="ko-KR" altLang="en-US"/>
           </a:p>
@@ -4883,7 +1691,7 @@
           <a:p>
             <a:fld id="{CE685DD4-E308-46FC-AB72-CC2741248A29}" type="datetimeFigureOut">
               <a:rPr lang="ko-KR" altLang="en-US" smtClean="0"/>
-              <a:t>2024-11-11</a:t>
+              <a:t>2024-11-19</a:t>
             </a:fld>
             <a:endParaRPr lang="ko-KR" altLang="en-US"/>
           </a:p>
@@ -5295,7 +2103,7 @@
           <a:p>
             <a:fld id="{CE685DD4-E308-46FC-AB72-CC2741248A29}" type="datetimeFigureOut">
               <a:rPr lang="ko-KR" altLang="en-US" smtClean="0"/>
-              <a:t>2024-11-11</a:t>
+              <a:t>2024-11-19</a:t>
             </a:fld>
             <a:endParaRPr lang="ko-KR" altLang="en-US"/>
           </a:p>
@@ -5436,7 +2244,7 @@
           <a:p>
             <a:fld id="{CE685DD4-E308-46FC-AB72-CC2741248A29}" type="datetimeFigureOut">
               <a:rPr lang="ko-KR" altLang="en-US" smtClean="0"/>
-              <a:t>2024-11-11</a:t>
+              <a:t>2024-11-19</a:t>
             </a:fld>
             <a:endParaRPr lang="ko-KR" altLang="en-US"/>
           </a:p>
@@ -5549,7 +2357,7 @@
           <a:p>
             <a:fld id="{CE685DD4-E308-46FC-AB72-CC2741248A29}" type="datetimeFigureOut">
               <a:rPr lang="ko-KR" altLang="en-US" smtClean="0"/>
-              <a:t>2024-11-11</a:t>
+              <a:t>2024-11-19</a:t>
             </a:fld>
             <a:endParaRPr lang="ko-KR" altLang="en-US"/>
           </a:p>
@@ -5860,7 +2668,7 @@
           <a:p>
             <a:fld id="{CE685DD4-E308-46FC-AB72-CC2741248A29}" type="datetimeFigureOut">
               <a:rPr lang="ko-KR" altLang="en-US" smtClean="0"/>
-              <a:t>2024-11-11</a:t>
+              <a:t>2024-11-19</a:t>
             </a:fld>
             <a:endParaRPr lang="ko-KR" altLang="en-US"/>
           </a:p>
@@ -6066,7 +2874,7 @@
           <a:p>
             <a:fld id="{CE685DD4-E308-46FC-AB72-CC2741248A29}" type="datetimeFigureOut">
               <a:rPr lang="ko-KR" altLang="en-US" smtClean="0"/>
-              <a:t>2024-11-11</a:t>
+              <a:t>2024-11-19</a:t>
             </a:fld>
             <a:endParaRPr lang="ko-KR" altLang="en-US"/>
           </a:p>
@@ -6362,7 +3170,7 @@
           <a:p>
             <a:fld id="{CE685DD4-E308-46FC-AB72-CC2741248A29}" type="datetimeFigureOut">
               <a:rPr lang="ko-KR" altLang="en-US" smtClean="0"/>
-              <a:t>2024-11-11</a:t>
+              <a:t>2024-11-19</a:t>
             </a:fld>
             <a:endParaRPr lang="ko-KR" altLang="en-US"/>
           </a:p>
@@ -6560,7 +3368,7 @@
           <a:p>
             <a:fld id="{CE685DD4-E308-46FC-AB72-CC2741248A29}" type="datetimeFigureOut">
               <a:rPr lang="ko-KR" altLang="en-US" smtClean="0"/>
-              <a:t>2024-11-11</a:t>
+              <a:t>2024-11-19</a:t>
             </a:fld>
             <a:endParaRPr lang="ko-KR" altLang="en-US"/>
           </a:p>
@@ -6768,7 +3576,7 @@
           <a:p>
             <a:fld id="{CE685DD4-E308-46FC-AB72-CC2741248A29}" type="datetimeFigureOut">
               <a:rPr lang="ko-KR" altLang="en-US" smtClean="0"/>
-              <a:t>2024-11-11</a:t>
+              <a:t>2024-11-19</a:t>
             </a:fld>
             <a:endParaRPr lang="ko-KR" altLang="en-US"/>
           </a:p>
@@ -7051,7 +3859,7 @@
           <a:p>
             <a:fld id="{CE685DD4-E308-46FC-AB72-CC2741248A29}" type="datetimeFigureOut">
               <a:rPr lang="ko-KR" altLang="en-US" smtClean="0"/>
-              <a:t>2024-11-11</a:t>
+              <a:t>2024-11-19</a:t>
             </a:fld>
             <a:endParaRPr lang="ko-KR" altLang="en-US"/>
           </a:p>
@@ -7332,7 +4140,7 @@
           <a:p>
             <a:fld id="{CE685DD4-E308-46FC-AB72-CC2741248A29}" type="datetimeFigureOut">
               <a:rPr lang="ko-KR" altLang="en-US" smtClean="0"/>
-              <a:t>2024-11-11</a:t>
+              <a:t>2024-11-19</a:t>
             </a:fld>
             <a:endParaRPr lang="ko-KR" altLang="en-US"/>
           </a:p>
@@ -7760,7 +4568,7 @@
           <a:p>
             <a:fld id="{CE685DD4-E308-46FC-AB72-CC2741248A29}" type="datetimeFigureOut">
               <a:rPr lang="ko-KR" altLang="en-US" smtClean="0"/>
-              <a:t>2024-11-11</a:t>
+              <a:t>2024-11-19</a:t>
             </a:fld>
             <a:endParaRPr lang="ko-KR" altLang="en-US"/>
           </a:p>
@@ -7917,7 +4725,7 @@
           <a:p>
             <a:fld id="{CE685DD4-E308-46FC-AB72-CC2741248A29}" type="datetimeFigureOut">
               <a:rPr lang="ko-KR" altLang="en-US" smtClean="0"/>
-              <a:t>2024-11-11</a:t>
+              <a:t>2024-11-19</a:t>
             </a:fld>
             <a:endParaRPr lang="ko-KR" altLang="en-US"/>
           </a:p>
@@ -8046,7 +4854,7 @@
           <a:p>
             <a:fld id="{CE685DD4-E308-46FC-AB72-CC2741248A29}" type="datetimeFigureOut">
               <a:rPr lang="ko-KR" altLang="en-US" smtClean="0"/>
-              <a:t>2024-11-11</a:t>
+              <a:t>2024-11-19</a:t>
             </a:fld>
             <a:endParaRPr lang="ko-KR" altLang="en-US"/>
           </a:p>
@@ -8373,7 +5181,7 @@
           <a:p>
             <a:fld id="{CE685DD4-E308-46FC-AB72-CC2741248A29}" type="datetimeFigureOut">
               <a:rPr lang="ko-KR" altLang="en-US" smtClean="0"/>
-              <a:t>2024-11-11</a:t>
+              <a:t>2024-11-19</a:t>
             </a:fld>
             <a:endParaRPr lang="ko-KR" altLang="en-US"/>
           </a:p>
@@ -8677,7 +5485,7 @@
           <a:p>
             <a:fld id="{CE685DD4-E308-46FC-AB72-CC2741248A29}" type="datetimeFigureOut">
               <a:rPr lang="ko-KR" altLang="en-US" smtClean="0"/>
-              <a:t>2024-11-11</a:t>
+              <a:t>2024-11-19</a:t>
             </a:fld>
             <a:endParaRPr lang="ko-KR" altLang="en-US"/>
           </a:p>
@@ -9410,7 +6218,7 @@
           <a:p>
             <a:fld id="{CE685DD4-E308-46FC-AB72-CC2741248A29}" type="datetimeFigureOut">
               <a:rPr lang="ko-KR" altLang="en-US" smtClean="0"/>
-              <a:t>2024-11-11</a:t>
+              <a:t>2024-11-19</a:t>
             </a:fld>
             <a:endParaRPr lang="ko-KR" altLang="en-US"/>
           </a:p>
@@ -9905,6 +6713,2393 @@
         <p:cNvPr id="1" name="">
           <a:extLst>
             <a:ext uri="{FF2B5EF4-FFF2-40B4-BE49-F238E27FC236}">
+              <a16:creationId xmlns:a16="http://schemas.microsoft.com/office/drawing/2014/main" id="{F4E47FFA-795C-896C-B5BD-4786D7E91DC8}"/>
+            </a:ext>
+          </a:extLst>
+        </p:cNvPr>
+        <p:cNvGrpSpPr/>
+        <p:nvPr/>
+      </p:nvGrpSpPr>
+      <p:grpSpPr>
+        <a:xfrm>
+          <a:off x="0" y="0"/>
+          <a:ext cx="0" cy="0"/>
+          <a:chOff x="0" y="0"/>
+          <a:chExt cx="0" cy="0"/>
+        </a:xfrm>
+      </p:grpSpPr>
+      <p:sp>
+        <p:nvSpPr>
+          <p:cNvPr id="2" name="제목 1">
+            <a:extLst>
+              <a:ext uri="{FF2B5EF4-FFF2-40B4-BE49-F238E27FC236}">
+                <a16:creationId xmlns:a16="http://schemas.microsoft.com/office/drawing/2014/main" id="{F3810176-EAA5-99A9-C166-89A1135B3D53}"/>
+              </a:ext>
+            </a:extLst>
+          </p:cNvPr>
+          <p:cNvSpPr>
+            <a:spLocks noGrp="1"/>
+          </p:cNvSpPr>
+          <p:nvPr>
+            <p:ph type="title"/>
+          </p:nvPr>
+        </p:nvSpPr>
+        <p:spPr/>
+        <p:txBody>
+          <a:bodyPr/>
+          <a:lstStyle/>
+          <a:p>
+            <a:r>
+              <a:rPr lang="ko-KR" altLang="en-US" dirty="0"/>
+              <a:t>라이브러리 관계도</a:t>
+            </a:r>
+          </a:p>
+        </p:txBody>
+      </p:sp>
+      <p:sp>
+        <p:nvSpPr>
+          <p:cNvPr id="4" name="직사각형 3">
+            <a:extLst>
+              <a:ext uri="{FF2B5EF4-FFF2-40B4-BE49-F238E27FC236}">
+                <a16:creationId xmlns:a16="http://schemas.microsoft.com/office/drawing/2014/main" id="{F0599D21-8912-CE14-6B3F-2EBC7AE15D53}"/>
+              </a:ext>
+            </a:extLst>
+          </p:cNvPr>
+          <p:cNvSpPr/>
+          <p:nvPr/>
+        </p:nvSpPr>
+        <p:spPr>
+          <a:xfrm>
+            <a:off x="1792944" y="3447257"/>
+            <a:ext cx="2078272" cy="595992"/>
+          </a:xfrm>
+          <a:prstGeom prst="rect">
+            <a:avLst/>
+          </a:prstGeom>
+          <a:solidFill>
+            <a:schemeClr val="accent2">
+              <a:lumMod val="60000"/>
+              <a:lumOff val="40000"/>
+            </a:schemeClr>
+          </a:solidFill>
+          <a:ln>
+            <a:noFill/>
+          </a:ln>
+        </p:spPr>
+        <p:style>
+          <a:lnRef idx="2">
+            <a:schemeClr val="accent1">
+              <a:shade val="15000"/>
+            </a:schemeClr>
+          </a:lnRef>
+          <a:fillRef idx="1">
+            <a:schemeClr val="accent1"/>
+          </a:fillRef>
+          <a:effectRef idx="0">
+            <a:schemeClr val="accent1"/>
+          </a:effectRef>
+          <a:fontRef idx="minor">
+            <a:schemeClr val="lt1"/>
+          </a:fontRef>
+        </p:style>
+        <p:txBody>
+          <a:bodyPr rtlCol="0" anchor="ctr"/>
+          <a:lstStyle/>
+          <a:p>
+            <a:pPr algn="ctr"/>
+            <a:r>
+              <a:rPr lang="en-US" altLang="ko-KR" dirty="0" err="1">
+                <a:solidFill>
+                  <a:schemeClr val="tx1"/>
+                </a:solidFill>
+              </a:rPr>
+              <a:t>KSB_Server_TCP</a:t>
+            </a:r>
+            <a:endParaRPr lang="ko-KR" altLang="en-US" dirty="0">
+              <a:solidFill>
+                <a:schemeClr val="tx1"/>
+              </a:solidFill>
+            </a:endParaRPr>
+          </a:p>
+        </p:txBody>
+      </p:sp>
+      <p:sp>
+        <p:nvSpPr>
+          <p:cNvPr id="5" name="직사각형 4">
+            <a:extLst>
+              <a:ext uri="{FF2B5EF4-FFF2-40B4-BE49-F238E27FC236}">
+                <a16:creationId xmlns:a16="http://schemas.microsoft.com/office/drawing/2014/main" id="{55208485-1D6E-7E27-010B-AC5EE5DC7983}"/>
+              </a:ext>
+            </a:extLst>
+          </p:cNvPr>
+          <p:cNvSpPr/>
+          <p:nvPr/>
+        </p:nvSpPr>
+        <p:spPr>
+          <a:xfrm>
+            <a:off x="8348340" y="3447257"/>
+            <a:ext cx="2078272" cy="595992"/>
+          </a:xfrm>
+          <a:prstGeom prst="rect">
+            <a:avLst/>
+          </a:prstGeom>
+          <a:solidFill>
+            <a:schemeClr val="accent2">
+              <a:lumMod val="60000"/>
+              <a:lumOff val="40000"/>
+            </a:schemeClr>
+          </a:solidFill>
+          <a:ln>
+            <a:noFill/>
+          </a:ln>
+        </p:spPr>
+        <p:style>
+          <a:lnRef idx="2">
+            <a:schemeClr val="accent1">
+              <a:shade val="15000"/>
+            </a:schemeClr>
+          </a:lnRef>
+          <a:fillRef idx="1">
+            <a:schemeClr val="accent1"/>
+          </a:fillRef>
+          <a:effectRef idx="0">
+            <a:schemeClr val="accent1"/>
+          </a:effectRef>
+          <a:fontRef idx="minor">
+            <a:schemeClr val="lt1"/>
+          </a:fontRef>
+        </p:style>
+        <p:txBody>
+          <a:bodyPr rtlCol="0" anchor="ctr"/>
+          <a:lstStyle/>
+          <a:p>
+            <a:pPr algn="ctr"/>
+            <a:r>
+              <a:rPr lang="en-US" altLang="ko-KR" dirty="0" err="1">
+                <a:solidFill>
+                  <a:schemeClr val="tx1"/>
+                </a:solidFill>
+              </a:rPr>
+              <a:t>KSB_Client_TCP</a:t>
+            </a:r>
+            <a:endParaRPr lang="ko-KR" altLang="en-US" dirty="0">
+              <a:solidFill>
+                <a:schemeClr val="tx1"/>
+              </a:solidFill>
+            </a:endParaRPr>
+          </a:p>
+        </p:txBody>
+      </p:sp>
+      <p:sp>
+        <p:nvSpPr>
+          <p:cNvPr id="6" name="직사각형 5">
+            <a:extLst>
+              <a:ext uri="{FF2B5EF4-FFF2-40B4-BE49-F238E27FC236}">
+                <a16:creationId xmlns:a16="http://schemas.microsoft.com/office/drawing/2014/main" id="{FA1A5261-FECB-F67A-DDCB-C7DD21E3A9FC}"/>
+              </a:ext>
+            </a:extLst>
+          </p:cNvPr>
+          <p:cNvSpPr/>
+          <p:nvPr/>
+        </p:nvSpPr>
+        <p:spPr>
+          <a:xfrm>
+            <a:off x="1792944" y="4374106"/>
+            <a:ext cx="2078272" cy="595992"/>
+          </a:xfrm>
+          <a:prstGeom prst="rect">
+            <a:avLst/>
+          </a:prstGeom>
+          <a:solidFill>
+            <a:schemeClr val="accent2">
+              <a:lumMod val="60000"/>
+              <a:lumOff val="40000"/>
+            </a:schemeClr>
+          </a:solidFill>
+          <a:ln>
+            <a:noFill/>
+          </a:ln>
+        </p:spPr>
+        <p:style>
+          <a:lnRef idx="2">
+            <a:schemeClr val="accent1">
+              <a:shade val="15000"/>
+            </a:schemeClr>
+          </a:lnRef>
+          <a:fillRef idx="1">
+            <a:schemeClr val="accent1"/>
+          </a:fillRef>
+          <a:effectRef idx="0">
+            <a:schemeClr val="accent1"/>
+          </a:effectRef>
+          <a:fontRef idx="minor">
+            <a:schemeClr val="lt1"/>
+          </a:fontRef>
+        </p:style>
+        <p:txBody>
+          <a:bodyPr rtlCol="0" anchor="ctr"/>
+          <a:lstStyle/>
+          <a:p>
+            <a:pPr algn="ctr"/>
+            <a:r>
+              <a:rPr lang="en-US" altLang="ko-KR" dirty="0" err="1">
+                <a:solidFill>
+                  <a:schemeClr val="tx1"/>
+                </a:solidFill>
+              </a:rPr>
+              <a:t>ServerSocket</a:t>
+            </a:r>
+            <a:endParaRPr lang="en-US" altLang="ko-KR" dirty="0">
+              <a:solidFill>
+                <a:schemeClr val="tx1"/>
+              </a:solidFill>
+            </a:endParaRPr>
+          </a:p>
+        </p:txBody>
+      </p:sp>
+      <p:sp>
+        <p:nvSpPr>
+          <p:cNvPr id="7" name="직사각형 6">
+            <a:extLst>
+              <a:ext uri="{FF2B5EF4-FFF2-40B4-BE49-F238E27FC236}">
+                <a16:creationId xmlns:a16="http://schemas.microsoft.com/office/drawing/2014/main" id="{9288950B-FA97-D0AF-26C5-20D9C3F1852B}"/>
+              </a:ext>
+            </a:extLst>
+          </p:cNvPr>
+          <p:cNvSpPr/>
+          <p:nvPr/>
+        </p:nvSpPr>
+        <p:spPr>
+          <a:xfrm>
+            <a:off x="3840703" y="1793791"/>
+            <a:ext cx="2078272" cy="595992"/>
+          </a:xfrm>
+          <a:prstGeom prst="rect">
+            <a:avLst/>
+          </a:prstGeom>
+          <a:solidFill>
+            <a:schemeClr val="accent2">
+              <a:lumMod val="60000"/>
+              <a:lumOff val="40000"/>
+            </a:schemeClr>
+          </a:solidFill>
+          <a:ln>
+            <a:noFill/>
+          </a:ln>
+        </p:spPr>
+        <p:style>
+          <a:lnRef idx="2">
+            <a:schemeClr val="accent1">
+              <a:shade val="15000"/>
+            </a:schemeClr>
+          </a:lnRef>
+          <a:fillRef idx="1">
+            <a:schemeClr val="accent1"/>
+          </a:fillRef>
+          <a:effectRef idx="0">
+            <a:schemeClr val="accent1"/>
+          </a:effectRef>
+          <a:fontRef idx="minor">
+            <a:schemeClr val="lt1"/>
+          </a:fontRef>
+        </p:style>
+        <p:txBody>
+          <a:bodyPr rtlCol="0" anchor="ctr"/>
+          <a:lstStyle/>
+          <a:p>
+            <a:pPr algn="ctr"/>
+            <a:r>
+              <a:rPr lang="en-US" altLang="ko-KR" dirty="0">
+                <a:solidFill>
+                  <a:schemeClr val="tx1"/>
+                </a:solidFill>
+              </a:rPr>
+              <a:t>Protocols</a:t>
+            </a:r>
+          </a:p>
+        </p:txBody>
+      </p:sp>
+      <p:sp>
+        <p:nvSpPr>
+          <p:cNvPr id="8" name="직사각형 7">
+            <a:extLst>
+              <a:ext uri="{FF2B5EF4-FFF2-40B4-BE49-F238E27FC236}">
+                <a16:creationId xmlns:a16="http://schemas.microsoft.com/office/drawing/2014/main" id="{684945C8-C7C0-4054-C568-D6A89F5C77E4}"/>
+              </a:ext>
+            </a:extLst>
+          </p:cNvPr>
+          <p:cNvSpPr/>
+          <p:nvPr/>
+        </p:nvSpPr>
+        <p:spPr>
+          <a:xfrm>
+            <a:off x="6270068" y="1793791"/>
+            <a:ext cx="2078272" cy="595992"/>
+          </a:xfrm>
+          <a:prstGeom prst="rect">
+            <a:avLst/>
+          </a:prstGeom>
+          <a:solidFill>
+            <a:schemeClr val="accent2">
+              <a:lumMod val="60000"/>
+              <a:lumOff val="40000"/>
+            </a:schemeClr>
+          </a:solidFill>
+          <a:ln>
+            <a:noFill/>
+          </a:ln>
+        </p:spPr>
+        <p:style>
+          <a:lnRef idx="2">
+            <a:schemeClr val="accent1">
+              <a:shade val="15000"/>
+            </a:schemeClr>
+          </a:lnRef>
+          <a:fillRef idx="1">
+            <a:schemeClr val="accent1"/>
+          </a:fillRef>
+          <a:effectRef idx="0">
+            <a:schemeClr val="accent1"/>
+          </a:effectRef>
+          <a:fontRef idx="minor">
+            <a:schemeClr val="lt1"/>
+          </a:fontRef>
+        </p:style>
+        <p:txBody>
+          <a:bodyPr rtlCol="0" anchor="ctr"/>
+          <a:lstStyle/>
+          <a:p>
+            <a:pPr algn="ctr"/>
+            <a:r>
+              <a:rPr lang="en-US" altLang="ko-KR" dirty="0">
+                <a:solidFill>
+                  <a:schemeClr val="tx1"/>
+                </a:solidFill>
+              </a:rPr>
+              <a:t>Encryption</a:t>
+            </a:r>
+          </a:p>
+        </p:txBody>
+      </p:sp>
+      <p:cxnSp>
+        <p:nvCxnSpPr>
+          <p:cNvPr id="10" name="직선 화살표 연결선 9">
+            <a:extLst>
+              <a:ext uri="{FF2B5EF4-FFF2-40B4-BE49-F238E27FC236}">
+                <a16:creationId xmlns:a16="http://schemas.microsoft.com/office/drawing/2014/main" id="{4D92249F-7E87-7E7D-F2A8-05392A49176A}"/>
+              </a:ext>
+            </a:extLst>
+          </p:cNvPr>
+          <p:cNvCxnSpPr>
+            <a:cxnSpLocks/>
+            <a:stCxn id="4" idx="2"/>
+            <a:endCxn id="6" idx="0"/>
+          </p:cNvCxnSpPr>
+          <p:nvPr/>
+        </p:nvCxnSpPr>
+        <p:spPr>
+          <a:xfrm>
+            <a:off x="2832080" y="4043249"/>
+            <a:ext cx="0" cy="330857"/>
+          </a:xfrm>
+          <a:prstGeom prst="straightConnector1">
+            <a:avLst/>
+          </a:prstGeom>
+          <a:ln>
+            <a:solidFill>
+              <a:schemeClr val="tx1"/>
+            </a:solidFill>
+            <a:tailEnd type="triangle"/>
+          </a:ln>
+        </p:spPr>
+        <p:style>
+          <a:lnRef idx="1">
+            <a:schemeClr val="accent1"/>
+          </a:lnRef>
+          <a:fillRef idx="0">
+            <a:schemeClr val="accent1"/>
+          </a:fillRef>
+          <a:effectRef idx="0">
+            <a:schemeClr val="accent1"/>
+          </a:effectRef>
+          <a:fontRef idx="minor">
+            <a:schemeClr val="tx1"/>
+          </a:fontRef>
+        </p:style>
+      </p:cxnSp>
+      <p:cxnSp>
+        <p:nvCxnSpPr>
+          <p:cNvPr id="11" name="직선 화살표 연결선 10">
+            <a:extLst>
+              <a:ext uri="{FF2B5EF4-FFF2-40B4-BE49-F238E27FC236}">
+                <a16:creationId xmlns:a16="http://schemas.microsoft.com/office/drawing/2014/main" id="{E255A436-B0B0-960F-A528-4BBF1AA1B16B}"/>
+              </a:ext>
+            </a:extLst>
+          </p:cNvPr>
+          <p:cNvCxnSpPr>
+            <a:cxnSpLocks/>
+            <a:stCxn id="6" idx="3"/>
+            <a:endCxn id="7" idx="2"/>
+          </p:cNvCxnSpPr>
+          <p:nvPr/>
+        </p:nvCxnSpPr>
+        <p:spPr>
+          <a:xfrm flipV="1">
+            <a:off x="3871216" y="2389783"/>
+            <a:ext cx="1008623" cy="2282319"/>
+          </a:xfrm>
+          <a:prstGeom prst="straightConnector1">
+            <a:avLst/>
+          </a:prstGeom>
+          <a:ln>
+            <a:solidFill>
+              <a:schemeClr val="tx1"/>
+            </a:solidFill>
+            <a:tailEnd type="triangle"/>
+          </a:ln>
+        </p:spPr>
+        <p:style>
+          <a:lnRef idx="1">
+            <a:schemeClr val="accent1"/>
+          </a:lnRef>
+          <a:fillRef idx="0">
+            <a:schemeClr val="accent1"/>
+          </a:fillRef>
+          <a:effectRef idx="0">
+            <a:schemeClr val="accent1"/>
+          </a:effectRef>
+          <a:fontRef idx="minor">
+            <a:schemeClr val="tx1"/>
+          </a:fontRef>
+        </p:style>
+      </p:cxnSp>
+      <p:cxnSp>
+        <p:nvCxnSpPr>
+          <p:cNvPr id="16" name="직선 화살표 연결선 15">
+            <a:extLst>
+              <a:ext uri="{FF2B5EF4-FFF2-40B4-BE49-F238E27FC236}">
+                <a16:creationId xmlns:a16="http://schemas.microsoft.com/office/drawing/2014/main" id="{4558283D-DB91-B09F-B561-9806137387A9}"/>
+              </a:ext>
+            </a:extLst>
+          </p:cNvPr>
+          <p:cNvCxnSpPr>
+            <a:cxnSpLocks/>
+            <a:stCxn id="6" idx="3"/>
+            <a:endCxn id="8" idx="2"/>
+          </p:cNvCxnSpPr>
+          <p:nvPr/>
+        </p:nvCxnSpPr>
+        <p:spPr>
+          <a:xfrm flipV="1">
+            <a:off x="3871216" y="2389783"/>
+            <a:ext cx="3437988" cy="2282319"/>
+          </a:xfrm>
+          <a:prstGeom prst="straightConnector1">
+            <a:avLst/>
+          </a:prstGeom>
+          <a:ln>
+            <a:solidFill>
+              <a:schemeClr val="tx1"/>
+            </a:solidFill>
+            <a:tailEnd type="triangle"/>
+          </a:ln>
+        </p:spPr>
+        <p:style>
+          <a:lnRef idx="1">
+            <a:schemeClr val="accent1"/>
+          </a:lnRef>
+          <a:fillRef idx="0">
+            <a:schemeClr val="accent1"/>
+          </a:fillRef>
+          <a:effectRef idx="0">
+            <a:schemeClr val="accent1"/>
+          </a:effectRef>
+          <a:fontRef idx="minor">
+            <a:schemeClr val="tx1"/>
+          </a:fontRef>
+        </p:style>
+      </p:cxnSp>
+      <p:cxnSp>
+        <p:nvCxnSpPr>
+          <p:cNvPr id="19" name="직선 화살표 연결선 18">
+            <a:extLst>
+              <a:ext uri="{FF2B5EF4-FFF2-40B4-BE49-F238E27FC236}">
+                <a16:creationId xmlns:a16="http://schemas.microsoft.com/office/drawing/2014/main" id="{F2651C19-F3B4-9157-4E63-5CF0A9086122}"/>
+              </a:ext>
+            </a:extLst>
+          </p:cNvPr>
+          <p:cNvCxnSpPr>
+            <a:cxnSpLocks/>
+            <a:stCxn id="5" idx="1"/>
+            <a:endCxn id="8" idx="2"/>
+          </p:cNvCxnSpPr>
+          <p:nvPr/>
+        </p:nvCxnSpPr>
+        <p:spPr>
+          <a:xfrm flipH="1" flipV="1">
+            <a:off x="7309204" y="2389783"/>
+            <a:ext cx="1039136" cy="1355470"/>
+          </a:xfrm>
+          <a:prstGeom prst="straightConnector1">
+            <a:avLst/>
+          </a:prstGeom>
+          <a:ln>
+            <a:solidFill>
+              <a:schemeClr val="tx1"/>
+            </a:solidFill>
+            <a:tailEnd type="triangle"/>
+          </a:ln>
+        </p:spPr>
+        <p:style>
+          <a:lnRef idx="1">
+            <a:schemeClr val="accent1"/>
+          </a:lnRef>
+          <a:fillRef idx="0">
+            <a:schemeClr val="accent1"/>
+          </a:fillRef>
+          <a:effectRef idx="0">
+            <a:schemeClr val="accent1"/>
+          </a:effectRef>
+          <a:fontRef idx="minor">
+            <a:schemeClr val="tx1"/>
+          </a:fontRef>
+        </p:style>
+      </p:cxnSp>
+      <p:cxnSp>
+        <p:nvCxnSpPr>
+          <p:cNvPr id="23" name="직선 화살표 연결선 22">
+            <a:extLst>
+              <a:ext uri="{FF2B5EF4-FFF2-40B4-BE49-F238E27FC236}">
+                <a16:creationId xmlns:a16="http://schemas.microsoft.com/office/drawing/2014/main" id="{25ABB8AB-2822-0EB7-2604-2355116EF3C1}"/>
+              </a:ext>
+            </a:extLst>
+          </p:cNvPr>
+          <p:cNvCxnSpPr>
+            <a:cxnSpLocks/>
+            <a:stCxn id="5" idx="1"/>
+            <a:endCxn id="7" idx="2"/>
+          </p:cNvCxnSpPr>
+          <p:nvPr/>
+        </p:nvCxnSpPr>
+        <p:spPr>
+          <a:xfrm flipH="1" flipV="1">
+            <a:off x="4879839" y="2389783"/>
+            <a:ext cx="3468501" cy="1355470"/>
+          </a:xfrm>
+          <a:prstGeom prst="straightConnector1">
+            <a:avLst/>
+          </a:prstGeom>
+          <a:ln>
+            <a:solidFill>
+              <a:schemeClr val="tx1"/>
+            </a:solidFill>
+            <a:tailEnd type="triangle"/>
+          </a:ln>
+        </p:spPr>
+        <p:style>
+          <a:lnRef idx="1">
+            <a:schemeClr val="accent1"/>
+          </a:lnRef>
+          <a:fillRef idx="0">
+            <a:schemeClr val="accent1"/>
+          </a:fillRef>
+          <a:effectRef idx="0">
+            <a:schemeClr val="accent1"/>
+          </a:effectRef>
+          <a:fontRef idx="minor">
+            <a:schemeClr val="tx1"/>
+          </a:fontRef>
+        </p:style>
+      </p:cxnSp>
+    </p:spTree>
+    <p:extLst>
+      <p:ext uri="{BB962C8B-B14F-4D97-AF65-F5344CB8AC3E}">
+        <p14:creationId xmlns:p14="http://schemas.microsoft.com/office/powerpoint/2010/main" val="3387098966"/>
+      </p:ext>
+    </p:extLst>
+  </p:cSld>
+  <p:clrMapOvr>
+    <a:masterClrMapping/>
+  </p:clrMapOvr>
+</p:sld>
+</file>
+
+<file path=ppt/slides/slide3.xml><?xml version="1.0" encoding="utf-8"?>
+<p:sld xmlns:a="http://schemas.openxmlformats.org/drawingml/2006/main" xmlns:r="http://schemas.openxmlformats.org/officeDocument/2006/relationships" xmlns:p="http://schemas.openxmlformats.org/presentationml/2006/main">
+  <p:cSld>
+    <p:spTree>
+      <p:nvGrpSpPr>
+        <p:cNvPr id="1" name="">
+          <a:extLst>
+            <a:ext uri="{FF2B5EF4-FFF2-40B4-BE49-F238E27FC236}">
+              <a16:creationId xmlns:a16="http://schemas.microsoft.com/office/drawing/2014/main" id="{89472749-6E51-0C1E-5DB7-70A93ABF0BDD}"/>
+            </a:ext>
+          </a:extLst>
+        </p:cNvPr>
+        <p:cNvGrpSpPr/>
+        <p:nvPr/>
+      </p:nvGrpSpPr>
+      <p:grpSpPr>
+        <a:xfrm>
+          <a:off x="0" y="0"/>
+          <a:ext cx="0" cy="0"/>
+          <a:chOff x="0" y="0"/>
+          <a:chExt cx="0" cy="0"/>
+        </a:xfrm>
+      </p:grpSpPr>
+      <p:sp>
+        <p:nvSpPr>
+          <p:cNvPr id="2" name="제목 1">
+            <a:extLst>
+              <a:ext uri="{FF2B5EF4-FFF2-40B4-BE49-F238E27FC236}">
+                <a16:creationId xmlns:a16="http://schemas.microsoft.com/office/drawing/2014/main" id="{175D7B52-9DD9-426F-7AFF-9FE5C9B185F1}"/>
+              </a:ext>
+            </a:extLst>
+          </p:cNvPr>
+          <p:cNvSpPr>
+            <a:spLocks noGrp="1"/>
+          </p:cNvSpPr>
+          <p:nvPr>
+            <p:ph type="title"/>
+          </p:nvPr>
+        </p:nvSpPr>
+        <p:spPr>
+          <a:xfrm>
+            <a:off x="-1" y="0"/>
+            <a:ext cx="3533313" cy="516835"/>
+          </a:xfrm>
+        </p:spPr>
+        <p:txBody>
+          <a:bodyPr>
+            <a:normAutofit/>
+          </a:bodyPr>
+          <a:lstStyle/>
+          <a:p>
+            <a:r>
+              <a:rPr lang="ko-KR" altLang="en-US" dirty="0"/>
+              <a:t>라이브러리 내부 클래스</a:t>
+            </a:r>
+          </a:p>
+        </p:txBody>
+      </p:sp>
+      <p:sp>
+        <p:nvSpPr>
+          <p:cNvPr id="4" name="직사각형 3">
+            <a:extLst>
+              <a:ext uri="{FF2B5EF4-FFF2-40B4-BE49-F238E27FC236}">
+                <a16:creationId xmlns:a16="http://schemas.microsoft.com/office/drawing/2014/main" id="{791221D1-4EC7-768B-1942-DEA73BF9E3D6}"/>
+              </a:ext>
+            </a:extLst>
+          </p:cNvPr>
+          <p:cNvSpPr/>
+          <p:nvPr/>
+        </p:nvSpPr>
+        <p:spPr>
+          <a:xfrm>
+            <a:off x="612213" y="1742744"/>
+            <a:ext cx="2078272" cy="595992"/>
+          </a:xfrm>
+          <a:prstGeom prst="rect">
+            <a:avLst/>
+          </a:prstGeom>
+          <a:solidFill>
+            <a:schemeClr val="accent2">
+              <a:lumMod val="60000"/>
+              <a:lumOff val="40000"/>
+            </a:schemeClr>
+          </a:solidFill>
+          <a:ln>
+            <a:noFill/>
+          </a:ln>
+        </p:spPr>
+        <p:style>
+          <a:lnRef idx="2">
+            <a:schemeClr val="accent1">
+              <a:shade val="15000"/>
+            </a:schemeClr>
+          </a:lnRef>
+          <a:fillRef idx="1">
+            <a:schemeClr val="accent1"/>
+          </a:fillRef>
+          <a:effectRef idx="0">
+            <a:schemeClr val="accent1"/>
+          </a:effectRef>
+          <a:fontRef idx="minor">
+            <a:schemeClr val="lt1"/>
+          </a:fontRef>
+        </p:style>
+        <p:txBody>
+          <a:bodyPr rtlCol="0" anchor="ctr"/>
+          <a:lstStyle/>
+          <a:p>
+            <a:pPr algn="ctr"/>
+            <a:r>
+              <a:rPr lang="en-US" altLang="ko-KR" dirty="0" err="1">
+                <a:solidFill>
+                  <a:schemeClr val="tx1"/>
+                </a:solidFill>
+              </a:rPr>
+              <a:t>KSB_Server_TCP</a:t>
+            </a:r>
+            <a:endParaRPr lang="ko-KR" altLang="en-US" dirty="0">
+              <a:solidFill>
+                <a:schemeClr val="tx1"/>
+              </a:solidFill>
+            </a:endParaRPr>
+          </a:p>
+        </p:txBody>
+      </p:sp>
+      <p:sp>
+        <p:nvSpPr>
+          <p:cNvPr id="5" name="직사각형 4">
+            <a:extLst>
+              <a:ext uri="{FF2B5EF4-FFF2-40B4-BE49-F238E27FC236}">
+                <a16:creationId xmlns:a16="http://schemas.microsoft.com/office/drawing/2014/main" id="{C2D02126-2796-4AD2-72C2-D80D3DCD5FD6}"/>
+              </a:ext>
+            </a:extLst>
+          </p:cNvPr>
+          <p:cNvSpPr/>
+          <p:nvPr/>
+        </p:nvSpPr>
+        <p:spPr>
+          <a:xfrm>
+            <a:off x="4379827" y="1742744"/>
+            <a:ext cx="2078272" cy="595992"/>
+          </a:xfrm>
+          <a:prstGeom prst="rect">
+            <a:avLst/>
+          </a:prstGeom>
+          <a:solidFill>
+            <a:schemeClr val="accent2">
+              <a:lumMod val="60000"/>
+              <a:lumOff val="40000"/>
+            </a:schemeClr>
+          </a:solidFill>
+          <a:ln>
+            <a:noFill/>
+          </a:ln>
+        </p:spPr>
+        <p:style>
+          <a:lnRef idx="2">
+            <a:schemeClr val="accent1">
+              <a:shade val="15000"/>
+            </a:schemeClr>
+          </a:lnRef>
+          <a:fillRef idx="1">
+            <a:schemeClr val="accent1"/>
+          </a:fillRef>
+          <a:effectRef idx="0">
+            <a:schemeClr val="accent1"/>
+          </a:effectRef>
+          <a:fontRef idx="minor">
+            <a:schemeClr val="lt1"/>
+          </a:fontRef>
+        </p:style>
+        <p:txBody>
+          <a:bodyPr rtlCol="0" anchor="ctr"/>
+          <a:lstStyle/>
+          <a:p>
+            <a:pPr algn="ctr"/>
+            <a:r>
+              <a:rPr lang="en-US" altLang="ko-KR" dirty="0" err="1">
+                <a:solidFill>
+                  <a:schemeClr val="tx1"/>
+                </a:solidFill>
+              </a:rPr>
+              <a:t>ServerSocket</a:t>
+            </a:r>
+            <a:endParaRPr lang="en-US" altLang="ko-KR" dirty="0">
+              <a:solidFill>
+                <a:schemeClr val="tx1"/>
+              </a:solidFill>
+            </a:endParaRPr>
+          </a:p>
+        </p:txBody>
+      </p:sp>
+      <p:sp>
+        <p:nvSpPr>
+          <p:cNvPr id="7" name="직사각형 6">
+            <a:extLst>
+              <a:ext uri="{FF2B5EF4-FFF2-40B4-BE49-F238E27FC236}">
+                <a16:creationId xmlns:a16="http://schemas.microsoft.com/office/drawing/2014/main" id="{9C3C69C0-9071-5C80-8B36-4485803D87F2}"/>
+              </a:ext>
+            </a:extLst>
+          </p:cNvPr>
+          <p:cNvSpPr/>
+          <p:nvPr/>
+        </p:nvSpPr>
+        <p:spPr>
+          <a:xfrm>
+            <a:off x="2139622" y="2701764"/>
+            <a:ext cx="2078272" cy="595992"/>
+          </a:xfrm>
+          <a:prstGeom prst="rect">
+            <a:avLst/>
+          </a:prstGeom>
+          <a:solidFill>
+            <a:schemeClr val="accent4">
+              <a:lumMod val="40000"/>
+              <a:lumOff val="60000"/>
+            </a:schemeClr>
+          </a:solidFill>
+          <a:ln>
+            <a:noFill/>
+          </a:ln>
+        </p:spPr>
+        <p:style>
+          <a:lnRef idx="2">
+            <a:schemeClr val="accent1">
+              <a:shade val="15000"/>
+            </a:schemeClr>
+          </a:lnRef>
+          <a:fillRef idx="1">
+            <a:schemeClr val="accent1"/>
+          </a:fillRef>
+          <a:effectRef idx="0">
+            <a:schemeClr val="accent1"/>
+          </a:effectRef>
+          <a:fontRef idx="minor">
+            <a:schemeClr val="lt1"/>
+          </a:fontRef>
+        </p:style>
+        <p:txBody>
+          <a:bodyPr rtlCol="0" anchor="ctr"/>
+          <a:lstStyle/>
+          <a:p>
+            <a:pPr algn="ctr"/>
+            <a:r>
+              <a:rPr lang="en-US" altLang="ko-KR" dirty="0">
+                <a:solidFill>
+                  <a:schemeClr val="tx1"/>
+                </a:solidFill>
+              </a:rPr>
+              <a:t>Main</a:t>
+            </a:r>
+            <a:endParaRPr lang="ko-KR" altLang="en-US" dirty="0">
+              <a:solidFill>
+                <a:schemeClr val="tx1"/>
+              </a:solidFill>
+            </a:endParaRPr>
+          </a:p>
+        </p:txBody>
+      </p:sp>
+      <p:cxnSp>
+        <p:nvCxnSpPr>
+          <p:cNvPr id="9" name="연결선: 꺾임 8">
+            <a:extLst>
+              <a:ext uri="{FF2B5EF4-FFF2-40B4-BE49-F238E27FC236}">
+                <a16:creationId xmlns:a16="http://schemas.microsoft.com/office/drawing/2014/main" id="{70AB4974-61AC-5D30-40B8-90936A3991A6}"/>
+              </a:ext>
+            </a:extLst>
+          </p:cNvPr>
+          <p:cNvCxnSpPr>
+            <a:stCxn id="4" idx="2"/>
+            <a:endCxn id="7" idx="1"/>
+          </p:cNvCxnSpPr>
+          <p:nvPr/>
+        </p:nvCxnSpPr>
+        <p:spPr>
+          <a:xfrm rot="16200000" flipH="1">
+            <a:off x="1564973" y="2425111"/>
+            <a:ext cx="661024" cy="488273"/>
+          </a:xfrm>
+          <a:prstGeom prst="bentConnector2">
+            <a:avLst/>
+          </a:prstGeom>
+          <a:ln>
+            <a:solidFill>
+              <a:schemeClr val="tx1"/>
+            </a:solidFill>
+          </a:ln>
+        </p:spPr>
+        <p:style>
+          <a:lnRef idx="1">
+            <a:schemeClr val="accent1"/>
+          </a:lnRef>
+          <a:fillRef idx="0">
+            <a:schemeClr val="accent1"/>
+          </a:fillRef>
+          <a:effectRef idx="0">
+            <a:schemeClr val="accent1"/>
+          </a:effectRef>
+          <a:fontRef idx="minor">
+            <a:schemeClr val="tx1"/>
+          </a:fontRef>
+        </p:style>
+      </p:cxnSp>
+      <p:sp>
+        <p:nvSpPr>
+          <p:cNvPr id="12" name="직사각형 11">
+            <a:extLst>
+              <a:ext uri="{FF2B5EF4-FFF2-40B4-BE49-F238E27FC236}">
+                <a16:creationId xmlns:a16="http://schemas.microsoft.com/office/drawing/2014/main" id="{5598BA1D-10D9-D0FE-A2E3-DA6CD0D0A195}"/>
+              </a:ext>
+            </a:extLst>
+          </p:cNvPr>
+          <p:cNvSpPr/>
+          <p:nvPr/>
+        </p:nvSpPr>
+        <p:spPr>
+          <a:xfrm>
+            <a:off x="5907236" y="2701764"/>
+            <a:ext cx="2078272" cy="595992"/>
+          </a:xfrm>
+          <a:prstGeom prst="rect">
+            <a:avLst/>
+          </a:prstGeom>
+          <a:solidFill>
+            <a:schemeClr val="accent4">
+              <a:lumMod val="40000"/>
+              <a:lumOff val="60000"/>
+            </a:schemeClr>
+          </a:solidFill>
+          <a:ln>
+            <a:noFill/>
+          </a:ln>
+        </p:spPr>
+        <p:style>
+          <a:lnRef idx="2">
+            <a:schemeClr val="accent1">
+              <a:shade val="15000"/>
+            </a:schemeClr>
+          </a:lnRef>
+          <a:fillRef idx="1">
+            <a:schemeClr val="accent1"/>
+          </a:fillRef>
+          <a:effectRef idx="0">
+            <a:schemeClr val="accent1"/>
+          </a:effectRef>
+          <a:fontRef idx="minor">
+            <a:schemeClr val="lt1"/>
+          </a:fontRef>
+        </p:style>
+        <p:txBody>
+          <a:bodyPr rtlCol="0" anchor="ctr"/>
+          <a:lstStyle/>
+          <a:p>
+            <a:pPr algn="ctr"/>
+            <a:r>
+              <a:rPr lang="en-US" altLang="ko-KR" dirty="0" err="1">
+                <a:solidFill>
+                  <a:schemeClr val="tx1"/>
+                </a:solidFill>
+              </a:rPr>
+              <a:t>RootServer</a:t>
+            </a:r>
+            <a:endParaRPr lang="ko-KR" altLang="en-US" dirty="0">
+              <a:solidFill>
+                <a:schemeClr val="tx1"/>
+              </a:solidFill>
+            </a:endParaRPr>
+          </a:p>
+        </p:txBody>
+      </p:sp>
+      <p:cxnSp>
+        <p:nvCxnSpPr>
+          <p:cNvPr id="13" name="연결선: 꺾임 12">
+            <a:extLst>
+              <a:ext uri="{FF2B5EF4-FFF2-40B4-BE49-F238E27FC236}">
+                <a16:creationId xmlns:a16="http://schemas.microsoft.com/office/drawing/2014/main" id="{F03CAED1-58BC-542F-76A6-66BCA07D817D}"/>
+              </a:ext>
+            </a:extLst>
+          </p:cNvPr>
+          <p:cNvCxnSpPr>
+            <a:cxnSpLocks/>
+            <a:stCxn id="5" idx="2"/>
+            <a:endCxn id="12" idx="1"/>
+          </p:cNvCxnSpPr>
+          <p:nvPr/>
+        </p:nvCxnSpPr>
+        <p:spPr>
+          <a:xfrm rot="16200000" flipH="1">
+            <a:off x="5332587" y="2425111"/>
+            <a:ext cx="661024" cy="488273"/>
+          </a:xfrm>
+          <a:prstGeom prst="bentConnector2">
+            <a:avLst/>
+          </a:prstGeom>
+          <a:ln>
+            <a:solidFill>
+              <a:schemeClr val="tx1"/>
+            </a:solidFill>
+          </a:ln>
+        </p:spPr>
+        <p:style>
+          <a:lnRef idx="1">
+            <a:schemeClr val="accent1"/>
+          </a:lnRef>
+          <a:fillRef idx="0">
+            <a:schemeClr val="accent1"/>
+          </a:fillRef>
+          <a:effectRef idx="0">
+            <a:schemeClr val="accent1"/>
+          </a:effectRef>
+          <a:fontRef idx="minor">
+            <a:schemeClr val="tx1"/>
+          </a:fontRef>
+        </p:style>
+      </p:cxnSp>
+      <p:cxnSp>
+        <p:nvCxnSpPr>
+          <p:cNvPr id="15" name="연결선: 꺾임 14">
+            <a:extLst>
+              <a:ext uri="{FF2B5EF4-FFF2-40B4-BE49-F238E27FC236}">
+                <a16:creationId xmlns:a16="http://schemas.microsoft.com/office/drawing/2014/main" id="{0B503902-9A55-2456-5AF6-ACDF2C304764}"/>
+              </a:ext>
+            </a:extLst>
+          </p:cNvPr>
+          <p:cNvCxnSpPr>
+            <a:cxnSpLocks/>
+            <a:stCxn id="5" idx="2"/>
+            <a:endCxn id="18" idx="1"/>
+          </p:cNvCxnSpPr>
+          <p:nvPr/>
+        </p:nvCxnSpPr>
+        <p:spPr>
+          <a:xfrm rot="16200000" flipH="1">
+            <a:off x="4853077" y="2904621"/>
+            <a:ext cx="1620045" cy="488273"/>
+          </a:xfrm>
+          <a:prstGeom prst="bentConnector2">
+            <a:avLst/>
+          </a:prstGeom>
+          <a:ln>
+            <a:solidFill>
+              <a:schemeClr val="tx1"/>
+            </a:solidFill>
+          </a:ln>
+        </p:spPr>
+        <p:style>
+          <a:lnRef idx="1">
+            <a:schemeClr val="accent1"/>
+          </a:lnRef>
+          <a:fillRef idx="0">
+            <a:schemeClr val="accent1"/>
+          </a:fillRef>
+          <a:effectRef idx="0">
+            <a:schemeClr val="accent1"/>
+          </a:effectRef>
+          <a:fontRef idx="minor">
+            <a:schemeClr val="tx1"/>
+          </a:fontRef>
+        </p:style>
+      </p:cxnSp>
+      <p:sp>
+        <p:nvSpPr>
+          <p:cNvPr id="18" name="직사각형 17">
+            <a:extLst>
+              <a:ext uri="{FF2B5EF4-FFF2-40B4-BE49-F238E27FC236}">
+                <a16:creationId xmlns:a16="http://schemas.microsoft.com/office/drawing/2014/main" id="{799703DF-2CF4-B751-3A4C-62030A4E84E3}"/>
+              </a:ext>
+            </a:extLst>
+          </p:cNvPr>
+          <p:cNvSpPr/>
+          <p:nvPr/>
+        </p:nvSpPr>
+        <p:spPr>
+          <a:xfrm>
+            <a:off x="5907236" y="3660785"/>
+            <a:ext cx="2078272" cy="595992"/>
+          </a:xfrm>
+          <a:prstGeom prst="rect">
+            <a:avLst/>
+          </a:prstGeom>
+          <a:solidFill>
+            <a:schemeClr val="accent4">
+              <a:lumMod val="40000"/>
+              <a:lumOff val="60000"/>
+            </a:schemeClr>
+          </a:solidFill>
+          <a:ln>
+            <a:noFill/>
+          </a:ln>
+        </p:spPr>
+        <p:style>
+          <a:lnRef idx="2">
+            <a:schemeClr val="accent1">
+              <a:shade val="15000"/>
+            </a:schemeClr>
+          </a:lnRef>
+          <a:fillRef idx="1">
+            <a:schemeClr val="accent1"/>
+          </a:fillRef>
+          <a:effectRef idx="0">
+            <a:schemeClr val="accent1"/>
+          </a:effectRef>
+          <a:fontRef idx="minor">
+            <a:schemeClr val="lt1"/>
+          </a:fontRef>
+        </p:style>
+        <p:txBody>
+          <a:bodyPr rtlCol="0" anchor="ctr"/>
+          <a:lstStyle/>
+          <a:p>
+            <a:pPr algn="ctr"/>
+            <a:r>
+              <a:rPr lang="en-US" altLang="ko-KR" dirty="0" err="1">
+                <a:solidFill>
+                  <a:schemeClr val="tx1"/>
+                </a:solidFill>
+              </a:rPr>
+              <a:t>ClientHandle</a:t>
+            </a:r>
+            <a:endParaRPr lang="ko-KR" altLang="en-US" dirty="0">
+              <a:solidFill>
+                <a:schemeClr val="tx1"/>
+              </a:solidFill>
+            </a:endParaRPr>
+          </a:p>
+        </p:txBody>
+      </p:sp>
+      <p:sp>
+        <p:nvSpPr>
+          <p:cNvPr id="27" name="직사각형 26">
+            <a:extLst>
+              <a:ext uri="{FF2B5EF4-FFF2-40B4-BE49-F238E27FC236}">
+                <a16:creationId xmlns:a16="http://schemas.microsoft.com/office/drawing/2014/main" id="{EAB2D04F-B1CC-111C-3778-9501C9E89E20}"/>
+              </a:ext>
+            </a:extLst>
+          </p:cNvPr>
+          <p:cNvSpPr/>
+          <p:nvPr/>
+        </p:nvSpPr>
+        <p:spPr>
+          <a:xfrm>
+            <a:off x="8144243" y="1742742"/>
+            <a:ext cx="2078272" cy="595992"/>
+          </a:xfrm>
+          <a:prstGeom prst="rect">
+            <a:avLst/>
+          </a:prstGeom>
+          <a:solidFill>
+            <a:schemeClr val="accent2">
+              <a:lumMod val="60000"/>
+              <a:lumOff val="40000"/>
+            </a:schemeClr>
+          </a:solidFill>
+          <a:ln>
+            <a:noFill/>
+          </a:ln>
+        </p:spPr>
+        <p:style>
+          <a:lnRef idx="2">
+            <a:schemeClr val="accent1">
+              <a:shade val="15000"/>
+            </a:schemeClr>
+          </a:lnRef>
+          <a:fillRef idx="1">
+            <a:schemeClr val="accent1"/>
+          </a:fillRef>
+          <a:effectRef idx="0">
+            <a:schemeClr val="accent1"/>
+          </a:effectRef>
+          <a:fontRef idx="minor">
+            <a:schemeClr val="lt1"/>
+          </a:fontRef>
+        </p:style>
+        <p:txBody>
+          <a:bodyPr rtlCol="0" anchor="ctr"/>
+          <a:lstStyle/>
+          <a:p>
+            <a:pPr algn="ctr"/>
+            <a:r>
+              <a:rPr lang="en-US" altLang="ko-KR" dirty="0" err="1">
+                <a:solidFill>
+                  <a:schemeClr val="tx1"/>
+                </a:solidFill>
+              </a:rPr>
+              <a:t>KSB_Client_TCP</a:t>
+            </a:r>
+            <a:endParaRPr lang="ko-KR" altLang="en-US" dirty="0">
+              <a:solidFill>
+                <a:schemeClr val="tx1"/>
+              </a:solidFill>
+            </a:endParaRPr>
+          </a:p>
+        </p:txBody>
+      </p:sp>
+      <p:sp>
+        <p:nvSpPr>
+          <p:cNvPr id="28" name="직사각형 27">
+            <a:extLst>
+              <a:ext uri="{FF2B5EF4-FFF2-40B4-BE49-F238E27FC236}">
+                <a16:creationId xmlns:a16="http://schemas.microsoft.com/office/drawing/2014/main" id="{95D1DE8B-5F13-D4FA-CD66-6DF1F39F04D7}"/>
+              </a:ext>
+            </a:extLst>
+          </p:cNvPr>
+          <p:cNvSpPr/>
+          <p:nvPr/>
+        </p:nvSpPr>
+        <p:spPr>
+          <a:xfrm>
+            <a:off x="9671652" y="2701762"/>
+            <a:ext cx="2078272" cy="595992"/>
+          </a:xfrm>
+          <a:prstGeom prst="rect">
+            <a:avLst/>
+          </a:prstGeom>
+          <a:solidFill>
+            <a:schemeClr val="accent4">
+              <a:lumMod val="40000"/>
+              <a:lumOff val="60000"/>
+            </a:schemeClr>
+          </a:solidFill>
+          <a:ln>
+            <a:noFill/>
+          </a:ln>
+        </p:spPr>
+        <p:style>
+          <a:lnRef idx="2">
+            <a:schemeClr val="accent1">
+              <a:shade val="15000"/>
+            </a:schemeClr>
+          </a:lnRef>
+          <a:fillRef idx="1">
+            <a:schemeClr val="accent1"/>
+          </a:fillRef>
+          <a:effectRef idx="0">
+            <a:schemeClr val="accent1"/>
+          </a:effectRef>
+          <a:fontRef idx="minor">
+            <a:schemeClr val="lt1"/>
+          </a:fontRef>
+        </p:style>
+        <p:txBody>
+          <a:bodyPr rtlCol="0" anchor="ctr"/>
+          <a:lstStyle/>
+          <a:p>
+            <a:pPr algn="ctr"/>
+            <a:r>
+              <a:rPr lang="en-US" altLang="ko-KR" dirty="0">
+                <a:solidFill>
+                  <a:schemeClr val="tx1"/>
+                </a:solidFill>
+              </a:rPr>
+              <a:t>Main</a:t>
+            </a:r>
+            <a:endParaRPr lang="ko-KR" altLang="en-US" dirty="0">
+              <a:solidFill>
+                <a:schemeClr val="tx1"/>
+              </a:solidFill>
+            </a:endParaRPr>
+          </a:p>
+        </p:txBody>
+      </p:sp>
+      <p:cxnSp>
+        <p:nvCxnSpPr>
+          <p:cNvPr id="29" name="연결선: 꺾임 28">
+            <a:extLst>
+              <a:ext uri="{FF2B5EF4-FFF2-40B4-BE49-F238E27FC236}">
+                <a16:creationId xmlns:a16="http://schemas.microsoft.com/office/drawing/2014/main" id="{16BFC8D8-6A7C-48AA-1B05-0D31AB2BB523}"/>
+              </a:ext>
+            </a:extLst>
+          </p:cNvPr>
+          <p:cNvCxnSpPr>
+            <a:stCxn id="27" idx="2"/>
+            <a:endCxn id="28" idx="1"/>
+          </p:cNvCxnSpPr>
+          <p:nvPr/>
+        </p:nvCxnSpPr>
+        <p:spPr>
+          <a:xfrm rot="16200000" flipH="1">
+            <a:off x="9097003" y="2425109"/>
+            <a:ext cx="661024" cy="488273"/>
+          </a:xfrm>
+          <a:prstGeom prst="bentConnector2">
+            <a:avLst/>
+          </a:prstGeom>
+          <a:ln>
+            <a:solidFill>
+              <a:schemeClr val="tx1"/>
+            </a:solidFill>
+          </a:ln>
+        </p:spPr>
+        <p:style>
+          <a:lnRef idx="1">
+            <a:schemeClr val="accent1"/>
+          </a:lnRef>
+          <a:fillRef idx="0">
+            <a:schemeClr val="accent1"/>
+          </a:fillRef>
+          <a:effectRef idx="0">
+            <a:schemeClr val="accent1"/>
+          </a:effectRef>
+          <a:fontRef idx="minor">
+            <a:schemeClr val="tx1"/>
+          </a:fontRef>
+        </p:style>
+      </p:cxnSp>
+    </p:spTree>
+    <p:extLst>
+      <p:ext uri="{BB962C8B-B14F-4D97-AF65-F5344CB8AC3E}">
+        <p14:creationId xmlns:p14="http://schemas.microsoft.com/office/powerpoint/2010/main" val="910952122"/>
+      </p:ext>
+    </p:extLst>
+  </p:cSld>
+  <p:clrMapOvr>
+    <a:masterClrMapping/>
+  </p:clrMapOvr>
+</p:sld>
+</file>
+
+<file path=ppt/slides/slide4.xml><?xml version="1.0" encoding="utf-8"?>
+<p:sld xmlns:a="http://schemas.openxmlformats.org/drawingml/2006/main" xmlns:r="http://schemas.openxmlformats.org/officeDocument/2006/relationships" xmlns:p="http://schemas.openxmlformats.org/presentationml/2006/main">
+  <p:cSld>
+    <p:spTree>
+      <p:nvGrpSpPr>
+        <p:cNvPr id="1" name="">
+          <a:extLst>
+            <a:ext uri="{FF2B5EF4-FFF2-40B4-BE49-F238E27FC236}">
+              <a16:creationId xmlns:a16="http://schemas.microsoft.com/office/drawing/2014/main" id="{40B99B46-9D71-5B94-B8F2-6D55D8B8A06A}"/>
+            </a:ext>
+          </a:extLst>
+        </p:cNvPr>
+        <p:cNvGrpSpPr/>
+        <p:nvPr/>
+      </p:nvGrpSpPr>
+      <p:grpSpPr>
+        <a:xfrm>
+          <a:off x="0" y="0"/>
+          <a:ext cx="0" cy="0"/>
+          <a:chOff x="0" y="0"/>
+          <a:chExt cx="0" cy="0"/>
+        </a:xfrm>
+      </p:grpSpPr>
+      <p:sp>
+        <p:nvSpPr>
+          <p:cNvPr id="2" name="제목 1">
+            <a:extLst>
+              <a:ext uri="{FF2B5EF4-FFF2-40B4-BE49-F238E27FC236}">
+                <a16:creationId xmlns:a16="http://schemas.microsoft.com/office/drawing/2014/main" id="{13FF0D7D-A459-0046-3DED-6D94EB42EE36}"/>
+              </a:ext>
+            </a:extLst>
+          </p:cNvPr>
+          <p:cNvSpPr>
+            <a:spLocks noGrp="1"/>
+          </p:cNvSpPr>
+          <p:nvPr>
+            <p:ph type="title"/>
+          </p:nvPr>
+        </p:nvSpPr>
+        <p:spPr>
+          <a:xfrm>
+            <a:off x="-1" y="0"/>
+            <a:ext cx="3533313" cy="516835"/>
+          </a:xfrm>
+        </p:spPr>
+        <p:txBody>
+          <a:bodyPr>
+            <a:normAutofit/>
+          </a:bodyPr>
+          <a:lstStyle/>
+          <a:p>
+            <a:r>
+              <a:rPr lang="ko-KR" altLang="en-US" dirty="0"/>
+              <a:t>라이브러리 내부 클래스</a:t>
+            </a:r>
+          </a:p>
+        </p:txBody>
+      </p:sp>
+      <p:sp>
+        <p:nvSpPr>
+          <p:cNvPr id="5" name="직사각형 4">
+            <a:extLst>
+              <a:ext uri="{FF2B5EF4-FFF2-40B4-BE49-F238E27FC236}">
+                <a16:creationId xmlns:a16="http://schemas.microsoft.com/office/drawing/2014/main" id="{6B424143-FF9C-3C67-3AD8-CB9FBE275927}"/>
+              </a:ext>
+            </a:extLst>
+          </p:cNvPr>
+          <p:cNvSpPr/>
+          <p:nvPr/>
+        </p:nvSpPr>
+        <p:spPr>
+          <a:xfrm>
+            <a:off x="1193862" y="1742742"/>
+            <a:ext cx="2078272" cy="595992"/>
+          </a:xfrm>
+          <a:prstGeom prst="rect">
+            <a:avLst/>
+          </a:prstGeom>
+          <a:solidFill>
+            <a:schemeClr val="accent2">
+              <a:lumMod val="60000"/>
+              <a:lumOff val="40000"/>
+            </a:schemeClr>
+          </a:solidFill>
+          <a:ln>
+            <a:noFill/>
+          </a:ln>
+        </p:spPr>
+        <p:style>
+          <a:lnRef idx="2">
+            <a:schemeClr val="accent1">
+              <a:shade val="15000"/>
+            </a:schemeClr>
+          </a:lnRef>
+          <a:fillRef idx="1">
+            <a:schemeClr val="accent1"/>
+          </a:fillRef>
+          <a:effectRef idx="0">
+            <a:schemeClr val="accent1"/>
+          </a:effectRef>
+          <a:fontRef idx="minor">
+            <a:schemeClr val="lt1"/>
+          </a:fontRef>
+        </p:style>
+        <p:txBody>
+          <a:bodyPr rtlCol="0" anchor="ctr"/>
+          <a:lstStyle/>
+          <a:p>
+            <a:pPr algn="ctr"/>
+            <a:r>
+              <a:rPr lang="en-US" altLang="ko-KR" dirty="0">
+                <a:solidFill>
+                  <a:schemeClr val="tx1"/>
+                </a:solidFill>
+              </a:rPr>
+              <a:t>Protocols</a:t>
+            </a:r>
+          </a:p>
+        </p:txBody>
+      </p:sp>
+      <p:sp>
+        <p:nvSpPr>
+          <p:cNvPr id="12" name="직사각형 11">
+            <a:extLst>
+              <a:ext uri="{FF2B5EF4-FFF2-40B4-BE49-F238E27FC236}">
+                <a16:creationId xmlns:a16="http://schemas.microsoft.com/office/drawing/2014/main" id="{024A961E-5853-D97E-1BF8-BFE3DB0936B0}"/>
+              </a:ext>
+            </a:extLst>
+          </p:cNvPr>
+          <p:cNvSpPr/>
+          <p:nvPr/>
+        </p:nvSpPr>
+        <p:spPr>
+          <a:xfrm>
+            <a:off x="2721271" y="2701762"/>
+            <a:ext cx="2078272" cy="595992"/>
+          </a:xfrm>
+          <a:prstGeom prst="rect">
+            <a:avLst/>
+          </a:prstGeom>
+          <a:solidFill>
+            <a:schemeClr val="accent4">
+              <a:lumMod val="40000"/>
+              <a:lumOff val="60000"/>
+            </a:schemeClr>
+          </a:solidFill>
+          <a:ln>
+            <a:noFill/>
+          </a:ln>
+        </p:spPr>
+        <p:style>
+          <a:lnRef idx="2">
+            <a:schemeClr val="accent1">
+              <a:shade val="15000"/>
+            </a:schemeClr>
+          </a:lnRef>
+          <a:fillRef idx="1">
+            <a:schemeClr val="accent1"/>
+          </a:fillRef>
+          <a:effectRef idx="0">
+            <a:schemeClr val="accent1"/>
+          </a:effectRef>
+          <a:fontRef idx="minor">
+            <a:schemeClr val="lt1"/>
+          </a:fontRef>
+        </p:style>
+        <p:txBody>
+          <a:bodyPr rtlCol="0" anchor="ctr"/>
+          <a:lstStyle/>
+          <a:p>
+            <a:pPr algn="ctr"/>
+            <a:r>
+              <a:rPr lang="en-US" altLang="ko-KR" dirty="0">
+                <a:solidFill>
+                  <a:schemeClr val="tx1"/>
+                </a:solidFill>
+              </a:rPr>
+              <a:t>Header</a:t>
+            </a:r>
+            <a:endParaRPr lang="ko-KR" altLang="en-US" dirty="0">
+              <a:solidFill>
+                <a:schemeClr val="tx1"/>
+              </a:solidFill>
+            </a:endParaRPr>
+          </a:p>
+        </p:txBody>
+      </p:sp>
+      <p:cxnSp>
+        <p:nvCxnSpPr>
+          <p:cNvPr id="13" name="연결선: 꺾임 12">
+            <a:extLst>
+              <a:ext uri="{FF2B5EF4-FFF2-40B4-BE49-F238E27FC236}">
+                <a16:creationId xmlns:a16="http://schemas.microsoft.com/office/drawing/2014/main" id="{BFC13023-943E-AD16-3ECA-C79AEB4711A9}"/>
+              </a:ext>
+            </a:extLst>
+          </p:cNvPr>
+          <p:cNvCxnSpPr>
+            <a:cxnSpLocks/>
+            <a:stCxn id="5" idx="2"/>
+            <a:endCxn id="12" idx="1"/>
+          </p:cNvCxnSpPr>
+          <p:nvPr/>
+        </p:nvCxnSpPr>
+        <p:spPr>
+          <a:xfrm rot="16200000" flipH="1">
+            <a:off x="2146622" y="2425109"/>
+            <a:ext cx="661024" cy="488273"/>
+          </a:xfrm>
+          <a:prstGeom prst="bentConnector2">
+            <a:avLst/>
+          </a:prstGeom>
+          <a:ln>
+            <a:solidFill>
+              <a:schemeClr val="tx1"/>
+            </a:solidFill>
+          </a:ln>
+        </p:spPr>
+        <p:style>
+          <a:lnRef idx="1">
+            <a:schemeClr val="accent1"/>
+          </a:lnRef>
+          <a:fillRef idx="0">
+            <a:schemeClr val="accent1"/>
+          </a:fillRef>
+          <a:effectRef idx="0">
+            <a:schemeClr val="accent1"/>
+          </a:effectRef>
+          <a:fontRef idx="minor">
+            <a:schemeClr val="tx1"/>
+          </a:fontRef>
+        </p:style>
+      </p:cxnSp>
+      <p:cxnSp>
+        <p:nvCxnSpPr>
+          <p:cNvPr id="15" name="연결선: 꺾임 14">
+            <a:extLst>
+              <a:ext uri="{FF2B5EF4-FFF2-40B4-BE49-F238E27FC236}">
+                <a16:creationId xmlns:a16="http://schemas.microsoft.com/office/drawing/2014/main" id="{06067227-2889-FC19-3A2F-BA51DE5BEE33}"/>
+              </a:ext>
+            </a:extLst>
+          </p:cNvPr>
+          <p:cNvCxnSpPr>
+            <a:cxnSpLocks/>
+            <a:stCxn id="5" idx="2"/>
+            <a:endCxn id="18" idx="1"/>
+          </p:cNvCxnSpPr>
+          <p:nvPr/>
+        </p:nvCxnSpPr>
+        <p:spPr>
+          <a:xfrm rot="16200000" flipH="1">
+            <a:off x="1667112" y="2904619"/>
+            <a:ext cx="1620045" cy="488273"/>
+          </a:xfrm>
+          <a:prstGeom prst="bentConnector2">
+            <a:avLst/>
+          </a:prstGeom>
+          <a:ln>
+            <a:solidFill>
+              <a:schemeClr val="tx1"/>
+            </a:solidFill>
+          </a:ln>
+        </p:spPr>
+        <p:style>
+          <a:lnRef idx="1">
+            <a:schemeClr val="accent1"/>
+          </a:lnRef>
+          <a:fillRef idx="0">
+            <a:schemeClr val="accent1"/>
+          </a:fillRef>
+          <a:effectRef idx="0">
+            <a:schemeClr val="accent1"/>
+          </a:effectRef>
+          <a:fontRef idx="minor">
+            <a:schemeClr val="tx1"/>
+          </a:fontRef>
+        </p:style>
+      </p:cxnSp>
+      <p:sp>
+        <p:nvSpPr>
+          <p:cNvPr id="18" name="직사각형 17">
+            <a:extLst>
+              <a:ext uri="{FF2B5EF4-FFF2-40B4-BE49-F238E27FC236}">
+                <a16:creationId xmlns:a16="http://schemas.microsoft.com/office/drawing/2014/main" id="{816C8335-85AD-6CBA-DEB8-C08847D6E33E}"/>
+              </a:ext>
+            </a:extLst>
+          </p:cNvPr>
+          <p:cNvSpPr/>
+          <p:nvPr/>
+        </p:nvSpPr>
+        <p:spPr>
+          <a:xfrm>
+            <a:off x="2721271" y="3660783"/>
+            <a:ext cx="2078272" cy="595992"/>
+          </a:xfrm>
+          <a:prstGeom prst="rect">
+            <a:avLst/>
+          </a:prstGeom>
+          <a:solidFill>
+            <a:schemeClr val="accent4">
+              <a:lumMod val="40000"/>
+              <a:lumOff val="60000"/>
+            </a:schemeClr>
+          </a:solidFill>
+          <a:ln>
+            <a:noFill/>
+          </a:ln>
+        </p:spPr>
+        <p:style>
+          <a:lnRef idx="2">
+            <a:schemeClr val="accent1">
+              <a:shade val="15000"/>
+            </a:schemeClr>
+          </a:lnRef>
+          <a:fillRef idx="1">
+            <a:schemeClr val="accent1"/>
+          </a:fillRef>
+          <a:effectRef idx="0">
+            <a:schemeClr val="accent1"/>
+          </a:effectRef>
+          <a:fontRef idx="minor">
+            <a:schemeClr val="lt1"/>
+          </a:fontRef>
+        </p:style>
+        <p:txBody>
+          <a:bodyPr rtlCol="0" anchor="ctr"/>
+          <a:lstStyle/>
+          <a:p>
+            <a:pPr algn="ctr"/>
+            <a:r>
+              <a:rPr lang="en-US" altLang="ko-KR" dirty="0">
+                <a:solidFill>
+                  <a:schemeClr val="tx1"/>
+                </a:solidFill>
+              </a:rPr>
+              <a:t>Protocol1_File</a:t>
+            </a:r>
+            <a:endParaRPr lang="ko-KR" altLang="en-US" dirty="0">
+              <a:solidFill>
+                <a:schemeClr val="tx1"/>
+              </a:solidFill>
+            </a:endParaRPr>
+          </a:p>
+        </p:txBody>
+      </p:sp>
+      <p:sp>
+        <p:nvSpPr>
+          <p:cNvPr id="30" name="직사각형 29">
+            <a:extLst>
+              <a:ext uri="{FF2B5EF4-FFF2-40B4-BE49-F238E27FC236}">
+                <a16:creationId xmlns:a16="http://schemas.microsoft.com/office/drawing/2014/main" id="{C6147190-5CF0-573E-4F60-CFCB19460E38}"/>
+              </a:ext>
+            </a:extLst>
+          </p:cNvPr>
+          <p:cNvSpPr/>
+          <p:nvPr/>
+        </p:nvSpPr>
+        <p:spPr>
+          <a:xfrm>
+            <a:off x="2721271" y="4619804"/>
+            <a:ext cx="2078272" cy="595992"/>
+          </a:xfrm>
+          <a:prstGeom prst="rect">
+            <a:avLst/>
+          </a:prstGeom>
+          <a:solidFill>
+            <a:schemeClr val="accent4">
+              <a:lumMod val="40000"/>
+              <a:lumOff val="60000"/>
+            </a:schemeClr>
+          </a:solidFill>
+          <a:ln>
+            <a:noFill/>
+          </a:ln>
+        </p:spPr>
+        <p:style>
+          <a:lnRef idx="2">
+            <a:schemeClr val="accent1">
+              <a:shade val="15000"/>
+            </a:schemeClr>
+          </a:lnRef>
+          <a:fillRef idx="1">
+            <a:schemeClr val="accent1"/>
+          </a:fillRef>
+          <a:effectRef idx="0">
+            <a:schemeClr val="accent1"/>
+          </a:effectRef>
+          <a:fontRef idx="minor">
+            <a:schemeClr val="lt1"/>
+          </a:fontRef>
+        </p:style>
+        <p:txBody>
+          <a:bodyPr rtlCol="0" anchor="ctr"/>
+          <a:lstStyle/>
+          <a:p>
+            <a:pPr algn="ctr"/>
+            <a:r>
+              <a:rPr lang="en-US" altLang="ko-KR" dirty="0">
+                <a:solidFill>
+                  <a:schemeClr val="tx1"/>
+                </a:solidFill>
+              </a:rPr>
+              <a:t>Protocol2_Plane</a:t>
+            </a:r>
+            <a:endParaRPr lang="ko-KR" altLang="en-US" dirty="0">
+              <a:solidFill>
+                <a:schemeClr val="tx1"/>
+              </a:solidFill>
+            </a:endParaRPr>
+          </a:p>
+        </p:txBody>
+      </p:sp>
+      <p:cxnSp>
+        <p:nvCxnSpPr>
+          <p:cNvPr id="31" name="연결선: 꺾임 30">
+            <a:extLst>
+              <a:ext uri="{FF2B5EF4-FFF2-40B4-BE49-F238E27FC236}">
+                <a16:creationId xmlns:a16="http://schemas.microsoft.com/office/drawing/2014/main" id="{C25AE14E-45FC-9565-DFED-A42A0EF0B5A1}"/>
+              </a:ext>
+            </a:extLst>
+          </p:cNvPr>
+          <p:cNvCxnSpPr>
+            <a:cxnSpLocks/>
+            <a:stCxn id="5" idx="2"/>
+            <a:endCxn id="30" idx="1"/>
+          </p:cNvCxnSpPr>
+          <p:nvPr/>
+        </p:nvCxnSpPr>
+        <p:spPr>
+          <a:xfrm rot="16200000" flipH="1">
+            <a:off x="1187601" y="3384130"/>
+            <a:ext cx="2579066" cy="488273"/>
+          </a:xfrm>
+          <a:prstGeom prst="bentConnector2">
+            <a:avLst/>
+          </a:prstGeom>
+          <a:ln>
+            <a:solidFill>
+              <a:schemeClr val="tx1"/>
+            </a:solidFill>
+          </a:ln>
+        </p:spPr>
+        <p:style>
+          <a:lnRef idx="1">
+            <a:schemeClr val="accent1"/>
+          </a:lnRef>
+          <a:fillRef idx="0">
+            <a:schemeClr val="accent1"/>
+          </a:fillRef>
+          <a:effectRef idx="0">
+            <a:schemeClr val="accent1"/>
+          </a:effectRef>
+          <a:fontRef idx="minor">
+            <a:schemeClr val="tx1"/>
+          </a:fontRef>
+        </p:style>
+      </p:cxnSp>
+      <p:sp>
+        <p:nvSpPr>
+          <p:cNvPr id="35" name="직사각형 34">
+            <a:extLst>
+              <a:ext uri="{FF2B5EF4-FFF2-40B4-BE49-F238E27FC236}">
+                <a16:creationId xmlns:a16="http://schemas.microsoft.com/office/drawing/2014/main" id="{6F3D82A9-5BBD-37A6-E20A-B8BE53BE762A}"/>
+              </a:ext>
+            </a:extLst>
+          </p:cNvPr>
+          <p:cNvSpPr/>
+          <p:nvPr/>
+        </p:nvSpPr>
+        <p:spPr>
+          <a:xfrm>
+            <a:off x="7392457" y="1742742"/>
+            <a:ext cx="2078272" cy="595992"/>
+          </a:xfrm>
+          <a:prstGeom prst="rect">
+            <a:avLst/>
+          </a:prstGeom>
+          <a:solidFill>
+            <a:schemeClr val="accent2">
+              <a:lumMod val="60000"/>
+              <a:lumOff val="40000"/>
+            </a:schemeClr>
+          </a:solidFill>
+          <a:ln>
+            <a:noFill/>
+          </a:ln>
+        </p:spPr>
+        <p:style>
+          <a:lnRef idx="2">
+            <a:schemeClr val="accent1">
+              <a:shade val="15000"/>
+            </a:schemeClr>
+          </a:lnRef>
+          <a:fillRef idx="1">
+            <a:schemeClr val="accent1"/>
+          </a:fillRef>
+          <a:effectRef idx="0">
+            <a:schemeClr val="accent1"/>
+          </a:effectRef>
+          <a:fontRef idx="minor">
+            <a:schemeClr val="lt1"/>
+          </a:fontRef>
+        </p:style>
+        <p:txBody>
+          <a:bodyPr rtlCol="0" anchor="ctr"/>
+          <a:lstStyle/>
+          <a:p>
+            <a:pPr algn="ctr"/>
+            <a:r>
+              <a:rPr lang="en-US" altLang="ko-KR" dirty="0">
+                <a:solidFill>
+                  <a:schemeClr val="tx1"/>
+                </a:solidFill>
+              </a:rPr>
+              <a:t>Encryption</a:t>
+            </a:r>
+          </a:p>
+        </p:txBody>
+      </p:sp>
+      <p:sp>
+        <p:nvSpPr>
+          <p:cNvPr id="36" name="직사각형 35">
+            <a:extLst>
+              <a:ext uri="{FF2B5EF4-FFF2-40B4-BE49-F238E27FC236}">
+                <a16:creationId xmlns:a16="http://schemas.microsoft.com/office/drawing/2014/main" id="{974207FB-0F23-7992-C47A-5F639EDEA8BA}"/>
+              </a:ext>
+            </a:extLst>
+          </p:cNvPr>
+          <p:cNvSpPr/>
+          <p:nvPr/>
+        </p:nvSpPr>
+        <p:spPr>
+          <a:xfrm>
+            <a:off x="8919866" y="2701762"/>
+            <a:ext cx="2078272" cy="595992"/>
+          </a:xfrm>
+          <a:prstGeom prst="rect">
+            <a:avLst/>
+          </a:prstGeom>
+          <a:solidFill>
+            <a:schemeClr val="accent4">
+              <a:lumMod val="40000"/>
+              <a:lumOff val="60000"/>
+            </a:schemeClr>
+          </a:solidFill>
+          <a:ln>
+            <a:noFill/>
+          </a:ln>
+        </p:spPr>
+        <p:style>
+          <a:lnRef idx="2">
+            <a:schemeClr val="accent1">
+              <a:shade val="15000"/>
+            </a:schemeClr>
+          </a:lnRef>
+          <a:fillRef idx="1">
+            <a:schemeClr val="accent1"/>
+          </a:fillRef>
+          <a:effectRef idx="0">
+            <a:schemeClr val="accent1"/>
+          </a:effectRef>
+          <a:fontRef idx="minor">
+            <a:schemeClr val="lt1"/>
+          </a:fontRef>
+        </p:style>
+        <p:txBody>
+          <a:bodyPr rtlCol="0" anchor="ctr"/>
+          <a:lstStyle/>
+          <a:p>
+            <a:pPr algn="ctr"/>
+            <a:r>
+              <a:rPr lang="en-US" altLang="ko-KR" dirty="0">
+                <a:solidFill>
+                  <a:schemeClr val="tx1"/>
+                </a:solidFill>
+              </a:rPr>
+              <a:t>AES</a:t>
+            </a:r>
+            <a:endParaRPr lang="ko-KR" altLang="en-US" dirty="0">
+              <a:solidFill>
+                <a:schemeClr val="tx1"/>
+              </a:solidFill>
+            </a:endParaRPr>
+          </a:p>
+        </p:txBody>
+      </p:sp>
+      <p:cxnSp>
+        <p:nvCxnSpPr>
+          <p:cNvPr id="37" name="연결선: 꺾임 36">
+            <a:extLst>
+              <a:ext uri="{FF2B5EF4-FFF2-40B4-BE49-F238E27FC236}">
+                <a16:creationId xmlns:a16="http://schemas.microsoft.com/office/drawing/2014/main" id="{380DAA56-17CD-3F07-58F3-4F20E61B3B4E}"/>
+              </a:ext>
+            </a:extLst>
+          </p:cNvPr>
+          <p:cNvCxnSpPr>
+            <a:cxnSpLocks/>
+            <a:stCxn id="35" idx="2"/>
+            <a:endCxn id="36" idx="1"/>
+          </p:cNvCxnSpPr>
+          <p:nvPr/>
+        </p:nvCxnSpPr>
+        <p:spPr>
+          <a:xfrm rot="16200000" flipH="1">
+            <a:off x="8345217" y="2425109"/>
+            <a:ext cx="661024" cy="488273"/>
+          </a:xfrm>
+          <a:prstGeom prst="bentConnector2">
+            <a:avLst/>
+          </a:prstGeom>
+          <a:ln>
+            <a:solidFill>
+              <a:schemeClr val="tx1"/>
+            </a:solidFill>
+          </a:ln>
+        </p:spPr>
+        <p:style>
+          <a:lnRef idx="1">
+            <a:schemeClr val="accent1"/>
+          </a:lnRef>
+          <a:fillRef idx="0">
+            <a:schemeClr val="accent1"/>
+          </a:fillRef>
+          <a:effectRef idx="0">
+            <a:schemeClr val="accent1"/>
+          </a:effectRef>
+          <a:fontRef idx="minor">
+            <a:schemeClr val="tx1"/>
+          </a:fontRef>
+        </p:style>
+      </p:cxnSp>
+      <p:cxnSp>
+        <p:nvCxnSpPr>
+          <p:cNvPr id="38" name="연결선: 꺾임 37">
+            <a:extLst>
+              <a:ext uri="{FF2B5EF4-FFF2-40B4-BE49-F238E27FC236}">
+                <a16:creationId xmlns:a16="http://schemas.microsoft.com/office/drawing/2014/main" id="{9C5DEF70-122D-29BD-11DB-C755A259FB16}"/>
+              </a:ext>
+            </a:extLst>
+          </p:cNvPr>
+          <p:cNvCxnSpPr>
+            <a:cxnSpLocks/>
+            <a:stCxn id="35" idx="2"/>
+            <a:endCxn id="39" idx="1"/>
+          </p:cNvCxnSpPr>
+          <p:nvPr/>
+        </p:nvCxnSpPr>
+        <p:spPr>
+          <a:xfrm rot="16200000" flipH="1">
+            <a:off x="7865707" y="2904619"/>
+            <a:ext cx="1620045" cy="488273"/>
+          </a:xfrm>
+          <a:prstGeom prst="bentConnector2">
+            <a:avLst/>
+          </a:prstGeom>
+          <a:ln>
+            <a:solidFill>
+              <a:schemeClr val="tx1"/>
+            </a:solidFill>
+          </a:ln>
+        </p:spPr>
+        <p:style>
+          <a:lnRef idx="1">
+            <a:schemeClr val="accent1"/>
+          </a:lnRef>
+          <a:fillRef idx="0">
+            <a:schemeClr val="accent1"/>
+          </a:fillRef>
+          <a:effectRef idx="0">
+            <a:schemeClr val="accent1"/>
+          </a:effectRef>
+          <a:fontRef idx="minor">
+            <a:schemeClr val="tx1"/>
+          </a:fontRef>
+        </p:style>
+      </p:cxnSp>
+      <p:sp>
+        <p:nvSpPr>
+          <p:cNvPr id="39" name="직사각형 38">
+            <a:extLst>
+              <a:ext uri="{FF2B5EF4-FFF2-40B4-BE49-F238E27FC236}">
+                <a16:creationId xmlns:a16="http://schemas.microsoft.com/office/drawing/2014/main" id="{92B20AA3-4C2E-55AD-7B3A-B2DB43D89E81}"/>
+              </a:ext>
+            </a:extLst>
+          </p:cNvPr>
+          <p:cNvSpPr/>
+          <p:nvPr/>
+        </p:nvSpPr>
+        <p:spPr>
+          <a:xfrm>
+            <a:off x="8919866" y="3660783"/>
+            <a:ext cx="2078272" cy="595992"/>
+          </a:xfrm>
+          <a:prstGeom prst="rect">
+            <a:avLst/>
+          </a:prstGeom>
+          <a:solidFill>
+            <a:schemeClr val="accent4">
+              <a:lumMod val="40000"/>
+              <a:lumOff val="60000"/>
+            </a:schemeClr>
+          </a:solidFill>
+          <a:ln>
+            <a:noFill/>
+          </a:ln>
+        </p:spPr>
+        <p:style>
+          <a:lnRef idx="2">
+            <a:schemeClr val="accent1">
+              <a:shade val="15000"/>
+            </a:schemeClr>
+          </a:lnRef>
+          <a:fillRef idx="1">
+            <a:schemeClr val="accent1"/>
+          </a:fillRef>
+          <a:effectRef idx="0">
+            <a:schemeClr val="accent1"/>
+          </a:effectRef>
+          <a:fontRef idx="minor">
+            <a:schemeClr val="lt1"/>
+          </a:fontRef>
+        </p:style>
+        <p:txBody>
+          <a:bodyPr rtlCol="0" anchor="ctr"/>
+          <a:lstStyle/>
+          <a:p>
+            <a:pPr algn="ctr"/>
+            <a:r>
+              <a:rPr lang="en-US" altLang="ko-KR" dirty="0">
+                <a:solidFill>
+                  <a:schemeClr val="tx1"/>
+                </a:solidFill>
+              </a:rPr>
+              <a:t>RSA</a:t>
+            </a:r>
+            <a:endParaRPr lang="ko-KR" altLang="en-US" dirty="0">
+              <a:solidFill>
+                <a:schemeClr val="tx1"/>
+              </a:solidFill>
+            </a:endParaRPr>
+          </a:p>
+        </p:txBody>
+      </p:sp>
+      <p:sp>
+        <p:nvSpPr>
+          <p:cNvPr id="42" name="타원 41">
+            <a:extLst>
+              <a:ext uri="{FF2B5EF4-FFF2-40B4-BE49-F238E27FC236}">
+                <a16:creationId xmlns:a16="http://schemas.microsoft.com/office/drawing/2014/main" id="{415C6360-9C64-542A-B36D-F7509C32A728}"/>
+              </a:ext>
+            </a:extLst>
+          </p:cNvPr>
+          <p:cNvSpPr/>
+          <p:nvPr/>
+        </p:nvSpPr>
+        <p:spPr>
+          <a:xfrm>
+            <a:off x="5193437" y="2701762"/>
+            <a:ext cx="1343936" cy="595992"/>
+          </a:xfrm>
+          <a:prstGeom prst="ellipse">
+            <a:avLst/>
+          </a:prstGeom>
+          <a:noFill/>
+          <a:ln>
+            <a:solidFill>
+              <a:schemeClr val="tx1"/>
+            </a:solidFill>
+          </a:ln>
+        </p:spPr>
+        <p:style>
+          <a:lnRef idx="2">
+            <a:schemeClr val="accent1">
+              <a:shade val="15000"/>
+            </a:schemeClr>
+          </a:lnRef>
+          <a:fillRef idx="1">
+            <a:schemeClr val="accent1"/>
+          </a:fillRef>
+          <a:effectRef idx="0">
+            <a:schemeClr val="accent1"/>
+          </a:effectRef>
+          <a:fontRef idx="minor">
+            <a:schemeClr val="lt1"/>
+          </a:fontRef>
+        </p:style>
+        <p:txBody>
+          <a:bodyPr rtlCol="0" anchor="ctr"/>
+          <a:lstStyle/>
+          <a:p>
+            <a:pPr algn="ctr"/>
+            <a:r>
+              <a:rPr lang="en-US" altLang="ko-KR" dirty="0">
+                <a:solidFill>
+                  <a:schemeClr val="tx1"/>
+                </a:solidFill>
+              </a:rPr>
+              <a:t>Const</a:t>
+            </a:r>
+            <a:endParaRPr lang="ko-KR" altLang="en-US" dirty="0">
+              <a:solidFill>
+                <a:schemeClr val="tx1"/>
+              </a:solidFill>
+            </a:endParaRPr>
+          </a:p>
+        </p:txBody>
+      </p:sp>
+      <p:sp>
+        <p:nvSpPr>
+          <p:cNvPr id="43" name="타원 42">
+            <a:extLst>
+              <a:ext uri="{FF2B5EF4-FFF2-40B4-BE49-F238E27FC236}">
+                <a16:creationId xmlns:a16="http://schemas.microsoft.com/office/drawing/2014/main" id="{2171F7EB-B0DC-BA4D-5938-D990025AA47C}"/>
+              </a:ext>
+            </a:extLst>
+          </p:cNvPr>
+          <p:cNvSpPr/>
+          <p:nvPr/>
+        </p:nvSpPr>
+        <p:spPr>
+          <a:xfrm>
+            <a:off x="5193437" y="3660783"/>
+            <a:ext cx="1343936" cy="595992"/>
+          </a:xfrm>
+          <a:prstGeom prst="ellipse">
+            <a:avLst/>
+          </a:prstGeom>
+          <a:noFill/>
+          <a:ln>
+            <a:solidFill>
+              <a:schemeClr val="tx1"/>
+            </a:solidFill>
+          </a:ln>
+        </p:spPr>
+        <p:style>
+          <a:lnRef idx="2">
+            <a:schemeClr val="accent1">
+              <a:shade val="15000"/>
+            </a:schemeClr>
+          </a:lnRef>
+          <a:fillRef idx="1">
+            <a:schemeClr val="accent1"/>
+          </a:fillRef>
+          <a:effectRef idx="0">
+            <a:schemeClr val="accent1"/>
+          </a:effectRef>
+          <a:fontRef idx="minor">
+            <a:schemeClr val="lt1"/>
+          </a:fontRef>
+        </p:style>
+        <p:txBody>
+          <a:bodyPr rtlCol="0" anchor="ctr"/>
+          <a:lstStyle/>
+          <a:p>
+            <a:pPr algn="ctr"/>
+            <a:r>
+              <a:rPr lang="en-US" altLang="ko-KR" sz="1800" dirty="0">
+                <a:solidFill>
+                  <a:schemeClr val="tx1"/>
+                </a:solidFill>
+                <a:latin typeface="맑은 고딕 (본문)"/>
+                <a:ea typeface="돋움체" panose="020B0609000101010101" pitchFamily="49" charset="-127"/>
+              </a:rPr>
+              <a:t>Log</a:t>
+            </a:r>
+            <a:endParaRPr lang="ko-KR" altLang="en-US" dirty="0">
+              <a:solidFill>
+                <a:schemeClr val="tx1"/>
+              </a:solidFill>
+              <a:latin typeface="맑은 고딕 (본문)"/>
+            </a:endParaRPr>
+          </a:p>
+        </p:txBody>
+      </p:sp>
+      <p:cxnSp>
+        <p:nvCxnSpPr>
+          <p:cNvPr id="45" name="직선 연결선 44">
+            <a:extLst>
+              <a:ext uri="{FF2B5EF4-FFF2-40B4-BE49-F238E27FC236}">
+                <a16:creationId xmlns:a16="http://schemas.microsoft.com/office/drawing/2014/main" id="{51EAFAAD-83DD-97FA-5339-990AA69445BB}"/>
+              </a:ext>
+            </a:extLst>
+          </p:cNvPr>
+          <p:cNvCxnSpPr>
+            <a:stCxn id="12" idx="3"/>
+            <a:endCxn id="42" idx="2"/>
+          </p:cNvCxnSpPr>
+          <p:nvPr/>
+        </p:nvCxnSpPr>
+        <p:spPr>
+          <a:xfrm>
+            <a:off x="4799543" y="2999758"/>
+            <a:ext cx="393894" cy="0"/>
+          </a:xfrm>
+          <a:prstGeom prst="line">
+            <a:avLst/>
+          </a:prstGeom>
+          <a:ln>
+            <a:solidFill>
+              <a:schemeClr val="tx1"/>
+            </a:solidFill>
+          </a:ln>
+        </p:spPr>
+        <p:style>
+          <a:lnRef idx="1">
+            <a:schemeClr val="accent1"/>
+          </a:lnRef>
+          <a:fillRef idx="0">
+            <a:schemeClr val="accent1"/>
+          </a:fillRef>
+          <a:effectRef idx="0">
+            <a:schemeClr val="accent1"/>
+          </a:effectRef>
+          <a:fontRef idx="minor">
+            <a:schemeClr val="tx1"/>
+          </a:fontRef>
+        </p:style>
+      </p:cxnSp>
+      <p:cxnSp>
+        <p:nvCxnSpPr>
+          <p:cNvPr id="46" name="직선 연결선 45">
+            <a:extLst>
+              <a:ext uri="{FF2B5EF4-FFF2-40B4-BE49-F238E27FC236}">
+                <a16:creationId xmlns:a16="http://schemas.microsoft.com/office/drawing/2014/main" id="{D9DE046A-6EC7-B5B9-DFF7-4D78D0856855}"/>
+              </a:ext>
+            </a:extLst>
+          </p:cNvPr>
+          <p:cNvCxnSpPr>
+            <a:cxnSpLocks/>
+            <a:stCxn id="18" idx="3"/>
+            <a:endCxn id="43" idx="2"/>
+          </p:cNvCxnSpPr>
+          <p:nvPr/>
+        </p:nvCxnSpPr>
+        <p:spPr>
+          <a:xfrm>
+            <a:off x="4799543" y="3958779"/>
+            <a:ext cx="393894" cy="0"/>
+          </a:xfrm>
+          <a:prstGeom prst="line">
+            <a:avLst/>
+          </a:prstGeom>
+          <a:ln>
+            <a:solidFill>
+              <a:schemeClr val="tx1"/>
+            </a:solidFill>
+          </a:ln>
+        </p:spPr>
+        <p:style>
+          <a:lnRef idx="1">
+            <a:schemeClr val="accent1"/>
+          </a:lnRef>
+          <a:fillRef idx="0">
+            <a:schemeClr val="accent1"/>
+          </a:fillRef>
+          <a:effectRef idx="0">
+            <a:schemeClr val="accent1"/>
+          </a:effectRef>
+          <a:fontRef idx="minor">
+            <a:schemeClr val="tx1"/>
+          </a:fontRef>
+        </p:style>
+      </p:cxnSp>
+    </p:spTree>
+    <p:extLst>
+      <p:ext uri="{BB962C8B-B14F-4D97-AF65-F5344CB8AC3E}">
+        <p14:creationId xmlns:p14="http://schemas.microsoft.com/office/powerpoint/2010/main" val="955870125"/>
+      </p:ext>
+    </p:extLst>
+  </p:cSld>
+  <p:clrMapOvr>
+    <a:masterClrMapping/>
+  </p:clrMapOvr>
+</p:sld>
+</file>
+
+<file path=ppt/slides/slide5.xml><?xml version="1.0" encoding="utf-8"?>
+<p:sld xmlns:a="http://schemas.openxmlformats.org/drawingml/2006/main" xmlns:r="http://schemas.openxmlformats.org/officeDocument/2006/relationships" xmlns:p="http://schemas.openxmlformats.org/presentationml/2006/main">
+  <p:cSld>
+    <p:spTree>
+      <p:nvGrpSpPr>
+        <p:cNvPr id="1" name="">
+          <a:extLst>
+            <a:ext uri="{FF2B5EF4-FFF2-40B4-BE49-F238E27FC236}">
+              <a16:creationId xmlns:a16="http://schemas.microsoft.com/office/drawing/2014/main" id="{C39899A7-458D-C73D-31A9-42E40571511D}"/>
+            </a:ext>
+          </a:extLst>
+        </p:cNvPr>
+        <p:cNvGrpSpPr/>
+        <p:nvPr/>
+      </p:nvGrpSpPr>
+      <p:grpSpPr>
+        <a:xfrm>
+          <a:off x="0" y="0"/>
+          <a:ext cx="0" cy="0"/>
+          <a:chOff x="0" y="0"/>
+          <a:chExt cx="0" cy="0"/>
+        </a:xfrm>
+      </p:grpSpPr>
+      <p:sp>
+        <p:nvSpPr>
+          <p:cNvPr id="3" name="내용 개체 틀 2">
+            <a:extLst>
+              <a:ext uri="{FF2B5EF4-FFF2-40B4-BE49-F238E27FC236}">
+                <a16:creationId xmlns:a16="http://schemas.microsoft.com/office/drawing/2014/main" id="{96BA2304-20D5-A7A8-48C2-50AB8BA36A1D}"/>
+              </a:ext>
+            </a:extLst>
+          </p:cNvPr>
+          <p:cNvSpPr>
+            <a:spLocks noGrp="1"/>
+          </p:cNvSpPr>
+          <p:nvPr>
+            <p:ph idx="1"/>
+          </p:nvPr>
+        </p:nvSpPr>
+        <p:spPr/>
+        <p:txBody>
+          <a:bodyPr/>
+          <a:lstStyle/>
+          <a:p>
+            <a:r>
+              <a:rPr lang="ko-KR" altLang="en-US" dirty="0"/>
+              <a:t>보관함</a:t>
+            </a:r>
+            <a:endParaRPr lang="en-US" altLang="ko-KR" dirty="0"/>
+          </a:p>
+          <a:p>
+            <a:endParaRPr lang="en-US" altLang="ko-KR" dirty="0"/>
+          </a:p>
+          <a:p>
+            <a:r>
+              <a:rPr lang="ko-KR" altLang="en-US" dirty="0"/>
+              <a:t>여기부터는 만들다 만 페이지들</a:t>
+            </a:r>
+            <a:endParaRPr lang="en-US" altLang="ko-KR" dirty="0"/>
+          </a:p>
+        </p:txBody>
+      </p:sp>
+    </p:spTree>
+    <p:extLst>
+      <p:ext uri="{BB962C8B-B14F-4D97-AF65-F5344CB8AC3E}">
+        <p14:creationId xmlns:p14="http://schemas.microsoft.com/office/powerpoint/2010/main" val="198063793"/>
+      </p:ext>
+    </p:extLst>
+  </p:cSld>
+  <p:clrMapOvr>
+    <a:masterClrMapping/>
+  </p:clrMapOvr>
+</p:sld>
+</file>
+
+<file path=ppt/slides/slide6.xml><?xml version="1.0" encoding="utf-8"?>
+<p:sld xmlns:a="http://schemas.openxmlformats.org/drawingml/2006/main" xmlns:r="http://schemas.openxmlformats.org/officeDocument/2006/relationships" xmlns:p="http://schemas.openxmlformats.org/presentationml/2006/main">
+  <p:cSld>
+    <p:spTree>
+      <p:nvGrpSpPr>
+        <p:cNvPr id="1" name="">
+          <a:extLst>
+            <a:ext uri="{FF2B5EF4-FFF2-40B4-BE49-F238E27FC236}">
               <a16:creationId xmlns:a16="http://schemas.microsoft.com/office/drawing/2014/main" id="{875BA373-1797-93B5-4AE2-59B3853CC07D}"/>
             </a:ext>
           </a:extLst>
@@ -11986,7 +11181,7 @@
 </p:sld>
 </file>
 
-<file path=ppt/slides/slide3.xml><?xml version="1.0" encoding="utf-8"?>
+<file path=ppt/slides/slide7.xml><?xml version="1.0" encoding="utf-8"?>
 <p:sld xmlns:a="http://schemas.openxmlformats.org/drawingml/2006/main" xmlns:r="http://schemas.openxmlformats.org/officeDocument/2006/relationships" xmlns:p="http://schemas.openxmlformats.org/presentationml/2006/main">
   <p:cSld>
     <p:spTree>
@@ -13389,7 +12584,7 @@
 </p:sld>
 </file>
 
-<file path=ppt/slides/slide4.xml><?xml version="1.0" encoding="utf-8"?>
+<file path=ppt/slides/slide8.xml><?xml version="1.0" encoding="utf-8"?>
 <p:sld xmlns:a="http://schemas.openxmlformats.org/drawingml/2006/main" xmlns:r="http://schemas.openxmlformats.org/officeDocument/2006/relationships" xmlns:p="http://schemas.openxmlformats.org/presentationml/2006/main">
   <p:cSld>
     <p:spTree>
@@ -13614,358 +12809,6 @@
     <p:extLst>
       <p:ext uri="{BB962C8B-B14F-4D97-AF65-F5344CB8AC3E}">
         <p14:creationId xmlns:p14="http://schemas.microsoft.com/office/powerpoint/2010/main" val="2554745826"/>
-      </p:ext>
-    </p:extLst>
-  </p:cSld>
-  <p:clrMapOvr>
-    <a:masterClrMapping/>
-  </p:clrMapOvr>
-</p:sld>
-</file>
-
-<file path=ppt/slides/slide5.xml><?xml version="1.0" encoding="utf-8"?>
-<p:sld xmlns:a="http://schemas.openxmlformats.org/drawingml/2006/main" xmlns:r="http://schemas.openxmlformats.org/officeDocument/2006/relationships" xmlns:p="http://schemas.openxmlformats.org/presentationml/2006/main">
-  <p:cSld>
-    <p:spTree>
-      <p:nvGrpSpPr>
-        <p:cNvPr id="1" name="">
-          <a:extLst>
-            <a:ext uri="{FF2B5EF4-FFF2-40B4-BE49-F238E27FC236}">
-              <a16:creationId xmlns:a16="http://schemas.microsoft.com/office/drawing/2014/main" id="{F4E47FFA-795C-896C-B5BD-4786D7E91DC8}"/>
-            </a:ext>
-          </a:extLst>
-        </p:cNvPr>
-        <p:cNvGrpSpPr/>
-        <p:nvPr/>
-      </p:nvGrpSpPr>
-      <p:grpSpPr>
-        <a:xfrm>
-          <a:off x="0" y="0"/>
-          <a:ext cx="0" cy="0"/>
-          <a:chOff x="0" y="0"/>
-          <a:chExt cx="0" cy="0"/>
-        </a:xfrm>
-      </p:grpSpPr>
-      <p:sp>
-        <p:nvSpPr>
-          <p:cNvPr id="2" name="제목 1">
-            <a:extLst>
-              <a:ext uri="{FF2B5EF4-FFF2-40B4-BE49-F238E27FC236}">
-                <a16:creationId xmlns:a16="http://schemas.microsoft.com/office/drawing/2014/main" id="{F3810176-EAA5-99A9-C166-89A1135B3D53}"/>
-              </a:ext>
-            </a:extLst>
-          </p:cNvPr>
-          <p:cNvSpPr>
-            <a:spLocks noGrp="1"/>
-          </p:cNvSpPr>
-          <p:nvPr>
-            <p:ph type="title"/>
-          </p:nvPr>
-        </p:nvSpPr>
-        <p:spPr/>
-        <p:txBody>
-          <a:bodyPr/>
-          <a:lstStyle/>
-          <a:p>
-            <a:endParaRPr lang="ko-KR" altLang="en-US" dirty="0"/>
-          </a:p>
-        </p:txBody>
-      </p:sp>
-      <p:sp>
-        <p:nvSpPr>
-          <p:cNvPr id="3" name="내용 개체 틀 2">
-            <a:extLst>
-              <a:ext uri="{FF2B5EF4-FFF2-40B4-BE49-F238E27FC236}">
-                <a16:creationId xmlns:a16="http://schemas.microsoft.com/office/drawing/2014/main" id="{E4496133-9DAE-1967-13A6-12B967BDFB9E}"/>
-              </a:ext>
-            </a:extLst>
-          </p:cNvPr>
-          <p:cNvSpPr>
-            <a:spLocks noGrp="1"/>
-          </p:cNvSpPr>
-          <p:nvPr>
-            <p:ph idx="1"/>
-          </p:nvPr>
-        </p:nvSpPr>
-        <p:spPr/>
-        <p:txBody>
-          <a:bodyPr/>
-          <a:lstStyle/>
-          <a:p>
-            <a:endParaRPr lang="ko-KR" altLang="en-US" dirty="0"/>
-          </a:p>
-        </p:txBody>
-      </p:sp>
-    </p:spTree>
-    <p:extLst>
-      <p:ext uri="{BB962C8B-B14F-4D97-AF65-F5344CB8AC3E}">
-        <p14:creationId xmlns:p14="http://schemas.microsoft.com/office/powerpoint/2010/main" val="3387098966"/>
-      </p:ext>
-    </p:extLst>
-  </p:cSld>
-  <p:clrMapOvr>
-    <a:masterClrMapping/>
-  </p:clrMapOvr>
-</p:sld>
-</file>
-
-<file path=ppt/slides/slide6.xml><?xml version="1.0" encoding="utf-8"?>
-<p:sld xmlns:a="http://schemas.openxmlformats.org/drawingml/2006/main" xmlns:r="http://schemas.openxmlformats.org/officeDocument/2006/relationships" xmlns:p="http://schemas.openxmlformats.org/presentationml/2006/main">
-  <p:cSld>
-    <p:spTree>
-      <p:nvGrpSpPr>
-        <p:cNvPr id="1" name="">
-          <a:extLst>
-            <a:ext uri="{FF2B5EF4-FFF2-40B4-BE49-F238E27FC236}">
-              <a16:creationId xmlns:a16="http://schemas.microsoft.com/office/drawing/2014/main" id="{40B99B46-9D71-5B94-B8F2-6D55D8B8A06A}"/>
-            </a:ext>
-          </a:extLst>
-        </p:cNvPr>
-        <p:cNvGrpSpPr/>
-        <p:nvPr/>
-      </p:nvGrpSpPr>
-      <p:grpSpPr>
-        <a:xfrm>
-          <a:off x="0" y="0"/>
-          <a:ext cx="0" cy="0"/>
-          <a:chOff x="0" y="0"/>
-          <a:chExt cx="0" cy="0"/>
-        </a:xfrm>
-      </p:grpSpPr>
-      <p:sp>
-        <p:nvSpPr>
-          <p:cNvPr id="2" name="제목 1">
-            <a:extLst>
-              <a:ext uri="{FF2B5EF4-FFF2-40B4-BE49-F238E27FC236}">
-                <a16:creationId xmlns:a16="http://schemas.microsoft.com/office/drawing/2014/main" id="{13FF0D7D-A459-0046-3DED-6D94EB42EE36}"/>
-              </a:ext>
-            </a:extLst>
-          </p:cNvPr>
-          <p:cNvSpPr>
-            <a:spLocks noGrp="1"/>
-          </p:cNvSpPr>
-          <p:nvPr>
-            <p:ph type="title"/>
-          </p:nvPr>
-        </p:nvSpPr>
-        <p:spPr/>
-        <p:txBody>
-          <a:bodyPr/>
-          <a:lstStyle/>
-          <a:p>
-            <a:endParaRPr lang="ko-KR" altLang="en-US" dirty="0"/>
-          </a:p>
-        </p:txBody>
-      </p:sp>
-      <p:sp>
-        <p:nvSpPr>
-          <p:cNvPr id="3" name="내용 개체 틀 2">
-            <a:extLst>
-              <a:ext uri="{FF2B5EF4-FFF2-40B4-BE49-F238E27FC236}">
-                <a16:creationId xmlns:a16="http://schemas.microsoft.com/office/drawing/2014/main" id="{5D09E7DA-1830-87DE-0FFB-61DD7E63378B}"/>
-              </a:ext>
-            </a:extLst>
-          </p:cNvPr>
-          <p:cNvSpPr>
-            <a:spLocks noGrp="1"/>
-          </p:cNvSpPr>
-          <p:nvPr>
-            <p:ph idx="1"/>
-          </p:nvPr>
-        </p:nvSpPr>
-        <p:spPr/>
-        <p:txBody>
-          <a:bodyPr/>
-          <a:lstStyle/>
-          <a:p>
-            <a:endParaRPr lang="ko-KR" altLang="en-US" dirty="0"/>
-          </a:p>
-        </p:txBody>
-      </p:sp>
-    </p:spTree>
-    <p:extLst>
-      <p:ext uri="{BB962C8B-B14F-4D97-AF65-F5344CB8AC3E}">
-        <p14:creationId xmlns:p14="http://schemas.microsoft.com/office/powerpoint/2010/main" val="955870125"/>
-      </p:ext>
-    </p:extLst>
-  </p:cSld>
-  <p:clrMapOvr>
-    <a:masterClrMapping/>
-  </p:clrMapOvr>
-</p:sld>
-</file>
-
-<file path=ppt/slides/slide7.xml><?xml version="1.0" encoding="utf-8"?>
-<p:sld xmlns:a="http://schemas.openxmlformats.org/drawingml/2006/main" xmlns:r="http://schemas.openxmlformats.org/officeDocument/2006/relationships" xmlns:p="http://schemas.openxmlformats.org/presentationml/2006/main">
-  <p:cSld>
-    <p:spTree>
-      <p:nvGrpSpPr>
-        <p:cNvPr id="1" name="">
-          <a:extLst>
-            <a:ext uri="{FF2B5EF4-FFF2-40B4-BE49-F238E27FC236}">
-              <a16:creationId xmlns:a16="http://schemas.microsoft.com/office/drawing/2014/main" id="{C39899A7-458D-C73D-31A9-42E40571511D}"/>
-            </a:ext>
-          </a:extLst>
-        </p:cNvPr>
-        <p:cNvGrpSpPr/>
-        <p:nvPr/>
-      </p:nvGrpSpPr>
-      <p:grpSpPr>
-        <a:xfrm>
-          <a:off x="0" y="0"/>
-          <a:ext cx="0" cy="0"/>
-          <a:chOff x="0" y="0"/>
-          <a:chExt cx="0" cy="0"/>
-        </a:xfrm>
-      </p:grpSpPr>
-      <p:sp>
-        <p:nvSpPr>
-          <p:cNvPr id="2" name="제목 1">
-            <a:extLst>
-              <a:ext uri="{FF2B5EF4-FFF2-40B4-BE49-F238E27FC236}">
-                <a16:creationId xmlns:a16="http://schemas.microsoft.com/office/drawing/2014/main" id="{73ABA16B-1729-8A32-9C8F-9751F3666394}"/>
-              </a:ext>
-            </a:extLst>
-          </p:cNvPr>
-          <p:cNvSpPr>
-            <a:spLocks noGrp="1"/>
-          </p:cNvSpPr>
-          <p:nvPr>
-            <p:ph type="title"/>
-          </p:nvPr>
-        </p:nvSpPr>
-        <p:spPr/>
-        <p:txBody>
-          <a:bodyPr/>
-          <a:lstStyle/>
-          <a:p>
-            <a:endParaRPr lang="ko-KR" altLang="en-US" dirty="0"/>
-          </a:p>
-        </p:txBody>
-      </p:sp>
-      <p:sp>
-        <p:nvSpPr>
-          <p:cNvPr id="3" name="내용 개체 틀 2">
-            <a:extLst>
-              <a:ext uri="{FF2B5EF4-FFF2-40B4-BE49-F238E27FC236}">
-                <a16:creationId xmlns:a16="http://schemas.microsoft.com/office/drawing/2014/main" id="{96BA2304-20D5-A7A8-48C2-50AB8BA36A1D}"/>
-              </a:ext>
-            </a:extLst>
-          </p:cNvPr>
-          <p:cNvSpPr>
-            <a:spLocks noGrp="1"/>
-          </p:cNvSpPr>
-          <p:nvPr>
-            <p:ph idx="1"/>
-          </p:nvPr>
-        </p:nvSpPr>
-        <p:spPr/>
-        <p:txBody>
-          <a:bodyPr/>
-          <a:lstStyle/>
-          <a:p>
-            <a:r>
-              <a:rPr lang="ko-KR" altLang="en-US" dirty="0"/>
-              <a:t>보관함</a:t>
-            </a:r>
-          </a:p>
-        </p:txBody>
-      </p:sp>
-    </p:spTree>
-    <p:extLst>
-      <p:ext uri="{BB962C8B-B14F-4D97-AF65-F5344CB8AC3E}">
-        <p14:creationId xmlns:p14="http://schemas.microsoft.com/office/powerpoint/2010/main" val="198063793"/>
-      </p:ext>
-    </p:extLst>
-  </p:cSld>
-  <p:clrMapOvr>
-    <a:masterClrMapping/>
-  </p:clrMapOvr>
-</p:sld>
-</file>
-
-<file path=ppt/slides/slide8.xml><?xml version="1.0" encoding="utf-8"?>
-<p:sld xmlns:a="http://schemas.openxmlformats.org/drawingml/2006/main" xmlns:r="http://schemas.openxmlformats.org/officeDocument/2006/relationships" xmlns:p="http://schemas.openxmlformats.org/presentationml/2006/main">
-  <p:cSld>
-    <p:spTree>
-      <p:nvGrpSpPr>
-        <p:cNvPr id="1" name="">
-          <a:extLst>
-            <a:ext uri="{FF2B5EF4-FFF2-40B4-BE49-F238E27FC236}">
-              <a16:creationId xmlns:a16="http://schemas.microsoft.com/office/drawing/2014/main" id="{3886C7CE-A41C-816E-AC4A-67426F63DAC7}"/>
-            </a:ext>
-          </a:extLst>
-        </p:cNvPr>
-        <p:cNvGrpSpPr/>
-        <p:nvPr/>
-      </p:nvGrpSpPr>
-      <p:grpSpPr>
-        <a:xfrm>
-          <a:off x="0" y="0"/>
-          <a:ext cx="0" cy="0"/>
-          <a:chOff x="0" y="0"/>
-          <a:chExt cx="0" cy="0"/>
-        </a:xfrm>
-      </p:grpSpPr>
-      <p:sp>
-        <p:nvSpPr>
-          <p:cNvPr id="2" name="제목 1">
-            <a:extLst>
-              <a:ext uri="{FF2B5EF4-FFF2-40B4-BE49-F238E27FC236}">
-                <a16:creationId xmlns:a16="http://schemas.microsoft.com/office/drawing/2014/main" id="{60E7C0FA-7320-DC4D-D110-3015589C1931}"/>
-              </a:ext>
-            </a:extLst>
-          </p:cNvPr>
-          <p:cNvSpPr>
-            <a:spLocks noGrp="1"/>
-          </p:cNvSpPr>
-          <p:nvPr>
-            <p:ph type="title"/>
-          </p:nvPr>
-        </p:nvSpPr>
-        <p:spPr/>
-        <p:txBody>
-          <a:bodyPr/>
-          <a:lstStyle/>
-          <a:p>
-            <a:r>
-              <a:rPr lang="ko-KR" altLang="en-US" dirty="0" err="1"/>
-              <a:t>플로우차트</a:t>
-            </a:r>
-            <a:endParaRPr lang="ko-KR" altLang="en-US" dirty="0"/>
-          </a:p>
-        </p:txBody>
-      </p:sp>
-      <p:graphicFrame>
-        <p:nvGraphicFramePr>
-          <p:cNvPr id="4" name="내용 개체 틀 3">
-            <a:extLst>
-              <a:ext uri="{FF2B5EF4-FFF2-40B4-BE49-F238E27FC236}">
-                <a16:creationId xmlns:a16="http://schemas.microsoft.com/office/drawing/2014/main" id="{D1408C04-DC5B-AD41-942A-1D790432F264}"/>
-              </a:ext>
-            </a:extLst>
-          </p:cNvPr>
-          <p:cNvGraphicFramePr>
-            <a:graphicFrameLocks noGrp="1"/>
-          </p:cNvGraphicFramePr>
-          <p:nvPr>
-            <p:ph idx="1"/>
-          </p:nvPr>
-        </p:nvGraphicFramePr>
-        <p:xfrm>
-          <a:off x="838200" y="715963"/>
-          <a:ext cx="10515600" cy="5461000"/>
-        </p:xfrm>
-        <a:graphic>
-          <a:graphicData uri="http://schemas.openxmlformats.org/drawingml/2006/diagram">
-            <dgm:relIds xmlns:dgm="http://schemas.openxmlformats.org/drawingml/2006/diagram" xmlns:r="http://schemas.openxmlformats.org/officeDocument/2006/relationships" r:dm="rId2" r:lo="rId3" r:qs="rId4" r:cs="rId5"/>
-          </a:graphicData>
-        </a:graphic>
-      </p:graphicFrame>
-    </p:spTree>
-    <p:extLst>
-      <p:ext uri="{BB962C8B-B14F-4D97-AF65-F5344CB8AC3E}">
-        <p14:creationId xmlns:p14="http://schemas.microsoft.com/office/powerpoint/2010/main" val="2797795476"/>
       </p:ext>
     </p:extLst>
   </p:cSld>

--- a/서버프로그래밍.pptx
+++ b/서버프로그래밍.pptx
@@ -9,11 +9,14 @@
     <p:sldId id="256" r:id="rId3"/>
     <p:sldId id="263" r:id="rId4"/>
     <p:sldId id="265" r:id="rId5"/>
-    <p:sldId id="264" r:id="rId6"/>
-    <p:sldId id="261" r:id="rId7"/>
-    <p:sldId id="260" r:id="rId8"/>
-    <p:sldId id="258" r:id="rId9"/>
-    <p:sldId id="262" r:id="rId10"/>
+    <p:sldId id="266" r:id="rId6"/>
+    <p:sldId id="267" r:id="rId7"/>
+    <p:sldId id="264" r:id="rId8"/>
+    <p:sldId id="268" r:id="rId9"/>
+    <p:sldId id="261" r:id="rId10"/>
+    <p:sldId id="260" r:id="rId11"/>
+    <p:sldId id="258" r:id="rId12"/>
+    <p:sldId id="262" r:id="rId13"/>
   </p:sldIdLst>
   <p:sldSz cx="12192000" cy="6858000"/>
   <p:notesSz cx="6858000" cy="9144000"/>
@@ -6705,6 +6708,1643 @@
 </p:sld>
 </file>
 
+<file path=ppt/slides/slide10.xml><?xml version="1.0" encoding="utf-8"?>
+<p:sld xmlns:a="http://schemas.openxmlformats.org/drawingml/2006/main" xmlns:r="http://schemas.openxmlformats.org/officeDocument/2006/relationships" xmlns:p="http://schemas.openxmlformats.org/presentationml/2006/main">
+  <p:cSld>
+    <p:spTree>
+      <p:nvGrpSpPr>
+        <p:cNvPr id="1" name=""/>
+        <p:cNvGrpSpPr/>
+        <p:nvPr/>
+      </p:nvGrpSpPr>
+      <p:grpSpPr>
+        <a:xfrm>
+          <a:off x="0" y="0"/>
+          <a:ext cx="0" cy="0"/>
+          <a:chOff x="0" y="0"/>
+          <a:chExt cx="0" cy="0"/>
+        </a:xfrm>
+      </p:grpSpPr>
+      <p:sp>
+        <p:nvSpPr>
+          <p:cNvPr id="2" name="제목 1">
+            <a:extLst>
+              <a:ext uri="{FF2B5EF4-FFF2-40B4-BE49-F238E27FC236}">
+                <a16:creationId xmlns:a16="http://schemas.microsoft.com/office/drawing/2014/main" id="{D53C890E-ECF2-803A-7311-2B06E0F20F73}"/>
+              </a:ext>
+            </a:extLst>
+          </p:cNvPr>
+          <p:cNvSpPr>
+            <a:spLocks noGrp="1"/>
+          </p:cNvSpPr>
+          <p:nvPr>
+            <p:ph type="title"/>
+          </p:nvPr>
+        </p:nvSpPr>
+        <p:spPr/>
+        <p:txBody>
+          <a:bodyPr/>
+          <a:lstStyle/>
+          <a:p>
+            <a:r>
+              <a:rPr lang="en-US" altLang="ko-KR" dirty="0" err="1">
+                <a:solidFill>
+                  <a:schemeClr val="tx1"/>
+                </a:solidFill>
+              </a:rPr>
+              <a:t>ServerSocket</a:t>
+            </a:r>
+            <a:endParaRPr lang="ko-KR" altLang="en-US" dirty="0"/>
+          </a:p>
+        </p:txBody>
+      </p:sp>
+      <p:sp>
+        <p:nvSpPr>
+          <p:cNvPr id="4" name="타원 3">
+            <a:extLst>
+              <a:ext uri="{FF2B5EF4-FFF2-40B4-BE49-F238E27FC236}">
+                <a16:creationId xmlns:a16="http://schemas.microsoft.com/office/drawing/2014/main" id="{966958D8-0247-962F-70F1-29ADEF08F8FE}"/>
+              </a:ext>
+            </a:extLst>
+          </p:cNvPr>
+          <p:cNvSpPr/>
+          <p:nvPr/>
+        </p:nvSpPr>
+        <p:spPr>
+          <a:xfrm>
+            <a:off x="951139" y="849085"/>
+            <a:ext cx="1776193" cy="669471"/>
+          </a:xfrm>
+          <a:prstGeom prst="ellipse">
+            <a:avLst/>
+          </a:prstGeom>
+          <a:solidFill>
+            <a:schemeClr val="accent4">
+              <a:lumMod val="60000"/>
+              <a:lumOff val="40000"/>
+            </a:schemeClr>
+          </a:solidFill>
+          <a:ln>
+            <a:solidFill>
+              <a:schemeClr val="tx1"/>
+            </a:solidFill>
+          </a:ln>
+        </p:spPr>
+        <p:style>
+          <a:lnRef idx="2">
+            <a:schemeClr val="accent1">
+              <a:shade val="15000"/>
+            </a:schemeClr>
+          </a:lnRef>
+          <a:fillRef idx="1">
+            <a:schemeClr val="accent1"/>
+          </a:fillRef>
+          <a:effectRef idx="0">
+            <a:schemeClr val="accent1"/>
+          </a:effectRef>
+          <a:fontRef idx="minor">
+            <a:schemeClr val="lt1"/>
+          </a:fontRef>
+        </p:style>
+        <p:txBody>
+          <a:bodyPr rtlCol="0" anchor="ctr"/>
+          <a:lstStyle/>
+          <a:p>
+            <a:pPr algn="ctr"/>
+            <a:r>
+              <a:rPr lang="en-US" altLang="ko-KR" dirty="0">
+                <a:solidFill>
+                  <a:schemeClr val="tx1"/>
+                </a:solidFill>
+              </a:rPr>
+              <a:t>Task</a:t>
+            </a:r>
+            <a:endParaRPr lang="ko-KR" altLang="en-US" dirty="0">
+              <a:solidFill>
+                <a:schemeClr val="tx1"/>
+              </a:solidFill>
+            </a:endParaRPr>
+          </a:p>
+        </p:txBody>
+      </p:sp>
+      <p:sp>
+        <p:nvSpPr>
+          <p:cNvPr id="5" name="직사각형 4">
+            <a:extLst>
+              <a:ext uri="{FF2B5EF4-FFF2-40B4-BE49-F238E27FC236}">
+                <a16:creationId xmlns:a16="http://schemas.microsoft.com/office/drawing/2014/main" id="{6B1BA589-0085-AAC8-A73A-D4CC353F0D80}"/>
+              </a:ext>
+            </a:extLst>
+          </p:cNvPr>
+          <p:cNvSpPr/>
+          <p:nvPr/>
+        </p:nvSpPr>
+        <p:spPr>
+          <a:xfrm>
+            <a:off x="800100" y="1787325"/>
+            <a:ext cx="2078272" cy="595992"/>
+          </a:xfrm>
+          <a:prstGeom prst="rect">
+            <a:avLst/>
+          </a:prstGeom>
+          <a:solidFill>
+            <a:schemeClr val="tx2">
+              <a:lumMod val="40000"/>
+              <a:lumOff val="60000"/>
+            </a:schemeClr>
+          </a:solidFill>
+        </p:spPr>
+        <p:style>
+          <a:lnRef idx="2">
+            <a:schemeClr val="accent1">
+              <a:shade val="15000"/>
+            </a:schemeClr>
+          </a:lnRef>
+          <a:fillRef idx="1">
+            <a:schemeClr val="accent1"/>
+          </a:fillRef>
+          <a:effectRef idx="0">
+            <a:schemeClr val="accent1"/>
+          </a:effectRef>
+          <a:fontRef idx="minor">
+            <a:schemeClr val="lt1"/>
+          </a:fontRef>
+        </p:style>
+        <p:txBody>
+          <a:bodyPr rtlCol="0" anchor="ctr"/>
+          <a:lstStyle/>
+          <a:p>
+            <a:pPr algn="ctr"/>
+            <a:r>
+              <a:rPr lang="en-US" altLang="ko-KR" dirty="0" err="1">
+                <a:solidFill>
+                  <a:schemeClr val="tx1"/>
+                </a:solidFill>
+              </a:rPr>
+              <a:t>AddUser</a:t>
+            </a:r>
+            <a:r>
+              <a:rPr lang="en-US" altLang="ko-KR" dirty="0">
+                <a:solidFill>
+                  <a:schemeClr val="tx1"/>
+                </a:solidFill>
+              </a:rPr>
+              <a:t>()</a:t>
+            </a:r>
+            <a:endParaRPr lang="ko-KR" altLang="en-US" dirty="0">
+              <a:solidFill>
+                <a:schemeClr val="tx1"/>
+              </a:solidFill>
+            </a:endParaRPr>
+          </a:p>
+        </p:txBody>
+      </p:sp>
+      <p:cxnSp>
+        <p:nvCxnSpPr>
+          <p:cNvPr id="6" name="직선 화살표 연결선 5">
+            <a:extLst>
+              <a:ext uri="{FF2B5EF4-FFF2-40B4-BE49-F238E27FC236}">
+                <a16:creationId xmlns:a16="http://schemas.microsoft.com/office/drawing/2014/main" id="{59985D08-56BA-D726-B8C2-12EF96E73347}"/>
+              </a:ext>
+            </a:extLst>
+          </p:cNvPr>
+          <p:cNvCxnSpPr>
+            <a:cxnSpLocks/>
+            <a:stCxn id="4" idx="4"/>
+            <a:endCxn id="5" idx="0"/>
+          </p:cNvCxnSpPr>
+          <p:nvPr/>
+        </p:nvCxnSpPr>
+        <p:spPr>
+          <a:xfrm>
+            <a:off x="1839236" y="1518556"/>
+            <a:ext cx="0" cy="268769"/>
+          </a:xfrm>
+          <a:prstGeom prst="straightConnector1">
+            <a:avLst/>
+          </a:prstGeom>
+          <a:ln w="28575">
+            <a:solidFill>
+              <a:schemeClr val="tx1"/>
+            </a:solidFill>
+            <a:tailEnd type="triangle"/>
+          </a:ln>
+        </p:spPr>
+        <p:style>
+          <a:lnRef idx="1">
+            <a:schemeClr val="accent1"/>
+          </a:lnRef>
+          <a:fillRef idx="0">
+            <a:schemeClr val="accent1"/>
+          </a:fillRef>
+          <a:effectRef idx="0">
+            <a:schemeClr val="accent1"/>
+          </a:effectRef>
+          <a:fontRef idx="minor">
+            <a:schemeClr val="tx1"/>
+          </a:fontRef>
+        </p:style>
+      </p:cxnSp>
+      <p:cxnSp>
+        <p:nvCxnSpPr>
+          <p:cNvPr id="9" name="직선 화살표 연결선 8">
+            <a:extLst>
+              <a:ext uri="{FF2B5EF4-FFF2-40B4-BE49-F238E27FC236}">
+                <a16:creationId xmlns:a16="http://schemas.microsoft.com/office/drawing/2014/main" id="{EBFD5112-0582-7AC9-1C1E-A593420267E3}"/>
+              </a:ext>
+            </a:extLst>
+          </p:cNvPr>
+          <p:cNvCxnSpPr>
+            <a:cxnSpLocks/>
+            <a:stCxn id="10" idx="2"/>
+            <a:endCxn id="22" idx="0"/>
+          </p:cNvCxnSpPr>
+          <p:nvPr/>
+        </p:nvCxnSpPr>
+        <p:spPr>
+          <a:xfrm>
+            <a:off x="1839233" y="4479709"/>
+            <a:ext cx="0" cy="356111"/>
+          </a:xfrm>
+          <a:prstGeom prst="straightConnector1">
+            <a:avLst/>
+          </a:prstGeom>
+          <a:ln w="28575">
+            <a:solidFill>
+              <a:schemeClr val="tx1"/>
+            </a:solidFill>
+            <a:tailEnd type="triangle"/>
+          </a:ln>
+        </p:spPr>
+        <p:style>
+          <a:lnRef idx="1">
+            <a:schemeClr val="accent1"/>
+          </a:lnRef>
+          <a:fillRef idx="0">
+            <a:schemeClr val="accent1"/>
+          </a:fillRef>
+          <a:effectRef idx="0">
+            <a:schemeClr val="accent1"/>
+          </a:effectRef>
+          <a:fontRef idx="minor">
+            <a:schemeClr val="tx1"/>
+          </a:fontRef>
+        </p:style>
+      </p:cxnSp>
+      <p:sp>
+        <p:nvSpPr>
+          <p:cNvPr id="10" name="직사각형 9">
+            <a:extLst>
+              <a:ext uri="{FF2B5EF4-FFF2-40B4-BE49-F238E27FC236}">
+                <a16:creationId xmlns:a16="http://schemas.microsoft.com/office/drawing/2014/main" id="{F7603096-7B29-BD95-FC01-CD43014AAC0C}"/>
+              </a:ext>
+            </a:extLst>
+          </p:cNvPr>
+          <p:cNvSpPr/>
+          <p:nvPr/>
+        </p:nvSpPr>
+        <p:spPr>
+          <a:xfrm>
+            <a:off x="800097" y="3883717"/>
+            <a:ext cx="2078272" cy="595992"/>
+          </a:xfrm>
+          <a:prstGeom prst="rect">
+            <a:avLst/>
+          </a:prstGeom>
+          <a:solidFill>
+            <a:schemeClr val="tx2">
+              <a:lumMod val="40000"/>
+              <a:lumOff val="60000"/>
+            </a:schemeClr>
+          </a:solidFill>
+        </p:spPr>
+        <p:style>
+          <a:lnRef idx="2">
+            <a:schemeClr val="accent1">
+              <a:shade val="15000"/>
+            </a:schemeClr>
+          </a:lnRef>
+          <a:fillRef idx="1">
+            <a:schemeClr val="accent1"/>
+          </a:fillRef>
+          <a:effectRef idx="0">
+            <a:schemeClr val="accent1"/>
+          </a:effectRef>
+          <a:fontRef idx="minor">
+            <a:schemeClr val="lt1"/>
+          </a:fontRef>
+        </p:style>
+        <p:txBody>
+          <a:bodyPr rtlCol="0" anchor="ctr"/>
+          <a:lstStyle/>
+          <a:p>
+            <a:pPr algn="ctr"/>
+            <a:r>
+              <a:rPr lang="en-US" altLang="ko-KR" dirty="0">
+                <a:solidFill>
+                  <a:schemeClr val="tx1"/>
+                </a:solidFill>
+              </a:rPr>
+              <a:t>New </a:t>
+            </a:r>
+            <a:r>
+              <a:rPr lang="en-US" altLang="ko-KR" dirty="0" err="1">
+                <a:solidFill>
+                  <a:schemeClr val="tx1"/>
+                </a:solidFill>
+              </a:rPr>
+              <a:t>ClientHandle</a:t>
+            </a:r>
+            <a:endParaRPr lang="ko-KR" altLang="en-US" dirty="0">
+              <a:solidFill>
+                <a:schemeClr val="tx1"/>
+              </a:solidFill>
+            </a:endParaRPr>
+          </a:p>
+        </p:txBody>
+      </p:sp>
+      <p:cxnSp>
+        <p:nvCxnSpPr>
+          <p:cNvPr id="12" name="직선 화살표 연결선 11">
+            <a:extLst>
+              <a:ext uri="{FF2B5EF4-FFF2-40B4-BE49-F238E27FC236}">
+                <a16:creationId xmlns:a16="http://schemas.microsoft.com/office/drawing/2014/main" id="{D1C0769D-584E-06FB-CD22-F254340CDA64}"/>
+              </a:ext>
+            </a:extLst>
+          </p:cNvPr>
+          <p:cNvCxnSpPr>
+            <a:cxnSpLocks/>
+            <a:stCxn id="5" idx="2"/>
+            <a:endCxn id="16" idx="0"/>
+          </p:cNvCxnSpPr>
+          <p:nvPr/>
+        </p:nvCxnSpPr>
+        <p:spPr>
+          <a:xfrm flipH="1">
+            <a:off x="1839233" y="2383317"/>
+            <a:ext cx="3" cy="356110"/>
+          </a:xfrm>
+          <a:prstGeom prst="straightConnector1">
+            <a:avLst/>
+          </a:prstGeom>
+          <a:ln w="28575">
+            <a:solidFill>
+              <a:schemeClr val="tx1"/>
+            </a:solidFill>
+            <a:tailEnd type="triangle"/>
+          </a:ln>
+        </p:spPr>
+        <p:style>
+          <a:lnRef idx="1">
+            <a:schemeClr val="accent1"/>
+          </a:lnRef>
+          <a:fillRef idx="0">
+            <a:schemeClr val="accent1"/>
+          </a:fillRef>
+          <a:effectRef idx="0">
+            <a:schemeClr val="accent1"/>
+          </a:effectRef>
+          <a:fontRef idx="minor">
+            <a:schemeClr val="tx1"/>
+          </a:fontRef>
+        </p:style>
+      </p:cxnSp>
+      <p:sp>
+        <p:nvSpPr>
+          <p:cNvPr id="16" name="다이아몬드 15">
+            <a:extLst>
+              <a:ext uri="{FF2B5EF4-FFF2-40B4-BE49-F238E27FC236}">
+                <a16:creationId xmlns:a16="http://schemas.microsoft.com/office/drawing/2014/main" id="{68FEB424-91EC-948F-D477-F82AFBF78B69}"/>
+              </a:ext>
+            </a:extLst>
+          </p:cNvPr>
+          <p:cNvSpPr/>
+          <p:nvPr/>
+        </p:nvSpPr>
+        <p:spPr>
+          <a:xfrm>
+            <a:off x="705791" y="2739427"/>
+            <a:ext cx="2266884" cy="788179"/>
+          </a:xfrm>
+          <a:prstGeom prst="diamond">
+            <a:avLst/>
+          </a:prstGeom>
+        </p:spPr>
+        <p:style>
+          <a:lnRef idx="2">
+            <a:schemeClr val="accent2">
+              <a:shade val="15000"/>
+            </a:schemeClr>
+          </a:lnRef>
+          <a:fillRef idx="1">
+            <a:schemeClr val="accent2"/>
+          </a:fillRef>
+          <a:effectRef idx="0">
+            <a:schemeClr val="accent2"/>
+          </a:effectRef>
+          <a:fontRef idx="minor">
+            <a:schemeClr val="lt1"/>
+          </a:fontRef>
+        </p:style>
+        <p:txBody>
+          <a:bodyPr rtlCol="0" anchor="ctr"/>
+          <a:lstStyle/>
+          <a:p>
+            <a:pPr algn="ctr"/>
+            <a:r>
+              <a:rPr lang="en-US" altLang="ko-KR" dirty="0">
+                <a:solidFill>
+                  <a:sysClr val="windowText" lastClr="000000"/>
+                </a:solidFill>
+              </a:rPr>
+              <a:t>OPCODE 100?</a:t>
+            </a:r>
+            <a:endParaRPr lang="ko-KR" altLang="en-US" dirty="0">
+              <a:solidFill>
+                <a:sysClr val="windowText" lastClr="000000"/>
+              </a:solidFill>
+            </a:endParaRPr>
+          </a:p>
+        </p:txBody>
+      </p:sp>
+      <p:cxnSp>
+        <p:nvCxnSpPr>
+          <p:cNvPr id="18" name="직선 화살표 연결선 17">
+            <a:extLst>
+              <a:ext uri="{FF2B5EF4-FFF2-40B4-BE49-F238E27FC236}">
+                <a16:creationId xmlns:a16="http://schemas.microsoft.com/office/drawing/2014/main" id="{1E1D97B1-1470-CCC1-E397-567278883712}"/>
+              </a:ext>
+            </a:extLst>
+          </p:cNvPr>
+          <p:cNvCxnSpPr>
+            <a:cxnSpLocks/>
+            <a:stCxn id="16" idx="2"/>
+            <a:endCxn id="10" idx="0"/>
+          </p:cNvCxnSpPr>
+          <p:nvPr/>
+        </p:nvCxnSpPr>
+        <p:spPr>
+          <a:xfrm>
+            <a:off x="1839233" y="3527606"/>
+            <a:ext cx="0" cy="356111"/>
+          </a:xfrm>
+          <a:prstGeom prst="straightConnector1">
+            <a:avLst/>
+          </a:prstGeom>
+          <a:ln w="28575">
+            <a:solidFill>
+              <a:schemeClr val="tx1"/>
+            </a:solidFill>
+            <a:tailEnd type="triangle"/>
+          </a:ln>
+        </p:spPr>
+        <p:style>
+          <a:lnRef idx="1">
+            <a:schemeClr val="accent1"/>
+          </a:lnRef>
+          <a:fillRef idx="0">
+            <a:schemeClr val="accent1"/>
+          </a:fillRef>
+          <a:effectRef idx="0">
+            <a:schemeClr val="accent1"/>
+          </a:effectRef>
+          <a:fontRef idx="minor">
+            <a:schemeClr val="tx1"/>
+          </a:fontRef>
+        </p:style>
+      </p:cxnSp>
+      <p:sp>
+        <p:nvSpPr>
+          <p:cNvPr id="22" name="직사각형 21">
+            <a:extLst>
+              <a:ext uri="{FF2B5EF4-FFF2-40B4-BE49-F238E27FC236}">
+                <a16:creationId xmlns:a16="http://schemas.microsoft.com/office/drawing/2014/main" id="{D87CFC28-DB7D-BA2B-9356-6354D0CAF56A}"/>
+              </a:ext>
+            </a:extLst>
+          </p:cNvPr>
+          <p:cNvSpPr/>
+          <p:nvPr/>
+        </p:nvSpPr>
+        <p:spPr>
+          <a:xfrm>
+            <a:off x="430892" y="4835820"/>
+            <a:ext cx="2816682" cy="595992"/>
+          </a:xfrm>
+          <a:prstGeom prst="rect">
+            <a:avLst/>
+          </a:prstGeom>
+          <a:solidFill>
+            <a:schemeClr val="tx2">
+              <a:lumMod val="40000"/>
+              <a:lumOff val="60000"/>
+            </a:schemeClr>
+          </a:solidFill>
+        </p:spPr>
+        <p:style>
+          <a:lnRef idx="2">
+            <a:schemeClr val="accent1">
+              <a:shade val="15000"/>
+            </a:schemeClr>
+          </a:lnRef>
+          <a:fillRef idx="1">
+            <a:schemeClr val="accent1"/>
+          </a:fillRef>
+          <a:effectRef idx="0">
+            <a:schemeClr val="accent1"/>
+          </a:effectRef>
+          <a:fontRef idx="minor">
+            <a:schemeClr val="lt1"/>
+          </a:fontRef>
+        </p:style>
+        <p:txBody>
+          <a:bodyPr rtlCol="0" anchor="ctr"/>
+          <a:lstStyle/>
+          <a:p>
+            <a:pPr algn="ctr"/>
+            <a:r>
+              <a:rPr lang="en-US" altLang="ko-KR" dirty="0">
+                <a:solidFill>
+                  <a:schemeClr val="tx1"/>
+                </a:solidFill>
+              </a:rPr>
+              <a:t>+ List&lt;</a:t>
+            </a:r>
+            <a:r>
+              <a:rPr lang="en-US" altLang="ko-KR" dirty="0" err="1">
+                <a:solidFill>
+                  <a:schemeClr val="tx1"/>
+                </a:solidFill>
+              </a:rPr>
+              <a:t>ClientHandle</a:t>
+            </a:r>
+            <a:r>
+              <a:rPr lang="en-US" altLang="ko-KR" dirty="0">
+                <a:solidFill>
+                  <a:schemeClr val="tx1"/>
+                </a:solidFill>
+              </a:rPr>
+              <a:t>&gt;</a:t>
+            </a:r>
+            <a:endParaRPr lang="ko-KR" altLang="en-US" dirty="0">
+              <a:solidFill>
+                <a:schemeClr val="tx1"/>
+              </a:solidFill>
+            </a:endParaRPr>
+          </a:p>
+        </p:txBody>
+      </p:sp>
+      <p:sp>
+        <p:nvSpPr>
+          <p:cNvPr id="27" name="사각형: 둥근 모서리 26">
+            <a:extLst>
+              <a:ext uri="{FF2B5EF4-FFF2-40B4-BE49-F238E27FC236}">
+                <a16:creationId xmlns:a16="http://schemas.microsoft.com/office/drawing/2014/main" id="{4557999E-4A6C-9DDB-A461-CE150F6DF743}"/>
+              </a:ext>
+            </a:extLst>
+          </p:cNvPr>
+          <p:cNvSpPr/>
+          <p:nvPr/>
+        </p:nvSpPr>
+        <p:spPr>
+          <a:xfrm>
+            <a:off x="4905827" y="926473"/>
+            <a:ext cx="2078269" cy="595992"/>
+          </a:xfrm>
+          <a:prstGeom prst="roundRect">
+            <a:avLst>
+              <a:gd name="adj" fmla="val 27739"/>
+            </a:avLst>
+          </a:prstGeom>
+          <a:solidFill>
+            <a:schemeClr val="tx2">
+              <a:lumMod val="40000"/>
+              <a:lumOff val="60000"/>
+            </a:schemeClr>
+          </a:solidFill>
+          <a:ln>
+            <a:solidFill>
+              <a:schemeClr val="tx1"/>
+            </a:solidFill>
+          </a:ln>
+        </p:spPr>
+        <p:style>
+          <a:lnRef idx="2">
+            <a:schemeClr val="accent1">
+              <a:shade val="15000"/>
+            </a:schemeClr>
+          </a:lnRef>
+          <a:fillRef idx="1">
+            <a:schemeClr val="accent1"/>
+          </a:fillRef>
+          <a:effectRef idx="0">
+            <a:schemeClr val="accent1"/>
+          </a:effectRef>
+          <a:fontRef idx="minor">
+            <a:schemeClr val="lt1"/>
+          </a:fontRef>
+        </p:style>
+        <p:txBody>
+          <a:bodyPr rtlCol="0" anchor="ctr"/>
+          <a:lstStyle/>
+          <a:p>
+            <a:pPr algn="ctr"/>
+            <a:r>
+              <a:rPr lang="en-US" altLang="ko-KR" dirty="0" err="1">
+                <a:solidFill>
+                  <a:schemeClr val="tx1"/>
+                </a:solidFill>
+              </a:rPr>
+              <a:t>ClientHandle</a:t>
+            </a:r>
+            <a:r>
+              <a:rPr lang="en-US" altLang="ko-KR" dirty="0">
+                <a:solidFill>
+                  <a:schemeClr val="tx1"/>
+                </a:solidFill>
+              </a:rPr>
+              <a:t>()</a:t>
+            </a:r>
+            <a:endParaRPr lang="ko-KR" altLang="en-US" dirty="0">
+              <a:solidFill>
+                <a:schemeClr val="tx1"/>
+              </a:solidFill>
+            </a:endParaRPr>
+          </a:p>
+        </p:txBody>
+      </p:sp>
+      <p:sp>
+        <p:nvSpPr>
+          <p:cNvPr id="28" name="직사각형 27">
+            <a:extLst>
+              <a:ext uri="{FF2B5EF4-FFF2-40B4-BE49-F238E27FC236}">
+                <a16:creationId xmlns:a16="http://schemas.microsoft.com/office/drawing/2014/main" id="{9A1268F7-5D08-2C18-EAA5-F87CD8EF480D}"/>
+              </a:ext>
+            </a:extLst>
+          </p:cNvPr>
+          <p:cNvSpPr/>
+          <p:nvPr/>
+        </p:nvSpPr>
+        <p:spPr>
+          <a:xfrm>
+            <a:off x="4905824" y="1787325"/>
+            <a:ext cx="2078272" cy="595992"/>
+          </a:xfrm>
+          <a:prstGeom prst="rect">
+            <a:avLst/>
+          </a:prstGeom>
+          <a:solidFill>
+            <a:schemeClr val="tx2">
+              <a:lumMod val="40000"/>
+              <a:lumOff val="60000"/>
+            </a:schemeClr>
+          </a:solidFill>
+        </p:spPr>
+        <p:style>
+          <a:lnRef idx="2">
+            <a:schemeClr val="accent1">
+              <a:shade val="15000"/>
+            </a:schemeClr>
+          </a:lnRef>
+          <a:fillRef idx="1">
+            <a:schemeClr val="accent1"/>
+          </a:fillRef>
+          <a:effectRef idx="0">
+            <a:schemeClr val="accent1"/>
+          </a:effectRef>
+          <a:fontRef idx="minor">
+            <a:schemeClr val="lt1"/>
+          </a:fontRef>
+        </p:style>
+        <p:txBody>
+          <a:bodyPr rtlCol="0" anchor="ctr"/>
+          <a:lstStyle/>
+          <a:p>
+            <a:pPr algn="ctr"/>
+            <a:r>
+              <a:rPr lang="en-US" altLang="ko-KR" dirty="0" err="1">
+                <a:solidFill>
+                  <a:schemeClr val="tx1"/>
+                </a:solidFill>
+              </a:rPr>
+              <a:t>StartListening</a:t>
+            </a:r>
+            <a:r>
+              <a:rPr lang="en-US" altLang="ko-KR" dirty="0">
+                <a:solidFill>
+                  <a:schemeClr val="tx1"/>
+                </a:solidFill>
+              </a:rPr>
+              <a:t>()</a:t>
+            </a:r>
+            <a:endParaRPr lang="ko-KR" altLang="en-US" dirty="0">
+              <a:solidFill>
+                <a:schemeClr val="tx1"/>
+              </a:solidFill>
+            </a:endParaRPr>
+          </a:p>
+        </p:txBody>
+      </p:sp>
+      <p:cxnSp>
+        <p:nvCxnSpPr>
+          <p:cNvPr id="29" name="직선 화살표 연결선 28">
+            <a:extLst>
+              <a:ext uri="{FF2B5EF4-FFF2-40B4-BE49-F238E27FC236}">
+                <a16:creationId xmlns:a16="http://schemas.microsoft.com/office/drawing/2014/main" id="{621B9537-CBF5-BFCD-AD1D-8F667354D39A}"/>
+              </a:ext>
+            </a:extLst>
+          </p:cNvPr>
+          <p:cNvCxnSpPr>
+            <a:cxnSpLocks/>
+            <a:stCxn id="27" idx="2"/>
+            <a:endCxn id="28" idx="0"/>
+          </p:cNvCxnSpPr>
+          <p:nvPr/>
+        </p:nvCxnSpPr>
+        <p:spPr>
+          <a:xfrm flipH="1">
+            <a:off x="5944960" y="1522465"/>
+            <a:ext cx="2" cy="264860"/>
+          </a:xfrm>
+          <a:prstGeom prst="straightConnector1">
+            <a:avLst/>
+          </a:prstGeom>
+          <a:ln w="28575">
+            <a:solidFill>
+              <a:schemeClr val="tx1"/>
+            </a:solidFill>
+            <a:tailEnd type="triangle"/>
+          </a:ln>
+        </p:spPr>
+        <p:style>
+          <a:lnRef idx="1">
+            <a:schemeClr val="accent1"/>
+          </a:lnRef>
+          <a:fillRef idx="0">
+            <a:schemeClr val="accent1"/>
+          </a:fillRef>
+          <a:effectRef idx="0">
+            <a:schemeClr val="accent1"/>
+          </a:effectRef>
+          <a:fontRef idx="minor">
+            <a:schemeClr val="tx1"/>
+          </a:fontRef>
+        </p:style>
+      </p:cxnSp>
+      <p:sp>
+        <p:nvSpPr>
+          <p:cNvPr id="32" name="사각형: 둥근 모서리 31">
+            <a:extLst>
+              <a:ext uri="{FF2B5EF4-FFF2-40B4-BE49-F238E27FC236}">
+                <a16:creationId xmlns:a16="http://schemas.microsoft.com/office/drawing/2014/main" id="{47F8C184-AF6F-C034-AEAB-B267529F6DF1}"/>
+              </a:ext>
+            </a:extLst>
+          </p:cNvPr>
+          <p:cNvSpPr/>
+          <p:nvPr/>
+        </p:nvSpPr>
+        <p:spPr>
+          <a:xfrm>
+            <a:off x="9162591" y="926473"/>
+            <a:ext cx="2078269" cy="595992"/>
+          </a:xfrm>
+          <a:prstGeom prst="roundRect">
+            <a:avLst>
+              <a:gd name="adj" fmla="val 27739"/>
+            </a:avLst>
+          </a:prstGeom>
+          <a:solidFill>
+            <a:schemeClr val="tx2">
+              <a:lumMod val="40000"/>
+              <a:lumOff val="60000"/>
+            </a:schemeClr>
+          </a:solidFill>
+          <a:ln>
+            <a:solidFill>
+              <a:schemeClr val="tx1"/>
+            </a:solidFill>
+          </a:ln>
+        </p:spPr>
+        <p:style>
+          <a:lnRef idx="2">
+            <a:schemeClr val="accent1">
+              <a:shade val="15000"/>
+            </a:schemeClr>
+          </a:lnRef>
+          <a:fillRef idx="1">
+            <a:schemeClr val="accent1"/>
+          </a:fillRef>
+          <a:effectRef idx="0">
+            <a:schemeClr val="accent1"/>
+          </a:effectRef>
+          <a:fontRef idx="minor">
+            <a:schemeClr val="lt1"/>
+          </a:fontRef>
+        </p:style>
+        <p:txBody>
+          <a:bodyPr rtlCol="0" anchor="ctr"/>
+          <a:lstStyle/>
+          <a:p>
+            <a:pPr algn="ctr"/>
+            <a:r>
+              <a:rPr lang="en-US" altLang="ko-KR" dirty="0" err="1">
+                <a:solidFill>
+                  <a:schemeClr val="tx1"/>
+                </a:solidFill>
+              </a:rPr>
+              <a:t>StartListening</a:t>
+            </a:r>
+            <a:r>
+              <a:rPr lang="en-US" altLang="ko-KR" dirty="0">
+                <a:solidFill>
+                  <a:schemeClr val="tx1"/>
+                </a:solidFill>
+              </a:rPr>
+              <a:t>()</a:t>
+            </a:r>
+            <a:endParaRPr lang="ko-KR" altLang="en-US" dirty="0">
+              <a:solidFill>
+                <a:schemeClr val="tx1"/>
+              </a:solidFill>
+            </a:endParaRPr>
+          </a:p>
+        </p:txBody>
+      </p:sp>
+      <p:sp>
+        <p:nvSpPr>
+          <p:cNvPr id="33" name="직사각형 32">
+            <a:extLst>
+              <a:ext uri="{FF2B5EF4-FFF2-40B4-BE49-F238E27FC236}">
+                <a16:creationId xmlns:a16="http://schemas.microsoft.com/office/drawing/2014/main" id="{364CB79F-3D6A-06C0-7005-441F6364009F}"/>
+              </a:ext>
+            </a:extLst>
+          </p:cNvPr>
+          <p:cNvSpPr/>
+          <p:nvPr/>
+        </p:nvSpPr>
+        <p:spPr>
+          <a:xfrm>
+            <a:off x="9162588" y="2714449"/>
+            <a:ext cx="2078272" cy="595992"/>
+          </a:xfrm>
+          <a:prstGeom prst="rect">
+            <a:avLst/>
+          </a:prstGeom>
+          <a:solidFill>
+            <a:schemeClr val="tx2">
+              <a:lumMod val="40000"/>
+              <a:lumOff val="60000"/>
+            </a:schemeClr>
+          </a:solidFill>
+        </p:spPr>
+        <p:style>
+          <a:lnRef idx="2">
+            <a:schemeClr val="accent1">
+              <a:shade val="15000"/>
+            </a:schemeClr>
+          </a:lnRef>
+          <a:fillRef idx="1">
+            <a:schemeClr val="accent1"/>
+          </a:fillRef>
+          <a:effectRef idx="0">
+            <a:schemeClr val="accent1"/>
+          </a:effectRef>
+          <a:fontRef idx="minor">
+            <a:schemeClr val="lt1"/>
+          </a:fontRef>
+        </p:style>
+        <p:txBody>
+          <a:bodyPr rtlCol="0" anchor="ctr"/>
+          <a:lstStyle/>
+          <a:p>
+            <a:pPr algn="ctr"/>
+            <a:r>
+              <a:rPr lang="en-US" altLang="ko-KR" dirty="0">
+                <a:solidFill>
+                  <a:schemeClr val="tx1"/>
+                </a:solidFill>
+              </a:rPr>
+              <a:t>Receive()</a:t>
+            </a:r>
+            <a:endParaRPr lang="ko-KR" altLang="en-US" dirty="0">
+              <a:solidFill>
+                <a:schemeClr val="tx1"/>
+              </a:solidFill>
+            </a:endParaRPr>
+          </a:p>
+        </p:txBody>
+      </p:sp>
+      <p:sp>
+        <p:nvSpPr>
+          <p:cNvPr id="34" name="사각형: 잘린 위쪽 모서리 33">
+            <a:extLst>
+              <a:ext uri="{FF2B5EF4-FFF2-40B4-BE49-F238E27FC236}">
+                <a16:creationId xmlns:a16="http://schemas.microsoft.com/office/drawing/2014/main" id="{E2453D1B-8956-EC20-8A1F-D59D662860ED}"/>
+              </a:ext>
+            </a:extLst>
+          </p:cNvPr>
+          <p:cNvSpPr/>
+          <p:nvPr/>
+        </p:nvSpPr>
+        <p:spPr>
+          <a:xfrm>
+            <a:off x="9011547" y="1820461"/>
+            <a:ext cx="2380354" cy="595992"/>
+          </a:xfrm>
+          <a:prstGeom prst="snip2SameRect">
+            <a:avLst>
+              <a:gd name="adj1" fmla="val 43556"/>
+              <a:gd name="adj2" fmla="val 0"/>
+            </a:avLst>
+          </a:prstGeom>
+          <a:solidFill>
+            <a:schemeClr val="accent4">
+              <a:lumMod val="60000"/>
+              <a:lumOff val="40000"/>
+            </a:schemeClr>
+          </a:solidFill>
+          <a:ln>
+            <a:solidFill>
+              <a:schemeClr val="tx1"/>
+            </a:solidFill>
+          </a:ln>
+        </p:spPr>
+        <p:style>
+          <a:lnRef idx="2">
+            <a:schemeClr val="accent1">
+              <a:shade val="15000"/>
+            </a:schemeClr>
+          </a:lnRef>
+          <a:fillRef idx="1">
+            <a:schemeClr val="accent1"/>
+          </a:fillRef>
+          <a:effectRef idx="0">
+            <a:schemeClr val="accent1"/>
+          </a:effectRef>
+          <a:fontRef idx="minor">
+            <a:schemeClr val="lt1"/>
+          </a:fontRef>
+        </p:style>
+        <p:txBody>
+          <a:bodyPr rtlCol="0" anchor="ctr"/>
+          <a:lstStyle/>
+          <a:p>
+            <a:pPr algn="ctr"/>
+            <a:r>
+              <a:rPr lang="en-US" altLang="ko-KR" dirty="0">
+                <a:solidFill>
+                  <a:sysClr val="windowText" lastClr="000000"/>
+                </a:solidFill>
+              </a:rPr>
+              <a:t>true</a:t>
+            </a:r>
+            <a:endParaRPr lang="ko-KR" altLang="en-US" dirty="0">
+              <a:solidFill>
+                <a:sysClr val="windowText" lastClr="000000"/>
+              </a:solidFill>
+            </a:endParaRPr>
+          </a:p>
+        </p:txBody>
+      </p:sp>
+      <p:sp>
+        <p:nvSpPr>
+          <p:cNvPr id="35" name="사각형: 잘린 위쪽 모서리 34">
+            <a:extLst>
+              <a:ext uri="{FF2B5EF4-FFF2-40B4-BE49-F238E27FC236}">
+                <a16:creationId xmlns:a16="http://schemas.microsoft.com/office/drawing/2014/main" id="{0575A10D-189C-CD5F-7739-6E89945F5E19}"/>
+              </a:ext>
+            </a:extLst>
+          </p:cNvPr>
+          <p:cNvSpPr/>
+          <p:nvPr/>
+        </p:nvSpPr>
+        <p:spPr>
+          <a:xfrm>
+            <a:off x="9011547" y="4502425"/>
+            <a:ext cx="2380352" cy="595992"/>
+          </a:xfrm>
+          <a:prstGeom prst="snip2SameRect">
+            <a:avLst>
+              <a:gd name="adj1" fmla="val 0"/>
+              <a:gd name="adj2" fmla="val 45869"/>
+            </a:avLst>
+          </a:prstGeom>
+          <a:solidFill>
+            <a:schemeClr val="accent4">
+              <a:lumMod val="60000"/>
+              <a:lumOff val="40000"/>
+            </a:schemeClr>
+          </a:solidFill>
+          <a:ln>
+            <a:solidFill>
+              <a:schemeClr val="tx1"/>
+            </a:solidFill>
+          </a:ln>
+        </p:spPr>
+        <p:style>
+          <a:lnRef idx="2">
+            <a:schemeClr val="accent1">
+              <a:shade val="15000"/>
+            </a:schemeClr>
+          </a:lnRef>
+          <a:fillRef idx="1">
+            <a:schemeClr val="accent1"/>
+          </a:fillRef>
+          <a:effectRef idx="0">
+            <a:schemeClr val="accent1"/>
+          </a:effectRef>
+          <a:fontRef idx="minor">
+            <a:schemeClr val="lt1"/>
+          </a:fontRef>
+        </p:style>
+        <p:txBody>
+          <a:bodyPr rtlCol="0" anchor="ctr"/>
+          <a:lstStyle/>
+          <a:p>
+            <a:pPr algn="ctr"/>
+            <a:endParaRPr lang="ko-KR" altLang="en-US" dirty="0">
+              <a:solidFill>
+                <a:sysClr val="windowText" lastClr="000000"/>
+              </a:solidFill>
+            </a:endParaRPr>
+          </a:p>
+        </p:txBody>
+      </p:sp>
+      <p:cxnSp>
+        <p:nvCxnSpPr>
+          <p:cNvPr id="36" name="직선 화살표 연결선 35">
+            <a:extLst>
+              <a:ext uri="{FF2B5EF4-FFF2-40B4-BE49-F238E27FC236}">
+                <a16:creationId xmlns:a16="http://schemas.microsoft.com/office/drawing/2014/main" id="{6E9C6D9D-A6C1-A8BA-EFB5-C231588C1446}"/>
+              </a:ext>
+            </a:extLst>
+          </p:cNvPr>
+          <p:cNvCxnSpPr>
+            <a:cxnSpLocks/>
+            <a:stCxn id="34" idx="1"/>
+            <a:endCxn id="33" idx="0"/>
+          </p:cNvCxnSpPr>
+          <p:nvPr/>
+        </p:nvCxnSpPr>
+        <p:spPr>
+          <a:xfrm>
+            <a:off x="10201724" y="2416453"/>
+            <a:ext cx="0" cy="297996"/>
+          </a:xfrm>
+          <a:prstGeom prst="straightConnector1">
+            <a:avLst/>
+          </a:prstGeom>
+          <a:ln w="28575">
+            <a:solidFill>
+              <a:schemeClr val="tx1"/>
+            </a:solidFill>
+            <a:tailEnd type="triangle"/>
+          </a:ln>
+        </p:spPr>
+        <p:style>
+          <a:lnRef idx="1">
+            <a:schemeClr val="accent1"/>
+          </a:lnRef>
+          <a:fillRef idx="0">
+            <a:schemeClr val="accent1"/>
+          </a:fillRef>
+          <a:effectRef idx="0">
+            <a:schemeClr val="accent1"/>
+          </a:effectRef>
+          <a:fontRef idx="minor">
+            <a:schemeClr val="tx1"/>
+          </a:fontRef>
+        </p:style>
+      </p:cxnSp>
+      <p:cxnSp>
+        <p:nvCxnSpPr>
+          <p:cNvPr id="38" name="직선 화살표 연결선 37">
+            <a:extLst>
+              <a:ext uri="{FF2B5EF4-FFF2-40B4-BE49-F238E27FC236}">
+                <a16:creationId xmlns:a16="http://schemas.microsoft.com/office/drawing/2014/main" id="{5FC98500-AB0A-89CC-4430-2CCDB2759063}"/>
+              </a:ext>
+            </a:extLst>
+          </p:cNvPr>
+          <p:cNvCxnSpPr>
+            <a:cxnSpLocks/>
+            <a:stCxn id="33" idx="2"/>
+            <a:endCxn id="45" idx="0"/>
+          </p:cNvCxnSpPr>
+          <p:nvPr/>
+        </p:nvCxnSpPr>
+        <p:spPr>
+          <a:xfrm flipH="1">
+            <a:off x="10201723" y="3310441"/>
+            <a:ext cx="1" cy="382774"/>
+          </a:xfrm>
+          <a:prstGeom prst="straightConnector1">
+            <a:avLst/>
+          </a:prstGeom>
+          <a:ln w="28575">
+            <a:solidFill>
+              <a:schemeClr val="tx1"/>
+            </a:solidFill>
+            <a:tailEnd type="triangle"/>
+          </a:ln>
+        </p:spPr>
+        <p:style>
+          <a:lnRef idx="1">
+            <a:schemeClr val="accent1"/>
+          </a:lnRef>
+          <a:fillRef idx="0">
+            <a:schemeClr val="accent1"/>
+          </a:fillRef>
+          <a:effectRef idx="0">
+            <a:schemeClr val="accent1"/>
+          </a:effectRef>
+          <a:fontRef idx="minor">
+            <a:schemeClr val="tx1"/>
+          </a:fontRef>
+        </p:style>
+      </p:cxnSp>
+      <p:cxnSp>
+        <p:nvCxnSpPr>
+          <p:cNvPr id="39" name="직선 화살표 연결선 38">
+            <a:extLst>
+              <a:ext uri="{FF2B5EF4-FFF2-40B4-BE49-F238E27FC236}">
+                <a16:creationId xmlns:a16="http://schemas.microsoft.com/office/drawing/2014/main" id="{23F29CD4-DDE7-1568-BE4F-A9426E5891CC}"/>
+              </a:ext>
+            </a:extLst>
+          </p:cNvPr>
+          <p:cNvCxnSpPr>
+            <a:cxnSpLocks/>
+            <a:stCxn id="45" idx="4"/>
+            <a:endCxn id="35" idx="3"/>
+          </p:cNvCxnSpPr>
+          <p:nvPr/>
+        </p:nvCxnSpPr>
+        <p:spPr>
+          <a:xfrm>
+            <a:off x="10201723" y="4119651"/>
+            <a:ext cx="0" cy="382774"/>
+          </a:xfrm>
+          <a:prstGeom prst="straightConnector1">
+            <a:avLst/>
+          </a:prstGeom>
+          <a:ln w="28575">
+            <a:solidFill>
+              <a:schemeClr val="tx1"/>
+            </a:solidFill>
+            <a:tailEnd type="triangle"/>
+          </a:ln>
+        </p:spPr>
+        <p:style>
+          <a:lnRef idx="1">
+            <a:schemeClr val="accent1"/>
+          </a:lnRef>
+          <a:fillRef idx="0">
+            <a:schemeClr val="accent1"/>
+          </a:fillRef>
+          <a:effectRef idx="0">
+            <a:schemeClr val="accent1"/>
+          </a:effectRef>
+          <a:fontRef idx="minor">
+            <a:schemeClr val="tx1"/>
+          </a:fontRef>
+        </p:style>
+      </p:cxnSp>
+      <p:cxnSp>
+        <p:nvCxnSpPr>
+          <p:cNvPr id="40" name="직선 화살표 연결선 39">
+            <a:extLst>
+              <a:ext uri="{FF2B5EF4-FFF2-40B4-BE49-F238E27FC236}">
+                <a16:creationId xmlns:a16="http://schemas.microsoft.com/office/drawing/2014/main" id="{481A7FEC-ACBC-A728-56CB-3EB28B3ABED7}"/>
+              </a:ext>
+            </a:extLst>
+          </p:cNvPr>
+          <p:cNvCxnSpPr>
+            <a:cxnSpLocks/>
+            <a:stCxn id="32" idx="2"/>
+            <a:endCxn id="34" idx="3"/>
+          </p:cNvCxnSpPr>
+          <p:nvPr/>
+        </p:nvCxnSpPr>
+        <p:spPr>
+          <a:xfrm flipH="1">
+            <a:off x="10201724" y="1522465"/>
+            <a:ext cx="2" cy="297996"/>
+          </a:xfrm>
+          <a:prstGeom prst="straightConnector1">
+            <a:avLst/>
+          </a:prstGeom>
+          <a:ln w="28575">
+            <a:solidFill>
+              <a:schemeClr val="tx1"/>
+            </a:solidFill>
+            <a:tailEnd type="triangle"/>
+          </a:ln>
+        </p:spPr>
+        <p:style>
+          <a:lnRef idx="1">
+            <a:schemeClr val="accent1"/>
+          </a:lnRef>
+          <a:fillRef idx="0">
+            <a:schemeClr val="accent1"/>
+          </a:fillRef>
+          <a:effectRef idx="0">
+            <a:schemeClr val="accent1"/>
+          </a:effectRef>
+          <a:fontRef idx="minor">
+            <a:schemeClr val="tx1"/>
+          </a:fontRef>
+        </p:style>
+      </p:cxnSp>
+      <p:sp>
+        <p:nvSpPr>
+          <p:cNvPr id="43" name="TextBox 42">
+            <a:extLst>
+              <a:ext uri="{FF2B5EF4-FFF2-40B4-BE49-F238E27FC236}">
+                <a16:creationId xmlns:a16="http://schemas.microsoft.com/office/drawing/2014/main" id="{283054A1-A2AD-A8D6-E00D-1BE440FF56C0}"/>
+              </a:ext>
+            </a:extLst>
+          </p:cNvPr>
+          <p:cNvSpPr txBox="1"/>
+          <p:nvPr/>
+        </p:nvSpPr>
+        <p:spPr>
+          <a:xfrm>
+            <a:off x="1365706" y="3527654"/>
+            <a:ext cx="473525" cy="276999"/>
+          </a:xfrm>
+          <a:prstGeom prst="rect">
+            <a:avLst/>
+          </a:prstGeom>
+          <a:noFill/>
+        </p:spPr>
+        <p:txBody>
+          <a:bodyPr wrap="square" rtlCol="0">
+            <a:spAutoFit/>
+          </a:bodyPr>
+          <a:lstStyle/>
+          <a:p>
+            <a:r>
+              <a:rPr lang="en-US" altLang="ko-KR" sz="1200" dirty="0"/>
+              <a:t>YES</a:t>
+            </a:r>
+            <a:endParaRPr lang="ko-KR" altLang="en-US" sz="1200" dirty="0"/>
+          </a:p>
+        </p:txBody>
+      </p:sp>
+      <p:sp>
+        <p:nvSpPr>
+          <p:cNvPr id="44" name="타원 43">
+            <a:extLst>
+              <a:ext uri="{FF2B5EF4-FFF2-40B4-BE49-F238E27FC236}">
+                <a16:creationId xmlns:a16="http://schemas.microsoft.com/office/drawing/2014/main" id="{1B97DF96-37FC-E7E9-C62B-6EFF279DCCCC}"/>
+              </a:ext>
+            </a:extLst>
+          </p:cNvPr>
+          <p:cNvSpPr/>
+          <p:nvPr/>
+        </p:nvSpPr>
+        <p:spPr>
+          <a:xfrm>
+            <a:off x="4371940" y="1872103"/>
+            <a:ext cx="426436" cy="426436"/>
+          </a:xfrm>
+          <a:prstGeom prst="ellipse">
+            <a:avLst/>
+          </a:prstGeom>
+          <a:solidFill>
+            <a:srgbClr val="00B0F0"/>
+          </a:solidFill>
+        </p:spPr>
+        <p:style>
+          <a:lnRef idx="2">
+            <a:schemeClr val="accent1">
+              <a:shade val="15000"/>
+            </a:schemeClr>
+          </a:lnRef>
+          <a:fillRef idx="1">
+            <a:schemeClr val="accent1"/>
+          </a:fillRef>
+          <a:effectRef idx="0">
+            <a:schemeClr val="accent1"/>
+          </a:effectRef>
+          <a:fontRef idx="minor">
+            <a:schemeClr val="lt1"/>
+          </a:fontRef>
+        </p:style>
+        <p:txBody>
+          <a:bodyPr rtlCol="0" anchor="ctr"/>
+          <a:lstStyle/>
+          <a:p>
+            <a:pPr algn="ctr"/>
+            <a:r>
+              <a:rPr lang="en-US" altLang="ko-KR" dirty="0"/>
+              <a:t>1</a:t>
+            </a:r>
+            <a:endParaRPr lang="ko-KR" altLang="en-US" dirty="0"/>
+          </a:p>
+        </p:txBody>
+      </p:sp>
+      <p:sp>
+        <p:nvSpPr>
+          <p:cNvPr id="45" name="타원 44">
+            <a:extLst>
+              <a:ext uri="{FF2B5EF4-FFF2-40B4-BE49-F238E27FC236}">
+                <a16:creationId xmlns:a16="http://schemas.microsoft.com/office/drawing/2014/main" id="{51C45D6C-AD3C-42E7-F091-9DA252733D09}"/>
+              </a:ext>
+            </a:extLst>
+          </p:cNvPr>
+          <p:cNvSpPr/>
+          <p:nvPr/>
+        </p:nvSpPr>
+        <p:spPr>
+          <a:xfrm>
+            <a:off x="9988505" y="3693215"/>
+            <a:ext cx="426436" cy="426436"/>
+          </a:xfrm>
+          <a:prstGeom prst="ellipse">
+            <a:avLst/>
+          </a:prstGeom>
+          <a:solidFill>
+            <a:schemeClr val="accent2">
+              <a:lumMod val="60000"/>
+              <a:lumOff val="40000"/>
+            </a:schemeClr>
+          </a:solidFill>
+        </p:spPr>
+        <p:style>
+          <a:lnRef idx="2">
+            <a:schemeClr val="accent1">
+              <a:shade val="15000"/>
+            </a:schemeClr>
+          </a:lnRef>
+          <a:fillRef idx="1">
+            <a:schemeClr val="accent1"/>
+          </a:fillRef>
+          <a:effectRef idx="0">
+            <a:schemeClr val="accent1"/>
+          </a:effectRef>
+          <a:fontRef idx="minor">
+            <a:schemeClr val="lt1"/>
+          </a:fontRef>
+        </p:style>
+        <p:txBody>
+          <a:bodyPr rtlCol="0" anchor="ctr"/>
+          <a:lstStyle/>
+          <a:p>
+            <a:pPr algn="ctr"/>
+            <a:r>
+              <a:rPr lang="en-US" altLang="ko-KR" dirty="0"/>
+              <a:t>2</a:t>
+            </a:r>
+            <a:endParaRPr lang="ko-KR" altLang="en-US" dirty="0"/>
+          </a:p>
+        </p:txBody>
+      </p:sp>
+    </p:spTree>
+    <p:extLst>
+      <p:ext uri="{BB962C8B-B14F-4D97-AF65-F5344CB8AC3E}">
+        <p14:creationId xmlns:p14="http://schemas.microsoft.com/office/powerpoint/2010/main" val="3926650044"/>
+      </p:ext>
+    </p:extLst>
+  </p:cSld>
+  <p:clrMapOvr>
+    <a:masterClrMapping/>
+  </p:clrMapOvr>
+</p:sld>
+</file>
+
+<file path=ppt/slides/slide11.xml><?xml version="1.0" encoding="utf-8"?>
+<p:sld xmlns:a="http://schemas.openxmlformats.org/drawingml/2006/main" xmlns:r="http://schemas.openxmlformats.org/officeDocument/2006/relationships" xmlns:p="http://schemas.openxmlformats.org/presentationml/2006/main">
+  <p:cSld>
+    <p:spTree>
+      <p:nvGrpSpPr>
+        <p:cNvPr id="1" name="">
+          <a:extLst>
+            <a:ext uri="{FF2B5EF4-FFF2-40B4-BE49-F238E27FC236}">
+              <a16:creationId xmlns:a16="http://schemas.microsoft.com/office/drawing/2014/main" id="{31044D8D-FBA8-B217-46A0-0A67C84C4E40}"/>
+            </a:ext>
+          </a:extLst>
+        </p:cNvPr>
+        <p:cNvGrpSpPr/>
+        <p:nvPr/>
+      </p:nvGrpSpPr>
+      <p:grpSpPr>
+        <a:xfrm>
+          <a:off x="0" y="0"/>
+          <a:ext cx="0" cy="0"/>
+          <a:chOff x="0" y="0"/>
+          <a:chExt cx="0" cy="0"/>
+        </a:xfrm>
+      </p:grpSpPr>
+      <p:sp>
+        <p:nvSpPr>
+          <p:cNvPr id="2" name="제목 1">
+            <a:extLst>
+              <a:ext uri="{FF2B5EF4-FFF2-40B4-BE49-F238E27FC236}">
+                <a16:creationId xmlns:a16="http://schemas.microsoft.com/office/drawing/2014/main" id="{6C55E9B7-AFD1-EDF8-4C1E-4E1C10B70D6F}"/>
+              </a:ext>
+            </a:extLst>
+          </p:cNvPr>
+          <p:cNvSpPr>
+            <a:spLocks noGrp="1"/>
+          </p:cNvSpPr>
+          <p:nvPr>
+            <p:ph type="title"/>
+          </p:nvPr>
+        </p:nvSpPr>
+        <p:spPr>
+          <a:xfrm>
+            <a:off x="-1" y="0"/>
+            <a:ext cx="5845629" cy="516835"/>
+          </a:xfrm>
+        </p:spPr>
+        <p:txBody>
+          <a:bodyPr>
+            <a:normAutofit/>
+          </a:bodyPr>
+          <a:lstStyle/>
+          <a:p>
+            <a:r>
+              <a:rPr lang="en-US" altLang="ko-KR" dirty="0" err="1">
+                <a:solidFill>
+                  <a:schemeClr val="tx1"/>
+                </a:solidFill>
+              </a:rPr>
+              <a:t>ServerSocket_ClientHandle</a:t>
+            </a:r>
+            <a:endParaRPr lang="ko-KR" altLang="en-US" dirty="0"/>
+          </a:p>
+        </p:txBody>
+      </p:sp>
+      <p:sp>
+        <p:nvSpPr>
+          <p:cNvPr id="5" name="타원 4">
+            <a:extLst>
+              <a:ext uri="{FF2B5EF4-FFF2-40B4-BE49-F238E27FC236}">
+                <a16:creationId xmlns:a16="http://schemas.microsoft.com/office/drawing/2014/main" id="{1D31AE84-74CF-88D7-1B3D-360F95C5DE8C}"/>
+              </a:ext>
+            </a:extLst>
+          </p:cNvPr>
+          <p:cNvSpPr/>
+          <p:nvPr/>
+        </p:nvSpPr>
+        <p:spPr>
+          <a:xfrm>
+            <a:off x="1626017" y="970602"/>
+            <a:ext cx="426436" cy="426436"/>
+          </a:xfrm>
+          <a:prstGeom prst="ellipse">
+            <a:avLst/>
+          </a:prstGeom>
+          <a:solidFill>
+            <a:schemeClr val="accent2">
+              <a:lumMod val="60000"/>
+              <a:lumOff val="40000"/>
+            </a:schemeClr>
+          </a:solidFill>
+        </p:spPr>
+        <p:style>
+          <a:lnRef idx="2">
+            <a:schemeClr val="accent1">
+              <a:shade val="15000"/>
+            </a:schemeClr>
+          </a:lnRef>
+          <a:fillRef idx="1">
+            <a:schemeClr val="accent1"/>
+          </a:fillRef>
+          <a:effectRef idx="0">
+            <a:schemeClr val="accent1"/>
+          </a:effectRef>
+          <a:fontRef idx="minor">
+            <a:schemeClr val="lt1"/>
+          </a:fontRef>
+        </p:style>
+        <p:txBody>
+          <a:bodyPr rtlCol="0" anchor="ctr"/>
+          <a:lstStyle/>
+          <a:p>
+            <a:pPr algn="ctr"/>
+            <a:r>
+              <a:rPr lang="en-US" altLang="ko-KR" dirty="0"/>
+              <a:t>2</a:t>
+            </a:r>
+            <a:endParaRPr lang="ko-KR" altLang="en-US" dirty="0"/>
+          </a:p>
+        </p:txBody>
+      </p:sp>
+      <p:sp>
+        <p:nvSpPr>
+          <p:cNvPr id="6" name="직사각형 5">
+            <a:extLst>
+              <a:ext uri="{FF2B5EF4-FFF2-40B4-BE49-F238E27FC236}">
+                <a16:creationId xmlns:a16="http://schemas.microsoft.com/office/drawing/2014/main" id="{46FEF2D9-F08D-3240-8935-CF8F381CC981}"/>
+              </a:ext>
+            </a:extLst>
+          </p:cNvPr>
+          <p:cNvSpPr/>
+          <p:nvPr/>
+        </p:nvSpPr>
+        <p:spPr>
+          <a:xfrm>
+            <a:off x="800100" y="1787325"/>
+            <a:ext cx="2078272" cy="595992"/>
+          </a:xfrm>
+          <a:prstGeom prst="rect">
+            <a:avLst/>
+          </a:prstGeom>
+          <a:solidFill>
+            <a:schemeClr val="tx2">
+              <a:lumMod val="40000"/>
+              <a:lumOff val="60000"/>
+            </a:schemeClr>
+          </a:solidFill>
+        </p:spPr>
+        <p:style>
+          <a:lnRef idx="2">
+            <a:schemeClr val="accent1">
+              <a:shade val="15000"/>
+            </a:schemeClr>
+          </a:lnRef>
+          <a:fillRef idx="1">
+            <a:schemeClr val="accent1"/>
+          </a:fillRef>
+          <a:effectRef idx="0">
+            <a:schemeClr val="accent1"/>
+          </a:effectRef>
+          <a:fontRef idx="minor">
+            <a:schemeClr val="lt1"/>
+          </a:fontRef>
+        </p:style>
+        <p:txBody>
+          <a:bodyPr rtlCol="0" anchor="ctr"/>
+          <a:lstStyle/>
+          <a:p>
+            <a:pPr algn="ctr"/>
+            <a:endParaRPr lang="ko-KR" altLang="en-US" dirty="0">
+              <a:solidFill>
+                <a:schemeClr val="tx1"/>
+              </a:solidFill>
+            </a:endParaRPr>
+          </a:p>
+        </p:txBody>
+      </p:sp>
+      <p:cxnSp>
+        <p:nvCxnSpPr>
+          <p:cNvPr id="7" name="직선 화살표 연결선 6">
+            <a:extLst>
+              <a:ext uri="{FF2B5EF4-FFF2-40B4-BE49-F238E27FC236}">
+                <a16:creationId xmlns:a16="http://schemas.microsoft.com/office/drawing/2014/main" id="{745B21C1-98BB-6FB0-9466-76FC929C3C2D}"/>
+              </a:ext>
+            </a:extLst>
+          </p:cNvPr>
+          <p:cNvCxnSpPr>
+            <a:cxnSpLocks/>
+            <a:stCxn id="5" idx="4"/>
+            <a:endCxn id="6" idx="0"/>
+          </p:cNvCxnSpPr>
+          <p:nvPr/>
+        </p:nvCxnSpPr>
+        <p:spPr>
+          <a:xfrm>
+            <a:off x="1839235" y="1397038"/>
+            <a:ext cx="1" cy="390287"/>
+          </a:xfrm>
+          <a:prstGeom prst="straightConnector1">
+            <a:avLst/>
+          </a:prstGeom>
+          <a:ln w="28575">
+            <a:solidFill>
+              <a:schemeClr val="tx1"/>
+            </a:solidFill>
+            <a:tailEnd type="triangle"/>
+          </a:ln>
+        </p:spPr>
+        <p:style>
+          <a:lnRef idx="1">
+            <a:schemeClr val="accent1"/>
+          </a:lnRef>
+          <a:fillRef idx="0">
+            <a:schemeClr val="accent1"/>
+          </a:fillRef>
+          <a:effectRef idx="0">
+            <a:schemeClr val="accent1"/>
+          </a:effectRef>
+          <a:fontRef idx="minor">
+            <a:schemeClr val="tx1"/>
+          </a:fontRef>
+        </p:style>
+      </p:cxnSp>
+    </p:spTree>
+    <p:extLst>
+      <p:ext uri="{BB962C8B-B14F-4D97-AF65-F5344CB8AC3E}">
+        <p14:creationId xmlns:p14="http://schemas.microsoft.com/office/powerpoint/2010/main" val="2554745826"/>
+      </p:ext>
+    </p:extLst>
+  </p:cSld>
+  <p:clrMapOvr>
+    <a:masterClrMapping/>
+  </p:clrMapOvr>
+</p:sld>
+</file>
+
 <file path=ppt/slides/slide2.xml><?xml version="1.0" encoding="utf-8"?>
 <p:sld xmlns:a="http://schemas.openxmlformats.org/drawingml/2006/main" xmlns:r="http://schemas.openxmlformats.org/officeDocument/2006/relationships" xmlns:p="http://schemas.openxmlformats.org/presentationml/2006/main">
   <p:cSld>
@@ -7396,7 +9036,7 @@
         </p:nvSpPr>
         <p:spPr>
           <a:xfrm>
-            <a:off x="612213" y="1742744"/>
+            <a:off x="838200" y="1742744"/>
             <a:ext cx="2078272" cy="595992"/>
           </a:xfrm>
           <a:prstGeom prst="rect">
@@ -7451,10 +9091,10 @@
       </p:sp>
       <p:sp>
         <p:nvSpPr>
-          <p:cNvPr id="5" name="직사각형 4">
-            <a:extLst>
-              <a:ext uri="{FF2B5EF4-FFF2-40B4-BE49-F238E27FC236}">
-                <a16:creationId xmlns:a16="http://schemas.microsoft.com/office/drawing/2014/main" id="{C2D02126-2796-4AD2-72C2-D80D3DCD5FD6}"/>
+          <p:cNvPr id="7" name="직사각형 6">
+            <a:extLst>
+              <a:ext uri="{FF2B5EF4-FFF2-40B4-BE49-F238E27FC236}">
+                <a16:creationId xmlns:a16="http://schemas.microsoft.com/office/drawing/2014/main" id="{9C3C69C0-9071-5C80-8B36-4485803D87F2}"/>
               </a:ext>
             </a:extLst>
           </p:cNvPr>
@@ -7463,74 +9103,7 @@
         </p:nvSpPr>
         <p:spPr>
           <a:xfrm>
-            <a:off x="4379827" y="1742744"/>
-            <a:ext cx="2078272" cy="595992"/>
-          </a:xfrm>
-          <a:prstGeom prst="rect">
-            <a:avLst/>
-          </a:prstGeom>
-          <a:solidFill>
-            <a:schemeClr val="accent2">
-              <a:lumMod val="60000"/>
-              <a:lumOff val="40000"/>
-            </a:schemeClr>
-          </a:solidFill>
-          <a:ln>
-            <a:noFill/>
-          </a:ln>
-        </p:spPr>
-        <p:style>
-          <a:lnRef idx="2">
-            <a:schemeClr val="accent1">
-              <a:shade val="15000"/>
-            </a:schemeClr>
-          </a:lnRef>
-          <a:fillRef idx="1">
-            <a:schemeClr val="accent1"/>
-          </a:fillRef>
-          <a:effectRef idx="0">
-            <a:schemeClr val="accent1"/>
-          </a:effectRef>
-          <a:fontRef idx="minor">
-            <a:schemeClr val="lt1"/>
-          </a:fontRef>
-        </p:style>
-        <p:txBody>
-          <a:bodyPr rtlCol="0" anchor="ctr"/>
-          <a:lstStyle/>
-          <a:p>
-            <a:pPr algn="ctr"/>
-            <a:r>
-              <a:rPr lang="en-US" altLang="ko-KR" dirty="0" err="1">
-                <a:solidFill>
-                  <a:schemeClr val="tx1"/>
-                </a:solidFill>
-              </a:rPr>
-              <a:t>ServerSocket</a:t>
-            </a:r>
-            <a:endParaRPr lang="en-US" altLang="ko-KR" dirty="0">
-              <a:solidFill>
-                <a:schemeClr val="tx1"/>
-              </a:solidFill>
-            </a:endParaRPr>
-          </a:p>
-        </p:txBody>
-      </p:sp>
-      <p:sp>
-        <p:nvSpPr>
-          <p:cNvPr id="7" name="직사각형 6">
-            <a:extLst>
-              <a:ext uri="{FF2B5EF4-FFF2-40B4-BE49-F238E27FC236}">
-                <a16:creationId xmlns:a16="http://schemas.microsoft.com/office/drawing/2014/main" id="{9C3C69C0-9071-5C80-8B36-4485803D87F2}"/>
-              </a:ext>
-            </a:extLst>
-          </p:cNvPr>
-          <p:cNvSpPr/>
-          <p:nvPr/>
-        </p:nvSpPr>
-        <p:spPr>
-          <a:xfrm>
-            <a:off x="2139622" y="2701764"/>
+            <a:off x="2365609" y="2701764"/>
             <a:ext cx="2078272" cy="595992"/>
           </a:xfrm>
           <a:prstGeom prst="rect">
@@ -7600,7 +9173,7 @@
         </p:nvCxnSpPr>
         <p:spPr>
           <a:xfrm rot="16200000" flipH="1">
-            <a:off x="1564973" y="2425111"/>
+            <a:off x="1790960" y="2425111"/>
             <a:ext cx="661024" cy="488273"/>
           </a:xfrm>
           <a:prstGeom prst="bentConnector2">
@@ -7629,406 +9202,78 @@
       </p:cxnSp>
       <p:sp>
         <p:nvSpPr>
-          <p:cNvPr id="12" name="직사각형 11">
-            <a:extLst>
-              <a:ext uri="{FF2B5EF4-FFF2-40B4-BE49-F238E27FC236}">
-                <a16:creationId xmlns:a16="http://schemas.microsoft.com/office/drawing/2014/main" id="{5598BA1D-10D9-D0FE-A2E3-DA6CD0D0A195}"/>
-              </a:ext>
-            </a:extLst>
-          </p:cNvPr>
-          <p:cNvSpPr/>
-          <p:nvPr/>
-        </p:nvSpPr>
-        <p:spPr>
-          <a:xfrm>
-            <a:off x="5907236" y="2701764"/>
-            <a:ext cx="2078272" cy="595992"/>
-          </a:xfrm>
-          <a:prstGeom prst="rect">
-            <a:avLst/>
-          </a:prstGeom>
-          <a:solidFill>
-            <a:schemeClr val="accent4">
-              <a:lumMod val="40000"/>
-              <a:lumOff val="60000"/>
-            </a:schemeClr>
-          </a:solidFill>
-          <a:ln>
-            <a:noFill/>
-          </a:ln>
-        </p:spPr>
-        <p:style>
-          <a:lnRef idx="2">
-            <a:schemeClr val="accent1">
-              <a:shade val="15000"/>
-            </a:schemeClr>
-          </a:lnRef>
-          <a:fillRef idx="1">
-            <a:schemeClr val="accent1"/>
-          </a:fillRef>
-          <a:effectRef idx="0">
-            <a:schemeClr val="accent1"/>
-          </a:effectRef>
-          <a:fontRef idx="minor">
-            <a:schemeClr val="lt1"/>
-          </a:fontRef>
-        </p:style>
-        <p:txBody>
-          <a:bodyPr rtlCol="0" anchor="ctr"/>
-          <a:lstStyle/>
-          <a:p>
-            <a:pPr algn="ctr"/>
-            <a:r>
-              <a:rPr lang="en-US" altLang="ko-KR" dirty="0" err="1">
-                <a:solidFill>
-                  <a:schemeClr val="tx1"/>
-                </a:solidFill>
-              </a:rPr>
+          <p:cNvPr id="14" name="내용 개체 틀 2">
+            <a:extLst>
+              <a:ext uri="{FF2B5EF4-FFF2-40B4-BE49-F238E27FC236}">
+                <a16:creationId xmlns:a16="http://schemas.microsoft.com/office/drawing/2014/main" id="{CAED7878-A9B3-449A-B3B3-7FCCC32B5F1A}"/>
+              </a:ext>
+            </a:extLst>
+          </p:cNvPr>
+          <p:cNvSpPr>
+            <a:spLocks noGrp="1"/>
+          </p:cNvSpPr>
+          <p:nvPr>
+            <p:ph idx="1"/>
+          </p:nvPr>
+        </p:nvSpPr>
+        <p:spPr>
+          <a:xfrm>
+            <a:off x="5486400" y="715617"/>
+            <a:ext cx="5867400" cy="5461346"/>
+          </a:xfrm>
+        </p:spPr>
+        <p:txBody>
+          <a:bodyPr>
+            <a:normAutofit/>
+          </a:bodyPr>
+          <a:lstStyle/>
+          <a:p>
+            <a:r>
+              <a:rPr lang="en-US" altLang="ko-KR" sz="1800" dirty="0" err="1"/>
               <a:t>RootServer</a:t>
             </a:r>
-            <a:endParaRPr lang="ko-KR" altLang="en-US" dirty="0">
-              <a:solidFill>
-                <a:schemeClr val="tx1"/>
-              </a:solidFill>
-            </a:endParaRPr>
-          </a:p>
-        </p:txBody>
-      </p:sp>
-      <p:cxnSp>
-        <p:nvCxnSpPr>
-          <p:cNvPr id="13" name="연결선: 꺾임 12">
-            <a:extLst>
-              <a:ext uri="{FF2B5EF4-FFF2-40B4-BE49-F238E27FC236}">
-                <a16:creationId xmlns:a16="http://schemas.microsoft.com/office/drawing/2014/main" id="{F03CAED1-58BC-542F-76A6-66BCA07D817D}"/>
-              </a:ext>
-            </a:extLst>
-          </p:cNvPr>
-          <p:cNvCxnSpPr>
-            <a:cxnSpLocks/>
-            <a:stCxn id="5" idx="2"/>
-            <a:endCxn id="12" idx="1"/>
-          </p:cNvCxnSpPr>
-          <p:nvPr/>
-        </p:nvCxnSpPr>
-        <p:spPr>
-          <a:xfrm rot="16200000" flipH="1">
-            <a:off x="5332587" y="2425111"/>
-            <a:ext cx="661024" cy="488273"/>
-          </a:xfrm>
-          <a:prstGeom prst="bentConnector2">
-            <a:avLst/>
-          </a:prstGeom>
-          <a:ln>
-            <a:solidFill>
-              <a:schemeClr val="tx1"/>
-            </a:solidFill>
-          </a:ln>
-        </p:spPr>
-        <p:style>
-          <a:lnRef idx="1">
-            <a:schemeClr val="accent1"/>
-          </a:lnRef>
-          <a:fillRef idx="0">
-            <a:schemeClr val="accent1"/>
-          </a:fillRef>
-          <a:effectRef idx="0">
-            <a:schemeClr val="accent1"/>
-          </a:effectRef>
-          <a:fontRef idx="minor">
-            <a:schemeClr val="tx1"/>
-          </a:fontRef>
-        </p:style>
-      </p:cxnSp>
-      <p:cxnSp>
-        <p:nvCxnSpPr>
-          <p:cNvPr id="15" name="연결선: 꺾임 14">
-            <a:extLst>
-              <a:ext uri="{FF2B5EF4-FFF2-40B4-BE49-F238E27FC236}">
-                <a16:creationId xmlns:a16="http://schemas.microsoft.com/office/drawing/2014/main" id="{0B503902-9A55-2456-5AF6-ACDF2C304764}"/>
-              </a:ext>
-            </a:extLst>
-          </p:cNvPr>
-          <p:cNvCxnSpPr>
-            <a:cxnSpLocks/>
-            <a:stCxn id="5" idx="2"/>
-            <a:endCxn id="18" idx="1"/>
-          </p:cNvCxnSpPr>
-          <p:nvPr/>
-        </p:nvCxnSpPr>
-        <p:spPr>
-          <a:xfrm rot="16200000" flipH="1">
-            <a:off x="4853077" y="2904621"/>
-            <a:ext cx="1620045" cy="488273"/>
-          </a:xfrm>
-          <a:prstGeom prst="bentConnector2">
-            <a:avLst/>
-          </a:prstGeom>
-          <a:ln>
-            <a:solidFill>
-              <a:schemeClr val="tx1"/>
-            </a:solidFill>
-          </a:ln>
-        </p:spPr>
-        <p:style>
-          <a:lnRef idx="1">
-            <a:schemeClr val="accent1"/>
-          </a:lnRef>
-          <a:fillRef idx="0">
-            <a:schemeClr val="accent1"/>
-          </a:fillRef>
-          <a:effectRef idx="0">
-            <a:schemeClr val="accent1"/>
-          </a:effectRef>
-          <a:fontRef idx="minor">
-            <a:schemeClr val="tx1"/>
-          </a:fontRef>
-        </p:style>
-      </p:cxnSp>
-      <p:sp>
-        <p:nvSpPr>
-          <p:cNvPr id="18" name="직사각형 17">
-            <a:extLst>
-              <a:ext uri="{FF2B5EF4-FFF2-40B4-BE49-F238E27FC236}">
-                <a16:creationId xmlns:a16="http://schemas.microsoft.com/office/drawing/2014/main" id="{799703DF-2CF4-B751-3A4C-62030A4E84E3}"/>
-              </a:ext>
-            </a:extLst>
-          </p:cNvPr>
-          <p:cNvSpPr/>
-          <p:nvPr/>
-        </p:nvSpPr>
-        <p:spPr>
-          <a:xfrm>
-            <a:off x="5907236" y="3660785"/>
-            <a:ext cx="2078272" cy="595992"/>
-          </a:xfrm>
-          <a:prstGeom prst="rect">
-            <a:avLst/>
-          </a:prstGeom>
-          <a:solidFill>
-            <a:schemeClr val="accent4">
-              <a:lumMod val="40000"/>
-              <a:lumOff val="60000"/>
-            </a:schemeClr>
-          </a:solidFill>
-          <a:ln>
-            <a:noFill/>
-          </a:ln>
-        </p:spPr>
-        <p:style>
-          <a:lnRef idx="2">
-            <a:schemeClr val="accent1">
-              <a:shade val="15000"/>
-            </a:schemeClr>
-          </a:lnRef>
-          <a:fillRef idx="1">
-            <a:schemeClr val="accent1"/>
-          </a:fillRef>
-          <a:effectRef idx="0">
-            <a:schemeClr val="accent1"/>
-          </a:effectRef>
-          <a:fontRef idx="minor">
-            <a:schemeClr val="lt1"/>
-          </a:fontRef>
-        </p:style>
-        <p:txBody>
-          <a:bodyPr rtlCol="0" anchor="ctr"/>
-          <a:lstStyle/>
-          <a:p>
-            <a:pPr algn="ctr"/>
-            <a:r>
-              <a:rPr lang="en-US" altLang="ko-KR" dirty="0" err="1">
-                <a:solidFill>
-                  <a:schemeClr val="tx1"/>
-                </a:solidFill>
-              </a:rPr>
-              <a:t>ClientHandle</a:t>
-            </a:r>
-            <a:endParaRPr lang="ko-KR" altLang="en-US" dirty="0">
-              <a:solidFill>
-                <a:schemeClr val="tx1"/>
-              </a:solidFill>
-            </a:endParaRPr>
-          </a:p>
-        </p:txBody>
-      </p:sp>
-      <p:sp>
-        <p:nvSpPr>
-          <p:cNvPr id="27" name="직사각형 26">
-            <a:extLst>
-              <a:ext uri="{FF2B5EF4-FFF2-40B4-BE49-F238E27FC236}">
-                <a16:creationId xmlns:a16="http://schemas.microsoft.com/office/drawing/2014/main" id="{EAB2D04F-B1CC-111C-3778-9501C9E89E20}"/>
-              </a:ext>
-            </a:extLst>
-          </p:cNvPr>
-          <p:cNvSpPr/>
-          <p:nvPr/>
-        </p:nvSpPr>
-        <p:spPr>
-          <a:xfrm>
-            <a:off x="8144243" y="1742742"/>
-            <a:ext cx="2078272" cy="595992"/>
-          </a:xfrm>
-          <a:prstGeom prst="rect">
-            <a:avLst/>
-          </a:prstGeom>
-          <a:solidFill>
-            <a:schemeClr val="accent2">
-              <a:lumMod val="60000"/>
-              <a:lumOff val="40000"/>
-            </a:schemeClr>
-          </a:solidFill>
-          <a:ln>
-            <a:noFill/>
-          </a:ln>
-        </p:spPr>
-        <p:style>
-          <a:lnRef idx="2">
-            <a:schemeClr val="accent1">
-              <a:shade val="15000"/>
-            </a:schemeClr>
-          </a:lnRef>
-          <a:fillRef idx="1">
-            <a:schemeClr val="accent1"/>
-          </a:fillRef>
-          <a:effectRef idx="0">
-            <a:schemeClr val="accent1"/>
-          </a:effectRef>
-          <a:fontRef idx="minor">
-            <a:schemeClr val="lt1"/>
-          </a:fontRef>
-        </p:style>
-        <p:txBody>
-          <a:bodyPr rtlCol="0" anchor="ctr"/>
-          <a:lstStyle/>
-          <a:p>
-            <a:pPr algn="ctr"/>
-            <a:r>
-              <a:rPr lang="en-US" altLang="ko-KR" dirty="0" err="1">
-                <a:solidFill>
-                  <a:schemeClr val="tx1"/>
-                </a:solidFill>
-              </a:rPr>
-              <a:t>KSB_Client_TCP</a:t>
-            </a:r>
-            <a:endParaRPr lang="ko-KR" altLang="en-US" dirty="0">
-              <a:solidFill>
-                <a:schemeClr val="tx1"/>
-              </a:solidFill>
-            </a:endParaRPr>
-          </a:p>
-        </p:txBody>
-      </p:sp>
-      <p:sp>
-        <p:nvSpPr>
-          <p:cNvPr id="28" name="직사각형 27">
-            <a:extLst>
-              <a:ext uri="{FF2B5EF4-FFF2-40B4-BE49-F238E27FC236}">
-                <a16:creationId xmlns:a16="http://schemas.microsoft.com/office/drawing/2014/main" id="{95D1DE8B-5F13-D4FA-CD66-6DF1F39F04D7}"/>
-              </a:ext>
-            </a:extLst>
-          </p:cNvPr>
-          <p:cNvSpPr/>
-          <p:nvPr/>
-        </p:nvSpPr>
-        <p:spPr>
-          <a:xfrm>
-            <a:off x="9671652" y="2701762"/>
-            <a:ext cx="2078272" cy="595992"/>
-          </a:xfrm>
-          <a:prstGeom prst="rect">
-            <a:avLst/>
-          </a:prstGeom>
-          <a:solidFill>
-            <a:schemeClr val="accent4">
-              <a:lumMod val="40000"/>
-              <a:lumOff val="60000"/>
-            </a:schemeClr>
-          </a:solidFill>
-          <a:ln>
-            <a:noFill/>
-          </a:ln>
-        </p:spPr>
-        <p:style>
-          <a:lnRef idx="2">
-            <a:schemeClr val="accent1">
-              <a:shade val="15000"/>
-            </a:schemeClr>
-          </a:lnRef>
-          <a:fillRef idx="1">
-            <a:schemeClr val="accent1"/>
-          </a:fillRef>
-          <a:effectRef idx="0">
-            <a:schemeClr val="accent1"/>
-          </a:effectRef>
-          <a:fontRef idx="minor">
-            <a:schemeClr val="lt1"/>
-          </a:fontRef>
-        </p:style>
-        <p:txBody>
-          <a:bodyPr rtlCol="0" anchor="ctr"/>
-          <a:lstStyle/>
-          <a:p>
-            <a:pPr algn="ctr"/>
-            <a:r>
-              <a:rPr lang="en-US" altLang="ko-KR" dirty="0">
-                <a:solidFill>
-                  <a:schemeClr val="tx1"/>
-                </a:solidFill>
-              </a:rPr>
-              <a:t>Main</a:t>
-            </a:r>
-            <a:endParaRPr lang="ko-KR" altLang="en-US" dirty="0">
-              <a:solidFill>
-                <a:schemeClr val="tx1"/>
-              </a:solidFill>
-            </a:endParaRPr>
-          </a:p>
-        </p:txBody>
-      </p:sp>
-      <p:cxnSp>
-        <p:nvCxnSpPr>
-          <p:cNvPr id="29" name="연결선: 꺾임 28">
-            <a:extLst>
-              <a:ext uri="{FF2B5EF4-FFF2-40B4-BE49-F238E27FC236}">
-                <a16:creationId xmlns:a16="http://schemas.microsoft.com/office/drawing/2014/main" id="{16BFC8D8-6A7C-48AA-1B05-0D31AB2BB523}"/>
-              </a:ext>
-            </a:extLst>
-          </p:cNvPr>
-          <p:cNvCxnSpPr>
-            <a:stCxn id="27" idx="2"/>
-            <a:endCxn id="28" idx="1"/>
-          </p:cNvCxnSpPr>
-          <p:nvPr/>
-        </p:nvCxnSpPr>
-        <p:spPr>
-          <a:xfrm rot="16200000" flipH="1">
-            <a:off x="9097003" y="2425109"/>
-            <a:ext cx="661024" cy="488273"/>
-          </a:xfrm>
-          <a:prstGeom prst="bentConnector2">
-            <a:avLst/>
-          </a:prstGeom>
-          <a:ln>
-            <a:solidFill>
-              <a:schemeClr val="tx1"/>
-            </a:solidFill>
-          </a:ln>
-        </p:spPr>
-        <p:style>
-          <a:lnRef idx="1">
-            <a:schemeClr val="accent1"/>
-          </a:lnRef>
-          <a:fillRef idx="0">
-            <a:schemeClr val="accent1"/>
-          </a:fillRef>
-          <a:effectRef idx="0">
-            <a:schemeClr val="accent1"/>
-          </a:effectRef>
-          <a:fontRef idx="minor">
-            <a:schemeClr val="tx1"/>
-          </a:fontRef>
-        </p:style>
-      </p:cxnSp>
+            <a:r>
+              <a:rPr lang="ko-KR" altLang="en-US" sz="1800" dirty="0"/>
+              <a:t>라는 단 한 개의 라이브러리 사용</a:t>
+            </a:r>
+            <a:endParaRPr lang="en-US" altLang="ko-KR" sz="1800" dirty="0"/>
+          </a:p>
+          <a:p>
+            <a:r>
+              <a:rPr lang="ko-KR" altLang="en-US" sz="1800" dirty="0"/>
+              <a:t>자세한 내부 코드는 모르더라도 대략적인 흐름은 파악할 수 있도록 메시지 출력을 위주로 구성함</a:t>
+            </a:r>
+            <a:endParaRPr lang="en-US" altLang="ko-KR" sz="1800" dirty="0"/>
+          </a:p>
+          <a:p>
+            <a:r>
+              <a:rPr lang="ko-KR" altLang="en-US" sz="1800" dirty="0"/>
+              <a:t>추후 </a:t>
+            </a:r>
+            <a:r>
+              <a:rPr lang="en-US" altLang="ko-KR" sz="1800" dirty="0"/>
+              <a:t>Log</a:t>
+            </a:r>
+            <a:r>
+              <a:rPr lang="ko-KR" altLang="en-US" sz="1800" dirty="0"/>
+              <a:t>용 </a:t>
+            </a:r>
+            <a:r>
+              <a:rPr lang="en-US" altLang="ko-KR" sz="1800" dirty="0"/>
+              <a:t>UDP </a:t>
+            </a:r>
+            <a:r>
+              <a:rPr lang="ko-KR" altLang="en-US" sz="1800" dirty="0"/>
+              <a:t>서버를 개설하는 등 여러 개의 서버를 운용할 경우 이 로직에 추가 할 수 있다</a:t>
+            </a:r>
+            <a:r>
+              <a:rPr lang="en-US" altLang="ko-KR" sz="1800" dirty="0"/>
+              <a:t>.</a:t>
+            </a:r>
+            <a:endParaRPr lang="ko-KR" altLang="en-US" sz="1800" dirty="0"/>
+          </a:p>
+        </p:txBody>
+      </p:sp>
     </p:spTree>
     <p:extLst>
       <p:ext uri="{BB962C8B-B14F-4D97-AF65-F5344CB8AC3E}">
@@ -8043,6 +9288,840 @@
 </file>
 
 <file path=ppt/slides/slide4.xml><?xml version="1.0" encoding="utf-8"?>
+<p:sld xmlns:a="http://schemas.openxmlformats.org/drawingml/2006/main" xmlns:r="http://schemas.openxmlformats.org/officeDocument/2006/relationships" xmlns:p="http://schemas.openxmlformats.org/presentationml/2006/main">
+  <p:cSld>
+    <p:spTree>
+      <p:nvGrpSpPr>
+        <p:cNvPr id="1" name="">
+          <a:extLst>
+            <a:ext uri="{FF2B5EF4-FFF2-40B4-BE49-F238E27FC236}">
+              <a16:creationId xmlns:a16="http://schemas.microsoft.com/office/drawing/2014/main" id="{89472749-6E51-0C1E-5DB7-70A93ABF0BDD}"/>
+            </a:ext>
+          </a:extLst>
+        </p:cNvPr>
+        <p:cNvGrpSpPr/>
+        <p:nvPr/>
+      </p:nvGrpSpPr>
+      <p:grpSpPr>
+        <a:xfrm>
+          <a:off x="0" y="0"/>
+          <a:ext cx="0" cy="0"/>
+          <a:chOff x="0" y="0"/>
+          <a:chExt cx="0" cy="0"/>
+        </a:xfrm>
+      </p:grpSpPr>
+      <p:sp>
+        <p:nvSpPr>
+          <p:cNvPr id="2" name="제목 1">
+            <a:extLst>
+              <a:ext uri="{FF2B5EF4-FFF2-40B4-BE49-F238E27FC236}">
+                <a16:creationId xmlns:a16="http://schemas.microsoft.com/office/drawing/2014/main" id="{175D7B52-9DD9-426F-7AFF-9FE5C9B185F1}"/>
+              </a:ext>
+            </a:extLst>
+          </p:cNvPr>
+          <p:cNvSpPr>
+            <a:spLocks noGrp="1"/>
+          </p:cNvSpPr>
+          <p:nvPr>
+            <p:ph type="title"/>
+          </p:nvPr>
+        </p:nvSpPr>
+        <p:spPr>
+          <a:xfrm>
+            <a:off x="-1" y="0"/>
+            <a:ext cx="3533313" cy="516835"/>
+          </a:xfrm>
+        </p:spPr>
+        <p:txBody>
+          <a:bodyPr>
+            <a:normAutofit/>
+          </a:bodyPr>
+          <a:lstStyle/>
+          <a:p>
+            <a:r>
+              <a:rPr lang="ko-KR" altLang="en-US" dirty="0"/>
+              <a:t>라이브러리 내부 클래스</a:t>
+            </a:r>
+          </a:p>
+        </p:txBody>
+      </p:sp>
+      <p:sp>
+        <p:nvSpPr>
+          <p:cNvPr id="5" name="직사각형 4">
+            <a:extLst>
+              <a:ext uri="{FF2B5EF4-FFF2-40B4-BE49-F238E27FC236}">
+                <a16:creationId xmlns:a16="http://schemas.microsoft.com/office/drawing/2014/main" id="{C2D02126-2796-4AD2-72C2-D80D3DCD5FD6}"/>
+              </a:ext>
+            </a:extLst>
+          </p:cNvPr>
+          <p:cNvSpPr/>
+          <p:nvPr/>
+        </p:nvSpPr>
+        <p:spPr>
+          <a:xfrm>
+            <a:off x="838200" y="1742744"/>
+            <a:ext cx="2078272" cy="595992"/>
+          </a:xfrm>
+          <a:prstGeom prst="rect">
+            <a:avLst/>
+          </a:prstGeom>
+          <a:solidFill>
+            <a:schemeClr val="accent2">
+              <a:lumMod val="60000"/>
+              <a:lumOff val="40000"/>
+            </a:schemeClr>
+          </a:solidFill>
+          <a:ln>
+            <a:noFill/>
+          </a:ln>
+        </p:spPr>
+        <p:style>
+          <a:lnRef idx="2">
+            <a:schemeClr val="accent1">
+              <a:shade val="15000"/>
+            </a:schemeClr>
+          </a:lnRef>
+          <a:fillRef idx="1">
+            <a:schemeClr val="accent1"/>
+          </a:fillRef>
+          <a:effectRef idx="0">
+            <a:schemeClr val="accent1"/>
+          </a:effectRef>
+          <a:fontRef idx="minor">
+            <a:schemeClr val="lt1"/>
+          </a:fontRef>
+        </p:style>
+        <p:txBody>
+          <a:bodyPr rtlCol="0" anchor="ctr"/>
+          <a:lstStyle/>
+          <a:p>
+            <a:pPr algn="ctr"/>
+            <a:r>
+              <a:rPr lang="en-US" altLang="ko-KR" dirty="0" err="1">
+                <a:solidFill>
+                  <a:schemeClr val="tx1"/>
+                </a:solidFill>
+              </a:rPr>
+              <a:t>ServerSocket</a:t>
+            </a:r>
+            <a:endParaRPr lang="en-US" altLang="ko-KR" dirty="0">
+              <a:solidFill>
+                <a:schemeClr val="tx1"/>
+              </a:solidFill>
+            </a:endParaRPr>
+          </a:p>
+        </p:txBody>
+      </p:sp>
+      <p:sp>
+        <p:nvSpPr>
+          <p:cNvPr id="12" name="직사각형 11">
+            <a:extLst>
+              <a:ext uri="{FF2B5EF4-FFF2-40B4-BE49-F238E27FC236}">
+                <a16:creationId xmlns:a16="http://schemas.microsoft.com/office/drawing/2014/main" id="{5598BA1D-10D9-D0FE-A2E3-DA6CD0D0A195}"/>
+              </a:ext>
+            </a:extLst>
+          </p:cNvPr>
+          <p:cNvSpPr/>
+          <p:nvPr/>
+        </p:nvSpPr>
+        <p:spPr>
+          <a:xfrm>
+            <a:off x="2365609" y="2701764"/>
+            <a:ext cx="2078272" cy="595992"/>
+          </a:xfrm>
+          <a:prstGeom prst="rect">
+            <a:avLst/>
+          </a:prstGeom>
+          <a:solidFill>
+            <a:schemeClr val="accent4">
+              <a:lumMod val="40000"/>
+              <a:lumOff val="60000"/>
+            </a:schemeClr>
+          </a:solidFill>
+          <a:ln>
+            <a:noFill/>
+          </a:ln>
+        </p:spPr>
+        <p:style>
+          <a:lnRef idx="2">
+            <a:schemeClr val="accent1">
+              <a:shade val="15000"/>
+            </a:schemeClr>
+          </a:lnRef>
+          <a:fillRef idx="1">
+            <a:schemeClr val="accent1"/>
+          </a:fillRef>
+          <a:effectRef idx="0">
+            <a:schemeClr val="accent1"/>
+          </a:effectRef>
+          <a:fontRef idx="minor">
+            <a:schemeClr val="lt1"/>
+          </a:fontRef>
+        </p:style>
+        <p:txBody>
+          <a:bodyPr rtlCol="0" anchor="ctr"/>
+          <a:lstStyle/>
+          <a:p>
+            <a:pPr algn="ctr"/>
+            <a:r>
+              <a:rPr lang="en-US" altLang="ko-KR" dirty="0" err="1">
+                <a:solidFill>
+                  <a:schemeClr val="tx1"/>
+                </a:solidFill>
+              </a:rPr>
+              <a:t>RootServer</a:t>
+            </a:r>
+            <a:endParaRPr lang="ko-KR" altLang="en-US" dirty="0">
+              <a:solidFill>
+                <a:schemeClr val="tx1"/>
+              </a:solidFill>
+            </a:endParaRPr>
+          </a:p>
+        </p:txBody>
+      </p:sp>
+      <p:cxnSp>
+        <p:nvCxnSpPr>
+          <p:cNvPr id="13" name="연결선: 꺾임 12">
+            <a:extLst>
+              <a:ext uri="{FF2B5EF4-FFF2-40B4-BE49-F238E27FC236}">
+                <a16:creationId xmlns:a16="http://schemas.microsoft.com/office/drawing/2014/main" id="{F03CAED1-58BC-542F-76A6-66BCA07D817D}"/>
+              </a:ext>
+            </a:extLst>
+          </p:cNvPr>
+          <p:cNvCxnSpPr>
+            <a:cxnSpLocks/>
+            <a:stCxn id="5" idx="2"/>
+            <a:endCxn id="12" idx="1"/>
+          </p:cNvCxnSpPr>
+          <p:nvPr/>
+        </p:nvCxnSpPr>
+        <p:spPr>
+          <a:xfrm rot="16200000" flipH="1">
+            <a:off x="1790960" y="2425111"/>
+            <a:ext cx="661024" cy="488273"/>
+          </a:xfrm>
+          <a:prstGeom prst="bentConnector2">
+            <a:avLst/>
+          </a:prstGeom>
+          <a:ln>
+            <a:solidFill>
+              <a:schemeClr val="tx1"/>
+            </a:solidFill>
+          </a:ln>
+        </p:spPr>
+        <p:style>
+          <a:lnRef idx="1">
+            <a:schemeClr val="accent1"/>
+          </a:lnRef>
+          <a:fillRef idx="0">
+            <a:schemeClr val="accent1"/>
+          </a:fillRef>
+          <a:effectRef idx="0">
+            <a:schemeClr val="accent1"/>
+          </a:effectRef>
+          <a:fontRef idx="minor">
+            <a:schemeClr val="tx1"/>
+          </a:fontRef>
+        </p:style>
+      </p:cxnSp>
+      <p:cxnSp>
+        <p:nvCxnSpPr>
+          <p:cNvPr id="15" name="연결선: 꺾임 14">
+            <a:extLst>
+              <a:ext uri="{FF2B5EF4-FFF2-40B4-BE49-F238E27FC236}">
+                <a16:creationId xmlns:a16="http://schemas.microsoft.com/office/drawing/2014/main" id="{0B503902-9A55-2456-5AF6-ACDF2C304764}"/>
+              </a:ext>
+            </a:extLst>
+          </p:cNvPr>
+          <p:cNvCxnSpPr>
+            <a:cxnSpLocks/>
+            <a:stCxn id="5" idx="2"/>
+            <a:endCxn id="18" idx="1"/>
+          </p:cNvCxnSpPr>
+          <p:nvPr/>
+        </p:nvCxnSpPr>
+        <p:spPr>
+          <a:xfrm rot="16200000" flipH="1">
+            <a:off x="1311450" y="2904621"/>
+            <a:ext cx="1620045" cy="488273"/>
+          </a:xfrm>
+          <a:prstGeom prst="bentConnector2">
+            <a:avLst/>
+          </a:prstGeom>
+          <a:ln>
+            <a:solidFill>
+              <a:schemeClr val="tx1"/>
+            </a:solidFill>
+          </a:ln>
+        </p:spPr>
+        <p:style>
+          <a:lnRef idx="1">
+            <a:schemeClr val="accent1"/>
+          </a:lnRef>
+          <a:fillRef idx="0">
+            <a:schemeClr val="accent1"/>
+          </a:fillRef>
+          <a:effectRef idx="0">
+            <a:schemeClr val="accent1"/>
+          </a:effectRef>
+          <a:fontRef idx="minor">
+            <a:schemeClr val="tx1"/>
+          </a:fontRef>
+        </p:style>
+      </p:cxnSp>
+      <p:sp>
+        <p:nvSpPr>
+          <p:cNvPr id="18" name="직사각형 17">
+            <a:extLst>
+              <a:ext uri="{FF2B5EF4-FFF2-40B4-BE49-F238E27FC236}">
+                <a16:creationId xmlns:a16="http://schemas.microsoft.com/office/drawing/2014/main" id="{799703DF-2CF4-B751-3A4C-62030A4E84E3}"/>
+              </a:ext>
+            </a:extLst>
+          </p:cNvPr>
+          <p:cNvSpPr/>
+          <p:nvPr/>
+        </p:nvSpPr>
+        <p:spPr>
+          <a:xfrm>
+            <a:off x="2365609" y="3660785"/>
+            <a:ext cx="2078272" cy="595992"/>
+          </a:xfrm>
+          <a:prstGeom prst="rect">
+            <a:avLst/>
+          </a:prstGeom>
+          <a:solidFill>
+            <a:schemeClr val="accent4">
+              <a:lumMod val="40000"/>
+              <a:lumOff val="60000"/>
+            </a:schemeClr>
+          </a:solidFill>
+          <a:ln>
+            <a:noFill/>
+          </a:ln>
+        </p:spPr>
+        <p:style>
+          <a:lnRef idx="2">
+            <a:schemeClr val="accent1">
+              <a:shade val="15000"/>
+            </a:schemeClr>
+          </a:lnRef>
+          <a:fillRef idx="1">
+            <a:schemeClr val="accent1"/>
+          </a:fillRef>
+          <a:effectRef idx="0">
+            <a:schemeClr val="accent1"/>
+          </a:effectRef>
+          <a:fontRef idx="minor">
+            <a:schemeClr val="lt1"/>
+          </a:fontRef>
+        </p:style>
+        <p:txBody>
+          <a:bodyPr rtlCol="0" anchor="ctr"/>
+          <a:lstStyle/>
+          <a:p>
+            <a:pPr algn="ctr"/>
+            <a:r>
+              <a:rPr lang="en-US" altLang="ko-KR" dirty="0" err="1">
+                <a:solidFill>
+                  <a:schemeClr val="tx1"/>
+                </a:solidFill>
+              </a:rPr>
+              <a:t>ClientHandle</a:t>
+            </a:r>
+            <a:endParaRPr lang="ko-KR" altLang="en-US" dirty="0">
+              <a:solidFill>
+                <a:schemeClr val="tx1"/>
+              </a:solidFill>
+            </a:endParaRPr>
+          </a:p>
+        </p:txBody>
+      </p:sp>
+      <p:sp>
+        <p:nvSpPr>
+          <p:cNvPr id="23" name="내용 개체 틀 2">
+            <a:extLst>
+              <a:ext uri="{FF2B5EF4-FFF2-40B4-BE49-F238E27FC236}">
+                <a16:creationId xmlns:a16="http://schemas.microsoft.com/office/drawing/2014/main" id="{F89B364B-EB0E-467C-A140-636627E415B2}"/>
+              </a:ext>
+            </a:extLst>
+          </p:cNvPr>
+          <p:cNvSpPr>
+            <a:spLocks noGrp="1"/>
+          </p:cNvSpPr>
+          <p:nvPr>
+            <p:ph idx="1"/>
+          </p:nvPr>
+        </p:nvSpPr>
+        <p:spPr>
+          <a:xfrm>
+            <a:off x="5486400" y="715617"/>
+            <a:ext cx="5867400" cy="5461346"/>
+          </a:xfrm>
+        </p:spPr>
+        <p:txBody>
+          <a:bodyPr>
+            <a:normAutofit/>
+          </a:bodyPr>
+          <a:lstStyle/>
+          <a:p>
+            <a:r>
+              <a:rPr lang="en-US" altLang="ko-KR" sz="1800" dirty="0"/>
+              <a:t>TCP </a:t>
+            </a:r>
+            <a:r>
+              <a:rPr lang="ko-KR" altLang="en-US" sz="1800" dirty="0"/>
+              <a:t>서버인 </a:t>
+            </a:r>
+            <a:r>
+              <a:rPr lang="en-US" altLang="ko-KR" sz="1800" dirty="0" err="1"/>
+              <a:t>RootServer</a:t>
+            </a:r>
+            <a:r>
+              <a:rPr lang="ko-KR" altLang="en-US" sz="1800" dirty="0"/>
+              <a:t>와 접속한 클라이언트들을 각각 관리하는 </a:t>
+            </a:r>
+            <a:r>
+              <a:rPr lang="en-US" altLang="ko-KR" sz="1800" dirty="0" err="1"/>
+              <a:t>ClientHandle</a:t>
+            </a:r>
+            <a:r>
+              <a:rPr lang="ko-KR" altLang="en-US" sz="1800" dirty="0"/>
+              <a:t>로 구성</a:t>
+            </a:r>
+            <a:endParaRPr lang="en-US" altLang="ko-KR" sz="1800" dirty="0"/>
+          </a:p>
+          <a:p>
+            <a:r>
+              <a:rPr lang="en-US" altLang="ko-KR" sz="1800" dirty="0" err="1"/>
+              <a:t>RootServer</a:t>
+            </a:r>
+            <a:r>
+              <a:rPr lang="ko-KR" altLang="en-US" sz="1800" dirty="0"/>
+              <a:t>는 </a:t>
+            </a:r>
+            <a:r>
+              <a:rPr lang="ko-KR" altLang="en-US" sz="1800" dirty="0" err="1"/>
+              <a:t>싱글톤으로</a:t>
+            </a:r>
+            <a:r>
+              <a:rPr lang="ko-KR" altLang="en-US" sz="1800" dirty="0"/>
+              <a:t> 되어 있고 핸들 타입 리스트 변수를 포함한다</a:t>
+            </a:r>
+            <a:endParaRPr lang="en-US" altLang="ko-KR" sz="1800" dirty="0"/>
+          </a:p>
+          <a:p>
+            <a:r>
+              <a:rPr lang="ko-KR" altLang="en-US" sz="1800" dirty="0"/>
+              <a:t>핸들의 생성자에서 </a:t>
+            </a:r>
+            <a:r>
+              <a:rPr lang="ko-KR" altLang="en-US" sz="1800" dirty="0" err="1"/>
+              <a:t>람다식</a:t>
+            </a:r>
+            <a:r>
+              <a:rPr lang="ko-KR" altLang="en-US" sz="1800" dirty="0"/>
+              <a:t> </a:t>
+            </a:r>
+            <a:r>
+              <a:rPr lang="en-US" altLang="ko-KR" sz="1800" dirty="0"/>
+              <a:t>+ Task</a:t>
+            </a:r>
+            <a:r>
+              <a:rPr lang="ko-KR" altLang="en-US" sz="1800" dirty="0"/>
+              <a:t>로 항상 듣는 상태 유지</a:t>
+            </a:r>
+            <a:endParaRPr lang="en-US" altLang="ko-KR" sz="1800" dirty="0"/>
+          </a:p>
+          <a:p>
+            <a:r>
+              <a:rPr lang="ko-KR" altLang="en-US" sz="1800" dirty="0" err="1"/>
+              <a:t>반복문</a:t>
+            </a:r>
+            <a:r>
+              <a:rPr lang="ko-KR" altLang="en-US" sz="1800" dirty="0"/>
+              <a:t> 내에서 </a:t>
+            </a:r>
+            <a:r>
+              <a:rPr lang="en-US" altLang="ko-KR" sz="1800" dirty="0"/>
+              <a:t>switch</a:t>
+            </a:r>
+            <a:r>
+              <a:rPr lang="ko-KR" altLang="en-US" sz="1800" dirty="0"/>
+              <a:t>문으로 이동해 </a:t>
+            </a:r>
+            <a:r>
+              <a:rPr lang="en-US" altLang="ko-KR" sz="1800" dirty="0"/>
+              <a:t>OPCODE</a:t>
+            </a:r>
+            <a:r>
+              <a:rPr lang="ko-KR" altLang="en-US" sz="1800" dirty="0"/>
+              <a:t>에 맞는 응답 처리</a:t>
+            </a:r>
+          </a:p>
+        </p:txBody>
+      </p:sp>
+    </p:spTree>
+    <p:extLst>
+      <p:ext uri="{BB962C8B-B14F-4D97-AF65-F5344CB8AC3E}">
+        <p14:creationId xmlns:p14="http://schemas.microsoft.com/office/powerpoint/2010/main" val="532637403"/>
+      </p:ext>
+    </p:extLst>
+  </p:cSld>
+  <p:clrMapOvr>
+    <a:masterClrMapping/>
+  </p:clrMapOvr>
+</p:sld>
+</file>
+
+<file path=ppt/slides/slide5.xml><?xml version="1.0" encoding="utf-8"?>
+<p:sld xmlns:a="http://schemas.openxmlformats.org/drawingml/2006/main" xmlns:r="http://schemas.openxmlformats.org/officeDocument/2006/relationships" xmlns:p="http://schemas.openxmlformats.org/presentationml/2006/main">
+  <p:cSld>
+    <p:spTree>
+      <p:nvGrpSpPr>
+        <p:cNvPr id="1" name="">
+          <a:extLst>
+            <a:ext uri="{FF2B5EF4-FFF2-40B4-BE49-F238E27FC236}">
+              <a16:creationId xmlns:a16="http://schemas.microsoft.com/office/drawing/2014/main" id="{89472749-6E51-0C1E-5DB7-70A93ABF0BDD}"/>
+            </a:ext>
+          </a:extLst>
+        </p:cNvPr>
+        <p:cNvGrpSpPr/>
+        <p:nvPr/>
+      </p:nvGrpSpPr>
+      <p:grpSpPr>
+        <a:xfrm>
+          <a:off x="0" y="0"/>
+          <a:ext cx="0" cy="0"/>
+          <a:chOff x="0" y="0"/>
+          <a:chExt cx="0" cy="0"/>
+        </a:xfrm>
+      </p:grpSpPr>
+      <p:sp>
+        <p:nvSpPr>
+          <p:cNvPr id="2" name="제목 1">
+            <a:extLst>
+              <a:ext uri="{FF2B5EF4-FFF2-40B4-BE49-F238E27FC236}">
+                <a16:creationId xmlns:a16="http://schemas.microsoft.com/office/drawing/2014/main" id="{175D7B52-9DD9-426F-7AFF-9FE5C9B185F1}"/>
+              </a:ext>
+            </a:extLst>
+          </p:cNvPr>
+          <p:cNvSpPr>
+            <a:spLocks noGrp="1"/>
+          </p:cNvSpPr>
+          <p:nvPr>
+            <p:ph type="title"/>
+          </p:nvPr>
+        </p:nvSpPr>
+        <p:spPr>
+          <a:xfrm>
+            <a:off x="-1" y="0"/>
+            <a:ext cx="3533313" cy="516835"/>
+          </a:xfrm>
+        </p:spPr>
+        <p:txBody>
+          <a:bodyPr>
+            <a:normAutofit/>
+          </a:bodyPr>
+          <a:lstStyle/>
+          <a:p>
+            <a:r>
+              <a:rPr lang="ko-KR" altLang="en-US" dirty="0"/>
+              <a:t>라이브러리 내부 클래스</a:t>
+            </a:r>
+          </a:p>
+        </p:txBody>
+      </p:sp>
+      <p:sp>
+        <p:nvSpPr>
+          <p:cNvPr id="27" name="직사각형 26">
+            <a:extLst>
+              <a:ext uri="{FF2B5EF4-FFF2-40B4-BE49-F238E27FC236}">
+                <a16:creationId xmlns:a16="http://schemas.microsoft.com/office/drawing/2014/main" id="{EAB2D04F-B1CC-111C-3778-9501C9E89E20}"/>
+              </a:ext>
+            </a:extLst>
+          </p:cNvPr>
+          <p:cNvSpPr/>
+          <p:nvPr/>
+        </p:nvSpPr>
+        <p:spPr>
+          <a:xfrm>
+            <a:off x="838200" y="1742742"/>
+            <a:ext cx="2078272" cy="595992"/>
+          </a:xfrm>
+          <a:prstGeom prst="rect">
+            <a:avLst/>
+          </a:prstGeom>
+          <a:solidFill>
+            <a:schemeClr val="accent2">
+              <a:lumMod val="60000"/>
+              <a:lumOff val="40000"/>
+            </a:schemeClr>
+          </a:solidFill>
+          <a:ln>
+            <a:noFill/>
+          </a:ln>
+        </p:spPr>
+        <p:style>
+          <a:lnRef idx="2">
+            <a:schemeClr val="accent1">
+              <a:shade val="15000"/>
+            </a:schemeClr>
+          </a:lnRef>
+          <a:fillRef idx="1">
+            <a:schemeClr val="accent1"/>
+          </a:fillRef>
+          <a:effectRef idx="0">
+            <a:schemeClr val="accent1"/>
+          </a:effectRef>
+          <a:fontRef idx="minor">
+            <a:schemeClr val="lt1"/>
+          </a:fontRef>
+        </p:style>
+        <p:txBody>
+          <a:bodyPr rtlCol="0" anchor="ctr"/>
+          <a:lstStyle/>
+          <a:p>
+            <a:pPr algn="ctr"/>
+            <a:r>
+              <a:rPr lang="en-US" altLang="ko-KR" dirty="0" err="1">
+                <a:solidFill>
+                  <a:schemeClr val="tx1"/>
+                </a:solidFill>
+              </a:rPr>
+              <a:t>KSB_Client_TCP</a:t>
+            </a:r>
+            <a:endParaRPr lang="ko-KR" altLang="en-US" dirty="0">
+              <a:solidFill>
+                <a:schemeClr val="tx1"/>
+              </a:solidFill>
+            </a:endParaRPr>
+          </a:p>
+        </p:txBody>
+      </p:sp>
+      <p:sp>
+        <p:nvSpPr>
+          <p:cNvPr id="28" name="직사각형 27">
+            <a:extLst>
+              <a:ext uri="{FF2B5EF4-FFF2-40B4-BE49-F238E27FC236}">
+                <a16:creationId xmlns:a16="http://schemas.microsoft.com/office/drawing/2014/main" id="{95D1DE8B-5F13-D4FA-CD66-6DF1F39F04D7}"/>
+              </a:ext>
+            </a:extLst>
+          </p:cNvPr>
+          <p:cNvSpPr/>
+          <p:nvPr/>
+        </p:nvSpPr>
+        <p:spPr>
+          <a:xfrm>
+            <a:off x="2365609" y="2701762"/>
+            <a:ext cx="2078272" cy="595992"/>
+          </a:xfrm>
+          <a:prstGeom prst="rect">
+            <a:avLst/>
+          </a:prstGeom>
+          <a:solidFill>
+            <a:schemeClr val="accent4">
+              <a:lumMod val="40000"/>
+              <a:lumOff val="60000"/>
+            </a:schemeClr>
+          </a:solidFill>
+          <a:ln>
+            <a:noFill/>
+          </a:ln>
+        </p:spPr>
+        <p:style>
+          <a:lnRef idx="2">
+            <a:schemeClr val="accent1">
+              <a:shade val="15000"/>
+            </a:schemeClr>
+          </a:lnRef>
+          <a:fillRef idx="1">
+            <a:schemeClr val="accent1"/>
+          </a:fillRef>
+          <a:effectRef idx="0">
+            <a:schemeClr val="accent1"/>
+          </a:effectRef>
+          <a:fontRef idx="minor">
+            <a:schemeClr val="lt1"/>
+          </a:fontRef>
+        </p:style>
+        <p:txBody>
+          <a:bodyPr rtlCol="0" anchor="ctr"/>
+          <a:lstStyle/>
+          <a:p>
+            <a:pPr algn="ctr"/>
+            <a:r>
+              <a:rPr lang="en-US" altLang="ko-KR" dirty="0">
+                <a:solidFill>
+                  <a:schemeClr val="tx1"/>
+                </a:solidFill>
+              </a:rPr>
+              <a:t>Main</a:t>
+            </a:r>
+            <a:endParaRPr lang="ko-KR" altLang="en-US" dirty="0">
+              <a:solidFill>
+                <a:schemeClr val="tx1"/>
+              </a:solidFill>
+            </a:endParaRPr>
+          </a:p>
+        </p:txBody>
+      </p:sp>
+      <p:cxnSp>
+        <p:nvCxnSpPr>
+          <p:cNvPr id="29" name="연결선: 꺾임 28">
+            <a:extLst>
+              <a:ext uri="{FF2B5EF4-FFF2-40B4-BE49-F238E27FC236}">
+                <a16:creationId xmlns:a16="http://schemas.microsoft.com/office/drawing/2014/main" id="{16BFC8D8-6A7C-48AA-1B05-0D31AB2BB523}"/>
+              </a:ext>
+            </a:extLst>
+          </p:cNvPr>
+          <p:cNvCxnSpPr>
+            <a:stCxn id="27" idx="2"/>
+            <a:endCxn id="28" idx="1"/>
+          </p:cNvCxnSpPr>
+          <p:nvPr/>
+        </p:nvCxnSpPr>
+        <p:spPr>
+          <a:xfrm rot="16200000" flipH="1">
+            <a:off x="1790960" y="2425109"/>
+            <a:ext cx="661024" cy="488273"/>
+          </a:xfrm>
+          <a:prstGeom prst="bentConnector2">
+            <a:avLst/>
+          </a:prstGeom>
+          <a:ln>
+            <a:solidFill>
+              <a:schemeClr val="tx1"/>
+            </a:solidFill>
+          </a:ln>
+        </p:spPr>
+        <p:style>
+          <a:lnRef idx="1">
+            <a:schemeClr val="accent1"/>
+          </a:lnRef>
+          <a:fillRef idx="0">
+            <a:schemeClr val="accent1"/>
+          </a:fillRef>
+          <a:effectRef idx="0">
+            <a:schemeClr val="accent1"/>
+          </a:effectRef>
+          <a:fontRef idx="minor">
+            <a:schemeClr val="tx1"/>
+          </a:fontRef>
+        </p:style>
+      </p:cxnSp>
+      <p:sp>
+        <p:nvSpPr>
+          <p:cNvPr id="16" name="내용 개체 틀 2">
+            <a:extLst>
+              <a:ext uri="{FF2B5EF4-FFF2-40B4-BE49-F238E27FC236}">
+                <a16:creationId xmlns:a16="http://schemas.microsoft.com/office/drawing/2014/main" id="{F6AEE82D-14CB-4392-B8A6-F6A81696D114}"/>
+              </a:ext>
+            </a:extLst>
+          </p:cNvPr>
+          <p:cNvSpPr>
+            <a:spLocks noGrp="1"/>
+          </p:cNvSpPr>
+          <p:nvPr>
+            <p:ph idx="1"/>
+          </p:nvPr>
+        </p:nvSpPr>
+        <p:spPr>
+          <a:xfrm>
+            <a:off x="5486400" y="715617"/>
+            <a:ext cx="5867400" cy="5461346"/>
+          </a:xfrm>
+        </p:spPr>
+        <p:txBody>
+          <a:bodyPr>
+            <a:normAutofit/>
+          </a:bodyPr>
+          <a:lstStyle/>
+          <a:p>
+            <a:r>
+              <a:rPr lang="ko-KR" altLang="en-US" sz="1800" dirty="0"/>
+              <a:t>클라이언트 </a:t>
+            </a:r>
+            <a:r>
+              <a:rPr lang="en-US" altLang="ko-KR" sz="1800" dirty="0"/>
+              <a:t>-&gt; </a:t>
+            </a:r>
+            <a:r>
+              <a:rPr lang="ko-KR" altLang="en-US" sz="1800" dirty="0"/>
+              <a:t>서버로 패킷을 전송하기 위해 작성한 클래스</a:t>
+            </a:r>
+            <a:endParaRPr lang="en-US" altLang="ko-KR" sz="1800" dirty="0"/>
+          </a:p>
+          <a:p>
+            <a:r>
+              <a:rPr lang="ko-KR" altLang="en-US" sz="1800" dirty="0"/>
+              <a:t>테스트를 중심으로 작성했기 때문에 라이브러리로 분할한 정도는 낮음</a:t>
+            </a:r>
+            <a:endParaRPr lang="en-US" altLang="ko-KR" sz="1800" dirty="0"/>
+          </a:p>
+          <a:p>
+            <a:r>
+              <a:rPr lang="ko-KR" altLang="en-US" sz="1800" dirty="0"/>
+              <a:t>파일 또는 텍스트를 패킷으로 전환하는 과정은 서버와 동일한 라이브러리를 참조함</a:t>
+            </a:r>
+            <a:endParaRPr lang="en-US" altLang="ko-KR" sz="1800" dirty="0"/>
+          </a:p>
+          <a:p>
+            <a:r>
+              <a:rPr lang="ko-KR" altLang="en-US" sz="1800" dirty="0"/>
+              <a:t>현재는 접속요청</a:t>
+            </a:r>
+            <a:r>
+              <a:rPr lang="en-US" altLang="ko-KR" sz="1800" dirty="0"/>
+              <a:t>-</a:t>
+            </a:r>
+            <a:r>
+              <a:rPr lang="ko-KR" altLang="en-US" sz="1800" dirty="0"/>
+              <a:t>접속</a:t>
+            </a:r>
+            <a:r>
+              <a:rPr lang="en-US" altLang="ko-KR" sz="1800" dirty="0"/>
+              <a:t>-</a:t>
+            </a:r>
+            <a:r>
+              <a:rPr lang="ko-KR" altLang="en-US" sz="1800" dirty="0"/>
+              <a:t>파일요청</a:t>
+            </a:r>
+            <a:r>
+              <a:rPr lang="en-US" altLang="ko-KR" sz="1800" dirty="0"/>
+              <a:t>-</a:t>
+            </a:r>
+            <a:r>
+              <a:rPr lang="ko-KR" altLang="en-US" sz="1800" dirty="0"/>
+              <a:t>파일전송으로 고정된 순서를 거치고 있으나</a:t>
+            </a:r>
+            <a:r>
+              <a:rPr lang="en-US" altLang="ko-KR" sz="1800" dirty="0"/>
+              <a:t>,</a:t>
+            </a:r>
+            <a:br>
+              <a:rPr lang="en-US" altLang="ko-KR" sz="1800" dirty="0"/>
+            </a:br>
+            <a:r>
+              <a:rPr lang="ko-KR" altLang="en-US" sz="1800" dirty="0"/>
+              <a:t>추후 명령을 선택하도록 메뉴를 추가하거나 어떤 파일을 전송할지 선택 하는 등 확장 할 예정</a:t>
+            </a:r>
+          </a:p>
+        </p:txBody>
+      </p:sp>
+    </p:spTree>
+    <p:extLst>
+      <p:ext uri="{BB962C8B-B14F-4D97-AF65-F5344CB8AC3E}">
+        <p14:creationId xmlns:p14="http://schemas.microsoft.com/office/powerpoint/2010/main" val="2104625774"/>
+      </p:ext>
+    </p:extLst>
+  </p:cSld>
+  <p:clrMapOvr>
+    <a:masterClrMapping/>
+  </p:clrMapOvr>
+</p:sld>
+</file>
+
+<file path=ppt/slides/slide6.xml><?xml version="1.0" encoding="utf-8"?>
 <p:sld xmlns:a="http://schemas.openxmlformats.org/drawingml/2006/main" xmlns:r="http://schemas.openxmlformats.org/officeDocument/2006/relationships" xmlns:p="http://schemas.openxmlformats.org/presentationml/2006/main">
   <p:cSld>
     <p:spTree>
@@ -8114,7 +10193,7 @@
         </p:nvSpPr>
         <p:spPr>
           <a:xfrm>
-            <a:off x="1193862" y="1742742"/>
+            <a:off x="838200" y="1742742"/>
             <a:ext cx="2078272" cy="595992"/>
           </a:xfrm>
           <a:prstGeom prst="rect">
@@ -8176,7 +10255,7 @@
         </p:nvSpPr>
         <p:spPr>
           <a:xfrm>
-            <a:off x="2721271" y="2701762"/>
+            <a:off x="2365609" y="2701762"/>
             <a:ext cx="2078272" cy="595992"/>
           </a:xfrm>
           <a:prstGeom prst="rect">
@@ -8247,7 +10326,7 @@
         </p:nvCxnSpPr>
         <p:spPr>
           <a:xfrm rot="16200000" flipH="1">
-            <a:off x="2146622" y="2425109"/>
+            <a:off x="1790960" y="2425109"/>
             <a:ext cx="661024" cy="488273"/>
           </a:xfrm>
           <a:prstGeom prst="bentConnector2">
@@ -8292,7 +10371,7 @@
         </p:nvCxnSpPr>
         <p:spPr>
           <a:xfrm rot="16200000" flipH="1">
-            <a:off x="1667112" y="2904619"/>
+            <a:off x="1311450" y="2904619"/>
             <a:ext cx="1620045" cy="488273"/>
           </a:xfrm>
           <a:prstGeom prst="bentConnector2">
@@ -8333,7 +10412,7 @@
         </p:nvSpPr>
         <p:spPr>
           <a:xfrm>
-            <a:off x="2721271" y="3660783"/>
+            <a:off x="2365609" y="3660783"/>
             <a:ext cx="2078272" cy="595992"/>
           </a:xfrm>
           <a:prstGeom prst="rect">
@@ -8400,7 +10479,7 @@
         </p:nvSpPr>
         <p:spPr>
           <a:xfrm>
-            <a:off x="2721271" y="4619804"/>
+            <a:off x="2365609" y="4619804"/>
             <a:ext cx="2078272" cy="595992"/>
           </a:xfrm>
           <a:prstGeom prst="rect">
@@ -8471,7 +10550,7 @@
         </p:nvCxnSpPr>
         <p:spPr>
           <a:xfrm rot="16200000" flipH="1">
-            <a:off x="1187601" y="3384130"/>
+            <a:off x="831939" y="3384130"/>
             <a:ext cx="2579066" cy="488273"/>
           </a:xfrm>
           <a:prstGeom prst="bentConnector2">
@@ -8500,10 +10579,10 @@
       </p:cxnSp>
       <p:sp>
         <p:nvSpPr>
-          <p:cNvPr id="35" name="직사각형 34">
-            <a:extLst>
-              <a:ext uri="{FF2B5EF4-FFF2-40B4-BE49-F238E27FC236}">
-                <a16:creationId xmlns:a16="http://schemas.microsoft.com/office/drawing/2014/main" id="{6F3D82A9-5BBD-37A6-E20A-B8BE53BE762A}"/>
+          <p:cNvPr id="42" name="타원 41">
+            <a:extLst>
+              <a:ext uri="{FF2B5EF4-FFF2-40B4-BE49-F238E27FC236}">
+                <a16:creationId xmlns:a16="http://schemas.microsoft.com/office/drawing/2014/main" id="{415C6360-9C64-542A-B36D-F7509C32A728}"/>
               </a:ext>
             </a:extLst>
           </p:cNvPr>
@@ -8512,294 +10591,8 @@
         </p:nvSpPr>
         <p:spPr>
           <a:xfrm>
-            <a:off x="7392457" y="1742742"/>
-            <a:ext cx="2078272" cy="595992"/>
-          </a:xfrm>
-          <a:prstGeom prst="rect">
-            <a:avLst/>
-          </a:prstGeom>
-          <a:solidFill>
-            <a:schemeClr val="accent2">
-              <a:lumMod val="60000"/>
-              <a:lumOff val="40000"/>
-            </a:schemeClr>
-          </a:solidFill>
-          <a:ln>
-            <a:noFill/>
-          </a:ln>
-        </p:spPr>
-        <p:style>
-          <a:lnRef idx="2">
-            <a:schemeClr val="accent1">
-              <a:shade val="15000"/>
-            </a:schemeClr>
-          </a:lnRef>
-          <a:fillRef idx="1">
-            <a:schemeClr val="accent1"/>
-          </a:fillRef>
-          <a:effectRef idx="0">
-            <a:schemeClr val="accent1"/>
-          </a:effectRef>
-          <a:fontRef idx="minor">
-            <a:schemeClr val="lt1"/>
-          </a:fontRef>
-        </p:style>
-        <p:txBody>
-          <a:bodyPr rtlCol="0" anchor="ctr"/>
-          <a:lstStyle/>
-          <a:p>
-            <a:pPr algn="ctr"/>
-            <a:r>
-              <a:rPr lang="en-US" altLang="ko-KR" dirty="0">
-                <a:solidFill>
-                  <a:schemeClr val="tx1"/>
-                </a:solidFill>
-              </a:rPr>
-              <a:t>Encryption</a:t>
-            </a:r>
-          </a:p>
-        </p:txBody>
-      </p:sp>
-      <p:sp>
-        <p:nvSpPr>
-          <p:cNvPr id="36" name="직사각형 35">
-            <a:extLst>
-              <a:ext uri="{FF2B5EF4-FFF2-40B4-BE49-F238E27FC236}">
-                <a16:creationId xmlns:a16="http://schemas.microsoft.com/office/drawing/2014/main" id="{974207FB-0F23-7992-C47A-5F639EDEA8BA}"/>
-              </a:ext>
-            </a:extLst>
-          </p:cNvPr>
-          <p:cNvSpPr/>
-          <p:nvPr/>
-        </p:nvSpPr>
-        <p:spPr>
-          <a:xfrm>
-            <a:off x="8919866" y="2701762"/>
-            <a:ext cx="2078272" cy="595992"/>
-          </a:xfrm>
-          <a:prstGeom prst="rect">
-            <a:avLst/>
-          </a:prstGeom>
-          <a:solidFill>
-            <a:schemeClr val="accent4">
-              <a:lumMod val="40000"/>
-              <a:lumOff val="60000"/>
-            </a:schemeClr>
-          </a:solidFill>
-          <a:ln>
-            <a:noFill/>
-          </a:ln>
-        </p:spPr>
-        <p:style>
-          <a:lnRef idx="2">
-            <a:schemeClr val="accent1">
-              <a:shade val="15000"/>
-            </a:schemeClr>
-          </a:lnRef>
-          <a:fillRef idx="1">
-            <a:schemeClr val="accent1"/>
-          </a:fillRef>
-          <a:effectRef idx="0">
-            <a:schemeClr val="accent1"/>
-          </a:effectRef>
-          <a:fontRef idx="minor">
-            <a:schemeClr val="lt1"/>
-          </a:fontRef>
-        </p:style>
-        <p:txBody>
-          <a:bodyPr rtlCol="0" anchor="ctr"/>
-          <a:lstStyle/>
-          <a:p>
-            <a:pPr algn="ctr"/>
-            <a:r>
-              <a:rPr lang="en-US" altLang="ko-KR" dirty="0">
-                <a:solidFill>
-                  <a:schemeClr val="tx1"/>
-                </a:solidFill>
-              </a:rPr>
-              <a:t>AES</a:t>
-            </a:r>
-            <a:endParaRPr lang="ko-KR" altLang="en-US" dirty="0">
-              <a:solidFill>
-                <a:schemeClr val="tx1"/>
-              </a:solidFill>
-            </a:endParaRPr>
-          </a:p>
-        </p:txBody>
-      </p:sp>
-      <p:cxnSp>
-        <p:nvCxnSpPr>
-          <p:cNvPr id="37" name="연결선: 꺾임 36">
-            <a:extLst>
-              <a:ext uri="{FF2B5EF4-FFF2-40B4-BE49-F238E27FC236}">
-                <a16:creationId xmlns:a16="http://schemas.microsoft.com/office/drawing/2014/main" id="{380DAA56-17CD-3F07-58F3-4F20E61B3B4E}"/>
-              </a:ext>
-            </a:extLst>
-          </p:cNvPr>
-          <p:cNvCxnSpPr>
-            <a:cxnSpLocks/>
-            <a:stCxn id="35" idx="2"/>
-            <a:endCxn id="36" idx="1"/>
-          </p:cNvCxnSpPr>
-          <p:nvPr/>
-        </p:nvCxnSpPr>
-        <p:spPr>
-          <a:xfrm rot="16200000" flipH="1">
-            <a:off x="8345217" y="2425109"/>
-            <a:ext cx="661024" cy="488273"/>
-          </a:xfrm>
-          <a:prstGeom prst="bentConnector2">
-            <a:avLst/>
-          </a:prstGeom>
-          <a:ln>
-            <a:solidFill>
-              <a:schemeClr val="tx1"/>
-            </a:solidFill>
-          </a:ln>
-        </p:spPr>
-        <p:style>
-          <a:lnRef idx="1">
-            <a:schemeClr val="accent1"/>
-          </a:lnRef>
-          <a:fillRef idx="0">
-            <a:schemeClr val="accent1"/>
-          </a:fillRef>
-          <a:effectRef idx="0">
-            <a:schemeClr val="accent1"/>
-          </a:effectRef>
-          <a:fontRef idx="minor">
-            <a:schemeClr val="tx1"/>
-          </a:fontRef>
-        </p:style>
-      </p:cxnSp>
-      <p:cxnSp>
-        <p:nvCxnSpPr>
-          <p:cNvPr id="38" name="연결선: 꺾임 37">
-            <a:extLst>
-              <a:ext uri="{FF2B5EF4-FFF2-40B4-BE49-F238E27FC236}">
-                <a16:creationId xmlns:a16="http://schemas.microsoft.com/office/drawing/2014/main" id="{9C5DEF70-122D-29BD-11DB-C755A259FB16}"/>
-              </a:ext>
-            </a:extLst>
-          </p:cNvPr>
-          <p:cNvCxnSpPr>
-            <a:cxnSpLocks/>
-            <a:stCxn id="35" idx="2"/>
-            <a:endCxn id="39" idx="1"/>
-          </p:cNvCxnSpPr>
-          <p:nvPr/>
-        </p:nvCxnSpPr>
-        <p:spPr>
-          <a:xfrm rot="16200000" flipH="1">
-            <a:off x="7865707" y="2904619"/>
-            <a:ext cx="1620045" cy="488273"/>
-          </a:xfrm>
-          <a:prstGeom prst="bentConnector2">
-            <a:avLst/>
-          </a:prstGeom>
-          <a:ln>
-            <a:solidFill>
-              <a:schemeClr val="tx1"/>
-            </a:solidFill>
-          </a:ln>
-        </p:spPr>
-        <p:style>
-          <a:lnRef idx="1">
-            <a:schemeClr val="accent1"/>
-          </a:lnRef>
-          <a:fillRef idx="0">
-            <a:schemeClr val="accent1"/>
-          </a:fillRef>
-          <a:effectRef idx="0">
-            <a:schemeClr val="accent1"/>
-          </a:effectRef>
-          <a:fontRef idx="minor">
-            <a:schemeClr val="tx1"/>
-          </a:fontRef>
-        </p:style>
-      </p:cxnSp>
-      <p:sp>
-        <p:nvSpPr>
-          <p:cNvPr id="39" name="직사각형 38">
-            <a:extLst>
-              <a:ext uri="{FF2B5EF4-FFF2-40B4-BE49-F238E27FC236}">
-                <a16:creationId xmlns:a16="http://schemas.microsoft.com/office/drawing/2014/main" id="{92B20AA3-4C2E-55AD-7B3A-B2DB43D89E81}"/>
-              </a:ext>
-            </a:extLst>
-          </p:cNvPr>
-          <p:cNvSpPr/>
-          <p:nvPr/>
-        </p:nvSpPr>
-        <p:spPr>
-          <a:xfrm>
-            <a:off x="8919866" y="3660783"/>
-            <a:ext cx="2078272" cy="595992"/>
-          </a:xfrm>
-          <a:prstGeom prst="rect">
-            <a:avLst/>
-          </a:prstGeom>
-          <a:solidFill>
-            <a:schemeClr val="accent4">
-              <a:lumMod val="40000"/>
-              <a:lumOff val="60000"/>
-            </a:schemeClr>
-          </a:solidFill>
-          <a:ln>
-            <a:noFill/>
-          </a:ln>
-        </p:spPr>
-        <p:style>
-          <a:lnRef idx="2">
-            <a:schemeClr val="accent1">
-              <a:shade val="15000"/>
-            </a:schemeClr>
-          </a:lnRef>
-          <a:fillRef idx="1">
-            <a:schemeClr val="accent1"/>
-          </a:fillRef>
-          <a:effectRef idx="0">
-            <a:schemeClr val="accent1"/>
-          </a:effectRef>
-          <a:fontRef idx="minor">
-            <a:schemeClr val="lt1"/>
-          </a:fontRef>
-        </p:style>
-        <p:txBody>
-          <a:bodyPr rtlCol="0" anchor="ctr"/>
-          <a:lstStyle/>
-          <a:p>
-            <a:pPr algn="ctr"/>
-            <a:r>
-              <a:rPr lang="en-US" altLang="ko-KR" dirty="0">
-                <a:solidFill>
-                  <a:schemeClr val="tx1"/>
-                </a:solidFill>
-              </a:rPr>
-              <a:t>RSA</a:t>
-            </a:r>
-            <a:endParaRPr lang="ko-KR" altLang="en-US" dirty="0">
-              <a:solidFill>
-                <a:schemeClr val="tx1"/>
-              </a:solidFill>
-            </a:endParaRPr>
-          </a:p>
-        </p:txBody>
-      </p:sp>
-      <p:sp>
-        <p:nvSpPr>
-          <p:cNvPr id="42" name="타원 41">
-            <a:extLst>
-              <a:ext uri="{FF2B5EF4-FFF2-40B4-BE49-F238E27FC236}">
-                <a16:creationId xmlns:a16="http://schemas.microsoft.com/office/drawing/2014/main" id="{415C6360-9C64-542A-B36D-F7509C32A728}"/>
-              </a:ext>
-            </a:extLst>
-          </p:cNvPr>
-          <p:cNvSpPr/>
-          <p:nvPr/>
-        </p:nvSpPr>
-        <p:spPr>
-          <a:xfrm>
-            <a:off x="5193437" y="2701762"/>
-            <a:ext cx="1343936" cy="595992"/>
+            <a:off x="4616389" y="2701762"/>
+            <a:ext cx="736846" cy="595992"/>
           </a:xfrm>
           <a:prstGeom prst="ellipse">
             <a:avLst/>
@@ -8833,14 +10626,14 @@
           <a:p>
             <a:pPr algn="ctr"/>
             <a:r>
-              <a:rPr lang="en-US" altLang="ko-KR" dirty="0">
+              <a:rPr lang="en-US" altLang="ko-KR" sz="1000" dirty="0">
                 <a:solidFill>
                   <a:schemeClr val="tx1"/>
                 </a:solidFill>
               </a:rPr>
               <a:t>Const</a:t>
             </a:r>
-            <a:endParaRPr lang="ko-KR" altLang="en-US" dirty="0">
+            <a:endParaRPr lang="ko-KR" altLang="en-US" sz="1000" dirty="0">
               <a:solidFill>
                 <a:schemeClr val="tx1"/>
               </a:solidFill>
@@ -8862,8 +10655,8 @@
         </p:nvSpPr>
         <p:spPr>
           <a:xfrm>
-            <a:off x="5193437" y="3660783"/>
-            <a:ext cx="1343936" cy="595992"/>
+            <a:off x="4616389" y="3660783"/>
+            <a:ext cx="736846" cy="595992"/>
           </a:xfrm>
           <a:prstGeom prst="ellipse">
             <a:avLst/>
@@ -8897,7 +10690,7 @@
           <a:p>
             <a:pPr algn="ctr"/>
             <a:r>
-              <a:rPr lang="en-US" altLang="ko-KR" sz="1800" dirty="0">
+              <a:rPr lang="en-US" altLang="ko-KR" sz="1200" dirty="0">
                 <a:solidFill>
                   <a:schemeClr val="tx1"/>
                 </a:solidFill>
@@ -8906,7 +10699,7 @@
               </a:rPr>
               <a:t>Log</a:t>
             </a:r>
-            <a:endParaRPr lang="ko-KR" altLang="en-US" dirty="0">
+            <a:endParaRPr lang="ko-KR" altLang="en-US" sz="1200" dirty="0">
               <a:solidFill>
                 <a:schemeClr val="tx1"/>
               </a:solidFill>
@@ -8925,6 +10718,7 @@
             </a:extLst>
           </p:cNvPr>
           <p:cNvCxnSpPr>
+            <a:cxnSpLocks/>
             <a:stCxn id="12" idx="3"/>
             <a:endCxn id="42" idx="2"/>
           </p:cNvCxnSpPr>
@@ -8932,8 +10726,8 @@
         </p:nvCxnSpPr>
         <p:spPr>
           <a:xfrm>
-            <a:off x="4799543" y="2999758"/>
-            <a:ext cx="393894" cy="0"/>
+            <a:off x="4443881" y="2999758"/>
+            <a:ext cx="172508" cy="0"/>
           </a:xfrm>
           <a:prstGeom prst="line">
             <a:avLst/>
@@ -8977,8 +10771,8 @@
         </p:nvCxnSpPr>
         <p:spPr>
           <a:xfrm>
-            <a:off x="4799543" y="3958779"/>
-            <a:ext cx="393894" cy="0"/>
+            <a:off x="4443881" y="3958779"/>
+            <a:ext cx="172508" cy="0"/>
           </a:xfrm>
           <a:prstGeom prst="line">
             <a:avLst/>
@@ -9004,6 +10798,126 @@
           </a:fontRef>
         </p:style>
       </p:cxnSp>
+      <p:sp>
+        <p:nvSpPr>
+          <p:cNvPr id="19" name="내용 개체 틀 2">
+            <a:extLst>
+              <a:ext uri="{FF2B5EF4-FFF2-40B4-BE49-F238E27FC236}">
+                <a16:creationId xmlns:a16="http://schemas.microsoft.com/office/drawing/2014/main" id="{234DB4D1-B246-4F9B-933D-6B3C6A50A3AF}"/>
+              </a:ext>
+            </a:extLst>
+          </p:cNvPr>
+          <p:cNvSpPr>
+            <a:spLocks noGrp="1"/>
+          </p:cNvSpPr>
+          <p:nvPr>
+            <p:ph idx="1"/>
+          </p:nvPr>
+        </p:nvSpPr>
+        <p:spPr>
+          <a:xfrm>
+            <a:off x="5486400" y="715617"/>
+            <a:ext cx="5867400" cy="5461346"/>
+          </a:xfrm>
+        </p:spPr>
+        <p:txBody>
+          <a:bodyPr>
+            <a:normAutofit/>
+          </a:bodyPr>
+          <a:lstStyle/>
+          <a:p>
+            <a:r>
+              <a:rPr lang="ko-KR" altLang="en-US" sz="1800" dirty="0"/>
+              <a:t>모든 패킷 앞에 붙을 헤더와 두가지의 프로토콜로 구성되어 있다</a:t>
+            </a:r>
+            <a:r>
+              <a:rPr lang="en-US" altLang="ko-KR" sz="1800" dirty="0"/>
+              <a:t>.</a:t>
+            </a:r>
+          </a:p>
+          <a:p>
+            <a:r>
+              <a:rPr lang="ko-KR" altLang="en-US" sz="1800" dirty="0"/>
+              <a:t>서버와 클라이언트는 각각 패킷을 전송 받으면 </a:t>
+            </a:r>
+            <a:r>
+              <a:rPr lang="en-US" altLang="ko-KR" sz="1800" dirty="0"/>
+              <a:t>Header</a:t>
+            </a:r>
+            <a:r>
+              <a:rPr lang="ko-KR" altLang="en-US" sz="1800" dirty="0"/>
+              <a:t>를 생성해 어떤 프로토콜을 이용할지</a:t>
+            </a:r>
+            <a:r>
+              <a:rPr lang="en-US" altLang="ko-KR" sz="1800" dirty="0"/>
+              <a:t>, </a:t>
+            </a:r>
+            <a:r>
+              <a:rPr lang="ko-KR" altLang="en-US" sz="1800" dirty="0"/>
+              <a:t>길이나 오류 검출 등의 정보를 해석한다</a:t>
+            </a:r>
+            <a:r>
+              <a:rPr lang="en-US" altLang="ko-KR" sz="1800" dirty="0"/>
+              <a:t>.</a:t>
+            </a:r>
+          </a:p>
+          <a:p>
+            <a:r>
+              <a:rPr lang="ko-KR" altLang="en-US" sz="1800" dirty="0"/>
+              <a:t>각 프로토콜은 파일에서 바이트로의 변환</a:t>
+            </a:r>
+            <a:r>
+              <a:rPr lang="en-US" altLang="ko-KR" sz="1800" dirty="0"/>
+              <a:t>, </a:t>
+            </a:r>
+            <a:r>
+              <a:rPr lang="ko-KR" altLang="en-US" sz="1800" dirty="0"/>
+              <a:t>문자열에서 바이트로의 변환과 그 반대로의 복원을 담당한다</a:t>
+            </a:r>
+            <a:r>
+              <a:rPr lang="en-US" altLang="ko-KR" sz="1800" dirty="0"/>
+              <a:t>.</a:t>
+            </a:r>
+          </a:p>
+          <a:p>
+            <a:endParaRPr lang="en-US" altLang="ko-KR" sz="1800" dirty="0"/>
+          </a:p>
+          <a:p>
+            <a:r>
+              <a:rPr lang="ko-KR" altLang="en-US" sz="1800" dirty="0"/>
+              <a:t>헤더에는 </a:t>
+            </a:r>
+            <a:r>
+              <a:rPr lang="en-US" altLang="ko-KR" sz="1800" dirty="0"/>
+              <a:t>OPCODE</a:t>
+            </a:r>
+            <a:r>
+              <a:rPr lang="ko-KR" altLang="en-US" sz="1800" dirty="0"/>
+              <a:t>를 쉽게 알기 위한 보조 클래스를 포함하고 있다</a:t>
+            </a:r>
+            <a:r>
+              <a:rPr lang="en-US" altLang="ko-KR" sz="1800" dirty="0"/>
+              <a:t>. C</a:t>
+            </a:r>
+            <a:r>
+              <a:rPr lang="ko-KR" altLang="en-US" sz="1800" dirty="0"/>
+              <a:t>언어의 </a:t>
+            </a:r>
+            <a:r>
+              <a:rPr lang="en-US" altLang="ko-KR" sz="1800" dirty="0"/>
+              <a:t>#defin</a:t>
+            </a:r>
+            <a:r>
+              <a:rPr lang="ko-KR" altLang="en-US" sz="1800" dirty="0"/>
+              <a:t>과 비슷하게 사용하기 위함이다</a:t>
+            </a:r>
+            <a:r>
+              <a:rPr lang="en-US" altLang="ko-KR" sz="1800" dirty="0"/>
+              <a:t>. (ex. CONNECT_REJECT = 001)</a:t>
+            </a:r>
+          </a:p>
+        </p:txBody>
+      </p:sp>
     </p:spTree>
     <p:extLst>
       <p:ext uri="{BB962C8B-B14F-4D97-AF65-F5344CB8AC3E}">
@@ -9017,7 +10931,460 @@
 </p:sld>
 </file>
 
-<file path=ppt/slides/slide5.xml><?xml version="1.0" encoding="utf-8"?>
+<file path=ppt/slides/slide7.xml><?xml version="1.0" encoding="utf-8"?>
+<p:sld xmlns:a="http://schemas.openxmlformats.org/drawingml/2006/main" xmlns:r="http://schemas.openxmlformats.org/officeDocument/2006/relationships" xmlns:p="http://schemas.openxmlformats.org/presentationml/2006/main">
+  <p:cSld>
+    <p:spTree>
+      <p:nvGrpSpPr>
+        <p:cNvPr id="1" name="">
+          <a:extLst>
+            <a:ext uri="{FF2B5EF4-FFF2-40B4-BE49-F238E27FC236}">
+              <a16:creationId xmlns:a16="http://schemas.microsoft.com/office/drawing/2014/main" id="{40B99B46-9D71-5B94-B8F2-6D55D8B8A06A}"/>
+            </a:ext>
+          </a:extLst>
+        </p:cNvPr>
+        <p:cNvGrpSpPr/>
+        <p:nvPr/>
+      </p:nvGrpSpPr>
+      <p:grpSpPr>
+        <a:xfrm>
+          <a:off x="0" y="0"/>
+          <a:ext cx="0" cy="0"/>
+          <a:chOff x="0" y="0"/>
+          <a:chExt cx="0" cy="0"/>
+        </a:xfrm>
+      </p:grpSpPr>
+      <p:sp>
+        <p:nvSpPr>
+          <p:cNvPr id="2" name="제목 1">
+            <a:extLst>
+              <a:ext uri="{FF2B5EF4-FFF2-40B4-BE49-F238E27FC236}">
+                <a16:creationId xmlns:a16="http://schemas.microsoft.com/office/drawing/2014/main" id="{13FF0D7D-A459-0046-3DED-6D94EB42EE36}"/>
+              </a:ext>
+            </a:extLst>
+          </p:cNvPr>
+          <p:cNvSpPr>
+            <a:spLocks noGrp="1"/>
+          </p:cNvSpPr>
+          <p:nvPr>
+            <p:ph type="title"/>
+          </p:nvPr>
+        </p:nvSpPr>
+        <p:spPr>
+          <a:xfrm>
+            <a:off x="-1" y="0"/>
+            <a:ext cx="3533313" cy="516835"/>
+          </a:xfrm>
+        </p:spPr>
+        <p:txBody>
+          <a:bodyPr>
+            <a:normAutofit/>
+          </a:bodyPr>
+          <a:lstStyle/>
+          <a:p>
+            <a:r>
+              <a:rPr lang="ko-KR" altLang="en-US" dirty="0"/>
+              <a:t>라이브러리 내부 클래스</a:t>
+            </a:r>
+          </a:p>
+        </p:txBody>
+      </p:sp>
+      <p:sp>
+        <p:nvSpPr>
+          <p:cNvPr id="35" name="직사각형 34">
+            <a:extLst>
+              <a:ext uri="{FF2B5EF4-FFF2-40B4-BE49-F238E27FC236}">
+                <a16:creationId xmlns:a16="http://schemas.microsoft.com/office/drawing/2014/main" id="{6F3D82A9-5BBD-37A6-E20A-B8BE53BE762A}"/>
+              </a:ext>
+            </a:extLst>
+          </p:cNvPr>
+          <p:cNvSpPr/>
+          <p:nvPr/>
+        </p:nvSpPr>
+        <p:spPr>
+          <a:xfrm>
+            <a:off x="838200" y="1742742"/>
+            <a:ext cx="2078272" cy="595992"/>
+          </a:xfrm>
+          <a:prstGeom prst="rect">
+            <a:avLst/>
+          </a:prstGeom>
+          <a:solidFill>
+            <a:schemeClr val="accent2">
+              <a:lumMod val="60000"/>
+              <a:lumOff val="40000"/>
+            </a:schemeClr>
+          </a:solidFill>
+          <a:ln>
+            <a:noFill/>
+          </a:ln>
+        </p:spPr>
+        <p:style>
+          <a:lnRef idx="2">
+            <a:schemeClr val="accent1">
+              <a:shade val="15000"/>
+            </a:schemeClr>
+          </a:lnRef>
+          <a:fillRef idx="1">
+            <a:schemeClr val="accent1"/>
+          </a:fillRef>
+          <a:effectRef idx="0">
+            <a:schemeClr val="accent1"/>
+          </a:effectRef>
+          <a:fontRef idx="minor">
+            <a:schemeClr val="lt1"/>
+          </a:fontRef>
+        </p:style>
+        <p:txBody>
+          <a:bodyPr rtlCol="0" anchor="ctr"/>
+          <a:lstStyle/>
+          <a:p>
+            <a:pPr algn="ctr"/>
+            <a:r>
+              <a:rPr lang="en-US" altLang="ko-KR" dirty="0">
+                <a:solidFill>
+                  <a:schemeClr val="tx1"/>
+                </a:solidFill>
+              </a:rPr>
+              <a:t>Encryption</a:t>
+            </a:r>
+          </a:p>
+        </p:txBody>
+      </p:sp>
+      <p:sp>
+        <p:nvSpPr>
+          <p:cNvPr id="36" name="직사각형 35">
+            <a:extLst>
+              <a:ext uri="{FF2B5EF4-FFF2-40B4-BE49-F238E27FC236}">
+                <a16:creationId xmlns:a16="http://schemas.microsoft.com/office/drawing/2014/main" id="{974207FB-0F23-7992-C47A-5F639EDEA8BA}"/>
+              </a:ext>
+            </a:extLst>
+          </p:cNvPr>
+          <p:cNvSpPr/>
+          <p:nvPr/>
+        </p:nvSpPr>
+        <p:spPr>
+          <a:xfrm>
+            <a:off x="2365609" y="2701762"/>
+            <a:ext cx="2078272" cy="595992"/>
+          </a:xfrm>
+          <a:prstGeom prst="rect">
+            <a:avLst/>
+          </a:prstGeom>
+          <a:solidFill>
+            <a:schemeClr val="accent4">
+              <a:lumMod val="40000"/>
+              <a:lumOff val="60000"/>
+            </a:schemeClr>
+          </a:solidFill>
+          <a:ln>
+            <a:noFill/>
+          </a:ln>
+        </p:spPr>
+        <p:style>
+          <a:lnRef idx="2">
+            <a:schemeClr val="accent1">
+              <a:shade val="15000"/>
+            </a:schemeClr>
+          </a:lnRef>
+          <a:fillRef idx="1">
+            <a:schemeClr val="accent1"/>
+          </a:fillRef>
+          <a:effectRef idx="0">
+            <a:schemeClr val="accent1"/>
+          </a:effectRef>
+          <a:fontRef idx="minor">
+            <a:schemeClr val="lt1"/>
+          </a:fontRef>
+        </p:style>
+        <p:txBody>
+          <a:bodyPr rtlCol="0" anchor="ctr"/>
+          <a:lstStyle/>
+          <a:p>
+            <a:pPr algn="ctr"/>
+            <a:r>
+              <a:rPr lang="en-US" altLang="ko-KR" dirty="0">
+                <a:solidFill>
+                  <a:schemeClr val="tx1"/>
+                </a:solidFill>
+              </a:rPr>
+              <a:t>AES</a:t>
+            </a:r>
+            <a:endParaRPr lang="ko-KR" altLang="en-US" dirty="0">
+              <a:solidFill>
+                <a:schemeClr val="tx1"/>
+              </a:solidFill>
+            </a:endParaRPr>
+          </a:p>
+        </p:txBody>
+      </p:sp>
+      <p:cxnSp>
+        <p:nvCxnSpPr>
+          <p:cNvPr id="37" name="연결선: 꺾임 36">
+            <a:extLst>
+              <a:ext uri="{FF2B5EF4-FFF2-40B4-BE49-F238E27FC236}">
+                <a16:creationId xmlns:a16="http://schemas.microsoft.com/office/drawing/2014/main" id="{380DAA56-17CD-3F07-58F3-4F20E61B3B4E}"/>
+              </a:ext>
+            </a:extLst>
+          </p:cNvPr>
+          <p:cNvCxnSpPr>
+            <a:cxnSpLocks/>
+            <a:stCxn id="35" idx="2"/>
+            <a:endCxn id="36" idx="1"/>
+          </p:cNvCxnSpPr>
+          <p:nvPr/>
+        </p:nvCxnSpPr>
+        <p:spPr>
+          <a:xfrm rot="16200000" flipH="1">
+            <a:off x="1790960" y="2425109"/>
+            <a:ext cx="661024" cy="488273"/>
+          </a:xfrm>
+          <a:prstGeom prst="bentConnector2">
+            <a:avLst/>
+          </a:prstGeom>
+          <a:ln>
+            <a:solidFill>
+              <a:schemeClr val="tx1"/>
+            </a:solidFill>
+          </a:ln>
+        </p:spPr>
+        <p:style>
+          <a:lnRef idx="1">
+            <a:schemeClr val="accent1"/>
+          </a:lnRef>
+          <a:fillRef idx="0">
+            <a:schemeClr val="accent1"/>
+          </a:fillRef>
+          <a:effectRef idx="0">
+            <a:schemeClr val="accent1"/>
+          </a:effectRef>
+          <a:fontRef idx="minor">
+            <a:schemeClr val="tx1"/>
+          </a:fontRef>
+        </p:style>
+      </p:cxnSp>
+      <p:cxnSp>
+        <p:nvCxnSpPr>
+          <p:cNvPr id="38" name="연결선: 꺾임 37">
+            <a:extLst>
+              <a:ext uri="{FF2B5EF4-FFF2-40B4-BE49-F238E27FC236}">
+                <a16:creationId xmlns:a16="http://schemas.microsoft.com/office/drawing/2014/main" id="{9C5DEF70-122D-29BD-11DB-C755A259FB16}"/>
+              </a:ext>
+            </a:extLst>
+          </p:cNvPr>
+          <p:cNvCxnSpPr>
+            <a:cxnSpLocks/>
+            <a:stCxn id="35" idx="2"/>
+            <a:endCxn id="39" idx="1"/>
+          </p:cNvCxnSpPr>
+          <p:nvPr/>
+        </p:nvCxnSpPr>
+        <p:spPr>
+          <a:xfrm rot="16200000" flipH="1">
+            <a:off x="1311450" y="2904619"/>
+            <a:ext cx="1620045" cy="488273"/>
+          </a:xfrm>
+          <a:prstGeom prst="bentConnector2">
+            <a:avLst/>
+          </a:prstGeom>
+          <a:ln>
+            <a:solidFill>
+              <a:schemeClr val="tx1"/>
+            </a:solidFill>
+          </a:ln>
+        </p:spPr>
+        <p:style>
+          <a:lnRef idx="1">
+            <a:schemeClr val="accent1"/>
+          </a:lnRef>
+          <a:fillRef idx="0">
+            <a:schemeClr val="accent1"/>
+          </a:fillRef>
+          <a:effectRef idx="0">
+            <a:schemeClr val="accent1"/>
+          </a:effectRef>
+          <a:fontRef idx="minor">
+            <a:schemeClr val="tx1"/>
+          </a:fontRef>
+        </p:style>
+      </p:cxnSp>
+      <p:sp>
+        <p:nvSpPr>
+          <p:cNvPr id="39" name="직사각형 38">
+            <a:extLst>
+              <a:ext uri="{FF2B5EF4-FFF2-40B4-BE49-F238E27FC236}">
+                <a16:creationId xmlns:a16="http://schemas.microsoft.com/office/drawing/2014/main" id="{92B20AA3-4C2E-55AD-7B3A-B2DB43D89E81}"/>
+              </a:ext>
+            </a:extLst>
+          </p:cNvPr>
+          <p:cNvSpPr/>
+          <p:nvPr/>
+        </p:nvSpPr>
+        <p:spPr>
+          <a:xfrm>
+            <a:off x="2365609" y="3660783"/>
+            <a:ext cx="2078272" cy="595992"/>
+          </a:xfrm>
+          <a:prstGeom prst="rect">
+            <a:avLst/>
+          </a:prstGeom>
+          <a:solidFill>
+            <a:schemeClr val="accent4">
+              <a:lumMod val="40000"/>
+              <a:lumOff val="60000"/>
+            </a:schemeClr>
+          </a:solidFill>
+          <a:ln>
+            <a:noFill/>
+          </a:ln>
+        </p:spPr>
+        <p:style>
+          <a:lnRef idx="2">
+            <a:schemeClr val="accent1">
+              <a:shade val="15000"/>
+            </a:schemeClr>
+          </a:lnRef>
+          <a:fillRef idx="1">
+            <a:schemeClr val="accent1"/>
+          </a:fillRef>
+          <a:effectRef idx="0">
+            <a:schemeClr val="accent1"/>
+          </a:effectRef>
+          <a:fontRef idx="minor">
+            <a:schemeClr val="lt1"/>
+          </a:fontRef>
+        </p:style>
+        <p:txBody>
+          <a:bodyPr rtlCol="0" anchor="ctr"/>
+          <a:lstStyle/>
+          <a:p>
+            <a:pPr algn="ctr"/>
+            <a:r>
+              <a:rPr lang="en-US" altLang="ko-KR" dirty="0">
+                <a:solidFill>
+                  <a:schemeClr val="tx1"/>
+                </a:solidFill>
+              </a:rPr>
+              <a:t>RSA</a:t>
+            </a:r>
+            <a:endParaRPr lang="ko-KR" altLang="en-US" dirty="0">
+              <a:solidFill>
+                <a:schemeClr val="tx1"/>
+              </a:solidFill>
+            </a:endParaRPr>
+          </a:p>
+        </p:txBody>
+      </p:sp>
+      <p:sp>
+        <p:nvSpPr>
+          <p:cNvPr id="20" name="내용 개체 틀 2">
+            <a:extLst>
+              <a:ext uri="{FF2B5EF4-FFF2-40B4-BE49-F238E27FC236}">
+                <a16:creationId xmlns:a16="http://schemas.microsoft.com/office/drawing/2014/main" id="{E241F611-188E-456E-AB03-645A474AC0C2}"/>
+              </a:ext>
+            </a:extLst>
+          </p:cNvPr>
+          <p:cNvSpPr>
+            <a:spLocks noGrp="1"/>
+          </p:cNvSpPr>
+          <p:nvPr>
+            <p:ph idx="1"/>
+          </p:nvPr>
+        </p:nvSpPr>
+        <p:spPr>
+          <a:xfrm>
+            <a:off x="5486400" y="715617"/>
+            <a:ext cx="5867400" cy="5461346"/>
+          </a:xfrm>
+        </p:spPr>
+        <p:txBody>
+          <a:bodyPr>
+            <a:normAutofit/>
+          </a:bodyPr>
+          <a:lstStyle/>
+          <a:p>
+            <a:r>
+              <a:rPr lang="ko-KR" altLang="en-US" sz="1800" dirty="0"/>
+              <a:t>암호화를 담당하는 라이브러리</a:t>
+            </a:r>
+            <a:endParaRPr lang="en-US" altLang="ko-KR" sz="1800" dirty="0"/>
+          </a:p>
+          <a:p>
+            <a:r>
+              <a:rPr lang="en-US" altLang="ko-KR" sz="1800" dirty="0"/>
+              <a:t>AES </a:t>
+            </a:r>
+            <a:r>
+              <a:rPr lang="ko-KR" altLang="en-US" sz="1800" dirty="0"/>
+              <a:t>방식의 경우 하드코딩으로 생성한 키를 사용한다</a:t>
+            </a:r>
+            <a:r>
+              <a:rPr lang="en-US" altLang="ko-KR" sz="1800" dirty="0"/>
+              <a:t>.</a:t>
+            </a:r>
+            <a:br>
+              <a:rPr lang="en-US" altLang="ko-KR" sz="1800" dirty="0"/>
+            </a:br>
+            <a:r>
+              <a:rPr lang="en-US" altLang="ko-KR" sz="1800" dirty="0"/>
+              <a:t>(</a:t>
+            </a:r>
+            <a:r>
+              <a:rPr lang="en-US" altLang="ko-KR" sz="1800" dirty="0" err="1"/>
+              <a:t>Aes.key</a:t>
+            </a:r>
+            <a:r>
+              <a:rPr lang="ko-KR" altLang="en-US" sz="1800" dirty="0"/>
+              <a:t>에서 생성한 키를 고정으로 사용</a:t>
+            </a:r>
+            <a:r>
+              <a:rPr lang="en-US" altLang="ko-KR" sz="1800" dirty="0"/>
+              <a:t>)</a:t>
+            </a:r>
+          </a:p>
+          <a:p>
+            <a:r>
+              <a:rPr lang="en-US" altLang="ko-KR" sz="1800" dirty="0"/>
+              <a:t>Byte[]</a:t>
+            </a:r>
+            <a:r>
+              <a:rPr lang="ko-KR" altLang="en-US" sz="1800" dirty="0"/>
+              <a:t>를 입력 받은 뒤 암호화</a:t>
+            </a:r>
+            <a:r>
+              <a:rPr lang="en-US" altLang="ko-KR" sz="1800" dirty="0"/>
+              <a:t>/</a:t>
+            </a:r>
+            <a:r>
+              <a:rPr lang="ko-KR" altLang="en-US" sz="1800" dirty="0"/>
+              <a:t>복호화 후 </a:t>
+            </a:r>
+            <a:r>
+              <a:rPr lang="en-US" altLang="ko-KR" sz="1800" dirty="0"/>
+              <a:t>Byte[]</a:t>
+            </a:r>
+            <a:r>
+              <a:rPr lang="ko-KR" altLang="en-US" sz="1800" dirty="0"/>
+              <a:t>를 반환하는 파이프라인 형태를 가짐</a:t>
+            </a:r>
+            <a:endParaRPr lang="en-US" altLang="ko-KR" sz="1800" dirty="0"/>
+          </a:p>
+        </p:txBody>
+      </p:sp>
+    </p:spTree>
+    <p:extLst>
+      <p:ext uri="{BB962C8B-B14F-4D97-AF65-F5344CB8AC3E}">
+        <p14:creationId xmlns:p14="http://schemas.microsoft.com/office/powerpoint/2010/main" val="2455589615"/>
+      </p:ext>
+    </p:extLst>
+  </p:cSld>
+  <p:clrMapOvr>
+    <a:masterClrMapping/>
+  </p:clrMapOvr>
+</p:sld>
+</file>
+
+<file path=ppt/slides/slide8.xml><?xml version="1.0" encoding="utf-8"?>
 <p:sld xmlns:a="http://schemas.openxmlformats.org/drawingml/2006/main" xmlns:r="http://schemas.openxmlformats.org/officeDocument/2006/relationships" xmlns:p="http://schemas.openxmlformats.org/presentationml/2006/main">
   <p:cSld>
     <p:spTree>
@@ -9092,7 +11459,7 @@
 </p:sld>
 </file>
 
-<file path=ppt/slides/slide6.xml><?xml version="1.0" encoding="utf-8"?>
+<file path=ppt/slides/slide9.xml><?xml version="1.0" encoding="utf-8"?>
 <p:sld xmlns:a="http://schemas.openxmlformats.org/drawingml/2006/main" xmlns:r="http://schemas.openxmlformats.org/officeDocument/2006/relationships" xmlns:p="http://schemas.openxmlformats.org/presentationml/2006/main">
   <p:cSld>
     <p:spTree>
@@ -11172,1643 +13539,6 @@
     <p:extLst>
       <p:ext uri="{BB962C8B-B14F-4D97-AF65-F5344CB8AC3E}">
         <p14:creationId xmlns:p14="http://schemas.microsoft.com/office/powerpoint/2010/main" val="4206311940"/>
-      </p:ext>
-    </p:extLst>
-  </p:cSld>
-  <p:clrMapOvr>
-    <a:masterClrMapping/>
-  </p:clrMapOvr>
-</p:sld>
-</file>
-
-<file path=ppt/slides/slide7.xml><?xml version="1.0" encoding="utf-8"?>
-<p:sld xmlns:a="http://schemas.openxmlformats.org/drawingml/2006/main" xmlns:r="http://schemas.openxmlformats.org/officeDocument/2006/relationships" xmlns:p="http://schemas.openxmlformats.org/presentationml/2006/main">
-  <p:cSld>
-    <p:spTree>
-      <p:nvGrpSpPr>
-        <p:cNvPr id="1" name=""/>
-        <p:cNvGrpSpPr/>
-        <p:nvPr/>
-      </p:nvGrpSpPr>
-      <p:grpSpPr>
-        <a:xfrm>
-          <a:off x="0" y="0"/>
-          <a:ext cx="0" cy="0"/>
-          <a:chOff x="0" y="0"/>
-          <a:chExt cx="0" cy="0"/>
-        </a:xfrm>
-      </p:grpSpPr>
-      <p:sp>
-        <p:nvSpPr>
-          <p:cNvPr id="2" name="제목 1">
-            <a:extLst>
-              <a:ext uri="{FF2B5EF4-FFF2-40B4-BE49-F238E27FC236}">
-                <a16:creationId xmlns:a16="http://schemas.microsoft.com/office/drawing/2014/main" id="{D53C890E-ECF2-803A-7311-2B06E0F20F73}"/>
-              </a:ext>
-            </a:extLst>
-          </p:cNvPr>
-          <p:cNvSpPr>
-            <a:spLocks noGrp="1"/>
-          </p:cNvSpPr>
-          <p:nvPr>
-            <p:ph type="title"/>
-          </p:nvPr>
-        </p:nvSpPr>
-        <p:spPr/>
-        <p:txBody>
-          <a:bodyPr/>
-          <a:lstStyle/>
-          <a:p>
-            <a:r>
-              <a:rPr lang="en-US" altLang="ko-KR" dirty="0" err="1">
-                <a:solidFill>
-                  <a:schemeClr val="tx1"/>
-                </a:solidFill>
-              </a:rPr>
-              <a:t>ServerSocket</a:t>
-            </a:r>
-            <a:endParaRPr lang="ko-KR" altLang="en-US" dirty="0"/>
-          </a:p>
-        </p:txBody>
-      </p:sp>
-      <p:sp>
-        <p:nvSpPr>
-          <p:cNvPr id="4" name="타원 3">
-            <a:extLst>
-              <a:ext uri="{FF2B5EF4-FFF2-40B4-BE49-F238E27FC236}">
-                <a16:creationId xmlns:a16="http://schemas.microsoft.com/office/drawing/2014/main" id="{966958D8-0247-962F-70F1-29ADEF08F8FE}"/>
-              </a:ext>
-            </a:extLst>
-          </p:cNvPr>
-          <p:cNvSpPr/>
-          <p:nvPr/>
-        </p:nvSpPr>
-        <p:spPr>
-          <a:xfrm>
-            <a:off x="951139" y="849085"/>
-            <a:ext cx="1776193" cy="669471"/>
-          </a:xfrm>
-          <a:prstGeom prst="ellipse">
-            <a:avLst/>
-          </a:prstGeom>
-          <a:solidFill>
-            <a:schemeClr val="accent4">
-              <a:lumMod val="60000"/>
-              <a:lumOff val="40000"/>
-            </a:schemeClr>
-          </a:solidFill>
-          <a:ln>
-            <a:solidFill>
-              <a:schemeClr val="tx1"/>
-            </a:solidFill>
-          </a:ln>
-        </p:spPr>
-        <p:style>
-          <a:lnRef idx="2">
-            <a:schemeClr val="accent1">
-              <a:shade val="15000"/>
-            </a:schemeClr>
-          </a:lnRef>
-          <a:fillRef idx="1">
-            <a:schemeClr val="accent1"/>
-          </a:fillRef>
-          <a:effectRef idx="0">
-            <a:schemeClr val="accent1"/>
-          </a:effectRef>
-          <a:fontRef idx="minor">
-            <a:schemeClr val="lt1"/>
-          </a:fontRef>
-        </p:style>
-        <p:txBody>
-          <a:bodyPr rtlCol="0" anchor="ctr"/>
-          <a:lstStyle/>
-          <a:p>
-            <a:pPr algn="ctr"/>
-            <a:r>
-              <a:rPr lang="en-US" altLang="ko-KR" dirty="0">
-                <a:solidFill>
-                  <a:schemeClr val="tx1"/>
-                </a:solidFill>
-              </a:rPr>
-              <a:t>Task</a:t>
-            </a:r>
-            <a:endParaRPr lang="ko-KR" altLang="en-US" dirty="0">
-              <a:solidFill>
-                <a:schemeClr val="tx1"/>
-              </a:solidFill>
-            </a:endParaRPr>
-          </a:p>
-        </p:txBody>
-      </p:sp>
-      <p:sp>
-        <p:nvSpPr>
-          <p:cNvPr id="5" name="직사각형 4">
-            <a:extLst>
-              <a:ext uri="{FF2B5EF4-FFF2-40B4-BE49-F238E27FC236}">
-                <a16:creationId xmlns:a16="http://schemas.microsoft.com/office/drawing/2014/main" id="{6B1BA589-0085-AAC8-A73A-D4CC353F0D80}"/>
-              </a:ext>
-            </a:extLst>
-          </p:cNvPr>
-          <p:cNvSpPr/>
-          <p:nvPr/>
-        </p:nvSpPr>
-        <p:spPr>
-          <a:xfrm>
-            <a:off x="800100" y="1787325"/>
-            <a:ext cx="2078272" cy="595992"/>
-          </a:xfrm>
-          <a:prstGeom prst="rect">
-            <a:avLst/>
-          </a:prstGeom>
-          <a:solidFill>
-            <a:schemeClr val="tx2">
-              <a:lumMod val="40000"/>
-              <a:lumOff val="60000"/>
-            </a:schemeClr>
-          </a:solidFill>
-        </p:spPr>
-        <p:style>
-          <a:lnRef idx="2">
-            <a:schemeClr val="accent1">
-              <a:shade val="15000"/>
-            </a:schemeClr>
-          </a:lnRef>
-          <a:fillRef idx="1">
-            <a:schemeClr val="accent1"/>
-          </a:fillRef>
-          <a:effectRef idx="0">
-            <a:schemeClr val="accent1"/>
-          </a:effectRef>
-          <a:fontRef idx="minor">
-            <a:schemeClr val="lt1"/>
-          </a:fontRef>
-        </p:style>
-        <p:txBody>
-          <a:bodyPr rtlCol="0" anchor="ctr"/>
-          <a:lstStyle/>
-          <a:p>
-            <a:pPr algn="ctr"/>
-            <a:r>
-              <a:rPr lang="en-US" altLang="ko-KR" dirty="0" err="1">
-                <a:solidFill>
-                  <a:schemeClr val="tx1"/>
-                </a:solidFill>
-              </a:rPr>
-              <a:t>AddUser</a:t>
-            </a:r>
-            <a:r>
-              <a:rPr lang="en-US" altLang="ko-KR" dirty="0">
-                <a:solidFill>
-                  <a:schemeClr val="tx1"/>
-                </a:solidFill>
-              </a:rPr>
-              <a:t>()</a:t>
-            </a:r>
-            <a:endParaRPr lang="ko-KR" altLang="en-US" dirty="0">
-              <a:solidFill>
-                <a:schemeClr val="tx1"/>
-              </a:solidFill>
-            </a:endParaRPr>
-          </a:p>
-        </p:txBody>
-      </p:sp>
-      <p:cxnSp>
-        <p:nvCxnSpPr>
-          <p:cNvPr id="6" name="직선 화살표 연결선 5">
-            <a:extLst>
-              <a:ext uri="{FF2B5EF4-FFF2-40B4-BE49-F238E27FC236}">
-                <a16:creationId xmlns:a16="http://schemas.microsoft.com/office/drawing/2014/main" id="{59985D08-56BA-D726-B8C2-12EF96E73347}"/>
-              </a:ext>
-            </a:extLst>
-          </p:cNvPr>
-          <p:cNvCxnSpPr>
-            <a:cxnSpLocks/>
-            <a:stCxn id="4" idx="4"/>
-            <a:endCxn id="5" idx="0"/>
-          </p:cNvCxnSpPr>
-          <p:nvPr/>
-        </p:nvCxnSpPr>
-        <p:spPr>
-          <a:xfrm>
-            <a:off x="1839236" y="1518556"/>
-            <a:ext cx="0" cy="268769"/>
-          </a:xfrm>
-          <a:prstGeom prst="straightConnector1">
-            <a:avLst/>
-          </a:prstGeom>
-          <a:ln w="28575">
-            <a:solidFill>
-              <a:schemeClr val="tx1"/>
-            </a:solidFill>
-            <a:tailEnd type="triangle"/>
-          </a:ln>
-        </p:spPr>
-        <p:style>
-          <a:lnRef idx="1">
-            <a:schemeClr val="accent1"/>
-          </a:lnRef>
-          <a:fillRef idx="0">
-            <a:schemeClr val="accent1"/>
-          </a:fillRef>
-          <a:effectRef idx="0">
-            <a:schemeClr val="accent1"/>
-          </a:effectRef>
-          <a:fontRef idx="minor">
-            <a:schemeClr val="tx1"/>
-          </a:fontRef>
-        </p:style>
-      </p:cxnSp>
-      <p:cxnSp>
-        <p:nvCxnSpPr>
-          <p:cNvPr id="9" name="직선 화살표 연결선 8">
-            <a:extLst>
-              <a:ext uri="{FF2B5EF4-FFF2-40B4-BE49-F238E27FC236}">
-                <a16:creationId xmlns:a16="http://schemas.microsoft.com/office/drawing/2014/main" id="{EBFD5112-0582-7AC9-1C1E-A593420267E3}"/>
-              </a:ext>
-            </a:extLst>
-          </p:cNvPr>
-          <p:cNvCxnSpPr>
-            <a:cxnSpLocks/>
-            <a:stCxn id="10" idx="2"/>
-            <a:endCxn id="22" idx="0"/>
-          </p:cNvCxnSpPr>
-          <p:nvPr/>
-        </p:nvCxnSpPr>
-        <p:spPr>
-          <a:xfrm>
-            <a:off x="1839233" y="4479709"/>
-            <a:ext cx="0" cy="356111"/>
-          </a:xfrm>
-          <a:prstGeom prst="straightConnector1">
-            <a:avLst/>
-          </a:prstGeom>
-          <a:ln w="28575">
-            <a:solidFill>
-              <a:schemeClr val="tx1"/>
-            </a:solidFill>
-            <a:tailEnd type="triangle"/>
-          </a:ln>
-        </p:spPr>
-        <p:style>
-          <a:lnRef idx="1">
-            <a:schemeClr val="accent1"/>
-          </a:lnRef>
-          <a:fillRef idx="0">
-            <a:schemeClr val="accent1"/>
-          </a:fillRef>
-          <a:effectRef idx="0">
-            <a:schemeClr val="accent1"/>
-          </a:effectRef>
-          <a:fontRef idx="minor">
-            <a:schemeClr val="tx1"/>
-          </a:fontRef>
-        </p:style>
-      </p:cxnSp>
-      <p:sp>
-        <p:nvSpPr>
-          <p:cNvPr id="10" name="직사각형 9">
-            <a:extLst>
-              <a:ext uri="{FF2B5EF4-FFF2-40B4-BE49-F238E27FC236}">
-                <a16:creationId xmlns:a16="http://schemas.microsoft.com/office/drawing/2014/main" id="{F7603096-7B29-BD95-FC01-CD43014AAC0C}"/>
-              </a:ext>
-            </a:extLst>
-          </p:cNvPr>
-          <p:cNvSpPr/>
-          <p:nvPr/>
-        </p:nvSpPr>
-        <p:spPr>
-          <a:xfrm>
-            <a:off x="800097" y="3883717"/>
-            <a:ext cx="2078272" cy="595992"/>
-          </a:xfrm>
-          <a:prstGeom prst="rect">
-            <a:avLst/>
-          </a:prstGeom>
-          <a:solidFill>
-            <a:schemeClr val="tx2">
-              <a:lumMod val="40000"/>
-              <a:lumOff val="60000"/>
-            </a:schemeClr>
-          </a:solidFill>
-        </p:spPr>
-        <p:style>
-          <a:lnRef idx="2">
-            <a:schemeClr val="accent1">
-              <a:shade val="15000"/>
-            </a:schemeClr>
-          </a:lnRef>
-          <a:fillRef idx="1">
-            <a:schemeClr val="accent1"/>
-          </a:fillRef>
-          <a:effectRef idx="0">
-            <a:schemeClr val="accent1"/>
-          </a:effectRef>
-          <a:fontRef idx="minor">
-            <a:schemeClr val="lt1"/>
-          </a:fontRef>
-        </p:style>
-        <p:txBody>
-          <a:bodyPr rtlCol="0" anchor="ctr"/>
-          <a:lstStyle/>
-          <a:p>
-            <a:pPr algn="ctr"/>
-            <a:r>
-              <a:rPr lang="en-US" altLang="ko-KR" dirty="0">
-                <a:solidFill>
-                  <a:schemeClr val="tx1"/>
-                </a:solidFill>
-              </a:rPr>
-              <a:t>New </a:t>
-            </a:r>
-            <a:r>
-              <a:rPr lang="en-US" altLang="ko-KR" dirty="0" err="1">
-                <a:solidFill>
-                  <a:schemeClr val="tx1"/>
-                </a:solidFill>
-              </a:rPr>
-              <a:t>ClientHandle</a:t>
-            </a:r>
-            <a:endParaRPr lang="ko-KR" altLang="en-US" dirty="0">
-              <a:solidFill>
-                <a:schemeClr val="tx1"/>
-              </a:solidFill>
-            </a:endParaRPr>
-          </a:p>
-        </p:txBody>
-      </p:sp>
-      <p:cxnSp>
-        <p:nvCxnSpPr>
-          <p:cNvPr id="12" name="직선 화살표 연결선 11">
-            <a:extLst>
-              <a:ext uri="{FF2B5EF4-FFF2-40B4-BE49-F238E27FC236}">
-                <a16:creationId xmlns:a16="http://schemas.microsoft.com/office/drawing/2014/main" id="{D1C0769D-584E-06FB-CD22-F254340CDA64}"/>
-              </a:ext>
-            </a:extLst>
-          </p:cNvPr>
-          <p:cNvCxnSpPr>
-            <a:cxnSpLocks/>
-            <a:stCxn id="5" idx="2"/>
-            <a:endCxn id="16" idx="0"/>
-          </p:cNvCxnSpPr>
-          <p:nvPr/>
-        </p:nvCxnSpPr>
-        <p:spPr>
-          <a:xfrm flipH="1">
-            <a:off x="1839233" y="2383317"/>
-            <a:ext cx="3" cy="356110"/>
-          </a:xfrm>
-          <a:prstGeom prst="straightConnector1">
-            <a:avLst/>
-          </a:prstGeom>
-          <a:ln w="28575">
-            <a:solidFill>
-              <a:schemeClr val="tx1"/>
-            </a:solidFill>
-            <a:tailEnd type="triangle"/>
-          </a:ln>
-        </p:spPr>
-        <p:style>
-          <a:lnRef idx="1">
-            <a:schemeClr val="accent1"/>
-          </a:lnRef>
-          <a:fillRef idx="0">
-            <a:schemeClr val="accent1"/>
-          </a:fillRef>
-          <a:effectRef idx="0">
-            <a:schemeClr val="accent1"/>
-          </a:effectRef>
-          <a:fontRef idx="minor">
-            <a:schemeClr val="tx1"/>
-          </a:fontRef>
-        </p:style>
-      </p:cxnSp>
-      <p:sp>
-        <p:nvSpPr>
-          <p:cNvPr id="16" name="다이아몬드 15">
-            <a:extLst>
-              <a:ext uri="{FF2B5EF4-FFF2-40B4-BE49-F238E27FC236}">
-                <a16:creationId xmlns:a16="http://schemas.microsoft.com/office/drawing/2014/main" id="{68FEB424-91EC-948F-D477-F82AFBF78B69}"/>
-              </a:ext>
-            </a:extLst>
-          </p:cNvPr>
-          <p:cNvSpPr/>
-          <p:nvPr/>
-        </p:nvSpPr>
-        <p:spPr>
-          <a:xfrm>
-            <a:off x="705791" y="2739427"/>
-            <a:ext cx="2266884" cy="788179"/>
-          </a:xfrm>
-          <a:prstGeom prst="diamond">
-            <a:avLst/>
-          </a:prstGeom>
-        </p:spPr>
-        <p:style>
-          <a:lnRef idx="2">
-            <a:schemeClr val="accent2">
-              <a:shade val="15000"/>
-            </a:schemeClr>
-          </a:lnRef>
-          <a:fillRef idx="1">
-            <a:schemeClr val="accent2"/>
-          </a:fillRef>
-          <a:effectRef idx="0">
-            <a:schemeClr val="accent2"/>
-          </a:effectRef>
-          <a:fontRef idx="minor">
-            <a:schemeClr val="lt1"/>
-          </a:fontRef>
-        </p:style>
-        <p:txBody>
-          <a:bodyPr rtlCol="0" anchor="ctr"/>
-          <a:lstStyle/>
-          <a:p>
-            <a:pPr algn="ctr"/>
-            <a:r>
-              <a:rPr lang="en-US" altLang="ko-KR" dirty="0">
-                <a:solidFill>
-                  <a:sysClr val="windowText" lastClr="000000"/>
-                </a:solidFill>
-              </a:rPr>
-              <a:t>OPCODE 100?</a:t>
-            </a:r>
-            <a:endParaRPr lang="ko-KR" altLang="en-US" dirty="0">
-              <a:solidFill>
-                <a:sysClr val="windowText" lastClr="000000"/>
-              </a:solidFill>
-            </a:endParaRPr>
-          </a:p>
-        </p:txBody>
-      </p:sp>
-      <p:cxnSp>
-        <p:nvCxnSpPr>
-          <p:cNvPr id="18" name="직선 화살표 연결선 17">
-            <a:extLst>
-              <a:ext uri="{FF2B5EF4-FFF2-40B4-BE49-F238E27FC236}">
-                <a16:creationId xmlns:a16="http://schemas.microsoft.com/office/drawing/2014/main" id="{1E1D97B1-1470-CCC1-E397-567278883712}"/>
-              </a:ext>
-            </a:extLst>
-          </p:cNvPr>
-          <p:cNvCxnSpPr>
-            <a:cxnSpLocks/>
-            <a:stCxn id="16" idx="2"/>
-            <a:endCxn id="10" idx="0"/>
-          </p:cNvCxnSpPr>
-          <p:nvPr/>
-        </p:nvCxnSpPr>
-        <p:spPr>
-          <a:xfrm>
-            <a:off x="1839233" y="3527606"/>
-            <a:ext cx="0" cy="356111"/>
-          </a:xfrm>
-          <a:prstGeom prst="straightConnector1">
-            <a:avLst/>
-          </a:prstGeom>
-          <a:ln w="28575">
-            <a:solidFill>
-              <a:schemeClr val="tx1"/>
-            </a:solidFill>
-            <a:tailEnd type="triangle"/>
-          </a:ln>
-        </p:spPr>
-        <p:style>
-          <a:lnRef idx="1">
-            <a:schemeClr val="accent1"/>
-          </a:lnRef>
-          <a:fillRef idx="0">
-            <a:schemeClr val="accent1"/>
-          </a:fillRef>
-          <a:effectRef idx="0">
-            <a:schemeClr val="accent1"/>
-          </a:effectRef>
-          <a:fontRef idx="minor">
-            <a:schemeClr val="tx1"/>
-          </a:fontRef>
-        </p:style>
-      </p:cxnSp>
-      <p:sp>
-        <p:nvSpPr>
-          <p:cNvPr id="22" name="직사각형 21">
-            <a:extLst>
-              <a:ext uri="{FF2B5EF4-FFF2-40B4-BE49-F238E27FC236}">
-                <a16:creationId xmlns:a16="http://schemas.microsoft.com/office/drawing/2014/main" id="{D87CFC28-DB7D-BA2B-9356-6354D0CAF56A}"/>
-              </a:ext>
-            </a:extLst>
-          </p:cNvPr>
-          <p:cNvSpPr/>
-          <p:nvPr/>
-        </p:nvSpPr>
-        <p:spPr>
-          <a:xfrm>
-            <a:off x="430892" y="4835820"/>
-            <a:ext cx="2816682" cy="595992"/>
-          </a:xfrm>
-          <a:prstGeom prst="rect">
-            <a:avLst/>
-          </a:prstGeom>
-          <a:solidFill>
-            <a:schemeClr val="tx2">
-              <a:lumMod val="40000"/>
-              <a:lumOff val="60000"/>
-            </a:schemeClr>
-          </a:solidFill>
-        </p:spPr>
-        <p:style>
-          <a:lnRef idx="2">
-            <a:schemeClr val="accent1">
-              <a:shade val="15000"/>
-            </a:schemeClr>
-          </a:lnRef>
-          <a:fillRef idx="1">
-            <a:schemeClr val="accent1"/>
-          </a:fillRef>
-          <a:effectRef idx="0">
-            <a:schemeClr val="accent1"/>
-          </a:effectRef>
-          <a:fontRef idx="minor">
-            <a:schemeClr val="lt1"/>
-          </a:fontRef>
-        </p:style>
-        <p:txBody>
-          <a:bodyPr rtlCol="0" anchor="ctr"/>
-          <a:lstStyle/>
-          <a:p>
-            <a:pPr algn="ctr"/>
-            <a:r>
-              <a:rPr lang="en-US" altLang="ko-KR" dirty="0">
-                <a:solidFill>
-                  <a:schemeClr val="tx1"/>
-                </a:solidFill>
-              </a:rPr>
-              <a:t>+ List&lt;</a:t>
-            </a:r>
-            <a:r>
-              <a:rPr lang="en-US" altLang="ko-KR" dirty="0" err="1">
-                <a:solidFill>
-                  <a:schemeClr val="tx1"/>
-                </a:solidFill>
-              </a:rPr>
-              <a:t>ClientHandle</a:t>
-            </a:r>
-            <a:r>
-              <a:rPr lang="en-US" altLang="ko-KR" dirty="0">
-                <a:solidFill>
-                  <a:schemeClr val="tx1"/>
-                </a:solidFill>
-              </a:rPr>
-              <a:t>&gt;</a:t>
-            </a:r>
-            <a:endParaRPr lang="ko-KR" altLang="en-US" dirty="0">
-              <a:solidFill>
-                <a:schemeClr val="tx1"/>
-              </a:solidFill>
-            </a:endParaRPr>
-          </a:p>
-        </p:txBody>
-      </p:sp>
-      <p:sp>
-        <p:nvSpPr>
-          <p:cNvPr id="27" name="사각형: 둥근 모서리 26">
-            <a:extLst>
-              <a:ext uri="{FF2B5EF4-FFF2-40B4-BE49-F238E27FC236}">
-                <a16:creationId xmlns:a16="http://schemas.microsoft.com/office/drawing/2014/main" id="{4557999E-4A6C-9DDB-A461-CE150F6DF743}"/>
-              </a:ext>
-            </a:extLst>
-          </p:cNvPr>
-          <p:cNvSpPr/>
-          <p:nvPr/>
-        </p:nvSpPr>
-        <p:spPr>
-          <a:xfrm>
-            <a:off x="4905827" y="926473"/>
-            <a:ext cx="2078269" cy="595992"/>
-          </a:xfrm>
-          <a:prstGeom prst="roundRect">
-            <a:avLst>
-              <a:gd name="adj" fmla="val 27739"/>
-            </a:avLst>
-          </a:prstGeom>
-          <a:solidFill>
-            <a:schemeClr val="tx2">
-              <a:lumMod val="40000"/>
-              <a:lumOff val="60000"/>
-            </a:schemeClr>
-          </a:solidFill>
-          <a:ln>
-            <a:solidFill>
-              <a:schemeClr val="tx1"/>
-            </a:solidFill>
-          </a:ln>
-        </p:spPr>
-        <p:style>
-          <a:lnRef idx="2">
-            <a:schemeClr val="accent1">
-              <a:shade val="15000"/>
-            </a:schemeClr>
-          </a:lnRef>
-          <a:fillRef idx="1">
-            <a:schemeClr val="accent1"/>
-          </a:fillRef>
-          <a:effectRef idx="0">
-            <a:schemeClr val="accent1"/>
-          </a:effectRef>
-          <a:fontRef idx="minor">
-            <a:schemeClr val="lt1"/>
-          </a:fontRef>
-        </p:style>
-        <p:txBody>
-          <a:bodyPr rtlCol="0" anchor="ctr"/>
-          <a:lstStyle/>
-          <a:p>
-            <a:pPr algn="ctr"/>
-            <a:r>
-              <a:rPr lang="en-US" altLang="ko-KR" dirty="0" err="1">
-                <a:solidFill>
-                  <a:schemeClr val="tx1"/>
-                </a:solidFill>
-              </a:rPr>
-              <a:t>ClientHandle</a:t>
-            </a:r>
-            <a:r>
-              <a:rPr lang="en-US" altLang="ko-KR" dirty="0">
-                <a:solidFill>
-                  <a:schemeClr val="tx1"/>
-                </a:solidFill>
-              </a:rPr>
-              <a:t>()</a:t>
-            </a:r>
-            <a:endParaRPr lang="ko-KR" altLang="en-US" dirty="0">
-              <a:solidFill>
-                <a:schemeClr val="tx1"/>
-              </a:solidFill>
-            </a:endParaRPr>
-          </a:p>
-        </p:txBody>
-      </p:sp>
-      <p:sp>
-        <p:nvSpPr>
-          <p:cNvPr id="28" name="직사각형 27">
-            <a:extLst>
-              <a:ext uri="{FF2B5EF4-FFF2-40B4-BE49-F238E27FC236}">
-                <a16:creationId xmlns:a16="http://schemas.microsoft.com/office/drawing/2014/main" id="{9A1268F7-5D08-2C18-EAA5-F87CD8EF480D}"/>
-              </a:ext>
-            </a:extLst>
-          </p:cNvPr>
-          <p:cNvSpPr/>
-          <p:nvPr/>
-        </p:nvSpPr>
-        <p:spPr>
-          <a:xfrm>
-            <a:off x="4905824" y="1787325"/>
-            <a:ext cx="2078272" cy="595992"/>
-          </a:xfrm>
-          <a:prstGeom prst="rect">
-            <a:avLst/>
-          </a:prstGeom>
-          <a:solidFill>
-            <a:schemeClr val="tx2">
-              <a:lumMod val="40000"/>
-              <a:lumOff val="60000"/>
-            </a:schemeClr>
-          </a:solidFill>
-        </p:spPr>
-        <p:style>
-          <a:lnRef idx="2">
-            <a:schemeClr val="accent1">
-              <a:shade val="15000"/>
-            </a:schemeClr>
-          </a:lnRef>
-          <a:fillRef idx="1">
-            <a:schemeClr val="accent1"/>
-          </a:fillRef>
-          <a:effectRef idx="0">
-            <a:schemeClr val="accent1"/>
-          </a:effectRef>
-          <a:fontRef idx="minor">
-            <a:schemeClr val="lt1"/>
-          </a:fontRef>
-        </p:style>
-        <p:txBody>
-          <a:bodyPr rtlCol="0" anchor="ctr"/>
-          <a:lstStyle/>
-          <a:p>
-            <a:pPr algn="ctr"/>
-            <a:r>
-              <a:rPr lang="en-US" altLang="ko-KR" dirty="0" err="1">
-                <a:solidFill>
-                  <a:schemeClr val="tx1"/>
-                </a:solidFill>
-              </a:rPr>
-              <a:t>StartListening</a:t>
-            </a:r>
-            <a:r>
-              <a:rPr lang="en-US" altLang="ko-KR" dirty="0">
-                <a:solidFill>
-                  <a:schemeClr val="tx1"/>
-                </a:solidFill>
-              </a:rPr>
-              <a:t>()</a:t>
-            </a:r>
-            <a:endParaRPr lang="ko-KR" altLang="en-US" dirty="0">
-              <a:solidFill>
-                <a:schemeClr val="tx1"/>
-              </a:solidFill>
-            </a:endParaRPr>
-          </a:p>
-        </p:txBody>
-      </p:sp>
-      <p:cxnSp>
-        <p:nvCxnSpPr>
-          <p:cNvPr id="29" name="직선 화살표 연결선 28">
-            <a:extLst>
-              <a:ext uri="{FF2B5EF4-FFF2-40B4-BE49-F238E27FC236}">
-                <a16:creationId xmlns:a16="http://schemas.microsoft.com/office/drawing/2014/main" id="{621B9537-CBF5-BFCD-AD1D-8F667354D39A}"/>
-              </a:ext>
-            </a:extLst>
-          </p:cNvPr>
-          <p:cNvCxnSpPr>
-            <a:cxnSpLocks/>
-            <a:stCxn id="27" idx="2"/>
-            <a:endCxn id="28" idx="0"/>
-          </p:cNvCxnSpPr>
-          <p:nvPr/>
-        </p:nvCxnSpPr>
-        <p:spPr>
-          <a:xfrm flipH="1">
-            <a:off x="5944960" y="1522465"/>
-            <a:ext cx="2" cy="264860"/>
-          </a:xfrm>
-          <a:prstGeom prst="straightConnector1">
-            <a:avLst/>
-          </a:prstGeom>
-          <a:ln w="28575">
-            <a:solidFill>
-              <a:schemeClr val="tx1"/>
-            </a:solidFill>
-            <a:tailEnd type="triangle"/>
-          </a:ln>
-        </p:spPr>
-        <p:style>
-          <a:lnRef idx="1">
-            <a:schemeClr val="accent1"/>
-          </a:lnRef>
-          <a:fillRef idx="0">
-            <a:schemeClr val="accent1"/>
-          </a:fillRef>
-          <a:effectRef idx="0">
-            <a:schemeClr val="accent1"/>
-          </a:effectRef>
-          <a:fontRef idx="minor">
-            <a:schemeClr val="tx1"/>
-          </a:fontRef>
-        </p:style>
-      </p:cxnSp>
-      <p:sp>
-        <p:nvSpPr>
-          <p:cNvPr id="32" name="사각형: 둥근 모서리 31">
-            <a:extLst>
-              <a:ext uri="{FF2B5EF4-FFF2-40B4-BE49-F238E27FC236}">
-                <a16:creationId xmlns:a16="http://schemas.microsoft.com/office/drawing/2014/main" id="{47F8C184-AF6F-C034-AEAB-B267529F6DF1}"/>
-              </a:ext>
-            </a:extLst>
-          </p:cNvPr>
-          <p:cNvSpPr/>
-          <p:nvPr/>
-        </p:nvSpPr>
-        <p:spPr>
-          <a:xfrm>
-            <a:off x="9162591" y="926473"/>
-            <a:ext cx="2078269" cy="595992"/>
-          </a:xfrm>
-          <a:prstGeom prst="roundRect">
-            <a:avLst>
-              <a:gd name="adj" fmla="val 27739"/>
-            </a:avLst>
-          </a:prstGeom>
-          <a:solidFill>
-            <a:schemeClr val="tx2">
-              <a:lumMod val="40000"/>
-              <a:lumOff val="60000"/>
-            </a:schemeClr>
-          </a:solidFill>
-          <a:ln>
-            <a:solidFill>
-              <a:schemeClr val="tx1"/>
-            </a:solidFill>
-          </a:ln>
-        </p:spPr>
-        <p:style>
-          <a:lnRef idx="2">
-            <a:schemeClr val="accent1">
-              <a:shade val="15000"/>
-            </a:schemeClr>
-          </a:lnRef>
-          <a:fillRef idx="1">
-            <a:schemeClr val="accent1"/>
-          </a:fillRef>
-          <a:effectRef idx="0">
-            <a:schemeClr val="accent1"/>
-          </a:effectRef>
-          <a:fontRef idx="minor">
-            <a:schemeClr val="lt1"/>
-          </a:fontRef>
-        </p:style>
-        <p:txBody>
-          <a:bodyPr rtlCol="0" anchor="ctr"/>
-          <a:lstStyle/>
-          <a:p>
-            <a:pPr algn="ctr"/>
-            <a:r>
-              <a:rPr lang="en-US" altLang="ko-KR" dirty="0" err="1">
-                <a:solidFill>
-                  <a:schemeClr val="tx1"/>
-                </a:solidFill>
-              </a:rPr>
-              <a:t>StartListening</a:t>
-            </a:r>
-            <a:r>
-              <a:rPr lang="en-US" altLang="ko-KR" dirty="0">
-                <a:solidFill>
-                  <a:schemeClr val="tx1"/>
-                </a:solidFill>
-              </a:rPr>
-              <a:t>()</a:t>
-            </a:r>
-            <a:endParaRPr lang="ko-KR" altLang="en-US" dirty="0">
-              <a:solidFill>
-                <a:schemeClr val="tx1"/>
-              </a:solidFill>
-            </a:endParaRPr>
-          </a:p>
-        </p:txBody>
-      </p:sp>
-      <p:sp>
-        <p:nvSpPr>
-          <p:cNvPr id="33" name="직사각형 32">
-            <a:extLst>
-              <a:ext uri="{FF2B5EF4-FFF2-40B4-BE49-F238E27FC236}">
-                <a16:creationId xmlns:a16="http://schemas.microsoft.com/office/drawing/2014/main" id="{364CB79F-3D6A-06C0-7005-441F6364009F}"/>
-              </a:ext>
-            </a:extLst>
-          </p:cNvPr>
-          <p:cNvSpPr/>
-          <p:nvPr/>
-        </p:nvSpPr>
-        <p:spPr>
-          <a:xfrm>
-            <a:off x="9162588" y="2714449"/>
-            <a:ext cx="2078272" cy="595992"/>
-          </a:xfrm>
-          <a:prstGeom prst="rect">
-            <a:avLst/>
-          </a:prstGeom>
-          <a:solidFill>
-            <a:schemeClr val="tx2">
-              <a:lumMod val="40000"/>
-              <a:lumOff val="60000"/>
-            </a:schemeClr>
-          </a:solidFill>
-        </p:spPr>
-        <p:style>
-          <a:lnRef idx="2">
-            <a:schemeClr val="accent1">
-              <a:shade val="15000"/>
-            </a:schemeClr>
-          </a:lnRef>
-          <a:fillRef idx="1">
-            <a:schemeClr val="accent1"/>
-          </a:fillRef>
-          <a:effectRef idx="0">
-            <a:schemeClr val="accent1"/>
-          </a:effectRef>
-          <a:fontRef idx="minor">
-            <a:schemeClr val="lt1"/>
-          </a:fontRef>
-        </p:style>
-        <p:txBody>
-          <a:bodyPr rtlCol="0" anchor="ctr"/>
-          <a:lstStyle/>
-          <a:p>
-            <a:pPr algn="ctr"/>
-            <a:r>
-              <a:rPr lang="en-US" altLang="ko-KR" dirty="0">
-                <a:solidFill>
-                  <a:schemeClr val="tx1"/>
-                </a:solidFill>
-              </a:rPr>
-              <a:t>Receive()</a:t>
-            </a:r>
-            <a:endParaRPr lang="ko-KR" altLang="en-US" dirty="0">
-              <a:solidFill>
-                <a:schemeClr val="tx1"/>
-              </a:solidFill>
-            </a:endParaRPr>
-          </a:p>
-        </p:txBody>
-      </p:sp>
-      <p:sp>
-        <p:nvSpPr>
-          <p:cNvPr id="34" name="사각형: 잘린 위쪽 모서리 33">
-            <a:extLst>
-              <a:ext uri="{FF2B5EF4-FFF2-40B4-BE49-F238E27FC236}">
-                <a16:creationId xmlns:a16="http://schemas.microsoft.com/office/drawing/2014/main" id="{E2453D1B-8956-EC20-8A1F-D59D662860ED}"/>
-              </a:ext>
-            </a:extLst>
-          </p:cNvPr>
-          <p:cNvSpPr/>
-          <p:nvPr/>
-        </p:nvSpPr>
-        <p:spPr>
-          <a:xfrm>
-            <a:off x="9011547" y="1820461"/>
-            <a:ext cx="2380354" cy="595992"/>
-          </a:xfrm>
-          <a:prstGeom prst="snip2SameRect">
-            <a:avLst>
-              <a:gd name="adj1" fmla="val 43556"/>
-              <a:gd name="adj2" fmla="val 0"/>
-            </a:avLst>
-          </a:prstGeom>
-          <a:solidFill>
-            <a:schemeClr val="accent4">
-              <a:lumMod val="60000"/>
-              <a:lumOff val="40000"/>
-            </a:schemeClr>
-          </a:solidFill>
-          <a:ln>
-            <a:solidFill>
-              <a:schemeClr val="tx1"/>
-            </a:solidFill>
-          </a:ln>
-        </p:spPr>
-        <p:style>
-          <a:lnRef idx="2">
-            <a:schemeClr val="accent1">
-              <a:shade val="15000"/>
-            </a:schemeClr>
-          </a:lnRef>
-          <a:fillRef idx="1">
-            <a:schemeClr val="accent1"/>
-          </a:fillRef>
-          <a:effectRef idx="0">
-            <a:schemeClr val="accent1"/>
-          </a:effectRef>
-          <a:fontRef idx="minor">
-            <a:schemeClr val="lt1"/>
-          </a:fontRef>
-        </p:style>
-        <p:txBody>
-          <a:bodyPr rtlCol="0" anchor="ctr"/>
-          <a:lstStyle/>
-          <a:p>
-            <a:pPr algn="ctr"/>
-            <a:r>
-              <a:rPr lang="en-US" altLang="ko-KR" dirty="0">
-                <a:solidFill>
-                  <a:sysClr val="windowText" lastClr="000000"/>
-                </a:solidFill>
-              </a:rPr>
-              <a:t>true</a:t>
-            </a:r>
-            <a:endParaRPr lang="ko-KR" altLang="en-US" dirty="0">
-              <a:solidFill>
-                <a:sysClr val="windowText" lastClr="000000"/>
-              </a:solidFill>
-            </a:endParaRPr>
-          </a:p>
-        </p:txBody>
-      </p:sp>
-      <p:sp>
-        <p:nvSpPr>
-          <p:cNvPr id="35" name="사각형: 잘린 위쪽 모서리 34">
-            <a:extLst>
-              <a:ext uri="{FF2B5EF4-FFF2-40B4-BE49-F238E27FC236}">
-                <a16:creationId xmlns:a16="http://schemas.microsoft.com/office/drawing/2014/main" id="{0575A10D-189C-CD5F-7739-6E89945F5E19}"/>
-              </a:ext>
-            </a:extLst>
-          </p:cNvPr>
-          <p:cNvSpPr/>
-          <p:nvPr/>
-        </p:nvSpPr>
-        <p:spPr>
-          <a:xfrm>
-            <a:off x="9011547" y="4502425"/>
-            <a:ext cx="2380352" cy="595992"/>
-          </a:xfrm>
-          <a:prstGeom prst="snip2SameRect">
-            <a:avLst>
-              <a:gd name="adj1" fmla="val 0"/>
-              <a:gd name="adj2" fmla="val 45869"/>
-            </a:avLst>
-          </a:prstGeom>
-          <a:solidFill>
-            <a:schemeClr val="accent4">
-              <a:lumMod val="60000"/>
-              <a:lumOff val="40000"/>
-            </a:schemeClr>
-          </a:solidFill>
-          <a:ln>
-            <a:solidFill>
-              <a:schemeClr val="tx1"/>
-            </a:solidFill>
-          </a:ln>
-        </p:spPr>
-        <p:style>
-          <a:lnRef idx="2">
-            <a:schemeClr val="accent1">
-              <a:shade val="15000"/>
-            </a:schemeClr>
-          </a:lnRef>
-          <a:fillRef idx="1">
-            <a:schemeClr val="accent1"/>
-          </a:fillRef>
-          <a:effectRef idx="0">
-            <a:schemeClr val="accent1"/>
-          </a:effectRef>
-          <a:fontRef idx="minor">
-            <a:schemeClr val="lt1"/>
-          </a:fontRef>
-        </p:style>
-        <p:txBody>
-          <a:bodyPr rtlCol="0" anchor="ctr"/>
-          <a:lstStyle/>
-          <a:p>
-            <a:pPr algn="ctr"/>
-            <a:endParaRPr lang="ko-KR" altLang="en-US" dirty="0">
-              <a:solidFill>
-                <a:sysClr val="windowText" lastClr="000000"/>
-              </a:solidFill>
-            </a:endParaRPr>
-          </a:p>
-        </p:txBody>
-      </p:sp>
-      <p:cxnSp>
-        <p:nvCxnSpPr>
-          <p:cNvPr id="36" name="직선 화살표 연결선 35">
-            <a:extLst>
-              <a:ext uri="{FF2B5EF4-FFF2-40B4-BE49-F238E27FC236}">
-                <a16:creationId xmlns:a16="http://schemas.microsoft.com/office/drawing/2014/main" id="{6E9C6D9D-A6C1-A8BA-EFB5-C231588C1446}"/>
-              </a:ext>
-            </a:extLst>
-          </p:cNvPr>
-          <p:cNvCxnSpPr>
-            <a:cxnSpLocks/>
-            <a:stCxn id="34" idx="1"/>
-            <a:endCxn id="33" idx="0"/>
-          </p:cNvCxnSpPr>
-          <p:nvPr/>
-        </p:nvCxnSpPr>
-        <p:spPr>
-          <a:xfrm>
-            <a:off x="10201724" y="2416453"/>
-            <a:ext cx="0" cy="297996"/>
-          </a:xfrm>
-          <a:prstGeom prst="straightConnector1">
-            <a:avLst/>
-          </a:prstGeom>
-          <a:ln w="28575">
-            <a:solidFill>
-              <a:schemeClr val="tx1"/>
-            </a:solidFill>
-            <a:tailEnd type="triangle"/>
-          </a:ln>
-        </p:spPr>
-        <p:style>
-          <a:lnRef idx="1">
-            <a:schemeClr val="accent1"/>
-          </a:lnRef>
-          <a:fillRef idx="0">
-            <a:schemeClr val="accent1"/>
-          </a:fillRef>
-          <a:effectRef idx="0">
-            <a:schemeClr val="accent1"/>
-          </a:effectRef>
-          <a:fontRef idx="minor">
-            <a:schemeClr val="tx1"/>
-          </a:fontRef>
-        </p:style>
-      </p:cxnSp>
-      <p:cxnSp>
-        <p:nvCxnSpPr>
-          <p:cNvPr id="38" name="직선 화살표 연결선 37">
-            <a:extLst>
-              <a:ext uri="{FF2B5EF4-FFF2-40B4-BE49-F238E27FC236}">
-                <a16:creationId xmlns:a16="http://schemas.microsoft.com/office/drawing/2014/main" id="{5FC98500-AB0A-89CC-4430-2CCDB2759063}"/>
-              </a:ext>
-            </a:extLst>
-          </p:cNvPr>
-          <p:cNvCxnSpPr>
-            <a:cxnSpLocks/>
-            <a:stCxn id="33" idx="2"/>
-            <a:endCxn id="45" idx="0"/>
-          </p:cNvCxnSpPr>
-          <p:nvPr/>
-        </p:nvCxnSpPr>
-        <p:spPr>
-          <a:xfrm flipH="1">
-            <a:off x="10201723" y="3310441"/>
-            <a:ext cx="1" cy="382774"/>
-          </a:xfrm>
-          <a:prstGeom prst="straightConnector1">
-            <a:avLst/>
-          </a:prstGeom>
-          <a:ln w="28575">
-            <a:solidFill>
-              <a:schemeClr val="tx1"/>
-            </a:solidFill>
-            <a:tailEnd type="triangle"/>
-          </a:ln>
-        </p:spPr>
-        <p:style>
-          <a:lnRef idx="1">
-            <a:schemeClr val="accent1"/>
-          </a:lnRef>
-          <a:fillRef idx="0">
-            <a:schemeClr val="accent1"/>
-          </a:fillRef>
-          <a:effectRef idx="0">
-            <a:schemeClr val="accent1"/>
-          </a:effectRef>
-          <a:fontRef idx="minor">
-            <a:schemeClr val="tx1"/>
-          </a:fontRef>
-        </p:style>
-      </p:cxnSp>
-      <p:cxnSp>
-        <p:nvCxnSpPr>
-          <p:cNvPr id="39" name="직선 화살표 연결선 38">
-            <a:extLst>
-              <a:ext uri="{FF2B5EF4-FFF2-40B4-BE49-F238E27FC236}">
-                <a16:creationId xmlns:a16="http://schemas.microsoft.com/office/drawing/2014/main" id="{23F29CD4-DDE7-1568-BE4F-A9426E5891CC}"/>
-              </a:ext>
-            </a:extLst>
-          </p:cNvPr>
-          <p:cNvCxnSpPr>
-            <a:cxnSpLocks/>
-            <a:stCxn id="45" idx="4"/>
-            <a:endCxn id="35" idx="3"/>
-          </p:cNvCxnSpPr>
-          <p:nvPr/>
-        </p:nvCxnSpPr>
-        <p:spPr>
-          <a:xfrm>
-            <a:off x="10201723" y="4119651"/>
-            <a:ext cx="0" cy="382774"/>
-          </a:xfrm>
-          <a:prstGeom prst="straightConnector1">
-            <a:avLst/>
-          </a:prstGeom>
-          <a:ln w="28575">
-            <a:solidFill>
-              <a:schemeClr val="tx1"/>
-            </a:solidFill>
-            <a:tailEnd type="triangle"/>
-          </a:ln>
-        </p:spPr>
-        <p:style>
-          <a:lnRef idx="1">
-            <a:schemeClr val="accent1"/>
-          </a:lnRef>
-          <a:fillRef idx="0">
-            <a:schemeClr val="accent1"/>
-          </a:fillRef>
-          <a:effectRef idx="0">
-            <a:schemeClr val="accent1"/>
-          </a:effectRef>
-          <a:fontRef idx="minor">
-            <a:schemeClr val="tx1"/>
-          </a:fontRef>
-        </p:style>
-      </p:cxnSp>
-      <p:cxnSp>
-        <p:nvCxnSpPr>
-          <p:cNvPr id="40" name="직선 화살표 연결선 39">
-            <a:extLst>
-              <a:ext uri="{FF2B5EF4-FFF2-40B4-BE49-F238E27FC236}">
-                <a16:creationId xmlns:a16="http://schemas.microsoft.com/office/drawing/2014/main" id="{481A7FEC-ACBC-A728-56CB-3EB28B3ABED7}"/>
-              </a:ext>
-            </a:extLst>
-          </p:cNvPr>
-          <p:cNvCxnSpPr>
-            <a:cxnSpLocks/>
-            <a:stCxn id="32" idx="2"/>
-            <a:endCxn id="34" idx="3"/>
-          </p:cNvCxnSpPr>
-          <p:nvPr/>
-        </p:nvCxnSpPr>
-        <p:spPr>
-          <a:xfrm flipH="1">
-            <a:off x="10201724" y="1522465"/>
-            <a:ext cx="2" cy="297996"/>
-          </a:xfrm>
-          <a:prstGeom prst="straightConnector1">
-            <a:avLst/>
-          </a:prstGeom>
-          <a:ln w="28575">
-            <a:solidFill>
-              <a:schemeClr val="tx1"/>
-            </a:solidFill>
-            <a:tailEnd type="triangle"/>
-          </a:ln>
-        </p:spPr>
-        <p:style>
-          <a:lnRef idx="1">
-            <a:schemeClr val="accent1"/>
-          </a:lnRef>
-          <a:fillRef idx="0">
-            <a:schemeClr val="accent1"/>
-          </a:fillRef>
-          <a:effectRef idx="0">
-            <a:schemeClr val="accent1"/>
-          </a:effectRef>
-          <a:fontRef idx="minor">
-            <a:schemeClr val="tx1"/>
-          </a:fontRef>
-        </p:style>
-      </p:cxnSp>
-      <p:sp>
-        <p:nvSpPr>
-          <p:cNvPr id="43" name="TextBox 42">
-            <a:extLst>
-              <a:ext uri="{FF2B5EF4-FFF2-40B4-BE49-F238E27FC236}">
-                <a16:creationId xmlns:a16="http://schemas.microsoft.com/office/drawing/2014/main" id="{283054A1-A2AD-A8D6-E00D-1BE440FF56C0}"/>
-              </a:ext>
-            </a:extLst>
-          </p:cNvPr>
-          <p:cNvSpPr txBox="1"/>
-          <p:nvPr/>
-        </p:nvSpPr>
-        <p:spPr>
-          <a:xfrm>
-            <a:off x="1365706" y="3527654"/>
-            <a:ext cx="473525" cy="276999"/>
-          </a:xfrm>
-          <a:prstGeom prst="rect">
-            <a:avLst/>
-          </a:prstGeom>
-          <a:noFill/>
-        </p:spPr>
-        <p:txBody>
-          <a:bodyPr wrap="square" rtlCol="0">
-            <a:spAutoFit/>
-          </a:bodyPr>
-          <a:lstStyle/>
-          <a:p>
-            <a:r>
-              <a:rPr lang="en-US" altLang="ko-KR" sz="1200" dirty="0"/>
-              <a:t>YES</a:t>
-            </a:r>
-            <a:endParaRPr lang="ko-KR" altLang="en-US" sz="1200" dirty="0"/>
-          </a:p>
-        </p:txBody>
-      </p:sp>
-      <p:sp>
-        <p:nvSpPr>
-          <p:cNvPr id="44" name="타원 43">
-            <a:extLst>
-              <a:ext uri="{FF2B5EF4-FFF2-40B4-BE49-F238E27FC236}">
-                <a16:creationId xmlns:a16="http://schemas.microsoft.com/office/drawing/2014/main" id="{1B97DF96-37FC-E7E9-C62B-6EFF279DCCCC}"/>
-              </a:ext>
-            </a:extLst>
-          </p:cNvPr>
-          <p:cNvSpPr/>
-          <p:nvPr/>
-        </p:nvSpPr>
-        <p:spPr>
-          <a:xfrm>
-            <a:off x="4371940" y="1872103"/>
-            <a:ext cx="426436" cy="426436"/>
-          </a:xfrm>
-          <a:prstGeom prst="ellipse">
-            <a:avLst/>
-          </a:prstGeom>
-          <a:solidFill>
-            <a:srgbClr val="00B0F0"/>
-          </a:solidFill>
-        </p:spPr>
-        <p:style>
-          <a:lnRef idx="2">
-            <a:schemeClr val="accent1">
-              <a:shade val="15000"/>
-            </a:schemeClr>
-          </a:lnRef>
-          <a:fillRef idx="1">
-            <a:schemeClr val="accent1"/>
-          </a:fillRef>
-          <a:effectRef idx="0">
-            <a:schemeClr val="accent1"/>
-          </a:effectRef>
-          <a:fontRef idx="minor">
-            <a:schemeClr val="lt1"/>
-          </a:fontRef>
-        </p:style>
-        <p:txBody>
-          <a:bodyPr rtlCol="0" anchor="ctr"/>
-          <a:lstStyle/>
-          <a:p>
-            <a:pPr algn="ctr"/>
-            <a:r>
-              <a:rPr lang="en-US" altLang="ko-KR" dirty="0"/>
-              <a:t>1</a:t>
-            </a:r>
-            <a:endParaRPr lang="ko-KR" altLang="en-US" dirty="0"/>
-          </a:p>
-        </p:txBody>
-      </p:sp>
-      <p:sp>
-        <p:nvSpPr>
-          <p:cNvPr id="45" name="타원 44">
-            <a:extLst>
-              <a:ext uri="{FF2B5EF4-FFF2-40B4-BE49-F238E27FC236}">
-                <a16:creationId xmlns:a16="http://schemas.microsoft.com/office/drawing/2014/main" id="{51C45D6C-AD3C-42E7-F091-9DA252733D09}"/>
-              </a:ext>
-            </a:extLst>
-          </p:cNvPr>
-          <p:cNvSpPr/>
-          <p:nvPr/>
-        </p:nvSpPr>
-        <p:spPr>
-          <a:xfrm>
-            <a:off x="9988505" y="3693215"/>
-            <a:ext cx="426436" cy="426436"/>
-          </a:xfrm>
-          <a:prstGeom prst="ellipse">
-            <a:avLst/>
-          </a:prstGeom>
-          <a:solidFill>
-            <a:schemeClr val="accent2">
-              <a:lumMod val="60000"/>
-              <a:lumOff val="40000"/>
-            </a:schemeClr>
-          </a:solidFill>
-        </p:spPr>
-        <p:style>
-          <a:lnRef idx="2">
-            <a:schemeClr val="accent1">
-              <a:shade val="15000"/>
-            </a:schemeClr>
-          </a:lnRef>
-          <a:fillRef idx="1">
-            <a:schemeClr val="accent1"/>
-          </a:fillRef>
-          <a:effectRef idx="0">
-            <a:schemeClr val="accent1"/>
-          </a:effectRef>
-          <a:fontRef idx="minor">
-            <a:schemeClr val="lt1"/>
-          </a:fontRef>
-        </p:style>
-        <p:txBody>
-          <a:bodyPr rtlCol="0" anchor="ctr"/>
-          <a:lstStyle/>
-          <a:p>
-            <a:pPr algn="ctr"/>
-            <a:r>
-              <a:rPr lang="en-US" altLang="ko-KR" dirty="0"/>
-              <a:t>2</a:t>
-            </a:r>
-            <a:endParaRPr lang="ko-KR" altLang="en-US" dirty="0"/>
-          </a:p>
-        </p:txBody>
-      </p:sp>
-    </p:spTree>
-    <p:extLst>
-      <p:ext uri="{BB962C8B-B14F-4D97-AF65-F5344CB8AC3E}">
-        <p14:creationId xmlns:p14="http://schemas.microsoft.com/office/powerpoint/2010/main" val="3926650044"/>
-      </p:ext>
-    </p:extLst>
-  </p:cSld>
-  <p:clrMapOvr>
-    <a:masterClrMapping/>
-  </p:clrMapOvr>
-</p:sld>
-</file>
-
-<file path=ppt/slides/slide8.xml><?xml version="1.0" encoding="utf-8"?>
-<p:sld xmlns:a="http://schemas.openxmlformats.org/drawingml/2006/main" xmlns:r="http://schemas.openxmlformats.org/officeDocument/2006/relationships" xmlns:p="http://schemas.openxmlformats.org/presentationml/2006/main">
-  <p:cSld>
-    <p:spTree>
-      <p:nvGrpSpPr>
-        <p:cNvPr id="1" name="">
-          <a:extLst>
-            <a:ext uri="{FF2B5EF4-FFF2-40B4-BE49-F238E27FC236}">
-              <a16:creationId xmlns:a16="http://schemas.microsoft.com/office/drawing/2014/main" id="{31044D8D-FBA8-B217-46A0-0A67C84C4E40}"/>
-            </a:ext>
-          </a:extLst>
-        </p:cNvPr>
-        <p:cNvGrpSpPr/>
-        <p:nvPr/>
-      </p:nvGrpSpPr>
-      <p:grpSpPr>
-        <a:xfrm>
-          <a:off x="0" y="0"/>
-          <a:ext cx="0" cy="0"/>
-          <a:chOff x="0" y="0"/>
-          <a:chExt cx="0" cy="0"/>
-        </a:xfrm>
-      </p:grpSpPr>
-      <p:sp>
-        <p:nvSpPr>
-          <p:cNvPr id="2" name="제목 1">
-            <a:extLst>
-              <a:ext uri="{FF2B5EF4-FFF2-40B4-BE49-F238E27FC236}">
-                <a16:creationId xmlns:a16="http://schemas.microsoft.com/office/drawing/2014/main" id="{6C55E9B7-AFD1-EDF8-4C1E-4E1C10B70D6F}"/>
-              </a:ext>
-            </a:extLst>
-          </p:cNvPr>
-          <p:cNvSpPr>
-            <a:spLocks noGrp="1"/>
-          </p:cNvSpPr>
-          <p:nvPr>
-            <p:ph type="title"/>
-          </p:nvPr>
-        </p:nvSpPr>
-        <p:spPr>
-          <a:xfrm>
-            <a:off x="-1" y="0"/>
-            <a:ext cx="5845629" cy="516835"/>
-          </a:xfrm>
-        </p:spPr>
-        <p:txBody>
-          <a:bodyPr>
-            <a:normAutofit/>
-          </a:bodyPr>
-          <a:lstStyle/>
-          <a:p>
-            <a:r>
-              <a:rPr lang="en-US" altLang="ko-KR" dirty="0" err="1">
-                <a:solidFill>
-                  <a:schemeClr val="tx1"/>
-                </a:solidFill>
-              </a:rPr>
-              <a:t>ServerSocket_ClientHandle</a:t>
-            </a:r>
-            <a:endParaRPr lang="ko-KR" altLang="en-US" dirty="0"/>
-          </a:p>
-        </p:txBody>
-      </p:sp>
-      <p:sp>
-        <p:nvSpPr>
-          <p:cNvPr id="5" name="타원 4">
-            <a:extLst>
-              <a:ext uri="{FF2B5EF4-FFF2-40B4-BE49-F238E27FC236}">
-                <a16:creationId xmlns:a16="http://schemas.microsoft.com/office/drawing/2014/main" id="{1D31AE84-74CF-88D7-1B3D-360F95C5DE8C}"/>
-              </a:ext>
-            </a:extLst>
-          </p:cNvPr>
-          <p:cNvSpPr/>
-          <p:nvPr/>
-        </p:nvSpPr>
-        <p:spPr>
-          <a:xfrm>
-            <a:off x="1626017" y="970602"/>
-            <a:ext cx="426436" cy="426436"/>
-          </a:xfrm>
-          <a:prstGeom prst="ellipse">
-            <a:avLst/>
-          </a:prstGeom>
-          <a:solidFill>
-            <a:schemeClr val="accent2">
-              <a:lumMod val="60000"/>
-              <a:lumOff val="40000"/>
-            </a:schemeClr>
-          </a:solidFill>
-        </p:spPr>
-        <p:style>
-          <a:lnRef idx="2">
-            <a:schemeClr val="accent1">
-              <a:shade val="15000"/>
-            </a:schemeClr>
-          </a:lnRef>
-          <a:fillRef idx="1">
-            <a:schemeClr val="accent1"/>
-          </a:fillRef>
-          <a:effectRef idx="0">
-            <a:schemeClr val="accent1"/>
-          </a:effectRef>
-          <a:fontRef idx="minor">
-            <a:schemeClr val="lt1"/>
-          </a:fontRef>
-        </p:style>
-        <p:txBody>
-          <a:bodyPr rtlCol="0" anchor="ctr"/>
-          <a:lstStyle/>
-          <a:p>
-            <a:pPr algn="ctr"/>
-            <a:r>
-              <a:rPr lang="en-US" altLang="ko-KR" dirty="0"/>
-              <a:t>2</a:t>
-            </a:r>
-            <a:endParaRPr lang="ko-KR" altLang="en-US" dirty="0"/>
-          </a:p>
-        </p:txBody>
-      </p:sp>
-      <p:sp>
-        <p:nvSpPr>
-          <p:cNvPr id="6" name="직사각형 5">
-            <a:extLst>
-              <a:ext uri="{FF2B5EF4-FFF2-40B4-BE49-F238E27FC236}">
-                <a16:creationId xmlns:a16="http://schemas.microsoft.com/office/drawing/2014/main" id="{46FEF2D9-F08D-3240-8935-CF8F381CC981}"/>
-              </a:ext>
-            </a:extLst>
-          </p:cNvPr>
-          <p:cNvSpPr/>
-          <p:nvPr/>
-        </p:nvSpPr>
-        <p:spPr>
-          <a:xfrm>
-            <a:off x="800100" y="1787325"/>
-            <a:ext cx="2078272" cy="595992"/>
-          </a:xfrm>
-          <a:prstGeom prst="rect">
-            <a:avLst/>
-          </a:prstGeom>
-          <a:solidFill>
-            <a:schemeClr val="tx2">
-              <a:lumMod val="40000"/>
-              <a:lumOff val="60000"/>
-            </a:schemeClr>
-          </a:solidFill>
-        </p:spPr>
-        <p:style>
-          <a:lnRef idx="2">
-            <a:schemeClr val="accent1">
-              <a:shade val="15000"/>
-            </a:schemeClr>
-          </a:lnRef>
-          <a:fillRef idx="1">
-            <a:schemeClr val="accent1"/>
-          </a:fillRef>
-          <a:effectRef idx="0">
-            <a:schemeClr val="accent1"/>
-          </a:effectRef>
-          <a:fontRef idx="minor">
-            <a:schemeClr val="lt1"/>
-          </a:fontRef>
-        </p:style>
-        <p:txBody>
-          <a:bodyPr rtlCol="0" anchor="ctr"/>
-          <a:lstStyle/>
-          <a:p>
-            <a:pPr algn="ctr"/>
-            <a:endParaRPr lang="ko-KR" altLang="en-US" dirty="0">
-              <a:solidFill>
-                <a:schemeClr val="tx1"/>
-              </a:solidFill>
-            </a:endParaRPr>
-          </a:p>
-        </p:txBody>
-      </p:sp>
-      <p:cxnSp>
-        <p:nvCxnSpPr>
-          <p:cNvPr id="7" name="직선 화살표 연결선 6">
-            <a:extLst>
-              <a:ext uri="{FF2B5EF4-FFF2-40B4-BE49-F238E27FC236}">
-                <a16:creationId xmlns:a16="http://schemas.microsoft.com/office/drawing/2014/main" id="{745B21C1-98BB-6FB0-9466-76FC929C3C2D}"/>
-              </a:ext>
-            </a:extLst>
-          </p:cNvPr>
-          <p:cNvCxnSpPr>
-            <a:cxnSpLocks/>
-            <a:stCxn id="5" idx="4"/>
-            <a:endCxn id="6" idx="0"/>
-          </p:cNvCxnSpPr>
-          <p:nvPr/>
-        </p:nvCxnSpPr>
-        <p:spPr>
-          <a:xfrm>
-            <a:off x="1839235" y="1397038"/>
-            <a:ext cx="1" cy="390287"/>
-          </a:xfrm>
-          <a:prstGeom prst="straightConnector1">
-            <a:avLst/>
-          </a:prstGeom>
-          <a:ln w="28575">
-            <a:solidFill>
-              <a:schemeClr val="tx1"/>
-            </a:solidFill>
-            <a:tailEnd type="triangle"/>
-          </a:ln>
-        </p:spPr>
-        <p:style>
-          <a:lnRef idx="1">
-            <a:schemeClr val="accent1"/>
-          </a:lnRef>
-          <a:fillRef idx="0">
-            <a:schemeClr val="accent1"/>
-          </a:fillRef>
-          <a:effectRef idx="0">
-            <a:schemeClr val="accent1"/>
-          </a:effectRef>
-          <a:fontRef idx="minor">
-            <a:schemeClr val="tx1"/>
-          </a:fontRef>
-        </p:style>
-      </p:cxnSp>
-    </p:spTree>
-    <p:extLst>
-      <p:ext uri="{BB962C8B-B14F-4D97-AF65-F5344CB8AC3E}">
-        <p14:creationId xmlns:p14="http://schemas.microsoft.com/office/powerpoint/2010/main" val="2554745826"/>
       </p:ext>
     </p:extLst>
   </p:cSld>
